--- a/img/graphs.pptx
+++ b/img/graphs.pptx
@@ -198,7 +198,7 @@
           <a:p>
             <a:fld id="{7032D634-87B9-4515-9E90-7412EACBC911}" type="datetimeFigureOut">
               <a:rPr lang="fr-FR" smtClean="0"/>
-              <a:t>19/03/2020</a:t>
+              <a:t>23/03/2020</a:t>
             </a:fld>
             <a:endParaRPr lang="fr-FR"/>
           </a:p>
@@ -596,7 +596,7 @@
           <a:p>
             <a:fld id="{CC506755-3F84-4679-BA59-3527CD676A9A}" type="datetimeFigureOut">
               <a:rPr lang="fr-FR" smtClean="0"/>
-              <a:t>19/03/2020</a:t>
+              <a:t>23/03/2020</a:t>
             </a:fld>
             <a:endParaRPr lang="fr-FR"/>
           </a:p>
@@ -766,7 +766,7 @@
           <a:p>
             <a:fld id="{CC506755-3F84-4679-BA59-3527CD676A9A}" type="datetimeFigureOut">
               <a:rPr lang="fr-FR" smtClean="0"/>
-              <a:t>19/03/2020</a:t>
+              <a:t>23/03/2020</a:t>
             </a:fld>
             <a:endParaRPr lang="fr-FR"/>
           </a:p>
@@ -946,7 +946,7 @@
           <a:p>
             <a:fld id="{CC506755-3F84-4679-BA59-3527CD676A9A}" type="datetimeFigureOut">
               <a:rPr lang="fr-FR" smtClean="0"/>
-              <a:t>19/03/2020</a:t>
+              <a:t>23/03/2020</a:t>
             </a:fld>
             <a:endParaRPr lang="fr-FR"/>
           </a:p>
@@ -1116,7 +1116,7 @@
           <a:p>
             <a:fld id="{CC506755-3F84-4679-BA59-3527CD676A9A}" type="datetimeFigureOut">
               <a:rPr lang="fr-FR" smtClean="0"/>
-              <a:t>19/03/2020</a:t>
+              <a:t>23/03/2020</a:t>
             </a:fld>
             <a:endParaRPr lang="fr-FR"/>
           </a:p>
@@ -1360,7 +1360,7 @@
           <a:p>
             <a:fld id="{CC506755-3F84-4679-BA59-3527CD676A9A}" type="datetimeFigureOut">
               <a:rPr lang="fr-FR" smtClean="0"/>
-              <a:t>19/03/2020</a:t>
+              <a:t>23/03/2020</a:t>
             </a:fld>
             <a:endParaRPr lang="fr-FR"/>
           </a:p>
@@ -1592,7 +1592,7 @@
           <a:p>
             <a:fld id="{CC506755-3F84-4679-BA59-3527CD676A9A}" type="datetimeFigureOut">
               <a:rPr lang="fr-FR" smtClean="0"/>
-              <a:t>19/03/2020</a:t>
+              <a:t>23/03/2020</a:t>
             </a:fld>
             <a:endParaRPr lang="fr-FR"/>
           </a:p>
@@ -1959,7 +1959,7 @@
           <a:p>
             <a:fld id="{CC506755-3F84-4679-BA59-3527CD676A9A}" type="datetimeFigureOut">
               <a:rPr lang="fr-FR" smtClean="0"/>
-              <a:t>19/03/2020</a:t>
+              <a:t>23/03/2020</a:t>
             </a:fld>
             <a:endParaRPr lang="fr-FR"/>
           </a:p>
@@ -2077,7 +2077,7 @@
           <a:p>
             <a:fld id="{CC506755-3F84-4679-BA59-3527CD676A9A}" type="datetimeFigureOut">
               <a:rPr lang="fr-FR" smtClean="0"/>
-              <a:t>19/03/2020</a:t>
+              <a:t>23/03/2020</a:t>
             </a:fld>
             <a:endParaRPr lang="fr-FR"/>
           </a:p>
@@ -2172,7 +2172,7 @@
           <a:p>
             <a:fld id="{CC506755-3F84-4679-BA59-3527CD676A9A}" type="datetimeFigureOut">
               <a:rPr lang="fr-FR" smtClean="0"/>
-              <a:t>19/03/2020</a:t>
+              <a:t>23/03/2020</a:t>
             </a:fld>
             <a:endParaRPr lang="fr-FR"/>
           </a:p>
@@ -2449,7 +2449,7 @@
           <a:p>
             <a:fld id="{CC506755-3F84-4679-BA59-3527CD676A9A}" type="datetimeFigureOut">
               <a:rPr lang="fr-FR" smtClean="0"/>
-              <a:t>19/03/2020</a:t>
+              <a:t>23/03/2020</a:t>
             </a:fld>
             <a:endParaRPr lang="fr-FR"/>
           </a:p>
@@ -2706,7 +2706,7 @@
           <a:p>
             <a:fld id="{CC506755-3F84-4679-BA59-3527CD676A9A}" type="datetimeFigureOut">
               <a:rPr lang="fr-FR" smtClean="0"/>
-              <a:t>19/03/2020</a:t>
+              <a:t>23/03/2020</a:t>
             </a:fld>
             <a:endParaRPr lang="fr-FR"/>
           </a:p>
@@ -2919,7 +2919,7 @@
           <a:p>
             <a:fld id="{CC506755-3F84-4679-BA59-3527CD676A9A}" type="datetimeFigureOut">
               <a:rPr lang="fr-FR" smtClean="0"/>
-              <a:t>19/03/2020</a:t>
+              <a:t>23/03/2020</a:t>
             </a:fld>
             <a:endParaRPr lang="fr-FR"/>
           </a:p>
@@ -4670,8 +4670,8 @@
           </a:fontRef>
         </p:style>
       </p:cxnSp>
-      <mc:AlternateContent xmlns:mc="http://schemas.openxmlformats.org/markup-compatibility/2006">
-        <mc:Choice xmlns:a14="http://schemas.microsoft.com/office/drawing/2010/main" Requires="a14">
+      <mc:AlternateContent xmlns:mc="http://schemas.openxmlformats.org/markup-compatibility/2006" xmlns:a14="http://schemas.microsoft.com/office/drawing/2010/main">
+        <mc:Choice Requires="a14">
           <p:sp>
             <p:nvSpPr>
               <p:cNvPr id="41" name="ZoneTexte 40">
@@ -4755,7 +4755,7 @@
             </p:txBody>
           </p:sp>
         </mc:Choice>
-        <mc:Fallback>
+        <mc:Fallback xmlns="">
           <p:sp>
             <p:nvSpPr>
               <p:cNvPr id="41" name="ZoneTexte 40">
@@ -4820,7 +4820,7 @@
             <p:spPr>
               <a:xfrm>
                 <a:off x="1852146" y="3619500"/>
-                <a:ext cx="470834" cy="431785"/>
+                <a:ext cx="671209" cy="430887"/>
               </a:xfrm>
               <a:prstGeom prst="rect">
                 <a:avLst/>
@@ -4852,24 +4852,18 @@
                           </m:ctrlPr>
                         </m:sSubPr>
                         <m:e>
-                          <m:acc>
-                            <m:accPr>
-                              <m:chr m:val="̅"/>
-                              <m:ctrlPr>
-                                <a:rPr lang="fr-FR" sz="2800" i="1" smtClean="0">
-                                  <a:latin typeface="Cambria Math" panose="02040503050406030204" pitchFamily="18" charset="0"/>
-                                </a:rPr>
-                              </m:ctrlPr>
-                            </m:accPr>
-                            <m:e>
-                              <m:r>
-                                <a:rPr lang="fr-FR" sz="2800" i="1">
-                                  <a:latin typeface="Cambria Math" panose="02040503050406030204" pitchFamily="18" charset="0"/>
-                                </a:rPr>
-                                <m:t>𝒢</m:t>
-                              </m:r>
-                            </m:e>
-                          </m:acc>
+                          <m:r>
+                            <a:rPr lang="fr-FR" sz="2800" b="0" i="1" smtClean="0">
+                              <a:latin typeface="Cambria Math" panose="02040503050406030204" pitchFamily="18" charset="0"/>
+                            </a:rPr>
+                            <m:t>𝜕</m:t>
+                          </m:r>
+                          <m:r>
+                            <a:rPr lang="fr-FR" sz="2800" b="0" i="1" smtClean="0">
+                              <a:latin typeface="Cambria Math" panose="02040503050406030204" pitchFamily="18" charset="0"/>
+                            </a:rPr>
+                            <m:t>𝒢</m:t>
+                          </m:r>
                         </m:e>
                         <m:sub>
                           <m:r>
@@ -4906,7 +4900,7 @@
             <p:spPr>
               <a:xfrm>
                 <a:off x="1852146" y="3619500"/>
-                <a:ext cx="470834" cy="431785"/>
+                <a:ext cx="671209" cy="430887"/>
               </a:xfrm>
               <a:prstGeom prst="rect">
                 <a:avLst/>
@@ -5568,8 +5562,8 @@
           </a:fontRef>
         </p:style>
       </p:cxnSp>
-      <mc:AlternateContent xmlns:mc="http://schemas.openxmlformats.org/markup-compatibility/2006">
-        <mc:Choice xmlns:a14="http://schemas.microsoft.com/office/drawing/2010/main" Requires="a14">
+      <mc:AlternateContent xmlns:mc="http://schemas.openxmlformats.org/markup-compatibility/2006" xmlns:a14="http://schemas.microsoft.com/office/drawing/2010/main">
+        <mc:Choice Requires="a14">
           <p:sp>
             <p:nvSpPr>
               <p:cNvPr id="41" name="ZoneTexte 40">
@@ -5622,7 +5616,7 @@
             </p:txBody>
           </p:sp>
         </mc:Choice>
-        <mc:Fallback>
+        <mc:Fallback xmlns="">
           <p:sp>
             <p:nvSpPr>
               <p:cNvPr id="41" name="ZoneTexte 40">

--- a/img/graphs.pptx
+++ b/img/graphs.pptx
@@ -198,7 +198,7 @@
           <a:p>
             <a:fld id="{7032D634-87B9-4515-9E90-7412EACBC911}" type="datetimeFigureOut">
               <a:rPr lang="fr-FR" smtClean="0"/>
-              <a:t>23/03/2020</a:t>
+              <a:t>29/03/2020</a:t>
             </a:fld>
             <a:endParaRPr lang="fr-FR"/>
           </a:p>
@@ -596,7 +596,7 @@
           <a:p>
             <a:fld id="{CC506755-3F84-4679-BA59-3527CD676A9A}" type="datetimeFigureOut">
               <a:rPr lang="fr-FR" smtClean="0"/>
-              <a:t>23/03/2020</a:t>
+              <a:t>29/03/2020</a:t>
             </a:fld>
             <a:endParaRPr lang="fr-FR"/>
           </a:p>
@@ -766,7 +766,7 @@
           <a:p>
             <a:fld id="{CC506755-3F84-4679-BA59-3527CD676A9A}" type="datetimeFigureOut">
               <a:rPr lang="fr-FR" smtClean="0"/>
-              <a:t>23/03/2020</a:t>
+              <a:t>29/03/2020</a:t>
             </a:fld>
             <a:endParaRPr lang="fr-FR"/>
           </a:p>
@@ -946,7 +946,7 @@
           <a:p>
             <a:fld id="{CC506755-3F84-4679-BA59-3527CD676A9A}" type="datetimeFigureOut">
               <a:rPr lang="fr-FR" smtClean="0"/>
-              <a:t>23/03/2020</a:t>
+              <a:t>29/03/2020</a:t>
             </a:fld>
             <a:endParaRPr lang="fr-FR"/>
           </a:p>
@@ -1116,7 +1116,7 @@
           <a:p>
             <a:fld id="{CC506755-3F84-4679-BA59-3527CD676A9A}" type="datetimeFigureOut">
               <a:rPr lang="fr-FR" smtClean="0"/>
-              <a:t>23/03/2020</a:t>
+              <a:t>29/03/2020</a:t>
             </a:fld>
             <a:endParaRPr lang="fr-FR"/>
           </a:p>
@@ -1360,7 +1360,7 @@
           <a:p>
             <a:fld id="{CC506755-3F84-4679-BA59-3527CD676A9A}" type="datetimeFigureOut">
               <a:rPr lang="fr-FR" smtClean="0"/>
-              <a:t>23/03/2020</a:t>
+              <a:t>29/03/2020</a:t>
             </a:fld>
             <a:endParaRPr lang="fr-FR"/>
           </a:p>
@@ -1592,7 +1592,7 @@
           <a:p>
             <a:fld id="{CC506755-3F84-4679-BA59-3527CD676A9A}" type="datetimeFigureOut">
               <a:rPr lang="fr-FR" smtClean="0"/>
-              <a:t>23/03/2020</a:t>
+              <a:t>29/03/2020</a:t>
             </a:fld>
             <a:endParaRPr lang="fr-FR"/>
           </a:p>
@@ -1959,7 +1959,7 @@
           <a:p>
             <a:fld id="{CC506755-3F84-4679-BA59-3527CD676A9A}" type="datetimeFigureOut">
               <a:rPr lang="fr-FR" smtClean="0"/>
-              <a:t>23/03/2020</a:t>
+              <a:t>29/03/2020</a:t>
             </a:fld>
             <a:endParaRPr lang="fr-FR"/>
           </a:p>
@@ -2077,7 +2077,7 @@
           <a:p>
             <a:fld id="{CC506755-3F84-4679-BA59-3527CD676A9A}" type="datetimeFigureOut">
               <a:rPr lang="fr-FR" smtClean="0"/>
-              <a:t>23/03/2020</a:t>
+              <a:t>29/03/2020</a:t>
             </a:fld>
             <a:endParaRPr lang="fr-FR"/>
           </a:p>
@@ -2172,7 +2172,7 @@
           <a:p>
             <a:fld id="{CC506755-3F84-4679-BA59-3527CD676A9A}" type="datetimeFigureOut">
               <a:rPr lang="fr-FR" smtClean="0"/>
-              <a:t>23/03/2020</a:t>
+              <a:t>29/03/2020</a:t>
             </a:fld>
             <a:endParaRPr lang="fr-FR"/>
           </a:p>
@@ -2449,7 +2449,7 @@
           <a:p>
             <a:fld id="{CC506755-3F84-4679-BA59-3527CD676A9A}" type="datetimeFigureOut">
               <a:rPr lang="fr-FR" smtClean="0"/>
-              <a:t>23/03/2020</a:t>
+              <a:t>29/03/2020</a:t>
             </a:fld>
             <a:endParaRPr lang="fr-FR"/>
           </a:p>
@@ -2706,7 +2706,7 @@
           <a:p>
             <a:fld id="{CC506755-3F84-4679-BA59-3527CD676A9A}" type="datetimeFigureOut">
               <a:rPr lang="fr-FR" smtClean="0"/>
-              <a:t>23/03/2020</a:t>
+              <a:t>29/03/2020</a:t>
             </a:fld>
             <a:endParaRPr lang="fr-FR"/>
           </a:p>
@@ -2919,7 +2919,7 @@
           <a:p>
             <a:fld id="{CC506755-3F84-4679-BA59-3527CD676A9A}" type="datetimeFigureOut">
               <a:rPr lang="fr-FR" smtClean="0"/>
-              <a:t>23/03/2020</a:t>
+              <a:t>29/03/2020</a:t>
             </a:fld>
             <a:endParaRPr lang="fr-FR"/>
           </a:p>
@@ -4803,8 +4803,8 @@
           </p:sp>
         </mc:Fallback>
       </mc:AlternateContent>
-      <mc:AlternateContent xmlns:mc="http://schemas.openxmlformats.org/markup-compatibility/2006">
-        <mc:Choice xmlns:a14="http://schemas.microsoft.com/office/drawing/2010/main" Requires="a14">
+      <mc:AlternateContent xmlns:mc="http://schemas.openxmlformats.org/markup-compatibility/2006" xmlns:a14="http://schemas.microsoft.com/office/drawing/2010/main">
+        <mc:Choice Requires="a14">
           <p:sp>
             <p:nvSpPr>
               <p:cNvPr id="42" name="ZoneTexte 41">
@@ -4882,7 +4882,7 @@
             </p:txBody>
           </p:sp>
         </mc:Choice>
-        <mc:Fallback>
+        <mc:Fallback xmlns="">
           <p:sp>
             <p:nvSpPr>
               <p:cNvPr id="42" name="ZoneTexte 41">
@@ -5562,8 +5562,8 @@
           </a:fontRef>
         </p:style>
       </p:cxnSp>
-      <mc:AlternateContent xmlns:mc="http://schemas.openxmlformats.org/markup-compatibility/2006" xmlns:a14="http://schemas.microsoft.com/office/drawing/2010/main">
-        <mc:Choice Requires="a14">
+      <mc:AlternateContent xmlns:mc="http://schemas.openxmlformats.org/markup-compatibility/2006">
+        <mc:Choice xmlns:a14="http://schemas.microsoft.com/office/drawing/2010/main" Requires="a14">
           <p:sp>
             <p:nvSpPr>
               <p:cNvPr id="41" name="ZoneTexte 40">
@@ -5579,7 +5579,7 @@
             <p:spPr>
               <a:xfrm>
                 <a:off x="4065604" y="1361896"/>
-                <a:ext cx="336310" cy="430887"/>
+                <a:ext cx="506998" cy="430887"/>
               </a:xfrm>
               <a:prstGeom prst="rect">
                 <a:avLst/>
@@ -5602,12 +5602,31 @@
                       <m:jc m:val="centerGroup"/>
                     </m:oMathParaPr>
                     <m:oMath xmlns:m="http://schemas.openxmlformats.org/officeDocument/2006/math">
-                      <m:r>
-                        <a:rPr lang="fr-FR" sz="2800" b="0" i="1" smtClean="0">
-                          <a:latin typeface="Cambria Math" panose="02040503050406030204" pitchFamily="18" charset="0"/>
-                        </a:rPr>
-                        <m:t>ℬ</m:t>
-                      </m:r>
+                      <m:sSub>
+                        <m:sSubPr>
+                          <m:ctrlPr>
+                            <a:rPr lang="fr-FR" sz="2800" b="0" i="1" smtClean="0">
+                              <a:latin typeface="Cambria Math" panose="02040503050406030204" pitchFamily="18" charset="0"/>
+                            </a:rPr>
+                          </m:ctrlPr>
+                        </m:sSubPr>
+                        <m:e>
+                          <m:r>
+                            <a:rPr lang="fr-FR" sz="2800" b="0" i="1" smtClean="0">
+                              <a:latin typeface="Cambria Math" panose="02040503050406030204" pitchFamily="18" charset="0"/>
+                            </a:rPr>
+                            <m:t>ℬ</m:t>
+                          </m:r>
+                        </m:e>
+                        <m:sub>
+                          <m:r>
+                            <a:rPr lang="fr-FR" sz="2800" b="0" i="1" smtClean="0">
+                              <a:latin typeface="Cambria Math" panose="02040503050406030204" pitchFamily="18" charset="0"/>
+                            </a:rPr>
+                            <m:t>𝑛</m:t>
+                          </m:r>
+                        </m:sub>
+                      </m:sSub>
                     </m:oMath>
                   </m:oMathPara>
                 </a14:m>
@@ -5616,7 +5635,7 @@
             </p:txBody>
           </p:sp>
         </mc:Choice>
-        <mc:Fallback xmlns="">
+        <mc:Fallback>
           <p:sp>
             <p:nvSpPr>
               <p:cNvPr id="41" name="ZoneTexte 40">
@@ -5634,7 +5653,7 @@
             <p:spPr>
               <a:xfrm>
                 <a:off x="4065604" y="1361896"/>
-                <a:ext cx="336310" cy="430887"/>
+                <a:ext cx="506998" cy="430887"/>
               </a:xfrm>
               <a:prstGeom prst="rect">
                 <a:avLst/>

--- a/img/graphs.pptx
+++ b/img/graphs.pptx
@@ -198,7 +198,7 @@
           <a:p>
             <a:fld id="{7032D634-87B9-4515-9E90-7412EACBC911}" type="datetimeFigureOut">
               <a:rPr lang="fr-FR" smtClean="0"/>
-              <a:t>29/03/2020</a:t>
+              <a:t>02/04/2020</a:t>
             </a:fld>
             <a:endParaRPr lang="fr-FR"/>
           </a:p>
@@ -596,7 +596,7 @@
           <a:p>
             <a:fld id="{CC506755-3F84-4679-BA59-3527CD676A9A}" type="datetimeFigureOut">
               <a:rPr lang="fr-FR" smtClean="0"/>
-              <a:t>29/03/2020</a:t>
+              <a:t>02/04/2020</a:t>
             </a:fld>
             <a:endParaRPr lang="fr-FR"/>
           </a:p>
@@ -766,7 +766,7 @@
           <a:p>
             <a:fld id="{CC506755-3F84-4679-BA59-3527CD676A9A}" type="datetimeFigureOut">
               <a:rPr lang="fr-FR" smtClean="0"/>
-              <a:t>29/03/2020</a:t>
+              <a:t>02/04/2020</a:t>
             </a:fld>
             <a:endParaRPr lang="fr-FR"/>
           </a:p>
@@ -946,7 +946,7 @@
           <a:p>
             <a:fld id="{CC506755-3F84-4679-BA59-3527CD676A9A}" type="datetimeFigureOut">
               <a:rPr lang="fr-FR" smtClean="0"/>
-              <a:t>29/03/2020</a:t>
+              <a:t>02/04/2020</a:t>
             </a:fld>
             <a:endParaRPr lang="fr-FR"/>
           </a:p>
@@ -1116,7 +1116,7 @@
           <a:p>
             <a:fld id="{CC506755-3F84-4679-BA59-3527CD676A9A}" type="datetimeFigureOut">
               <a:rPr lang="fr-FR" smtClean="0"/>
-              <a:t>29/03/2020</a:t>
+              <a:t>02/04/2020</a:t>
             </a:fld>
             <a:endParaRPr lang="fr-FR"/>
           </a:p>
@@ -1360,7 +1360,7 @@
           <a:p>
             <a:fld id="{CC506755-3F84-4679-BA59-3527CD676A9A}" type="datetimeFigureOut">
               <a:rPr lang="fr-FR" smtClean="0"/>
-              <a:t>29/03/2020</a:t>
+              <a:t>02/04/2020</a:t>
             </a:fld>
             <a:endParaRPr lang="fr-FR"/>
           </a:p>
@@ -1592,7 +1592,7 @@
           <a:p>
             <a:fld id="{CC506755-3F84-4679-BA59-3527CD676A9A}" type="datetimeFigureOut">
               <a:rPr lang="fr-FR" smtClean="0"/>
-              <a:t>29/03/2020</a:t>
+              <a:t>02/04/2020</a:t>
             </a:fld>
             <a:endParaRPr lang="fr-FR"/>
           </a:p>
@@ -1959,7 +1959,7 @@
           <a:p>
             <a:fld id="{CC506755-3F84-4679-BA59-3527CD676A9A}" type="datetimeFigureOut">
               <a:rPr lang="fr-FR" smtClean="0"/>
-              <a:t>29/03/2020</a:t>
+              <a:t>02/04/2020</a:t>
             </a:fld>
             <a:endParaRPr lang="fr-FR"/>
           </a:p>
@@ -2077,7 +2077,7 @@
           <a:p>
             <a:fld id="{CC506755-3F84-4679-BA59-3527CD676A9A}" type="datetimeFigureOut">
               <a:rPr lang="fr-FR" smtClean="0"/>
-              <a:t>29/03/2020</a:t>
+              <a:t>02/04/2020</a:t>
             </a:fld>
             <a:endParaRPr lang="fr-FR"/>
           </a:p>
@@ -2172,7 +2172,7 @@
           <a:p>
             <a:fld id="{CC506755-3F84-4679-BA59-3527CD676A9A}" type="datetimeFigureOut">
               <a:rPr lang="fr-FR" smtClean="0"/>
-              <a:t>29/03/2020</a:t>
+              <a:t>02/04/2020</a:t>
             </a:fld>
             <a:endParaRPr lang="fr-FR"/>
           </a:p>
@@ -2449,7 +2449,7 @@
           <a:p>
             <a:fld id="{CC506755-3F84-4679-BA59-3527CD676A9A}" type="datetimeFigureOut">
               <a:rPr lang="fr-FR" smtClean="0"/>
-              <a:t>29/03/2020</a:t>
+              <a:t>02/04/2020</a:t>
             </a:fld>
             <a:endParaRPr lang="fr-FR"/>
           </a:p>
@@ -2706,7 +2706,7 @@
           <a:p>
             <a:fld id="{CC506755-3F84-4679-BA59-3527CD676A9A}" type="datetimeFigureOut">
               <a:rPr lang="fr-FR" smtClean="0"/>
-              <a:t>29/03/2020</a:t>
+              <a:t>02/04/2020</a:t>
             </a:fld>
             <a:endParaRPr lang="fr-FR"/>
           </a:p>
@@ -2919,7 +2919,7 @@
           <a:p>
             <a:fld id="{CC506755-3F84-4679-BA59-3527CD676A9A}" type="datetimeFigureOut">
               <a:rPr lang="fr-FR" smtClean="0"/>
-              <a:t>29/03/2020</a:t>
+              <a:t>02/04/2020</a:t>
             </a:fld>
             <a:endParaRPr lang="fr-FR"/>
           </a:p>
@@ -4932,51 +4932,6 @@
       </mc:AlternateContent>
       <p:cxnSp>
         <p:nvCxnSpPr>
-          <p:cNvPr id="43" name="Connecteur droit 42">
-            <a:extLst>
-              <a:ext uri="{FF2B5EF4-FFF2-40B4-BE49-F238E27FC236}">
-                <a16:creationId xmlns:a16="http://schemas.microsoft.com/office/drawing/2014/main" id="{B4A950EF-C211-4A15-B874-76E682760B28}"/>
-              </a:ext>
-            </a:extLst>
-          </p:cNvPr>
-          <p:cNvCxnSpPr>
-            <a:cxnSpLocks/>
-          </p:cNvCxnSpPr>
-          <p:nvPr/>
-        </p:nvCxnSpPr>
-        <p:spPr>
-          <a:xfrm>
-            <a:off x="4704557" y="3589747"/>
-            <a:ext cx="0" cy="0"/>
-          </a:xfrm>
-          <a:prstGeom prst="line">
-            <a:avLst/>
-          </a:prstGeom>
-          <a:ln w="28575">
-            <a:solidFill>
-              <a:srgbClr val="0070C0"/>
-            </a:solidFill>
-            <a:headEnd type="oval" w="lg" len="lg"/>
-            <a:tailEnd type="oval"/>
-          </a:ln>
-        </p:spPr>
-        <p:style>
-          <a:lnRef idx="1">
-            <a:schemeClr val="accent1"/>
-          </a:lnRef>
-          <a:fillRef idx="0">
-            <a:schemeClr val="accent1"/>
-          </a:fillRef>
-          <a:effectRef idx="0">
-            <a:schemeClr val="accent1"/>
-          </a:effectRef>
-          <a:fontRef idx="minor">
-            <a:schemeClr val="tx1"/>
-          </a:fontRef>
-        </p:style>
-      </p:cxnSp>
-      <p:cxnSp>
-        <p:nvCxnSpPr>
           <p:cNvPr id="45" name="Connecteur droit 44">
             <a:extLst>
               <a:ext uri="{FF2B5EF4-FFF2-40B4-BE49-F238E27FC236}">
@@ -5127,7 +5082,7 @@
         <p:spPr>
           <a:xfrm flipV="1">
             <a:off x="2951956" y="624365"/>
-            <a:ext cx="0" cy="997266"/>
+            <a:ext cx="0" cy="866298"/>
           </a:xfrm>
           <a:prstGeom prst="line">
             <a:avLst/>
@@ -5304,8 +5259,8 @@
         </p:nvSpPr>
         <p:spPr>
           <a:xfrm>
-            <a:off x="2941320" y="1577340"/>
-            <a:ext cx="1737360" cy="1935480"/>
+            <a:off x="3043714" y="1605915"/>
+            <a:ext cx="1634966" cy="1906905"/>
           </a:xfrm>
           <a:custGeom>
             <a:avLst/>
@@ -5328,6 +5283,18 @@
               <a:gd name="connsiteY1" fmla="*/ 708660 h 1935480"/>
               <a:gd name="connsiteX2" fmla="*/ 1737360 w 1737360"/>
               <a:gd name="connsiteY2" fmla="*/ 1935480 h 1935480"/>
+              <a:gd name="connsiteX0" fmla="*/ 0 w 1627822"/>
+              <a:gd name="connsiteY0" fmla="*/ 0 h 1880711"/>
+              <a:gd name="connsiteX1" fmla="*/ 1010602 w 1627822"/>
+              <a:gd name="connsiteY1" fmla="*/ 653891 h 1880711"/>
+              <a:gd name="connsiteX2" fmla="*/ 1627822 w 1627822"/>
+              <a:gd name="connsiteY2" fmla="*/ 1880711 h 1880711"/>
+              <a:gd name="connsiteX0" fmla="*/ 0 w 1634966"/>
+              <a:gd name="connsiteY0" fmla="*/ 0 h 1906905"/>
+              <a:gd name="connsiteX1" fmla="*/ 1017746 w 1634966"/>
+              <a:gd name="connsiteY1" fmla="*/ 680085 h 1906905"/>
+              <a:gd name="connsiteX2" fmla="*/ 1634966 w 1634966"/>
+              <a:gd name="connsiteY2" fmla="*/ 1906905 h 1906905"/>
             </a:gdLst>
             <a:ahLst/>
             <a:cxnLst>
@@ -5343,19 +5310,19 @@
             </a:cxnLst>
             <a:rect l="l" t="t" r="r" b="b"/>
             <a:pathLst>
-              <a:path w="1737360" h="1935480">
+              <a:path w="1634966" h="1906905">
                 <a:moveTo>
                   <a:pt x="0" y="0"/>
                 </a:moveTo>
                 <a:cubicBezTo>
                   <a:pt x="480060" y="204470"/>
-                  <a:pt x="830580" y="386080"/>
-                  <a:pt x="1120140" y="708660"/>
+                  <a:pt x="728186" y="357505"/>
+                  <a:pt x="1017746" y="680085"/>
                 </a:cubicBezTo>
                 <a:cubicBezTo>
-                  <a:pt x="1409700" y="1031240"/>
-                  <a:pt x="1638300" y="1494790"/>
-                  <a:pt x="1737360" y="1935480"/>
+                  <a:pt x="1307306" y="1002665"/>
+                  <a:pt x="1535906" y="1466215"/>
+                  <a:pt x="1634966" y="1906905"/>
                 </a:cubicBezTo>
               </a:path>
             </a:pathLst>
@@ -5393,51 +5360,114 @@
           </a:p>
         </p:txBody>
       </p:sp>
-      <p:cxnSp>
-        <p:nvCxnSpPr>
-          <p:cNvPr id="29" name="Connecteur droit 28">
+      <p:sp>
+        <p:nvSpPr>
+          <p:cNvPr id="18" name="Triangle isocèle 17">
             <a:extLst>
               <a:ext uri="{FF2B5EF4-FFF2-40B4-BE49-F238E27FC236}">
-                <a16:creationId xmlns:a16="http://schemas.microsoft.com/office/drawing/2014/main" id="{E9F5A0C4-F3EE-42CB-B8B3-0E047BA21819}"/>
+                <a16:creationId xmlns:a16="http://schemas.microsoft.com/office/drawing/2014/main" id="{DAE85F25-A940-494E-A4C7-426F1839A1EC}"/>
               </a:ext>
             </a:extLst>
           </p:cNvPr>
-          <p:cNvCxnSpPr>
-            <a:cxnSpLocks/>
-          </p:cNvCxnSpPr>
+          <p:cNvSpPr/>
           <p:nvPr/>
-        </p:nvCxnSpPr>
+        </p:nvSpPr>
         <p:spPr>
           <a:xfrm>
-            <a:off x="2952638" y="1571625"/>
-            <a:ext cx="0" cy="0"/>
+            <a:off x="4633594" y="3518701"/>
+            <a:ext cx="146100" cy="125949"/>
           </a:xfrm>
-          <a:prstGeom prst="line">
+          <a:prstGeom prst="triangle">
             <a:avLst/>
           </a:prstGeom>
-          <a:ln w="28575">
+          <a:solidFill>
+            <a:schemeClr val="accent2"/>
+          </a:solidFill>
+          <a:ln>
             <a:solidFill>
-              <a:srgbClr val="C00000"/>
+              <a:schemeClr val="accent2"/>
             </a:solidFill>
-            <a:headEnd type="oval" w="lg" len="lg"/>
-            <a:tailEnd type="none"/>
           </a:ln>
         </p:spPr>
         <p:style>
-          <a:lnRef idx="1">
-            <a:schemeClr val="accent1"/>
+          <a:lnRef idx="2">
+            <a:schemeClr val="accent1">
+              <a:shade val="50000"/>
+            </a:schemeClr>
           </a:lnRef>
-          <a:fillRef idx="0">
+          <a:fillRef idx="1">
             <a:schemeClr val="accent1"/>
           </a:fillRef>
           <a:effectRef idx="0">
             <a:schemeClr val="accent1"/>
           </a:effectRef>
           <a:fontRef idx="minor">
-            <a:schemeClr val="tx1"/>
+            <a:schemeClr val="lt1"/>
           </a:fontRef>
         </p:style>
-      </p:cxnSp>
+        <p:txBody>
+          <a:bodyPr rtlCol="0" anchor="ctr"/>
+          <a:lstStyle/>
+          <a:p>
+            <a:pPr algn="ctr"/>
+            <a:endParaRPr lang="fr-FR"/>
+          </a:p>
+        </p:txBody>
+      </p:sp>
+      <p:sp>
+        <p:nvSpPr>
+          <p:cNvPr id="19" name="Rectangle 18">
+            <a:extLst>
+              <a:ext uri="{FF2B5EF4-FFF2-40B4-BE49-F238E27FC236}">
+                <a16:creationId xmlns:a16="http://schemas.microsoft.com/office/drawing/2014/main" id="{909921D6-7A76-4076-8178-B4E319DA7530}"/>
+              </a:ext>
+            </a:extLst>
+          </p:cNvPr>
+          <p:cNvSpPr/>
+          <p:nvPr/>
+        </p:nvSpPr>
+        <p:spPr>
+          <a:xfrm flipH="1">
+            <a:off x="2890766" y="1508484"/>
+            <a:ext cx="124614" cy="124614"/>
+          </a:xfrm>
+          <a:prstGeom prst="rect">
+            <a:avLst/>
+          </a:prstGeom>
+          <a:solidFill>
+            <a:schemeClr val="accent1"/>
+          </a:solidFill>
+          <a:ln>
+            <a:solidFill>
+              <a:schemeClr val="accent1"/>
+            </a:solidFill>
+          </a:ln>
+        </p:spPr>
+        <p:style>
+          <a:lnRef idx="2">
+            <a:schemeClr val="accent1">
+              <a:shade val="50000"/>
+            </a:schemeClr>
+          </a:lnRef>
+          <a:fillRef idx="1">
+            <a:schemeClr val="accent1"/>
+          </a:fillRef>
+          <a:effectRef idx="0">
+            <a:schemeClr val="accent1"/>
+          </a:effectRef>
+          <a:fontRef idx="minor">
+            <a:schemeClr val="lt1"/>
+          </a:fontRef>
+        </p:style>
+        <p:txBody>
+          <a:bodyPr rtlCol="0" anchor="ctr"/>
+          <a:lstStyle/>
+          <a:p>
+            <a:pPr algn="ctr"/>
+            <a:endParaRPr lang="fr-FR"/>
+          </a:p>
+        </p:txBody>
+      </p:sp>
     </p:spTree>
     <p:extLst>
       <p:ext uri="{BB962C8B-B14F-4D97-AF65-F5344CB8AC3E}">
@@ -5562,8 +5592,8 @@
           </a:fontRef>
         </p:style>
       </p:cxnSp>
-      <mc:AlternateContent xmlns:mc="http://schemas.openxmlformats.org/markup-compatibility/2006">
-        <mc:Choice xmlns:a14="http://schemas.microsoft.com/office/drawing/2010/main" Requires="a14">
+      <mc:AlternateContent xmlns:mc="http://schemas.openxmlformats.org/markup-compatibility/2006" xmlns:a14="http://schemas.microsoft.com/office/drawing/2010/main">
+        <mc:Choice Requires="a14">
           <p:sp>
             <p:nvSpPr>
               <p:cNvPr id="41" name="ZoneTexte 40">
@@ -5635,7 +5665,7 @@
             </p:txBody>
           </p:sp>
         </mc:Choice>
-        <mc:Fallback>
+        <mc:Fallback xmlns="">
           <p:sp>
             <p:nvSpPr>
               <p:cNvPr id="41" name="ZoneTexte 40">
@@ -5685,51 +5715,6 @@
       </mc:AlternateContent>
       <p:cxnSp>
         <p:nvCxnSpPr>
-          <p:cNvPr id="43" name="Connecteur droit 42">
-            <a:extLst>
-              <a:ext uri="{FF2B5EF4-FFF2-40B4-BE49-F238E27FC236}">
-                <a16:creationId xmlns:a16="http://schemas.microsoft.com/office/drawing/2014/main" id="{B4A950EF-C211-4A15-B874-76E682760B28}"/>
-              </a:ext>
-            </a:extLst>
-          </p:cNvPr>
-          <p:cNvCxnSpPr>
-            <a:cxnSpLocks/>
-          </p:cNvCxnSpPr>
-          <p:nvPr/>
-        </p:nvCxnSpPr>
-        <p:spPr>
-          <a:xfrm>
-            <a:off x="4704557" y="3589747"/>
-            <a:ext cx="0" cy="0"/>
-          </a:xfrm>
-          <a:prstGeom prst="line">
-            <a:avLst/>
-          </a:prstGeom>
-          <a:ln w="28575">
-            <a:solidFill>
-              <a:srgbClr val="0070C0"/>
-            </a:solidFill>
-            <a:headEnd type="oval" w="lg" len="lg"/>
-            <a:tailEnd type="oval"/>
-          </a:ln>
-        </p:spPr>
-        <p:style>
-          <a:lnRef idx="1">
-            <a:schemeClr val="accent1"/>
-          </a:lnRef>
-          <a:fillRef idx="0">
-            <a:schemeClr val="accent1"/>
-          </a:fillRef>
-          <a:effectRef idx="0">
-            <a:schemeClr val="accent1"/>
-          </a:effectRef>
-          <a:fontRef idx="minor">
-            <a:schemeClr val="tx1"/>
-          </a:fontRef>
-        </p:style>
-      </p:cxnSp>
-      <p:cxnSp>
-        <p:nvCxnSpPr>
           <p:cNvPr id="45" name="Connecteur droit 44">
             <a:extLst>
               <a:ext uri="{FF2B5EF4-FFF2-40B4-BE49-F238E27FC236}">
@@ -5846,57 +5831,12 @@
           </a:prstGeom>
           <a:ln w="6350">
             <a:solidFill>
-              <a:schemeClr val="tx1"/>
-            </a:solidFill>
-            <a:headEnd type="oval" w="lg" len="lg"/>
-            <a:tailEnd type="oval" w="sm" len="sm"/>
-          </a:ln>
-        </p:spPr>
-        <p:style>
-          <a:lnRef idx="1">
-            <a:schemeClr val="accent1"/>
-          </a:lnRef>
-          <a:fillRef idx="0">
-            <a:schemeClr val="accent1"/>
-          </a:fillRef>
-          <a:effectRef idx="0">
-            <a:schemeClr val="accent1"/>
-          </a:effectRef>
-          <a:fontRef idx="minor">
-            <a:schemeClr val="tx1"/>
-          </a:fontRef>
-        </p:style>
-      </p:cxnSp>
-      <p:cxnSp>
-        <p:nvCxnSpPr>
-          <p:cNvPr id="89" name="Connecteur droit 88">
-            <a:extLst>
-              <a:ext uri="{FF2B5EF4-FFF2-40B4-BE49-F238E27FC236}">
-                <a16:creationId xmlns:a16="http://schemas.microsoft.com/office/drawing/2014/main" id="{AC4CA023-24CA-48D5-A2E8-5CF010B1369E}"/>
-              </a:ext>
-            </a:extLst>
-          </p:cNvPr>
-          <p:cNvCxnSpPr>
-            <a:cxnSpLocks/>
-          </p:cNvCxnSpPr>
-          <p:nvPr/>
-        </p:nvCxnSpPr>
-        <p:spPr>
-          <a:xfrm flipV="1">
-            <a:off x="2951956" y="624365"/>
-            <a:ext cx="0" cy="997266"/>
-          </a:xfrm>
-          <a:prstGeom prst="line">
-            <a:avLst/>
-          </a:prstGeom>
-          <a:ln>
-            <a:solidFill>
               <a:schemeClr val="bg1">
                 <a:lumMod val="65000"/>
               </a:schemeClr>
             </a:solidFill>
-            <a:headEnd type="none" w="lg" len="lg"/>
-            <a:tailEnd type="triangle" w="lg" len="lg"/>
+            <a:headEnd type="oval" w="lg" len="lg"/>
+            <a:tailEnd type="oval" w="sm" len="sm"/>
           </a:ln>
         </p:spPr>
         <p:style>
@@ -6032,160 +5972,12 @@
           </a:prstGeom>
           <a:ln w="6350">
             <a:solidFill>
-              <a:schemeClr val="tx1"/>
-            </a:solidFill>
-            <a:headEnd type="oval" w="lg" len="lg"/>
-            <a:tailEnd type="oval" w="sm" len="sm"/>
-          </a:ln>
-        </p:spPr>
-        <p:style>
-          <a:lnRef idx="1">
-            <a:schemeClr val="accent1"/>
-          </a:lnRef>
-          <a:fillRef idx="0">
-            <a:schemeClr val="accent1"/>
-          </a:fillRef>
-          <a:effectRef idx="0">
-            <a:schemeClr val="accent1"/>
-          </a:effectRef>
-          <a:fontRef idx="minor">
-            <a:schemeClr val="tx1"/>
-          </a:fontRef>
-        </p:style>
-      </p:cxnSp>
-      <p:sp>
-        <p:nvSpPr>
-          <p:cNvPr id="109" name="Forme libre : forme 108">
-            <a:extLst>
-              <a:ext uri="{FF2B5EF4-FFF2-40B4-BE49-F238E27FC236}">
-                <a16:creationId xmlns:a16="http://schemas.microsoft.com/office/drawing/2014/main" id="{38BF95D1-8ACF-4662-8EB3-979B8A6819D2}"/>
-              </a:ext>
-            </a:extLst>
-          </p:cNvPr>
-          <p:cNvSpPr/>
-          <p:nvPr/>
-        </p:nvSpPr>
-        <p:spPr>
-          <a:xfrm>
-            <a:off x="2941320" y="1577340"/>
-            <a:ext cx="1737360" cy="1935480"/>
-          </a:xfrm>
-          <a:custGeom>
-            <a:avLst/>
-            <a:gdLst>
-              <a:gd name="connsiteX0" fmla="*/ 0 w 1737360"/>
-              <a:gd name="connsiteY0" fmla="*/ 0 h 1935480"/>
-              <a:gd name="connsiteX1" fmla="*/ 1249680 w 1737360"/>
-              <a:gd name="connsiteY1" fmla="*/ 731520 h 1935480"/>
-              <a:gd name="connsiteX2" fmla="*/ 1737360 w 1737360"/>
-              <a:gd name="connsiteY2" fmla="*/ 1935480 h 1935480"/>
-              <a:gd name="connsiteX0" fmla="*/ 0 w 1737360"/>
-              <a:gd name="connsiteY0" fmla="*/ 0 h 1935480"/>
-              <a:gd name="connsiteX1" fmla="*/ 1112520 w 1737360"/>
-              <a:gd name="connsiteY1" fmla="*/ 678180 h 1935480"/>
-              <a:gd name="connsiteX2" fmla="*/ 1737360 w 1737360"/>
-              <a:gd name="connsiteY2" fmla="*/ 1935480 h 1935480"/>
-              <a:gd name="connsiteX0" fmla="*/ 0 w 1737360"/>
-              <a:gd name="connsiteY0" fmla="*/ 0 h 1935480"/>
-              <a:gd name="connsiteX1" fmla="*/ 1120140 w 1737360"/>
-              <a:gd name="connsiteY1" fmla="*/ 708660 h 1935480"/>
-              <a:gd name="connsiteX2" fmla="*/ 1737360 w 1737360"/>
-              <a:gd name="connsiteY2" fmla="*/ 1935480 h 1935480"/>
-            </a:gdLst>
-            <a:ahLst/>
-            <a:cxnLst>
-              <a:cxn ang="0">
-                <a:pos x="connsiteX0" y="connsiteY0"/>
-              </a:cxn>
-              <a:cxn ang="0">
-                <a:pos x="connsiteX1" y="connsiteY1"/>
-              </a:cxn>
-              <a:cxn ang="0">
-                <a:pos x="connsiteX2" y="connsiteY2"/>
-              </a:cxn>
-            </a:cxnLst>
-            <a:rect l="l" t="t" r="r" b="b"/>
-            <a:pathLst>
-              <a:path w="1737360" h="1935480">
-                <a:moveTo>
-                  <a:pt x="0" y="0"/>
-                </a:moveTo>
-                <a:cubicBezTo>
-                  <a:pt x="480060" y="204470"/>
-                  <a:pt x="830580" y="386080"/>
-                  <a:pt x="1120140" y="708660"/>
-                </a:cubicBezTo>
-                <a:cubicBezTo>
-                  <a:pt x="1409700" y="1031240"/>
-                  <a:pt x="1638300" y="1494790"/>
-                  <a:pt x="1737360" y="1935480"/>
-                </a:cubicBezTo>
-              </a:path>
-            </a:pathLst>
-          </a:custGeom>
-          <a:noFill/>
-          <a:ln w="6350">
-            <a:solidFill>
               <a:schemeClr val="bg1">
                 <a:lumMod val="65000"/>
               </a:schemeClr>
             </a:solidFill>
-            <a:tailEnd type="triangle" w="lg" len="lg"/>
-          </a:ln>
-        </p:spPr>
-        <p:style>
-          <a:lnRef idx="2">
-            <a:schemeClr val="accent1">
-              <a:shade val="50000"/>
-            </a:schemeClr>
-          </a:lnRef>
-          <a:fillRef idx="1">
-            <a:schemeClr val="accent1"/>
-          </a:fillRef>
-          <a:effectRef idx="0">
-            <a:schemeClr val="accent1"/>
-          </a:effectRef>
-          <a:fontRef idx="minor">
-            <a:schemeClr val="lt1"/>
-          </a:fontRef>
-        </p:style>
-        <p:txBody>
-          <a:bodyPr rtlCol="0" anchor="ctr"/>
-          <a:lstStyle/>
-          <a:p>
-            <a:pPr algn="ctr"/>
-            <a:endParaRPr lang="fr-FR"/>
-          </a:p>
-        </p:txBody>
-      </p:sp>
-      <p:cxnSp>
-        <p:nvCxnSpPr>
-          <p:cNvPr id="29" name="Connecteur droit 28">
-            <a:extLst>
-              <a:ext uri="{FF2B5EF4-FFF2-40B4-BE49-F238E27FC236}">
-                <a16:creationId xmlns:a16="http://schemas.microsoft.com/office/drawing/2014/main" id="{E9F5A0C4-F3EE-42CB-B8B3-0E047BA21819}"/>
-              </a:ext>
-            </a:extLst>
-          </p:cNvPr>
-          <p:cNvCxnSpPr>
-            <a:cxnSpLocks/>
-          </p:cNvCxnSpPr>
-          <p:nvPr/>
-        </p:nvCxnSpPr>
-        <p:spPr>
-          <a:xfrm>
-            <a:off x="2952638" y="1571625"/>
-            <a:ext cx="0" cy="0"/>
-          </a:xfrm>
-          <a:prstGeom prst="line">
-            <a:avLst/>
-          </a:prstGeom>
-          <a:ln w="28575">
-            <a:solidFill>
-              <a:srgbClr val="C00000"/>
-            </a:solidFill>
             <a:headEnd type="oval" w="lg" len="lg"/>
-            <a:tailEnd type="none"/>
+            <a:tailEnd type="oval" w="sm" len="sm"/>
           </a:ln>
         </p:spPr>
         <p:style>
@@ -6622,6 +6414,278 @@
           </a:fontRef>
         </p:style>
       </p:cxnSp>
+      <p:cxnSp>
+        <p:nvCxnSpPr>
+          <p:cNvPr id="23" name="Connecteur droit 22">
+            <a:extLst>
+              <a:ext uri="{FF2B5EF4-FFF2-40B4-BE49-F238E27FC236}">
+                <a16:creationId xmlns:a16="http://schemas.microsoft.com/office/drawing/2014/main" id="{10813841-9898-4936-8841-FC92F5F89F44}"/>
+              </a:ext>
+            </a:extLst>
+          </p:cNvPr>
+          <p:cNvCxnSpPr>
+            <a:cxnSpLocks/>
+          </p:cNvCxnSpPr>
+          <p:nvPr/>
+        </p:nvCxnSpPr>
+        <p:spPr>
+          <a:xfrm flipV="1">
+            <a:off x="2951956" y="624365"/>
+            <a:ext cx="0" cy="866298"/>
+          </a:xfrm>
+          <a:prstGeom prst="line">
+            <a:avLst/>
+          </a:prstGeom>
+          <a:ln w="6350">
+            <a:solidFill>
+              <a:schemeClr val="bg1">
+                <a:lumMod val="65000"/>
+              </a:schemeClr>
+            </a:solidFill>
+            <a:headEnd type="none" w="lg" len="lg"/>
+            <a:tailEnd type="triangle" w="lg" len="lg"/>
+          </a:ln>
+        </p:spPr>
+        <p:style>
+          <a:lnRef idx="1">
+            <a:schemeClr val="accent1"/>
+          </a:lnRef>
+          <a:fillRef idx="0">
+            <a:schemeClr val="accent1"/>
+          </a:fillRef>
+          <a:effectRef idx="0">
+            <a:schemeClr val="accent1"/>
+          </a:effectRef>
+          <a:fontRef idx="minor">
+            <a:schemeClr val="tx1"/>
+          </a:fontRef>
+        </p:style>
+      </p:cxnSp>
+      <p:sp>
+        <p:nvSpPr>
+          <p:cNvPr id="24" name="Forme libre : forme 23">
+            <a:extLst>
+              <a:ext uri="{FF2B5EF4-FFF2-40B4-BE49-F238E27FC236}">
+                <a16:creationId xmlns:a16="http://schemas.microsoft.com/office/drawing/2014/main" id="{8C0F71AF-2DA2-459A-8FC5-F58CA20F4A47}"/>
+              </a:ext>
+            </a:extLst>
+          </p:cNvPr>
+          <p:cNvSpPr/>
+          <p:nvPr/>
+        </p:nvSpPr>
+        <p:spPr>
+          <a:xfrm>
+            <a:off x="3043714" y="1605915"/>
+            <a:ext cx="1634966" cy="1906905"/>
+          </a:xfrm>
+          <a:custGeom>
+            <a:avLst/>
+            <a:gdLst>
+              <a:gd name="connsiteX0" fmla="*/ 0 w 1737360"/>
+              <a:gd name="connsiteY0" fmla="*/ 0 h 1935480"/>
+              <a:gd name="connsiteX1" fmla="*/ 1249680 w 1737360"/>
+              <a:gd name="connsiteY1" fmla="*/ 731520 h 1935480"/>
+              <a:gd name="connsiteX2" fmla="*/ 1737360 w 1737360"/>
+              <a:gd name="connsiteY2" fmla="*/ 1935480 h 1935480"/>
+              <a:gd name="connsiteX0" fmla="*/ 0 w 1737360"/>
+              <a:gd name="connsiteY0" fmla="*/ 0 h 1935480"/>
+              <a:gd name="connsiteX1" fmla="*/ 1112520 w 1737360"/>
+              <a:gd name="connsiteY1" fmla="*/ 678180 h 1935480"/>
+              <a:gd name="connsiteX2" fmla="*/ 1737360 w 1737360"/>
+              <a:gd name="connsiteY2" fmla="*/ 1935480 h 1935480"/>
+              <a:gd name="connsiteX0" fmla="*/ 0 w 1737360"/>
+              <a:gd name="connsiteY0" fmla="*/ 0 h 1935480"/>
+              <a:gd name="connsiteX1" fmla="*/ 1120140 w 1737360"/>
+              <a:gd name="connsiteY1" fmla="*/ 708660 h 1935480"/>
+              <a:gd name="connsiteX2" fmla="*/ 1737360 w 1737360"/>
+              <a:gd name="connsiteY2" fmla="*/ 1935480 h 1935480"/>
+              <a:gd name="connsiteX0" fmla="*/ 0 w 1627822"/>
+              <a:gd name="connsiteY0" fmla="*/ 0 h 1880711"/>
+              <a:gd name="connsiteX1" fmla="*/ 1010602 w 1627822"/>
+              <a:gd name="connsiteY1" fmla="*/ 653891 h 1880711"/>
+              <a:gd name="connsiteX2" fmla="*/ 1627822 w 1627822"/>
+              <a:gd name="connsiteY2" fmla="*/ 1880711 h 1880711"/>
+              <a:gd name="connsiteX0" fmla="*/ 0 w 1634966"/>
+              <a:gd name="connsiteY0" fmla="*/ 0 h 1906905"/>
+              <a:gd name="connsiteX1" fmla="*/ 1017746 w 1634966"/>
+              <a:gd name="connsiteY1" fmla="*/ 680085 h 1906905"/>
+              <a:gd name="connsiteX2" fmla="*/ 1634966 w 1634966"/>
+              <a:gd name="connsiteY2" fmla="*/ 1906905 h 1906905"/>
+            </a:gdLst>
+            <a:ahLst/>
+            <a:cxnLst>
+              <a:cxn ang="0">
+                <a:pos x="connsiteX0" y="connsiteY0"/>
+              </a:cxn>
+              <a:cxn ang="0">
+                <a:pos x="connsiteX1" y="connsiteY1"/>
+              </a:cxn>
+              <a:cxn ang="0">
+                <a:pos x="connsiteX2" y="connsiteY2"/>
+              </a:cxn>
+            </a:cxnLst>
+            <a:rect l="l" t="t" r="r" b="b"/>
+            <a:pathLst>
+              <a:path w="1634966" h="1906905">
+                <a:moveTo>
+                  <a:pt x="0" y="0"/>
+                </a:moveTo>
+                <a:cubicBezTo>
+                  <a:pt x="480060" y="204470"/>
+                  <a:pt x="728186" y="357505"/>
+                  <a:pt x="1017746" y="680085"/>
+                </a:cubicBezTo>
+                <a:cubicBezTo>
+                  <a:pt x="1307306" y="1002665"/>
+                  <a:pt x="1535906" y="1466215"/>
+                  <a:pt x="1634966" y="1906905"/>
+                </a:cubicBezTo>
+              </a:path>
+            </a:pathLst>
+          </a:custGeom>
+          <a:noFill/>
+          <a:ln w="6350">
+            <a:solidFill>
+              <a:schemeClr val="bg1">
+                <a:lumMod val="65000"/>
+              </a:schemeClr>
+            </a:solidFill>
+            <a:tailEnd type="triangle" w="lg" len="lg"/>
+          </a:ln>
+        </p:spPr>
+        <p:style>
+          <a:lnRef idx="2">
+            <a:schemeClr val="accent1">
+              <a:shade val="50000"/>
+            </a:schemeClr>
+          </a:lnRef>
+          <a:fillRef idx="1">
+            <a:schemeClr val="accent1"/>
+          </a:fillRef>
+          <a:effectRef idx="0">
+            <a:schemeClr val="accent1"/>
+          </a:effectRef>
+          <a:fontRef idx="minor">
+            <a:schemeClr val="lt1"/>
+          </a:fontRef>
+        </p:style>
+        <p:txBody>
+          <a:bodyPr rtlCol="0" anchor="ctr"/>
+          <a:lstStyle/>
+          <a:p>
+            <a:pPr algn="ctr"/>
+            <a:endParaRPr lang="fr-FR"/>
+          </a:p>
+        </p:txBody>
+      </p:sp>
+      <p:sp>
+        <p:nvSpPr>
+          <p:cNvPr id="35" name="Triangle isocèle 34">
+            <a:extLst>
+              <a:ext uri="{FF2B5EF4-FFF2-40B4-BE49-F238E27FC236}">
+                <a16:creationId xmlns:a16="http://schemas.microsoft.com/office/drawing/2014/main" id="{78E59CBA-180A-4232-BD77-65B7BA21AAE0}"/>
+              </a:ext>
+            </a:extLst>
+          </p:cNvPr>
+          <p:cNvSpPr/>
+          <p:nvPr/>
+        </p:nvSpPr>
+        <p:spPr>
+          <a:xfrm>
+            <a:off x="4633594" y="3518701"/>
+            <a:ext cx="146100" cy="125949"/>
+          </a:xfrm>
+          <a:prstGeom prst="triangle">
+            <a:avLst/>
+          </a:prstGeom>
+          <a:solidFill>
+            <a:schemeClr val="accent2"/>
+          </a:solidFill>
+          <a:ln>
+            <a:solidFill>
+              <a:schemeClr val="accent2"/>
+            </a:solidFill>
+          </a:ln>
+        </p:spPr>
+        <p:style>
+          <a:lnRef idx="2">
+            <a:schemeClr val="accent1">
+              <a:shade val="50000"/>
+            </a:schemeClr>
+          </a:lnRef>
+          <a:fillRef idx="1">
+            <a:schemeClr val="accent1"/>
+          </a:fillRef>
+          <a:effectRef idx="0">
+            <a:schemeClr val="accent1"/>
+          </a:effectRef>
+          <a:fontRef idx="minor">
+            <a:schemeClr val="lt1"/>
+          </a:fontRef>
+        </p:style>
+        <p:txBody>
+          <a:bodyPr rtlCol="0" anchor="ctr"/>
+          <a:lstStyle/>
+          <a:p>
+            <a:pPr algn="ctr"/>
+            <a:endParaRPr lang="fr-FR"/>
+          </a:p>
+        </p:txBody>
+      </p:sp>
+      <p:sp>
+        <p:nvSpPr>
+          <p:cNvPr id="36" name="Rectangle 35">
+            <a:extLst>
+              <a:ext uri="{FF2B5EF4-FFF2-40B4-BE49-F238E27FC236}">
+                <a16:creationId xmlns:a16="http://schemas.microsoft.com/office/drawing/2014/main" id="{12C34C07-96D9-420D-ACC7-698D8B35CEB6}"/>
+              </a:ext>
+            </a:extLst>
+          </p:cNvPr>
+          <p:cNvSpPr/>
+          <p:nvPr/>
+        </p:nvSpPr>
+        <p:spPr>
+          <a:xfrm flipH="1">
+            <a:off x="2890766" y="1508484"/>
+            <a:ext cx="124614" cy="124614"/>
+          </a:xfrm>
+          <a:prstGeom prst="rect">
+            <a:avLst/>
+          </a:prstGeom>
+          <a:solidFill>
+            <a:schemeClr val="accent1"/>
+          </a:solidFill>
+          <a:ln>
+            <a:solidFill>
+              <a:schemeClr val="accent1"/>
+            </a:solidFill>
+          </a:ln>
+        </p:spPr>
+        <p:style>
+          <a:lnRef idx="2">
+            <a:schemeClr val="accent1">
+              <a:shade val="50000"/>
+            </a:schemeClr>
+          </a:lnRef>
+          <a:fillRef idx="1">
+            <a:schemeClr val="accent1"/>
+          </a:fillRef>
+          <a:effectRef idx="0">
+            <a:schemeClr val="accent1"/>
+          </a:effectRef>
+          <a:fontRef idx="minor">
+            <a:schemeClr val="lt1"/>
+          </a:fontRef>
+        </p:style>
+        <p:txBody>
+          <a:bodyPr rtlCol="0" anchor="ctr"/>
+          <a:lstStyle/>
+          <a:p>
+            <a:pPr algn="ctr"/>
+            <a:endParaRPr lang="fr-FR"/>
+          </a:p>
+        </p:txBody>
+      </p:sp>
     </p:spTree>
     <p:extLst>
       <p:ext uri="{BB962C8B-B14F-4D97-AF65-F5344CB8AC3E}">
@@ -6638,7 +6702,7 @@
 <file path=ppt/theme/theme1.xml><?xml version="1.0" encoding="utf-8"?>
 <a:theme xmlns:a="http://schemas.openxmlformats.org/drawingml/2006/main" name="Office Theme">
   <a:themeElements>
-    <a:clrScheme name="Thème Office">
+    <a:clrScheme name="Matplotlib">
       <a:dk1>
         <a:sysClr val="windowText" lastClr="000000"/>
       </a:dk1>
@@ -6652,13 +6716,13 @@
         <a:srgbClr val="E7E6E6"/>
       </a:lt2>
       <a:accent1>
-        <a:srgbClr val="1D9A78"/>
+        <a:srgbClr val="FF7F0E"/>
       </a:accent1>
       <a:accent2>
-        <a:srgbClr val="8BC145"/>
+        <a:srgbClr val="1F77B4"/>
       </a:accent2>
       <a:accent3>
-        <a:srgbClr val="36AFCE"/>
+        <a:srgbClr val="2CA02C"/>
       </a:accent3>
       <a:accent4>
         <a:srgbClr val="1D6FA9"/>

--- a/img/graphs.pptx
+++ b/img/graphs.pptx
@@ -198,7 +198,7 @@
           <a:p>
             <a:fld id="{7032D634-87B9-4515-9E90-7412EACBC911}" type="datetimeFigureOut">
               <a:rPr lang="fr-FR" smtClean="0"/>
-              <a:t>02/04/2020</a:t>
+              <a:t>31/08/2020</a:t>
             </a:fld>
             <a:endParaRPr lang="fr-FR"/>
           </a:p>
@@ -596,7 +596,7 @@
           <a:p>
             <a:fld id="{CC506755-3F84-4679-BA59-3527CD676A9A}" type="datetimeFigureOut">
               <a:rPr lang="fr-FR" smtClean="0"/>
-              <a:t>02/04/2020</a:t>
+              <a:t>31/08/2020</a:t>
             </a:fld>
             <a:endParaRPr lang="fr-FR"/>
           </a:p>
@@ -766,7 +766,7 @@
           <a:p>
             <a:fld id="{CC506755-3F84-4679-BA59-3527CD676A9A}" type="datetimeFigureOut">
               <a:rPr lang="fr-FR" smtClean="0"/>
-              <a:t>02/04/2020</a:t>
+              <a:t>31/08/2020</a:t>
             </a:fld>
             <a:endParaRPr lang="fr-FR"/>
           </a:p>
@@ -946,7 +946,7 @@
           <a:p>
             <a:fld id="{CC506755-3F84-4679-BA59-3527CD676A9A}" type="datetimeFigureOut">
               <a:rPr lang="fr-FR" smtClean="0"/>
-              <a:t>02/04/2020</a:t>
+              <a:t>31/08/2020</a:t>
             </a:fld>
             <a:endParaRPr lang="fr-FR"/>
           </a:p>
@@ -1116,7 +1116,7 @@
           <a:p>
             <a:fld id="{CC506755-3F84-4679-BA59-3527CD676A9A}" type="datetimeFigureOut">
               <a:rPr lang="fr-FR" smtClean="0"/>
-              <a:t>02/04/2020</a:t>
+              <a:t>31/08/2020</a:t>
             </a:fld>
             <a:endParaRPr lang="fr-FR"/>
           </a:p>
@@ -1360,7 +1360,7 @@
           <a:p>
             <a:fld id="{CC506755-3F84-4679-BA59-3527CD676A9A}" type="datetimeFigureOut">
               <a:rPr lang="fr-FR" smtClean="0"/>
-              <a:t>02/04/2020</a:t>
+              <a:t>31/08/2020</a:t>
             </a:fld>
             <a:endParaRPr lang="fr-FR"/>
           </a:p>
@@ -1592,7 +1592,7 @@
           <a:p>
             <a:fld id="{CC506755-3F84-4679-BA59-3527CD676A9A}" type="datetimeFigureOut">
               <a:rPr lang="fr-FR" smtClean="0"/>
-              <a:t>02/04/2020</a:t>
+              <a:t>31/08/2020</a:t>
             </a:fld>
             <a:endParaRPr lang="fr-FR"/>
           </a:p>
@@ -1959,7 +1959,7 @@
           <a:p>
             <a:fld id="{CC506755-3F84-4679-BA59-3527CD676A9A}" type="datetimeFigureOut">
               <a:rPr lang="fr-FR" smtClean="0"/>
-              <a:t>02/04/2020</a:t>
+              <a:t>31/08/2020</a:t>
             </a:fld>
             <a:endParaRPr lang="fr-FR"/>
           </a:p>
@@ -2077,7 +2077,7 @@
           <a:p>
             <a:fld id="{CC506755-3F84-4679-BA59-3527CD676A9A}" type="datetimeFigureOut">
               <a:rPr lang="fr-FR" smtClean="0"/>
-              <a:t>02/04/2020</a:t>
+              <a:t>31/08/2020</a:t>
             </a:fld>
             <a:endParaRPr lang="fr-FR"/>
           </a:p>
@@ -2172,7 +2172,7 @@
           <a:p>
             <a:fld id="{CC506755-3F84-4679-BA59-3527CD676A9A}" type="datetimeFigureOut">
               <a:rPr lang="fr-FR" smtClean="0"/>
-              <a:t>02/04/2020</a:t>
+              <a:t>31/08/2020</a:t>
             </a:fld>
             <a:endParaRPr lang="fr-FR"/>
           </a:p>
@@ -2449,7 +2449,7 @@
           <a:p>
             <a:fld id="{CC506755-3F84-4679-BA59-3527CD676A9A}" type="datetimeFigureOut">
               <a:rPr lang="fr-FR" smtClean="0"/>
-              <a:t>02/04/2020</a:t>
+              <a:t>31/08/2020</a:t>
             </a:fld>
             <a:endParaRPr lang="fr-FR"/>
           </a:p>
@@ -2706,7 +2706,7 @@
           <a:p>
             <a:fld id="{CC506755-3F84-4679-BA59-3527CD676A9A}" type="datetimeFigureOut">
               <a:rPr lang="fr-FR" smtClean="0"/>
-              <a:t>02/04/2020</a:t>
+              <a:t>31/08/2020</a:t>
             </a:fld>
             <a:endParaRPr lang="fr-FR"/>
           </a:p>
@@ -2919,7 +2919,7 @@
           <a:p>
             <a:fld id="{CC506755-3F84-4679-BA59-3527CD676A9A}" type="datetimeFigureOut">
               <a:rPr lang="fr-FR" smtClean="0"/>
-              <a:t>02/04/2020</a:t>
+              <a:t>31/08/2020</a:t>
             </a:fld>
             <a:endParaRPr lang="fr-FR"/>
           </a:p>
@@ -4670,8 +4670,8 @@
           </a:fontRef>
         </p:style>
       </p:cxnSp>
-      <mc:AlternateContent xmlns:mc="http://schemas.openxmlformats.org/markup-compatibility/2006" xmlns:a14="http://schemas.microsoft.com/office/drawing/2010/main">
-        <mc:Choice Requires="a14">
+      <mc:AlternateContent xmlns:mc="http://schemas.openxmlformats.org/markup-compatibility/2006">
+        <mc:Choice xmlns:a14="http://schemas.microsoft.com/office/drawing/2010/main" Requires="a14">
           <p:sp>
             <p:nvSpPr>
               <p:cNvPr id="41" name="ZoneTexte 40">
@@ -4687,7 +4687,7 @@
             <p:spPr>
               <a:xfrm>
                 <a:off x="3190093" y="2115381"/>
-                <a:ext cx="470834" cy="447238"/>
+                <a:ext cx="461537" cy="430887"/>
               </a:xfrm>
               <a:prstGeom prst="rect">
                 <a:avLst/>
@@ -4713,37 +4713,28 @@
                       <m:sSub>
                         <m:sSubPr>
                           <m:ctrlPr>
-                            <a:rPr lang="fr-FR" sz="2800" b="0" i="1" smtClean="0">
+                            <a:rPr lang="fr-FR" sz="2800" b="0" i="0" smtClean="0">
                               <a:latin typeface="Cambria Math" panose="02040503050406030204" pitchFamily="18" charset="0"/>
                             </a:rPr>
                           </m:ctrlPr>
                         </m:sSubPr>
                         <m:e>
-                          <m:acc>
-                            <m:accPr>
-                              <m:chr m:val="̇"/>
-                              <m:ctrlPr>
-                                <a:rPr lang="fr-FR" sz="2800" b="0" i="1" smtClean="0">
-                                  <a:latin typeface="Cambria Math" panose="02040503050406030204" pitchFamily="18" charset="0"/>
-                                </a:rPr>
-                              </m:ctrlPr>
-                            </m:accPr>
-                            <m:e>
-                              <m:r>
-                                <a:rPr lang="fr-FR" sz="2800" i="1">
-                                  <a:latin typeface="Cambria Math" panose="02040503050406030204" pitchFamily="18" charset="0"/>
-                                </a:rPr>
-                                <m:t>𝒢</m:t>
-                              </m:r>
-                            </m:e>
-                          </m:acc>
+                          <m:r>
+                            <a:rPr lang="fr-FR" sz="2800" i="1" smtClean="0">
+                              <a:latin typeface="Cambria Math" panose="02040503050406030204" pitchFamily="18" charset="0"/>
+                            </a:rPr>
+                            <m:t>𝒢</m:t>
+                          </m:r>
                         </m:e>
                         <m:sub>
                           <m:r>
-                            <a:rPr lang="fr-FR" sz="2800" b="0" i="1" smtClean="0">
+                            <m:rPr>
+                              <m:sty m:val="p"/>
+                            </m:rPr>
+                            <a:rPr lang="fr-FR" sz="2800" b="0" i="0" smtClean="0">
                               <a:latin typeface="Cambria Math" panose="02040503050406030204" pitchFamily="18" charset="0"/>
                             </a:rPr>
-                            <m:t>𝑛</m:t>
+                            <m:t>n</m:t>
                           </m:r>
                         </m:sub>
                       </m:sSub>
@@ -4755,7 +4746,7 @@
             </p:txBody>
           </p:sp>
         </mc:Choice>
-        <mc:Fallback xmlns="">
+        <mc:Fallback>
           <p:sp>
             <p:nvSpPr>
               <p:cNvPr id="41" name="ZoneTexte 40">
@@ -4773,7 +4764,7 @@
             <p:spPr>
               <a:xfrm>
                 <a:off x="3190093" y="2115381"/>
-                <a:ext cx="470834" cy="447238"/>
+                <a:ext cx="461537" cy="430887"/>
               </a:xfrm>
               <a:prstGeom prst="rect">
                 <a:avLst/>
@@ -5468,6 +5459,108 @@
           </a:p>
         </p:txBody>
       </p:sp>
+      <mc:AlternateContent xmlns:mc="http://schemas.openxmlformats.org/markup-compatibility/2006">
+        <mc:Choice xmlns:a14="http://schemas.microsoft.com/office/drawing/2010/main" Requires="a14">
+          <p:sp>
+            <p:nvSpPr>
+              <p:cNvPr id="2" name="ZoneTexte 1">
+                <a:extLst>
+                  <a:ext uri="{FF2B5EF4-FFF2-40B4-BE49-F238E27FC236}">
+                    <a16:creationId xmlns:a16="http://schemas.microsoft.com/office/drawing/2014/main" id="{4DE3BE4A-1B33-4A17-B2F7-0DC3E00F2154}"/>
+                  </a:ext>
+                </a:extLst>
+              </p:cNvPr>
+              <p:cNvSpPr txBox="1"/>
+              <p:nvPr/>
+            </p:nvSpPr>
+            <p:spPr>
+              <a:xfrm>
+                <a:off x="3297907" y="2006299"/>
+                <a:ext cx="155492" cy="276999"/>
+              </a:xfrm>
+              <a:prstGeom prst="rect">
+                <a:avLst/>
+              </a:prstGeom>
+              <a:noFill/>
+              <a:ln>
+                <a:noFill/>
+              </a:ln>
+            </p:spPr>
+            <p:txBody>
+              <a:bodyPr wrap="none" lIns="0" tIns="0" rIns="0" bIns="0" rtlCol="0">
+                <a:spAutoFit/>
+              </a:bodyPr>
+              <a:lstStyle/>
+              <a:p>
+                <a:pPr/>
+                <a14:m>
+                  <m:oMathPara xmlns:m="http://schemas.openxmlformats.org/officeDocument/2006/math">
+                    <m:oMathParaPr>
+                      <m:jc m:val="centerGroup"/>
+                    </m:oMathParaPr>
+                    <m:oMath xmlns:m="http://schemas.openxmlformats.org/officeDocument/2006/math">
+                      <m:r>
+                        <a:rPr lang="fr-FR" b="0" i="1" smtClean="0">
+                          <a:latin typeface="Cambria Math" panose="02040503050406030204" pitchFamily="18" charset="0"/>
+                        </a:rPr>
+                        <m:t>∘</m:t>
+                      </m:r>
+                    </m:oMath>
+                  </m:oMathPara>
+                </a14:m>
+                <a:endParaRPr lang="fr-FR" sz="2800" dirty="0"/>
+              </a:p>
+            </p:txBody>
+          </p:sp>
+        </mc:Choice>
+        <mc:Fallback>
+          <p:sp>
+            <p:nvSpPr>
+              <p:cNvPr id="2" name="ZoneTexte 1">
+                <a:extLst>
+                  <a:ext uri="{FF2B5EF4-FFF2-40B4-BE49-F238E27FC236}">
+                    <a16:creationId xmlns:a16="http://schemas.microsoft.com/office/drawing/2014/main" id="{4DE3BE4A-1B33-4A17-B2F7-0DC3E00F2154}"/>
+                  </a:ext>
+                </a:extLst>
+              </p:cNvPr>
+              <p:cNvSpPr txBox="1">
+                <a:spLocks noRot="1" noChangeAspect="1" noMove="1" noResize="1" noEditPoints="1" noAdjustHandles="1" noChangeArrowheads="1" noChangeShapeType="1" noTextEdit="1"/>
+              </p:cNvSpPr>
+              <p:nvPr/>
+            </p:nvSpPr>
+            <p:spPr>
+              <a:xfrm>
+                <a:off x="3297907" y="2006299"/>
+                <a:ext cx="155492" cy="276999"/>
+              </a:xfrm>
+              <a:prstGeom prst="rect">
+                <a:avLst/>
+              </a:prstGeom>
+              <a:blipFill>
+                <a:blip r:embed="rId4"/>
+                <a:stretch>
+                  <a:fillRect l="-19231" r="-15385"/>
+                </a:stretch>
+              </a:blipFill>
+              <a:ln>
+                <a:noFill/>
+              </a:ln>
+            </p:spPr>
+            <p:txBody>
+              <a:bodyPr/>
+              <a:lstStyle/>
+              <a:p>
+                <a:r>
+                  <a:rPr lang="fr-FR">
+                    <a:noFill/>
+                  </a:rPr>
+                  <a:t> </a:t>
+                </a:r>
+              </a:p>
+            </p:txBody>
+          </p:sp>
+        </mc:Fallback>
+      </mc:AlternateContent>
     </p:spTree>
     <p:extLst>
       <p:ext uri="{BB962C8B-B14F-4D97-AF65-F5344CB8AC3E}">

--- a/img/graphs.pptx
+++ b/img/graphs.pptx
@@ -5,11 +5,14 @@
     <p:sldMasterId id="2147483684" r:id="rId1"/>
   </p:sldMasterIdLst>
   <p:notesMasterIdLst>
-    <p:notesMasterId r:id="rId4"/>
+    <p:notesMasterId r:id="rId7"/>
   </p:notesMasterIdLst>
   <p:sldIdLst>
     <p:sldId id="256" r:id="rId2"/>
-    <p:sldId id="258" r:id="rId3"/>
+    <p:sldId id="260" r:id="rId3"/>
+    <p:sldId id="261" r:id="rId4"/>
+    <p:sldId id="259" r:id="rId5"/>
+    <p:sldId id="258" r:id="rId6"/>
   </p:sldIdLst>
   <p:sldSz cx="5759450" cy="4679950"/>
   <p:notesSz cx="6858000" cy="9144000"/>
@@ -198,7 +201,7 @@
           <a:p>
             <a:fld id="{7032D634-87B9-4515-9E90-7412EACBC911}" type="datetimeFigureOut">
               <a:rPr lang="fr-FR" smtClean="0"/>
-              <a:t>31/08/2020</a:t>
+              <a:t>26/10/2020</a:t>
             </a:fld>
             <a:endParaRPr lang="fr-FR"/>
           </a:p>
@@ -596,7 +599,7 @@
           <a:p>
             <a:fld id="{CC506755-3F84-4679-BA59-3527CD676A9A}" type="datetimeFigureOut">
               <a:rPr lang="fr-FR" smtClean="0"/>
-              <a:t>31/08/2020</a:t>
+              <a:t>26/10/2020</a:t>
             </a:fld>
             <a:endParaRPr lang="fr-FR"/>
           </a:p>
@@ -766,7 +769,7 @@
           <a:p>
             <a:fld id="{CC506755-3F84-4679-BA59-3527CD676A9A}" type="datetimeFigureOut">
               <a:rPr lang="fr-FR" smtClean="0"/>
-              <a:t>31/08/2020</a:t>
+              <a:t>26/10/2020</a:t>
             </a:fld>
             <a:endParaRPr lang="fr-FR"/>
           </a:p>
@@ -946,7 +949,7 @@
           <a:p>
             <a:fld id="{CC506755-3F84-4679-BA59-3527CD676A9A}" type="datetimeFigureOut">
               <a:rPr lang="fr-FR" smtClean="0"/>
-              <a:t>31/08/2020</a:t>
+              <a:t>26/10/2020</a:t>
             </a:fld>
             <a:endParaRPr lang="fr-FR"/>
           </a:p>
@@ -1116,7 +1119,7 @@
           <a:p>
             <a:fld id="{CC506755-3F84-4679-BA59-3527CD676A9A}" type="datetimeFigureOut">
               <a:rPr lang="fr-FR" smtClean="0"/>
-              <a:t>31/08/2020</a:t>
+              <a:t>26/10/2020</a:t>
             </a:fld>
             <a:endParaRPr lang="fr-FR"/>
           </a:p>
@@ -1360,7 +1363,7 @@
           <a:p>
             <a:fld id="{CC506755-3F84-4679-BA59-3527CD676A9A}" type="datetimeFigureOut">
               <a:rPr lang="fr-FR" smtClean="0"/>
-              <a:t>31/08/2020</a:t>
+              <a:t>26/10/2020</a:t>
             </a:fld>
             <a:endParaRPr lang="fr-FR"/>
           </a:p>
@@ -1592,7 +1595,7 @@
           <a:p>
             <a:fld id="{CC506755-3F84-4679-BA59-3527CD676A9A}" type="datetimeFigureOut">
               <a:rPr lang="fr-FR" smtClean="0"/>
-              <a:t>31/08/2020</a:t>
+              <a:t>26/10/2020</a:t>
             </a:fld>
             <a:endParaRPr lang="fr-FR"/>
           </a:p>
@@ -1959,7 +1962,7 @@
           <a:p>
             <a:fld id="{CC506755-3F84-4679-BA59-3527CD676A9A}" type="datetimeFigureOut">
               <a:rPr lang="fr-FR" smtClean="0"/>
-              <a:t>31/08/2020</a:t>
+              <a:t>26/10/2020</a:t>
             </a:fld>
             <a:endParaRPr lang="fr-FR"/>
           </a:p>
@@ -2077,7 +2080,7 @@
           <a:p>
             <a:fld id="{CC506755-3F84-4679-BA59-3527CD676A9A}" type="datetimeFigureOut">
               <a:rPr lang="fr-FR" smtClean="0"/>
-              <a:t>31/08/2020</a:t>
+              <a:t>26/10/2020</a:t>
             </a:fld>
             <a:endParaRPr lang="fr-FR"/>
           </a:p>
@@ -2172,7 +2175,7 @@
           <a:p>
             <a:fld id="{CC506755-3F84-4679-BA59-3527CD676A9A}" type="datetimeFigureOut">
               <a:rPr lang="fr-FR" smtClean="0"/>
-              <a:t>31/08/2020</a:t>
+              <a:t>26/10/2020</a:t>
             </a:fld>
             <a:endParaRPr lang="fr-FR"/>
           </a:p>
@@ -2449,7 +2452,7 @@
           <a:p>
             <a:fld id="{CC506755-3F84-4679-BA59-3527CD676A9A}" type="datetimeFigureOut">
               <a:rPr lang="fr-FR" smtClean="0"/>
-              <a:t>31/08/2020</a:t>
+              <a:t>26/10/2020</a:t>
             </a:fld>
             <a:endParaRPr lang="fr-FR"/>
           </a:p>
@@ -2706,7 +2709,7 @@
           <a:p>
             <a:fld id="{CC506755-3F84-4679-BA59-3527CD676A9A}" type="datetimeFigureOut">
               <a:rPr lang="fr-FR" smtClean="0"/>
-              <a:t>31/08/2020</a:t>
+              <a:t>26/10/2020</a:t>
             </a:fld>
             <a:endParaRPr lang="fr-FR"/>
           </a:p>
@@ -2919,7 +2922,7 @@
           <a:p>
             <a:fld id="{CC506755-3F84-4679-BA59-3527CD676A9A}" type="datetimeFigureOut">
               <a:rPr lang="fr-FR" smtClean="0"/>
-              <a:t>31/08/2020</a:t>
+              <a:t>26/10/2020</a:t>
             </a:fld>
             <a:endParaRPr lang="fr-FR"/>
           </a:p>
@@ -4670,8 +4673,8 @@
           </a:fontRef>
         </p:style>
       </p:cxnSp>
-      <mc:AlternateContent xmlns:mc="http://schemas.openxmlformats.org/markup-compatibility/2006">
-        <mc:Choice xmlns:a14="http://schemas.microsoft.com/office/drawing/2010/main" Requires="a14">
+      <mc:AlternateContent xmlns:mc="http://schemas.openxmlformats.org/markup-compatibility/2006" xmlns:a14="http://schemas.microsoft.com/office/drawing/2010/main">
+        <mc:Choice Requires="a14">
           <p:sp>
             <p:nvSpPr>
               <p:cNvPr id="41" name="ZoneTexte 40">
@@ -4713,7 +4716,7 @@
                       <m:sSub>
                         <m:sSubPr>
                           <m:ctrlPr>
-                            <a:rPr lang="fr-FR" sz="2800" b="0" i="0" smtClean="0">
+                            <a:rPr lang="fr-FR" sz="2800" b="0" i="1" smtClean="0">
                               <a:latin typeface="Cambria Math" panose="02040503050406030204" pitchFamily="18" charset="0"/>
                             </a:rPr>
                           </m:ctrlPr>
@@ -4746,7 +4749,7 @@
             </p:txBody>
           </p:sp>
         </mc:Choice>
-        <mc:Fallback>
+        <mc:Fallback xmlns="">
           <p:sp>
             <p:nvSpPr>
               <p:cNvPr id="41" name="ZoneTexte 40">
@@ -5459,8 +5462,8 @@
           </a:p>
         </p:txBody>
       </p:sp>
-      <mc:AlternateContent xmlns:mc="http://schemas.openxmlformats.org/markup-compatibility/2006">
-        <mc:Choice xmlns:a14="http://schemas.microsoft.com/office/drawing/2010/main" Requires="a14">
+      <mc:AlternateContent xmlns:mc="http://schemas.openxmlformats.org/markup-compatibility/2006" xmlns:a14="http://schemas.microsoft.com/office/drawing/2010/main">
+        <mc:Choice Requires="a14">
           <p:sp>
             <p:nvSpPr>
               <p:cNvPr id="2" name="ZoneTexte 1">
@@ -5513,7 +5516,7 @@
             </p:txBody>
           </p:sp>
         </mc:Choice>
-        <mc:Fallback>
+        <mc:Fallback xmlns="">
           <p:sp>
             <p:nvSpPr>
               <p:cNvPr id="2" name="ZoneTexte 1">
@@ -5575,6 +5578,5778 @@
 </file>
 
 <file path=ppt/slides/slide2.xml><?xml version="1.0" encoding="utf-8"?>
+<p:sld xmlns:a="http://schemas.openxmlformats.org/drawingml/2006/main" xmlns:r="http://schemas.openxmlformats.org/officeDocument/2006/relationships" xmlns:p="http://schemas.openxmlformats.org/presentationml/2006/main">
+  <p:cSld>
+    <p:spTree>
+      <p:nvGrpSpPr>
+        <p:cNvPr id="1" name=""/>
+        <p:cNvGrpSpPr/>
+        <p:nvPr/>
+      </p:nvGrpSpPr>
+      <p:grpSpPr>
+        <a:xfrm>
+          <a:off x="0" y="0"/>
+          <a:ext cx="0" cy="0"/>
+          <a:chOff x="0" y="0"/>
+          <a:chExt cx="0" cy="0"/>
+        </a:xfrm>
+      </p:grpSpPr>
+      <p:sp>
+        <p:nvSpPr>
+          <p:cNvPr id="105" name="Cercle : creux 104">
+            <a:extLst>
+              <a:ext uri="{FF2B5EF4-FFF2-40B4-BE49-F238E27FC236}">
+                <a16:creationId xmlns:a16="http://schemas.microsoft.com/office/drawing/2014/main" id="{36F30033-DC5C-4CC3-BEBE-8D124C5F53F5}"/>
+              </a:ext>
+            </a:extLst>
+          </p:cNvPr>
+          <p:cNvSpPr/>
+          <p:nvPr/>
+        </p:nvSpPr>
+        <p:spPr>
+          <a:xfrm>
+            <a:off x="979756" y="317499"/>
+            <a:ext cx="3977380" cy="3827405"/>
+          </a:xfrm>
+          <a:custGeom>
+            <a:avLst/>
+            <a:gdLst>
+              <a:gd name="connsiteX0" fmla="*/ 0 w 4813288"/>
+              <a:gd name="connsiteY0" fmla="*/ 2085975 h 4171950"/>
+              <a:gd name="connsiteX1" fmla="*/ 2406644 w 4813288"/>
+              <a:gd name="connsiteY1" fmla="*/ 0 h 4171950"/>
+              <a:gd name="connsiteX2" fmla="*/ 4813288 w 4813288"/>
+              <a:gd name="connsiteY2" fmla="*/ 2085975 h 4171950"/>
+              <a:gd name="connsiteX3" fmla="*/ 2406644 w 4813288"/>
+              <a:gd name="connsiteY3" fmla="*/ 4171950 h 4171950"/>
+              <a:gd name="connsiteX4" fmla="*/ 0 w 4813288"/>
+              <a:gd name="connsiteY4" fmla="*/ 2085975 h 4171950"/>
+              <a:gd name="connsiteX5" fmla="*/ 687287 w 4813288"/>
+              <a:gd name="connsiteY5" fmla="*/ 2085975 h 4171950"/>
+              <a:gd name="connsiteX6" fmla="*/ 2406644 w 4813288"/>
+              <a:gd name="connsiteY6" fmla="*/ 3484663 h 4171950"/>
+              <a:gd name="connsiteX7" fmla="*/ 4126001 w 4813288"/>
+              <a:gd name="connsiteY7" fmla="*/ 2085975 h 4171950"/>
+              <a:gd name="connsiteX8" fmla="*/ 2406644 w 4813288"/>
+              <a:gd name="connsiteY8" fmla="*/ 687287 h 4171950"/>
+              <a:gd name="connsiteX9" fmla="*/ 687287 w 4813288"/>
+              <a:gd name="connsiteY9" fmla="*/ 2085975 h 4171950"/>
+              <a:gd name="connsiteX0" fmla="*/ 0 w 4813288"/>
+              <a:gd name="connsiteY0" fmla="*/ 2085975 h 4171950"/>
+              <a:gd name="connsiteX1" fmla="*/ 2406644 w 4813288"/>
+              <a:gd name="connsiteY1" fmla="*/ 0 h 4171950"/>
+              <a:gd name="connsiteX2" fmla="*/ 4813288 w 4813288"/>
+              <a:gd name="connsiteY2" fmla="*/ 2085975 h 4171950"/>
+              <a:gd name="connsiteX3" fmla="*/ 2406644 w 4813288"/>
+              <a:gd name="connsiteY3" fmla="*/ 4171950 h 4171950"/>
+              <a:gd name="connsiteX4" fmla="*/ 0 w 4813288"/>
+              <a:gd name="connsiteY4" fmla="*/ 2085975 h 4171950"/>
+              <a:gd name="connsiteX5" fmla="*/ 687287 w 4813288"/>
+              <a:gd name="connsiteY5" fmla="*/ 2085975 h 4171950"/>
+              <a:gd name="connsiteX6" fmla="*/ 2406644 w 4813288"/>
+              <a:gd name="connsiteY6" fmla="*/ 3484663 h 4171950"/>
+              <a:gd name="connsiteX7" fmla="*/ 4126001 w 4813288"/>
+              <a:gd name="connsiteY7" fmla="*/ 2085975 h 4171950"/>
+              <a:gd name="connsiteX8" fmla="*/ 2406644 w 4813288"/>
+              <a:gd name="connsiteY8" fmla="*/ 687287 h 4171950"/>
+              <a:gd name="connsiteX9" fmla="*/ 687287 w 4813288"/>
+              <a:gd name="connsiteY9" fmla="*/ 2085975 h 4171950"/>
+              <a:gd name="connsiteX0" fmla="*/ 0 w 4813288"/>
+              <a:gd name="connsiteY0" fmla="*/ 2085975 h 4171950"/>
+              <a:gd name="connsiteX1" fmla="*/ 2406644 w 4813288"/>
+              <a:gd name="connsiteY1" fmla="*/ 0 h 4171950"/>
+              <a:gd name="connsiteX2" fmla="*/ 4813288 w 4813288"/>
+              <a:gd name="connsiteY2" fmla="*/ 2085975 h 4171950"/>
+              <a:gd name="connsiteX3" fmla="*/ 2406644 w 4813288"/>
+              <a:gd name="connsiteY3" fmla="*/ 4171950 h 4171950"/>
+              <a:gd name="connsiteX4" fmla="*/ 0 w 4813288"/>
+              <a:gd name="connsiteY4" fmla="*/ 2085975 h 4171950"/>
+              <a:gd name="connsiteX5" fmla="*/ 1207987 w 4813288"/>
+              <a:gd name="connsiteY5" fmla="*/ 2867025 h 4171950"/>
+              <a:gd name="connsiteX6" fmla="*/ 2406644 w 4813288"/>
+              <a:gd name="connsiteY6" fmla="*/ 3484663 h 4171950"/>
+              <a:gd name="connsiteX7" fmla="*/ 4126001 w 4813288"/>
+              <a:gd name="connsiteY7" fmla="*/ 2085975 h 4171950"/>
+              <a:gd name="connsiteX8" fmla="*/ 2406644 w 4813288"/>
+              <a:gd name="connsiteY8" fmla="*/ 687287 h 4171950"/>
+              <a:gd name="connsiteX9" fmla="*/ 1207987 w 4813288"/>
+              <a:gd name="connsiteY9" fmla="*/ 2867025 h 4171950"/>
+              <a:gd name="connsiteX0" fmla="*/ 0 w 4813288"/>
+              <a:gd name="connsiteY0" fmla="*/ 2085975 h 4171950"/>
+              <a:gd name="connsiteX1" fmla="*/ 2406644 w 4813288"/>
+              <a:gd name="connsiteY1" fmla="*/ 0 h 4171950"/>
+              <a:gd name="connsiteX2" fmla="*/ 4813288 w 4813288"/>
+              <a:gd name="connsiteY2" fmla="*/ 2085975 h 4171950"/>
+              <a:gd name="connsiteX3" fmla="*/ 2406644 w 4813288"/>
+              <a:gd name="connsiteY3" fmla="*/ 4171950 h 4171950"/>
+              <a:gd name="connsiteX4" fmla="*/ 0 w 4813288"/>
+              <a:gd name="connsiteY4" fmla="*/ 2085975 h 4171950"/>
+              <a:gd name="connsiteX5" fmla="*/ 1207987 w 4813288"/>
+              <a:gd name="connsiteY5" fmla="*/ 2867025 h 4171950"/>
+              <a:gd name="connsiteX6" fmla="*/ 3511544 w 4813288"/>
+              <a:gd name="connsiteY6" fmla="*/ 3002063 h 4171950"/>
+              <a:gd name="connsiteX7" fmla="*/ 4126001 w 4813288"/>
+              <a:gd name="connsiteY7" fmla="*/ 2085975 h 4171950"/>
+              <a:gd name="connsiteX8" fmla="*/ 2406644 w 4813288"/>
+              <a:gd name="connsiteY8" fmla="*/ 687287 h 4171950"/>
+              <a:gd name="connsiteX9" fmla="*/ 1207987 w 4813288"/>
+              <a:gd name="connsiteY9" fmla="*/ 2867025 h 4171950"/>
+              <a:gd name="connsiteX0" fmla="*/ 0 w 4813288"/>
+              <a:gd name="connsiteY0" fmla="*/ 2085975 h 4171950"/>
+              <a:gd name="connsiteX1" fmla="*/ 2406644 w 4813288"/>
+              <a:gd name="connsiteY1" fmla="*/ 0 h 4171950"/>
+              <a:gd name="connsiteX2" fmla="*/ 4813288 w 4813288"/>
+              <a:gd name="connsiteY2" fmla="*/ 2085975 h 4171950"/>
+              <a:gd name="connsiteX3" fmla="*/ 2406644 w 4813288"/>
+              <a:gd name="connsiteY3" fmla="*/ 4171950 h 4171950"/>
+              <a:gd name="connsiteX4" fmla="*/ 0 w 4813288"/>
+              <a:gd name="connsiteY4" fmla="*/ 2085975 h 4171950"/>
+              <a:gd name="connsiteX5" fmla="*/ 1207987 w 4813288"/>
+              <a:gd name="connsiteY5" fmla="*/ 2867025 h 4171950"/>
+              <a:gd name="connsiteX6" fmla="*/ 3511544 w 4813288"/>
+              <a:gd name="connsiteY6" fmla="*/ 3002063 h 4171950"/>
+              <a:gd name="connsiteX7" fmla="*/ 2406644 w 4813288"/>
+              <a:gd name="connsiteY7" fmla="*/ 687287 h 4171950"/>
+              <a:gd name="connsiteX8" fmla="*/ 1207987 w 4813288"/>
+              <a:gd name="connsiteY8" fmla="*/ 2867025 h 4171950"/>
+              <a:gd name="connsiteX0" fmla="*/ 0 w 4813288"/>
+              <a:gd name="connsiteY0" fmla="*/ 2085975 h 4171950"/>
+              <a:gd name="connsiteX1" fmla="*/ 2406644 w 4813288"/>
+              <a:gd name="connsiteY1" fmla="*/ 0 h 4171950"/>
+              <a:gd name="connsiteX2" fmla="*/ 4813288 w 4813288"/>
+              <a:gd name="connsiteY2" fmla="*/ 2085975 h 4171950"/>
+              <a:gd name="connsiteX3" fmla="*/ 2406644 w 4813288"/>
+              <a:gd name="connsiteY3" fmla="*/ 4171950 h 4171950"/>
+              <a:gd name="connsiteX4" fmla="*/ 0 w 4813288"/>
+              <a:gd name="connsiteY4" fmla="*/ 2085975 h 4171950"/>
+              <a:gd name="connsiteX5" fmla="*/ 1207987 w 4813288"/>
+              <a:gd name="connsiteY5" fmla="*/ 2867025 h 4171950"/>
+              <a:gd name="connsiteX6" fmla="*/ 3511544 w 4813288"/>
+              <a:gd name="connsiteY6" fmla="*/ 3002063 h 4171950"/>
+              <a:gd name="connsiteX7" fmla="*/ 2444744 w 4813288"/>
+              <a:gd name="connsiteY7" fmla="*/ 852387 h 4171950"/>
+              <a:gd name="connsiteX8" fmla="*/ 1207987 w 4813288"/>
+              <a:gd name="connsiteY8" fmla="*/ 2867025 h 4171950"/>
+              <a:gd name="connsiteX0" fmla="*/ 0 w 4794238"/>
+              <a:gd name="connsiteY0" fmla="*/ 2085975 h 4171950"/>
+              <a:gd name="connsiteX1" fmla="*/ 2406644 w 4794238"/>
+              <a:gd name="connsiteY1" fmla="*/ 0 h 4171950"/>
+              <a:gd name="connsiteX2" fmla="*/ 4794238 w 4794238"/>
+              <a:gd name="connsiteY2" fmla="*/ 2092325 h 4171950"/>
+              <a:gd name="connsiteX3" fmla="*/ 2406644 w 4794238"/>
+              <a:gd name="connsiteY3" fmla="*/ 4171950 h 4171950"/>
+              <a:gd name="connsiteX4" fmla="*/ 0 w 4794238"/>
+              <a:gd name="connsiteY4" fmla="*/ 2085975 h 4171950"/>
+              <a:gd name="connsiteX5" fmla="*/ 1207987 w 4794238"/>
+              <a:gd name="connsiteY5" fmla="*/ 2867025 h 4171950"/>
+              <a:gd name="connsiteX6" fmla="*/ 3511544 w 4794238"/>
+              <a:gd name="connsiteY6" fmla="*/ 3002063 h 4171950"/>
+              <a:gd name="connsiteX7" fmla="*/ 2444744 w 4794238"/>
+              <a:gd name="connsiteY7" fmla="*/ 852387 h 4171950"/>
+              <a:gd name="connsiteX8" fmla="*/ 1207987 w 4794238"/>
+              <a:gd name="connsiteY8" fmla="*/ 2867025 h 4171950"/>
+              <a:gd name="connsiteX0" fmla="*/ 0 w 3542135"/>
+              <a:gd name="connsiteY0" fmla="*/ 2143960 h 4287920"/>
+              <a:gd name="connsiteX1" fmla="*/ 2406644 w 3542135"/>
+              <a:gd name="connsiteY1" fmla="*/ 57985 h 4287920"/>
+              <a:gd name="connsiteX2" fmla="*/ 2406644 w 3542135"/>
+              <a:gd name="connsiteY2" fmla="*/ 4229935 h 4287920"/>
+              <a:gd name="connsiteX3" fmla="*/ 0 w 3542135"/>
+              <a:gd name="connsiteY3" fmla="*/ 2143960 h 4287920"/>
+              <a:gd name="connsiteX4" fmla="*/ 1207987 w 3542135"/>
+              <a:gd name="connsiteY4" fmla="*/ 2925010 h 4287920"/>
+              <a:gd name="connsiteX5" fmla="*/ 3511544 w 3542135"/>
+              <a:gd name="connsiteY5" fmla="*/ 3060048 h 4287920"/>
+              <a:gd name="connsiteX6" fmla="*/ 2444744 w 3542135"/>
+              <a:gd name="connsiteY6" fmla="*/ 910372 h 4287920"/>
+              <a:gd name="connsiteX7" fmla="*/ 1207987 w 3542135"/>
+              <a:gd name="connsiteY7" fmla="*/ 2925010 h 4287920"/>
+              <a:gd name="connsiteX0" fmla="*/ 41391 w 4627393"/>
+              <a:gd name="connsiteY0" fmla="*/ 2108137 h 3596283"/>
+              <a:gd name="connsiteX1" fmla="*/ 2448035 w 4627393"/>
+              <a:gd name="connsiteY1" fmla="*/ 22162 h 3596283"/>
+              <a:gd name="connsiteX2" fmla="*/ 4568935 w 4627393"/>
+              <a:gd name="connsiteY2" fmla="*/ 3533712 h 3596283"/>
+              <a:gd name="connsiteX3" fmla="*/ 41391 w 4627393"/>
+              <a:gd name="connsiteY3" fmla="*/ 2108137 h 3596283"/>
+              <a:gd name="connsiteX4" fmla="*/ 1249378 w 4627393"/>
+              <a:gd name="connsiteY4" fmla="*/ 2889187 h 3596283"/>
+              <a:gd name="connsiteX5" fmla="*/ 3552935 w 4627393"/>
+              <a:gd name="connsiteY5" fmla="*/ 3024225 h 3596283"/>
+              <a:gd name="connsiteX6" fmla="*/ 2486135 w 4627393"/>
+              <a:gd name="connsiteY6" fmla="*/ 874549 h 3596283"/>
+              <a:gd name="connsiteX7" fmla="*/ 1249378 w 4627393"/>
+              <a:gd name="connsiteY7" fmla="*/ 2889187 h 3596283"/>
+              <a:gd name="connsiteX0" fmla="*/ 52020 w 4056464"/>
+              <a:gd name="connsiteY0" fmla="*/ 3349820 h 3866765"/>
+              <a:gd name="connsiteX1" fmla="*/ 1899864 w 4056464"/>
+              <a:gd name="connsiteY1" fmla="*/ 195 h 3866765"/>
+              <a:gd name="connsiteX2" fmla="*/ 4020764 w 4056464"/>
+              <a:gd name="connsiteY2" fmla="*/ 3511745 h 3866765"/>
+              <a:gd name="connsiteX3" fmla="*/ 52020 w 4056464"/>
+              <a:gd name="connsiteY3" fmla="*/ 3349820 h 3866765"/>
+              <a:gd name="connsiteX4" fmla="*/ 701207 w 4056464"/>
+              <a:gd name="connsiteY4" fmla="*/ 2867220 h 3866765"/>
+              <a:gd name="connsiteX5" fmla="*/ 3004764 w 4056464"/>
+              <a:gd name="connsiteY5" fmla="*/ 3002258 h 3866765"/>
+              <a:gd name="connsiteX6" fmla="*/ 1937964 w 4056464"/>
+              <a:gd name="connsiteY6" fmla="*/ 852582 h 3866765"/>
+              <a:gd name="connsiteX7" fmla="*/ 701207 w 4056464"/>
+              <a:gd name="connsiteY7" fmla="*/ 2867220 h 3866765"/>
+              <a:gd name="connsiteX0" fmla="*/ 45764 w 4055353"/>
+              <a:gd name="connsiteY0" fmla="*/ 2994243 h 3467549"/>
+              <a:gd name="connsiteX1" fmla="*/ 1988858 w 4055353"/>
+              <a:gd name="connsiteY1" fmla="*/ 218 h 3467549"/>
+              <a:gd name="connsiteX2" fmla="*/ 4014508 w 4055353"/>
+              <a:gd name="connsiteY2" fmla="*/ 3156168 h 3467549"/>
+              <a:gd name="connsiteX3" fmla="*/ 45764 w 4055353"/>
+              <a:gd name="connsiteY3" fmla="*/ 2994243 h 3467549"/>
+              <a:gd name="connsiteX4" fmla="*/ 694951 w 4055353"/>
+              <a:gd name="connsiteY4" fmla="*/ 2511643 h 3467549"/>
+              <a:gd name="connsiteX5" fmla="*/ 2998508 w 4055353"/>
+              <a:gd name="connsiteY5" fmla="*/ 2646681 h 3467549"/>
+              <a:gd name="connsiteX6" fmla="*/ 1931708 w 4055353"/>
+              <a:gd name="connsiteY6" fmla="*/ 497005 h 3467549"/>
+              <a:gd name="connsiteX7" fmla="*/ 694951 w 4055353"/>
+              <a:gd name="connsiteY7" fmla="*/ 2511643 h 3467549"/>
+              <a:gd name="connsiteX0" fmla="*/ 41067 w 3938467"/>
+              <a:gd name="connsiteY0" fmla="*/ 2994036 h 3388317"/>
+              <a:gd name="connsiteX1" fmla="*/ 1984161 w 3938467"/>
+              <a:gd name="connsiteY1" fmla="*/ 11 h 3388317"/>
+              <a:gd name="connsiteX2" fmla="*/ 3895511 w 3938467"/>
+              <a:gd name="connsiteY2" fmla="*/ 3028961 h 3388317"/>
+              <a:gd name="connsiteX3" fmla="*/ 41067 w 3938467"/>
+              <a:gd name="connsiteY3" fmla="*/ 2994036 h 3388317"/>
+              <a:gd name="connsiteX4" fmla="*/ 690254 w 3938467"/>
+              <a:gd name="connsiteY4" fmla="*/ 2511436 h 3388317"/>
+              <a:gd name="connsiteX5" fmla="*/ 2993811 w 3938467"/>
+              <a:gd name="connsiteY5" fmla="*/ 2646474 h 3388317"/>
+              <a:gd name="connsiteX6" fmla="*/ 1927011 w 3938467"/>
+              <a:gd name="connsiteY6" fmla="*/ 496798 h 3388317"/>
+              <a:gd name="connsiteX7" fmla="*/ 690254 w 3938467"/>
+              <a:gd name="connsiteY7" fmla="*/ 2511436 h 3388317"/>
+              <a:gd name="connsiteX0" fmla="*/ 41067 w 3938467"/>
+              <a:gd name="connsiteY0" fmla="*/ 2994036 h 3388317"/>
+              <a:gd name="connsiteX1" fmla="*/ 1984161 w 3938467"/>
+              <a:gd name="connsiteY1" fmla="*/ 11 h 3388317"/>
+              <a:gd name="connsiteX2" fmla="*/ 3895511 w 3938467"/>
+              <a:gd name="connsiteY2" fmla="*/ 3028961 h 3388317"/>
+              <a:gd name="connsiteX3" fmla="*/ 41067 w 3938467"/>
+              <a:gd name="connsiteY3" fmla="*/ 2994036 h 3388317"/>
+              <a:gd name="connsiteX4" fmla="*/ 690254 w 3938467"/>
+              <a:gd name="connsiteY4" fmla="*/ 2511436 h 3388317"/>
+              <a:gd name="connsiteX5" fmla="*/ 3076361 w 3938467"/>
+              <a:gd name="connsiteY5" fmla="*/ 2570274 h 3388317"/>
+              <a:gd name="connsiteX6" fmla="*/ 1927011 w 3938467"/>
+              <a:gd name="connsiteY6" fmla="*/ 496798 h 3388317"/>
+              <a:gd name="connsiteX7" fmla="*/ 690254 w 3938467"/>
+              <a:gd name="connsiteY7" fmla="*/ 2511436 h 3388317"/>
+              <a:gd name="connsiteX0" fmla="*/ 45720 w 3938694"/>
+              <a:gd name="connsiteY0" fmla="*/ 3279784 h 3709750"/>
+              <a:gd name="connsiteX1" fmla="*/ 1912614 w 3938694"/>
+              <a:gd name="connsiteY1" fmla="*/ 9 h 3709750"/>
+              <a:gd name="connsiteX2" fmla="*/ 3900164 w 3938694"/>
+              <a:gd name="connsiteY2" fmla="*/ 3314709 h 3709750"/>
+              <a:gd name="connsiteX3" fmla="*/ 45720 w 3938694"/>
+              <a:gd name="connsiteY3" fmla="*/ 3279784 h 3709750"/>
+              <a:gd name="connsiteX4" fmla="*/ 694907 w 3938694"/>
+              <a:gd name="connsiteY4" fmla="*/ 2797184 h 3709750"/>
+              <a:gd name="connsiteX5" fmla="*/ 3081014 w 3938694"/>
+              <a:gd name="connsiteY5" fmla="*/ 2856022 h 3709750"/>
+              <a:gd name="connsiteX6" fmla="*/ 1931664 w 3938694"/>
+              <a:gd name="connsiteY6" fmla="*/ 782546 h 3709750"/>
+              <a:gd name="connsiteX7" fmla="*/ 694907 w 3938694"/>
+              <a:gd name="connsiteY7" fmla="*/ 2797184 h 3709750"/>
+              <a:gd name="connsiteX0" fmla="*/ 45720 w 3938694"/>
+              <a:gd name="connsiteY0" fmla="*/ 3279784 h 3709750"/>
+              <a:gd name="connsiteX1" fmla="*/ 1912614 w 3938694"/>
+              <a:gd name="connsiteY1" fmla="*/ 9 h 3709750"/>
+              <a:gd name="connsiteX2" fmla="*/ 3900164 w 3938694"/>
+              <a:gd name="connsiteY2" fmla="*/ 3314709 h 3709750"/>
+              <a:gd name="connsiteX3" fmla="*/ 45720 w 3938694"/>
+              <a:gd name="connsiteY3" fmla="*/ 3279784 h 3709750"/>
+              <a:gd name="connsiteX4" fmla="*/ 694907 w 3938694"/>
+              <a:gd name="connsiteY4" fmla="*/ 2797184 h 3709750"/>
+              <a:gd name="connsiteX5" fmla="*/ 3081014 w 3938694"/>
+              <a:gd name="connsiteY5" fmla="*/ 2856022 h 3709750"/>
+              <a:gd name="connsiteX6" fmla="*/ 1931664 w 3938694"/>
+              <a:gd name="connsiteY6" fmla="*/ 674596 h 3709750"/>
+              <a:gd name="connsiteX7" fmla="*/ 694907 w 3938694"/>
+              <a:gd name="connsiteY7" fmla="*/ 2797184 h 3709750"/>
+              <a:gd name="connsiteX0" fmla="*/ 44520 w 3938565"/>
+              <a:gd name="connsiteY0" fmla="*/ 3355984 h 3795467"/>
+              <a:gd name="connsiteX1" fmla="*/ 1930464 w 3938565"/>
+              <a:gd name="connsiteY1" fmla="*/ 9 h 3795467"/>
+              <a:gd name="connsiteX2" fmla="*/ 3898964 w 3938565"/>
+              <a:gd name="connsiteY2" fmla="*/ 3390909 h 3795467"/>
+              <a:gd name="connsiteX3" fmla="*/ 44520 w 3938565"/>
+              <a:gd name="connsiteY3" fmla="*/ 3355984 h 3795467"/>
+              <a:gd name="connsiteX4" fmla="*/ 693707 w 3938565"/>
+              <a:gd name="connsiteY4" fmla="*/ 2873384 h 3795467"/>
+              <a:gd name="connsiteX5" fmla="*/ 3079814 w 3938565"/>
+              <a:gd name="connsiteY5" fmla="*/ 2932222 h 3795467"/>
+              <a:gd name="connsiteX6" fmla="*/ 1930464 w 3938565"/>
+              <a:gd name="connsiteY6" fmla="*/ 750796 h 3795467"/>
+              <a:gd name="connsiteX7" fmla="*/ 693707 w 3938565"/>
+              <a:gd name="connsiteY7" fmla="*/ 2873384 h 3795467"/>
+              <a:gd name="connsiteX0" fmla="*/ 43758 w 3977413"/>
+              <a:gd name="connsiteY0" fmla="*/ 3451251 h 3849725"/>
+              <a:gd name="connsiteX1" fmla="*/ 1967802 w 3977413"/>
+              <a:gd name="connsiteY1" fmla="*/ 26 h 3849725"/>
+              <a:gd name="connsiteX2" fmla="*/ 3936302 w 3977413"/>
+              <a:gd name="connsiteY2" fmla="*/ 3390926 h 3849725"/>
+              <a:gd name="connsiteX3" fmla="*/ 43758 w 3977413"/>
+              <a:gd name="connsiteY3" fmla="*/ 3451251 h 3849725"/>
+              <a:gd name="connsiteX4" fmla="*/ 731045 w 3977413"/>
+              <a:gd name="connsiteY4" fmla="*/ 2873401 h 3849725"/>
+              <a:gd name="connsiteX5" fmla="*/ 3117152 w 3977413"/>
+              <a:gd name="connsiteY5" fmla="*/ 2932239 h 3849725"/>
+              <a:gd name="connsiteX6" fmla="*/ 1967802 w 3977413"/>
+              <a:gd name="connsiteY6" fmla="*/ 750813 h 3849725"/>
+              <a:gd name="connsiteX7" fmla="*/ 731045 w 3977413"/>
+              <a:gd name="connsiteY7" fmla="*/ 2873401 h 3849725"/>
+              <a:gd name="connsiteX0" fmla="*/ 43758 w 3977413"/>
+              <a:gd name="connsiteY0" fmla="*/ 3451251 h 3849725"/>
+              <a:gd name="connsiteX1" fmla="*/ 1967802 w 3977413"/>
+              <a:gd name="connsiteY1" fmla="*/ 26 h 3849725"/>
+              <a:gd name="connsiteX2" fmla="*/ 3936302 w 3977413"/>
+              <a:gd name="connsiteY2" fmla="*/ 3390926 h 3849725"/>
+              <a:gd name="connsiteX3" fmla="*/ 43758 w 3977413"/>
+              <a:gd name="connsiteY3" fmla="*/ 3451251 h 3849725"/>
+              <a:gd name="connsiteX4" fmla="*/ 648495 w 3977413"/>
+              <a:gd name="connsiteY4" fmla="*/ 3019451 h 3849725"/>
+              <a:gd name="connsiteX5" fmla="*/ 3117152 w 3977413"/>
+              <a:gd name="connsiteY5" fmla="*/ 2932239 h 3849725"/>
+              <a:gd name="connsiteX6" fmla="*/ 1967802 w 3977413"/>
+              <a:gd name="connsiteY6" fmla="*/ 750813 h 3849725"/>
+              <a:gd name="connsiteX7" fmla="*/ 648495 w 3977413"/>
+              <a:gd name="connsiteY7" fmla="*/ 3019451 h 3849725"/>
+              <a:gd name="connsiteX0" fmla="*/ 43758 w 3977413"/>
+              <a:gd name="connsiteY0" fmla="*/ 3451251 h 3849725"/>
+              <a:gd name="connsiteX1" fmla="*/ 1967802 w 3977413"/>
+              <a:gd name="connsiteY1" fmla="*/ 26 h 3849725"/>
+              <a:gd name="connsiteX2" fmla="*/ 3936302 w 3977413"/>
+              <a:gd name="connsiteY2" fmla="*/ 3390926 h 3849725"/>
+              <a:gd name="connsiteX3" fmla="*/ 43758 w 3977413"/>
+              <a:gd name="connsiteY3" fmla="*/ 3451251 h 3849725"/>
+              <a:gd name="connsiteX4" fmla="*/ 648495 w 3977413"/>
+              <a:gd name="connsiteY4" fmla="*/ 3019451 h 3849725"/>
+              <a:gd name="connsiteX5" fmla="*/ 3314002 w 3977413"/>
+              <a:gd name="connsiteY5" fmla="*/ 3027489 h 3849725"/>
+              <a:gd name="connsiteX6" fmla="*/ 1967802 w 3977413"/>
+              <a:gd name="connsiteY6" fmla="*/ 750813 h 3849725"/>
+              <a:gd name="connsiteX7" fmla="*/ 648495 w 3977413"/>
+              <a:gd name="connsiteY7" fmla="*/ 3019451 h 3849725"/>
+              <a:gd name="connsiteX0" fmla="*/ 43758 w 3977413"/>
+              <a:gd name="connsiteY0" fmla="*/ 3451251 h 3849725"/>
+              <a:gd name="connsiteX1" fmla="*/ 1967802 w 3977413"/>
+              <a:gd name="connsiteY1" fmla="*/ 26 h 3849725"/>
+              <a:gd name="connsiteX2" fmla="*/ 3936302 w 3977413"/>
+              <a:gd name="connsiteY2" fmla="*/ 3390926 h 3849725"/>
+              <a:gd name="connsiteX3" fmla="*/ 43758 w 3977413"/>
+              <a:gd name="connsiteY3" fmla="*/ 3451251 h 3849725"/>
+              <a:gd name="connsiteX4" fmla="*/ 648495 w 3977413"/>
+              <a:gd name="connsiteY4" fmla="*/ 3019451 h 3849725"/>
+              <a:gd name="connsiteX5" fmla="*/ 3314002 w 3977413"/>
+              <a:gd name="connsiteY5" fmla="*/ 3027489 h 3849725"/>
+              <a:gd name="connsiteX6" fmla="*/ 1942402 w 3977413"/>
+              <a:gd name="connsiteY6" fmla="*/ 712713 h 3849725"/>
+              <a:gd name="connsiteX7" fmla="*/ 648495 w 3977413"/>
+              <a:gd name="connsiteY7" fmla="*/ 3019451 h 3849725"/>
+              <a:gd name="connsiteX0" fmla="*/ 42973 w 3957926"/>
+              <a:gd name="connsiteY0" fmla="*/ 3451251 h 3849725"/>
+              <a:gd name="connsiteX1" fmla="*/ 1967017 w 3957926"/>
+              <a:gd name="connsiteY1" fmla="*/ 26 h 3849725"/>
+              <a:gd name="connsiteX2" fmla="*/ 3916467 w 3957926"/>
+              <a:gd name="connsiteY2" fmla="*/ 3390926 h 3849725"/>
+              <a:gd name="connsiteX3" fmla="*/ 42973 w 3957926"/>
+              <a:gd name="connsiteY3" fmla="*/ 3451251 h 3849725"/>
+              <a:gd name="connsiteX4" fmla="*/ 647710 w 3957926"/>
+              <a:gd name="connsiteY4" fmla="*/ 3019451 h 3849725"/>
+              <a:gd name="connsiteX5" fmla="*/ 3313217 w 3957926"/>
+              <a:gd name="connsiteY5" fmla="*/ 3027489 h 3849725"/>
+              <a:gd name="connsiteX6" fmla="*/ 1941617 w 3957926"/>
+              <a:gd name="connsiteY6" fmla="*/ 712713 h 3849725"/>
+              <a:gd name="connsiteX7" fmla="*/ 647710 w 3957926"/>
+              <a:gd name="connsiteY7" fmla="*/ 3019451 h 3849725"/>
+              <a:gd name="connsiteX0" fmla="*/ 42607 w 3977380"/>
+              <a:gd name="connsiteY0" fmla="*/ 3413129 h 3827405"/>
+              <a:gd name="connsiteX1" fmla="*/ 1985701 w 3977380"/>
+              <a:gd name="connsiteY1" fmla="*/ 4 h 3827405"/>
+              <a:gd name="connsiteX2" fmla="*/ 3935151 w 3977380"/>
+              <a:gd name="connsiteY2" fmla="*/ 3390904 h 3827405"/>
+              <a:gd name="connsiteX3" fmla="*/ 42607 w 3977380"/>
+              <a:gd name="connsiteY3" fmla="*/ 3413129 h 3827405"/>
+              <a:gd name="connsiteX4" fmla="*/ 666394 w 3977380"/>
+              <a:gd name="connsiteY4" fmla="*/ 3019429 h 3827405"/>
+              <a:gd name="connsiteX5" fmla="*/ 3331901 w 3977380"/>
+              <a:gd name="connsiteY5" fmla="*/ 3027467 h 3827405"/>
+              <a:gd name="connsiteX6" fmla="*/ 1960301 w 3977380"/>
+              <a:gd name="connsiteY6" fmla="*/ 712691 h 3827405"/>
+              <a:gd name="connsiteX7" fmla="*/ 666394 w 3977380"/>
+              <a:gd name="connsiteY7" fmla="*/ 3019429 h 3827405"/>
+              <a:gd name="connsiteX0" fmla="*/ 42607 w 3977380"/>
+              <a:gd name="connsiteY0" fmla="*/ 3413129 h 3827405"/>
+              <a:gd name="connsiteX1" fmla="*/ 1985701 w 3977380"/>
+              <a:gd name="connsiteY1" fmla="*/ 4 h 3827405"/>
+              <a:gd name="connsiteX2" fmla="*/ 3935151 w 3977380"/>
+              <a:gd name="connsiteY2" fmla="*/ 3390904 h 3827405"/>
+              <a:gd name="connsiteX3" fmla="*/ 42607 w 3977380"/>
+              <a:gd name="connsiteY3" fmla="*/ 3413129 h 3827405"/>
+              <a:gd name="connsiteX4" fmla="*/ 666394 w 3977380"/>
+              <a:gd name="connsiteY4" fmla="*/ 3019429 h 3827405"/>
+              <a:gd name="connsiteX5" fmla="*/ 3331901 w 3977380"/>
+              <a:gd name="connsiteY5" fmla="*/ 3027467 h 3827405"/>
+              <a:gd name="connsiteX6" fmla="*/ 1979351 w 3977380"/>
+              <a:gd name="connsiteY6" fmla="*/ 712691 h 3827405"/>
+              <a:gd name="connsiteX7" fmla="*/ 666394 w 3977380"/>
+              <a:gd name="connsiteY7" fmla="*/ 3019429 h 3827405"/>
+            </a:gdLst>
+            <a:ahLst/>
+            <a:cxnLst>
+              <a:cxn ang="0">
+                <a:pos x="connsiteX0" y="connsiteY0"/>
+              </a:cxn>
+              <a:cxn ang="0">
+                <a:pos x="connsiteX1" y="connsiteY1"/>
+              </a:cxn>
+              <a:cxn ang="0">
+                <a:pos x="connsiteX2" y="connsiteY2"/>
+              </a:cxn>
+              <a:cxn ang="0">
+                <a:pos x="connsiteX3" y="connsiteY3"/>
+              </a:cxn>
+              <a:cxn ang="0">
+                <a:pos x="connsiteX4" y="connsiteY4"/>
+              </a:cxn>
+              <a:cxn ang="0">
+                <a:pos x="connsiteX5" y="connsiteY5"/>
+              </a:cxn>
+              <a:cxn ang="0">
+                <a:pos x="connsiteX6" y="connsiteY6"/>
+              </a:cxn>
+              <a:cxn ang="0">
+                <a:pos x="connsiteX7" y="connsiteY7"/>
+              </a:cxn>
+            </a:cxnLst>
+            <a:rect l="l" t="t" r="r" b="b"/>
+            <a:pathLst>
+              <a:path w="3977380" h="3827405">
+                <a:moveTo>
+                  <a:pt x="42607" y="3413129"/>
+                </a:moveTo>
+                <a:cubicBezTo>
+                  <a:pt x="-282301" y="2847979"/>
+                  <a:pt x="1336944" y="3708"/>
+                  <a:pt x="1985701" y="4"/>
+                </a:cubicBezTo>
+                <a:cubicBezTo>
+                  <a:pt x="2634458" y="-3700"/>
+                  <a:pt x="4259000" y="2822050"/>
+                  <a:pt x="3935151" y="3390904"/>
+                </a:cubicBezTo>
+                <a:cubicBezTo>
+                  <a:pt x="3611302" y="3959758"/>
+                  <a:pt x="367515" y="3978279"/>
+                  <a:pt x="42607" y="3413129"/>
+                </a:cubicBezTo>
+                <a:close/>
+                <a:moveTo>
+                  <a:pt x="666394" y="3019429"/>
+                </a:moveTo>
+                <a:cubicBezTo>
+                  <a:pt x="891819" y="3405225"/>
+                  <a:pt x="3113075" y="3411923"/>
+                  <a:pt x="3331901" y="3027467"/>
+                </a:cubicBezTo>
+                <a:cubicBezTo>
+                  <a:pt x="3550727" y="2643011"/>
+                  <a:pt x="2423602" y="714031"/>
+                  <a:pt x="1979351" y="712691"/>
+                </a:cubicBezTo>
+                <a:cubicBezTo>
+                  <a:pt x="1535100" y="711351"/>
+                  <a:pt x="440969" y="2633633"/>
+                  <a:pt x="666394" y="3019429"/>
+                </a:cubicBezTo>
+                <a:close/>
+              </a:path>
+            </a:pathLst>
+          </a:custGeom>
+          <a:solidFill>
+            <a:schemeClr val="bg1">
+              <a:lumMod val="95000"/>
+              <a:alpha val="60000"/>
+            </a:schemeClr>
+          </a:solidFill>
+          <a:ln w="9525">
+            <a:solidFill>
+              <a:schemeClr val="tx1">
+                <a:alpha val="60000"/>
+              </a:schemeClr>
+            </a:solidFill>
+          </a:ln>
+        </p:spPr>
+        <p:style>
+          <a:lnRef idx="2">
+            <a:schemeClr val="accent1">
+              <a:shade val="50000"/>
+            </a:schemeClr>
+          </a:lnRef>
+          <a:fillRef idx="1">
+            <a:schemeClr val="accent1"/>
+          </a:fillRef>
+          <a:effectRef idx="0">
+            <a:schemeClr val="accent1"/>
+          </a:effectRef>
+          <a:fontRef idx="minor">
+            <a:schemeClr val="lt1"/>
+          </a:fontRef>
+        </p:style>
+        <p:txBody>
+          <a:bodyPr rtlCol="0" anchor="ctr"/>
+          <a:lstStyle/>
+          <a:p>
+            <a:pPr algn="ctr"/>
+            <a:endParaRPr lang="fr-FR">
+              <a:solidFill>
+                <a:schemeClr val="tx1"/>
+              </a:solidFill>
+            </a:endParaRPr>
+          </a:p>
+        </p:txBody>
+      </p:sp>
+      <p:sp>
+        <p:nvSpPr>
+          <p:cNvPr id="39" name="Forme libre : forme 38">
+            <a:extLst>
+              <a:ext uri="{FF2B5EF4-FFF2-40B4-BE49-F238E27FC236}">
+                <a16:creationId xmlns:a16="http://schemas.microsoft.com/office/drawing/2014/main" id="{CFFEA26C-F742-4F23-9464-E30D3BEC6AD4}"/>
+              </a:ext>
+            </a:extLst>
+          </p:cNvPr>
+          <p:cNvSpPr/>
+          <p:nvPr/>
+        </p:nvSpPr>
+        <p:spPr>
+          <a:xfrm>
+            <a:off x="1807989" y="1292174"/>
+            <a:ext cx="2267539" cy="2183197"/>
+          </a:xfrm>
+          <a:custGeom>
+            <a:avLst/>
+            <a:gdLst>
+              <a:gd name="connsiteX0" fmla="*/ 37330 w 3556398"/>
+              <a:gd name="connsiteY0" fmla="*/ 1582092 h 3090801"/>
+              <a:gd name="connsiteX1" fmla="*/ 443730 w 3556398"/>
+              <a:gd name="connsiteY1" fmla="*/ 693092 h 3090801"/>
+              <a:gd name="connsiteX2" fmla="*/ 1935980 w 3556398"/>
+              <a:gd name="connsiteY2" fmla="*/ 942 h 3090801"/>
+              <a:gd name="connsiteX3" fmla="*/ 3517130 w 3556398"/>
+              <a:gd name="connsiteY3" fmla="*/ 839142 h 3090801"/>
+              <a:gd name="connsiteX4" fmla="*/ 3002780 w 3556398"/>
+              <a:gd name="connsiteY4" fmla="*/ 2909242 h 3090801"/>
+              <a:gd name="connsiteX5" fmla="*/ 2189980 w 3556398"/>
+              <a:gd name="connsiteY5" fmla="*/ 2852092 h 3090801"/>
+              <a:gd name="connsiteX6" fmla="*/ 1656580 w 3556398"/>
+              <a:gd name="connsiteY6" fmla="*/ 1728142 h 3090801"/>
+              <a:gd name="connsiteX7" fmla="*/ 202430 w 3556398"/>
+              <a:gd name="connsiteY7" fmla="*/ 1785292 h 3090801"/>
+              <a:gd name="connsiteX8" fmla="*/ 37330 w 3556398"/>
+              <a:gd name="connsiteY8" fmla="*/ 1582092 h 3090801"/>
+              <a:gd name="connsiteX0" fmla="*/ 9825 w 3528893"/>
+              <a:gd name="connsiteY0" fmla="*/ 1582092 h 3090801"/>
+              <a:gd name="connsiteX1" fmla="*/ 416225 w 3528893"/>
+              <a:gd name="connsiteY1" fmla="*/ 693092 h 3090801"/>
+              <a:gd name="connsiteX2" fmla="*/ 1908475 w 3528893"/>
+              <a:gd name="connsiteY2" fmla="*/ 942 h 3090801"/>
+              <a:gd name="connsiteX3" fmla="*/ 3489625 w 3528893"/>
+              <a:gd name="connsiteY3" fmla="*/ 839142 h 3090801"/>
+              <a:gd name="connsiteX4" fmla="*/ 2975275 w 3528893"/>
+              <a:gd name="connsiteY4" fmla="*/ 2909242 h 3090801"/>
+              <a:gd name="connsiteX5" fmla="*/ 2162475 w 3528893"/>
+              <a:gd name="connsiteY5" fmla="*/ 2852092 h 3090801"/>
+              <a:gd name="connsiteX6" fmla="*/ 1629075 w 3528893"/>
+              <a:gd name="connsiteY6" fmla="*/ 1728142 h 3090801"/>
+              <a:gd name="connsiteX7" fmla="*/ 714675 w 3528893"/>
+              <a:gd name="connsiteY7" fmla="*/ 1651942 h 3090801"/>
+              <a:gd name="connsiteX8" fmla="*/ 9825 w 3528893"/>
+              <a:gd name="connsiteY8" fmla="*/ 1582092 h 3090801"/>
+              <a:gd name="connsiteX0" fmla="*/ 11759 w 3530827"/>
+              <a:gd name="connsiteY0" fmla="*/ 1582092 h 3090801"/>
+              <a:gd name="connsiteX1" fmla="*/ 418159 w 3530827"/>
+              <a:gd name="connsiteY1" fmla="*/ 693092 h 3090801"/>
+              <a:gd name="connsiteX2" fmla="*/ 1910409 w 3530827"/>
+              <a:gd name="connsiteY2" fmla="*/ 942 h 3090801"/>
+              <a:gd name="connsiteX3" fmla="*/ 3491559 w 3530827"/>
+              <a:gd name="connsiteY3" fmla="*/ 839142 h 3090801"/>
+              <a:gd name="connsiteX4" fmla="*/ 2977209 w 3530827"/>
+              <a:gd name="connsiteY4" fmla="*/ 2909242 h 3090801"/>
+              <a:gd name="connsiteX5" fmla="*/ 2164409 w 3530827"/>
+              <a:gd name="connsiteY5" fmla="*/ 2852092 h 3090801"/>
+              <a:gd name="connsiteX6" fmla="*/ 1631009 w 3530827"/>
+              <a:gd name="connsiteY6" fmla="*/ 1728142 h 3090801"/>
+              <a:gd name="connsiteX7" fmla="*/ 754709 w 3530827"/>
+              <a:gd name="connsiteY7" fmla="*/ 1683692 h 3090801"/>
+              <a:gd name="connsiteX8" fmla="*/ 11759 w 3530827"/>
+              <a:gd name="connsiteY8" fmla="*/ 1582092 h 3090801"/>
+              <a:gd name="connsiteX0" fmla="*/ 11759 w 3530827"/>
+              <a:gd name="connsiteY0" fmla="*/ 1582092 h 3090801"/>
+              <a:gd name="connsiteX1" fmla="*/ 418159 w 3530827"/>
+              <a:gd name="connsiteY1" fmla="*/ 693092 h 3090801"/>
+              <a:gd name="connsiteX2" fmla="*/ 1910409 w 3530827"/>
+              <a:gd name="connsiteY2" fmla="*/ 942 h 3090801"/>
+              <a:gd name="connsiteX3" fmla="*/ 3491559 w 3530827"/>
+              <a:gd name="connsiteY3" fmla="*/ 839142 h 3090801"/>
+              <a:gd name="connsiteX4" fmla="*/ 2977209 w 3530827"/>
+              <a:gd name="connsiteY4" fmla="*/ 2909242 h 3090801"/>
+              <a:gd name="connsiteX5" fmla="*/ 2164409 w 3530827"/>
+              <a:gd name="connsiteY5" fmla="*/ 2852092 h 3090801"/>
+              <a:gd name="connsiteX6" fmla="*/ 1631009 w 3530827"/>
+              <a:gd name="connsiteY6" fmla="*/ 1728142 h 3090801"/>
+              <a:gd name="connsiteX7" fmla="*/ 754709 w 3530827"/>
+              <a:gd name="connsiteY7" fmla="*/ 1683692 h 3090801"/>
+              <a:gd name="connsiteX8" fmla="*/ 11759 w 3530827"/>
+              <a:gd name="connsiteY8" fmla="*/ 1582092 h 3090801"/>
+              <a:gd name="connsiteX0" fmla="*/ 11759 w 3530827"/>
+              <a:gd name="connsiteY0" fmla="*/ 1582092 h 3084963"/>
+              <a:gd name="connsiteX1" fmla="*/ 418159 w 3530827"/>
+              <a:gd name="connsiteY1" fmla="*/ 693092 h 3084963"/>
+              <a:gd name="connsiteX2" fmla="*/ 1910409 w 3530827"/>
+              <a:gd name="connsiteY2" fmla="*/ 942 h 3084963"/>
+              <a:gd name="connsiteX3" fmla="*/ 3491559 w 3530827"/>
+              <a:gd name="connsiteY3" fmla="*/ 839142 h 3084963"/>
+              <a:gd name="connsiteX4" fmla="*/ 2977209 w 3530827"/>
+              <a:gd name="connsiteY4" fmla="*/ 2909242 h 3084963"/>
+              <a:gd name="connsiteX5" fmla="*/ 2164409 w 3530827"/>
+              <a:gd name="connsiteY5" fmla="*/ 2852092 h 3084963"/>
+              <a:gd name="connsiteX6" fmla="*/ 1548459 w 3530827"/>
+              <a:gd name="connsiteY6" fmla="*/ 1855142 h 3084963"/>
+              <a:gd name="connsiteX7" fmla="*/ 754709 w 3530827"/>
+              <a:gd name="connsiteY7" fmla="*/ 1683692 h 3084963"/>
+              <a:gd name="connsiteX8" fmla="*/ 11759 w 3530827"/>
+              <a:gd name="connsiteY8" fmla="*/ 1582092 h 3084963"/>
+              <a:gd name="connsiteX0" fmla="*/ 61157 w 3580225"/>
+              <a:gd name="connsiteY0" fmla="*/ 1582092 h 3084963"/>
+              <a:gd name="connsiteX1" fmla="*/ 467557 w 3580225"/>
+              <a:gd name="connsiteY1" fmla="*/ 693092 h 3084963"/>
+              <a:gd name="connsiteX2" fmla="*/ 1959807 w 3580225"/>
+              <a:gd name="connsiteY2" fmla="*/ 942 h 3084963"/>
+              <a:gd name="connsiteX3" fmla="*/ 3540957 w 3580225"/>
+              <a:gd name="connsiteY3" fmla="*/ 839142 h 3084963"/>
+              <a:gd name="connsiteX4" fmla="*/ 3026607 w 3580225"/>
+              <a:gd name="connsiteY4" fmla="*/ 2909242 h 3084963"/>
+              <a:gd name="connsiteX5" fmla="*/ 2213807 w 3580225"/>
+              <a:gd name="connsiteY5" fmla="*/ 2852092 h 3084963"/>
+              <a:gd name="connsiteX6" fmla="*/ 1597857 w 3580225"/>
+              <a:gd name="connsiteY6" fmla="*/ 1855142 h 3084963"/>
+              <a:gd name="connsiteX7" fmla="*/ 61157 w 3580225"/>
+              <a:gd name="connsiteY7" fmla="*/ 1582092 h 3084963"/>
+              <a:gd name="connsiteX0" fmla="*/ 56026 w 3625894"/>
+              <a:gd name="connsiteY0" fmla="*/ 1740897 h 3085018"/>
+              <a:gd name="connsiteX1" fmla="*/ 513226 w 3625894"/>
+              <a:gd name="connsiteY1" fmla="*/ 693147 h 3085018"/>
+              <a:gd name="connsiteX2" fmla="*/ 2005476 w 3625894"/>
+              <a:gd name="connsiteY2" fmla="*/ 997 h 3085018"/>
+              <a:gd name="connsiteX3" fmla="*/ 3586626 w 3625894"/>
+              <a:gd name="connsiteY3" fmla="*/ 839197 h 3085018"/>
+              <a:gd name="connsiteX4" fmla="*/ 3072276 w 3625894"/>
+              <a:gd name="connsiteY4" fmla="*/ 2909297 h 3085018"/>
+              <a:gd name="connsiteX5" fmla="*/ 2259476 w 3625894"/>
+              <a:gd name="connsiteY5" fmla="*/ 2852147 h 3085018"/>
+              <a:gd name="connsiteX6" fmla="*/ 1643526 w 3625894"/>
+              <a:gd name="connsiteY6" fmla="*/ 1855197 h 3085018"/>
+              <a:gd name="connsiteX7" fmla="*/ 56026 w 3625894"/>
+              <a:gd name="connsiteY7" fmla="*/ 1740897 h 3085018"/>
+              <a:gd name="connsiteX0" fmla="*/ 49733 w 3619601"/>
+              <a:gd name="connsiteY0" fmla="*/ 1740125 h 3084246"/>
+              <a:gd name="connsiteX1" fmla="*/ 545033 w 3619601"/>
+              <a:gd name="connsiteY1" fmla="*/ 901925 h 3084246"/>
+              <a:gd name="connsiteX2" fmla="*/ 1999183 w 3619601"/>
+              <a:gd name="connsiteY2" fmla="*/ 225 h 3084246"/>
+              <a:gd name="connsiteX3" fmla="*/ 3580333 w 3619601"/>
+              <a:gd name="connsiteY3" fmla="*/ 838425 h 3084246"/>
+              <a:gd name="connsiteX4" fmla="*/ 3065983 w 3619601"/>
+              <a:gd name="connsiteY4" fmla="*/ 2908525 h 3084246"/>
+              <a:gd name="connsiteX5" fmla="*/ 2253183 w 3619601"/>
+              <a:gd name="connsiteY5" fmla="*/ 2851375 h 3084246"/>
+              <a:gd name="connsiteX6" fmla="*/ 1637233 w 3619601"/>
+              <a:gd name="connsiteY6" fmla="*/ 1854425 h 3084246"/>
+              <a:gd name="connsiteX7" fmla="*/ 49733 w 3619601"/>
+              <a:gd name="connsiteY7" fmla="*/ 1740125 h 3084246"/>
+              <a:gd name="connsiteX0" fmla="*/ 49458 w 3620376"/>
+              <a:gd name="connsiteY0" fmla="*/ 1600526 h 2944647"/>
+              <a:gd name="connsiteX1" fmla="*/ 544758 w 3620376"/>
+              <a:gd name="connsiteY1" fmla="*/ 762326 h 2944647"/>
+              <a:gd name="connsiteX2" fmla="*/ 1979858 w 3620376"/>
+              <a:gd name="connsiteY2" fmla="*/ 326 h 2944647"/>
+              <a:gd name="connsiteX3" fmla="*/ 3580058 w 3620376"/>
+              <a:gd name="connsiteY3" fmla="*/ 698826 h 2944647"/>
+              <a:gd name="connsiteX4" fmla="*/ 3065708 w 3620376"/>
+              <a:gd name="connsiteY4" fmla="*/ 2768926 h 2944647"/>
+              <a:gd name="connsiteX5" fmla="*/ 2252908 w 3620376"/>
+              <a:gd name="connsiteY5" fmla="*/ 2711776 h 2944647"/>
+              <a:gd name="connsiteX6" fmla="*/ 1636958 w 3620376"/>
+              <a:gd name="connsiteY6" fmla="*/ 1714826 h 2944647"/>
+              <a:gd name="connsiteX7" fmla="*/ 49458 w 3620376"/>
+              <a:gd name="connsiteY7" fmla="*/ 1600526 h 2944647"/>
+              <a:gd name="connsiteX0" fmla="*/ 49458 w 3501655"/>
+              <a:gd name="connsiteY0" fmla="*/ 1601026 h 2929888"/>
+              <a:gd name="connsiteX1" fmla="*/ 544758 w 3501655"/>
+              <a:gd name="connsiteY1" fmla="*/ 762826 h 2929888"/>
+              <a:gd name="connsiteX2" fmla="*/ 1979858 w 3501655"/>
+              <a:gd name="connsiteY2" fmla="*/ 826 h 2929888"/>
+              <a:gd name="connsiteX3" fmla="*/ 3453058 w 3501655"/>
+              <a:gd name="connsiteY3" fmla="*/ 908876 h 2929888"/>
+              <a:gd name="connsiteX4" fmla="*/ 3065708 w 3501655"/>
+              <a:gd name="connsiteY4" fmla="*/ 2769426 h 2929888"/>
+              <a:gd name="connsiteX5" fmla="*/ 2252908 w 3501655"/>
+              <a:gd name="connsiteY5" fmla="*/ 2712276 h 2929888"/>
+              <a:gd name="connsiteX6" fmla="*/ 1636958 w 3501655"/>
+              <a:gd name="connsiteY6" fmla="*/ 1715326 h 2929888"/>
+              <a:gd name="connsiteX7" fmla="*/ 49458 w 3501655"/>
+              <a:gd name="connsiteY7" fmla="*/ 1601026 h 2929888"/>
+              <a:gd name="connsiteX0" fmla="*/ 49458 w 3501655"/>
+              <a:gd name="connsiteY0" fmla="*/ 1601026 h 2982159"/>
+              <a:gd name="connsiteX1" fmla="*/ 544758 w 3501655"/>
+              <a:gd name="connsiteY1" fmla="*/ 762826 h 2982159"/>
+              <a:gd name="connsiteX2" fmla="*/ 1979858 w 3501655"/>
+              <a:gd name="connsiteY2" fmla="*/ 826 h 2982159"/>
+              <a:gd name="connsiteX3" fmla="*/ 3453058 w 3501655"/>
+              <a:gd name="connsiteY3" fmla="*/ 908876 h 2982159"/>
+              <a:gd name="connsiteX4" fmla="*/ 3065708 w 3501655"/>
+              <a:gd name="connsiteY4" fmla="*/ 2769426 h 2982159"/>
+              <a:gd name="connsiteX5" fmla="*/ 2252908 w 3501655"/>
+              <a:gd name="connsiteY5" fmla="*/ 2712276 h 2982159"/>
+              <a:gd name="connsiteX6" fmla="*/ 1636958 w 3501655"/>
+              <a:gd name="connsiteY6" fmla="*/ 1715326 h 2982159"/>
+              <a:gd name="connsiteX7" fmla="*/ 49458 w 3501655"/>
+              <a:gd name="connsiteY7" fmla="*/ 1601026 h 2982159"/>
+              <a:gd name="connsiteX0" fmla="*/ 49458 w 3502021"/>
+              <a:gd name="connsiteY0" fmla="*/ 1601026 h 3017333"/>
+              <a:gd name="connsiteX1" fmla="*/ 544758 w 3502021"/>
+              <a:gd name="connsiteY1" fmla="*/ 762826 h 3017333"/>
+              <a:gd name="connsiteX2" fmla="*/ 1979858 w 3502021"/>
+              <a:gd name="connsiteY2" fmla="*/ 826 h 3017333"/>
+              <a:gd name="connsiteX3" fmla="*/ 3453058 w 3502021"/>
+              <a:gd name="connsiteY3" fmla="*/ 908876 h 3017333"/>
+              <a:gd name="connsiteX4" fmla="*/ 3065708 w 3502021"/>
+              <a:gd name="connsiteY4" fmla="*/ 2769426 h 3017333"/>
+              <a:gd name="connsiteX5" fmla="*/ 2227508 w 3502021"/>
+              <a:gd name="connsiteY5" fmla="*/ 2775776 h 3017333"/>
+              <a:gd name="connsiteX6" fmla="*/ 1636958 w 3502021"/>
+              <a:gd name="connsiteY6" fmla="*/ 1715326 h 3017333"/>
+              <a:gd name="connsiteX7" fmla="*/ 49458 w 3502021"/>
+              <a:gd name="connsiteY7" fmla="*/ 1601026 h 3017333"/>
+              <a:gd name="connsiteX0" fmla="*/ 43611 w 3496174"/>
+              <a:gd name="connsiteY0" fmla="*/ 1601026 h 2956944"/>
+              <a:gd name="connsiteX1" fmla="*/ 538911 w 3496174"/>
+              <a:gd name="connsiteY1" fmla="*/ 762826 h 2956944"/>
+              <a:gd name="connsiteX2" fmla="*/ 1974011 w 3496174"/>
+              <a:gd name="connsiteY2" fmla="*/ 826 h 2956944"/>
+              <a:gd name="connsiteX3" fmla="*/ 3447211 w 3496174"/>
+              <a:gd name="connsiteY3" fmla="*/ 908876 h 2956944"/>
+              <a:gd name="connsiteX4" fmla="*/ 3059861 w 3496174"/>
+              <a:gd name="connsiteY4" fmla="*/ 2769426 h 2956944"/>
+              <a:gd name="connsiteX5" fmla="*/ 2221661 w 3496174"/>
+              <a:gd name="connsiteY5" fmla="*/ 2775776 h 2956944"/>
+              <a:gd name="connsiteX6" fmla="*/ 1535861 w 3496174"/>
+              <a:gd name="connsiteY6" fmla="*/ 1734376 h 2956944"/>
+              <a:gd name="connsiteX7" fmla="*/ 43611 w 3496174"/>
+              <a:gd name="connsiteY7" fmla="*/ 1601026 h 2956944"/>
+              <a:gd name="connsiteX0" fmla="*/ 43611 w 3496174"/>
+              <a:gd name="connsiteY0" fmla="*/ 1601026 h 2956944"/>
+              <a:gd name="connsiteX1" fmla="*/ 538911 w 3496174"/>
+              <a:gd name="connsiteY1" fmla="*/ 762826 h 2956944"/>
+              <a:gd name="connsiteX2" fmla="*/ 1974011 w 3496174"/>
+              <a:gd name="connsiteY2" fmla="*/ 826 h 2956944"/>
+              <a:gd name="connsiteX3" fmla="*/ 3447211 w 3496174"/>
+              <a:gd name="connsiteY3" fmla="*/ 908876 h 2956944"/>
+              <a:gd name="connsiteX4" fmla="*/ 3059861 w 3496174"/>
+              <a:gd name="connsiteY4" fmla="*/ 2769426 h 2956944"/>
+              <a:gd name="connsiteX5" fmla="*/ 2221661 w 3496174"/>
+              <a:gd name="connsiteY5" fmla="*/ 2775776 h 2956944"/>
+              <a:gd name="connsiteX6" fmla="*/ 1535861 w 3496174"/>
+              <a:gd name="connsiteY6" fmla="*/ 1734376 h 2956944"/>
+              <a:gd name="connsiteX7" fmla="*/ 43611 w 3496174"/>
+              <a:gd name="connsiteY7" fmla="*/ 1601026 h 2956944"/>
+              <a:gd name="connsiteX0" fmla="*/ 43611 w 3496174"/>
+              <a:gd name="connsiteY0" fmla="*/ 1601026 h 2971805"/>
+              <a:gd name="connsiteX1" fmla="*/ 538911 w 3496174"/>
+              <a:gd name="connsiteY1" fmla="*/ 762826 h 2971805"/>
+              <a:gd name="connsiteX2" fmla="*/ 1974011 w 3496174"/>
+              <a:gd name="connsiteY2" fmla="*/ 826 h 2971805"/>
+              <a:gd name="connsiteX3" fmla="*/ 3447211 w 3496174"/>
+              <a:gd name="connsiteY3" fmla="*/ 908876 h 2971805"/>
+              <a:gd name="connsiteX4" fmla="*/ 3059861 w 3496174"/>
+              <a:gd name="connsiteY4" fmla="*/ 2769426 h 2971805"/>
+              <a:gd name="connsiteX5" fmla="*/ 2221661 w 3496174"/>
+              <a:gd name="connsiteY5" fmla="*/ 2775776 h 2971805"/>
+              <a:gd name="connsiteX6" fmla="*/ 1535861 w 3496174"/>
+              <a:gd name="connsiteY6" fmla="*/ 1734376 h 2971805"/>
+              <a:gd name="connsiteX7" fmla="*/ 43611 w 3496174"/>
+              <a:gd name="connsiteY7" fmla="*/ 1601026 h 2971805"/>
+              <a:gd name="connsiteX0" fmla="*/ 43611 w 3573474"/>
+              <a:gd name="connsiteY0" fmla="*/ 1601596 h 2969295"/>
+              <a:gd name="connsiteX1" fmla="*/ 538911 w 3573474"/>
+              <a:gd name="connsiteY1" fmla="*/ 763396 h 2969295"/>
+              <a:gd name="connsiteX2" fmla="*/ 1974011 w 3573474"/>
+              <a:gd name="connsiteY2" fmla="*/ 1396 h 2969295"/>
+              <a:gd name="connsiteX3" fmla="*/ 3530338 w 3573474"/>
+              <a:gd name="connsiteY3" fmla="*/ 955628 h 2969295"/>
+              <a:gd name="connsiteX4" fmla="*/ 3059861 w 3573474"/>
+              <a:gd name="connsiteY4" fmla="*/ 2769996 h 2969295"/>
+              <a:gd name="connsiteX5" fmla="*/ 2221661 w 3573474"/>
+              <a:gd name="connsiteY5" fmla="*/ 2776346 h 2969295"/>
+              <a:gd name="connsiteX6" fmla="*/ 1535861 w 3573474"/>
+              <a:gd name="connsiteY6" fmla="*/ 1734946 h 2969295"/>
+              <a:gd name="connsiteX7" fmla="*/ 43611 w 3573474"/>
+              <a:gd name="connsiteY7" fmla="*/ 1601596 h 2969295"/>
+              <a:gd name="connsiteX0" fmla="*/ 43611 w 3599531"/>
+              <a:gd name="connsiteY0" fmla="*/ 1602451 h 2966474"/>
+              <a:gd name="connsiteX1" fmla="*/ 538911 w 3599531"/>
+              <a:gd name="connsiteY1" fmla="*/ 764251 h 2966474"/>
+              <a:gd name="connsiteX2" fmla="*/ 1974011 w 3599531"/>
+              <a:gd name="connsiteY2" fmla="*/ 2251 h 2966474"/>
+              <a:gd name="connsiteX3" fmla="*/ 3558047 w 3599531"/>
+              <a:gd name="connsiteY3" fmla="*/ 1011901 h 2966474"/>
+              <a:gd name="connsiteX4" fmla="*/ 3059861 w 3599531"/>
+              <a:gd name="connsiteY4" fmla="*/ 2770851 h 2966474"/>
+              <a:gd name="connsiteX5" fmla="*/ 2221661 w 3599531"/>
+              <a:gd name="connsiteY5" fmla="*/ 2777201 h 2966474"/>
+              <a:gd name="connsiteX6" fmla="*/ 1535861 w 3599531"/>
+              <a:gd name="connsiteY6" fmla="*/ 1735801 h 2966474"/>
+              <a:gd name="connsiteX7" fmla="*/ 43611 w 3599531"/>
+              <a:gd name="connsiteY7" fmla="*/ 1602451 h 2966474"/>
+              <a:gd name="connsiteX0" fmla="*/ 43611 w 3600744"/>
+              <a:gd name="connsiteY0" fmla="*/ 1602451 h 2992611"/>
+              <a:gd name="connsiteX1" fmla="*/ 538911 w 3600744"/>
+              <a:gd name="connsiteY1" fmla="*/ 764251 h 2992611"/>
+              <a:gd name="connsiteX2" fmla="*/ 1974011 w 3600744"/>
+              <a:gd name="connsiteY2" fmla="*/ 2251 h 2992611"/>
+              <a:gd name="connsiteX3" fmla="*/ 3558047 w 3600744"/>
+              <a:gd name="connsiteY3" fmla="*/ 1011901 h 2992611"/>
+              <a:gd name="connsiteX4" fmla="*/ 3059861 w 3600744"/>
+              <a:gd name="connsiteY4" fmla="*/ 2770851 h 2992611"/>
+              <a:gd name="connsiteX5" fmla="*/ 2221661 w 3600744"/>
+              <a:gd name="connsiteY5" fmla="*/ 2777201 h 2992611"/>
+              <a:gd name="connsiteX6" fmla="*/ 1535861 w 3600744"/>
+              <a:gd name="connsiteY6" fmla="*/ 1735801 h 2992611"/>
+              <a:gd name="connsiteX7" fmla="*/ 43611 w 3600744"/>
+              <a:gd name="connsiteY7" fmla="*/ 1602451 h 2992611"/>
+              <a:gd name="connsiteX0" fmla="*/ 43611 w 3601952"/>
+              <a:gd name="connsiteY0" fmla="*/ 1602451 h 3016531"/>
+              <a:gd name="connsiteX1" fmla="*/ 538911 w 3601952"/>
+              <a:gd name="connsiteY1" fmla="*/ 764251 h 3016531"/>
+              <a:gd name="connsiteX2" fmla="*/ 1974011 w 3601952"/>
+              <a:gd name="connsiteY2" fmla="*/ 2251 h 3016531"/>
+              <a:gd name="connsiteX3" fmla="*/ 3558047 w 3601952"/>
+              <a:gd name="connsiteY3" fmla="*/ 1011901 h 3016531"/>
+              <a:gd name="connsiteX4" fmla="*/ 3069098 w 3601952"/>
+              <a:gd name="connsiteY4" fmla="*/ 2826269 h 3016531"/>
+              <a:gd name="connsiteX5" fmla="*/ 2221661 w 3601952"/>
+              <a:gd name="connsiteY5" fmla="*/ 2777201 h 3016531"/>
+              <a:gd name="connsiteX6" fmla="*/ 1535861 w 3601952"/>
+              <a:gd name="connsiteY6" fmla="*/ 1735801 h 3016531"/>
+              <a:gd name="connsiteX7" fmla="*/ 43611 w 3601952"/>
+              <a:gd name="connsiteY7" fmla="*/ 1602451 h 3016531"/>
+              <a:gd name="connsiteX0" fmla="*/ 43611 w 3601952"/>
+              <a:gd name="connsiteY0" fmla="*/ 1602451 h 3041025"/>
+              <a:gd name="connsiteX1" fmla="*/ 538911 w 3601952"/>
+              <a:gd name="connsiteY1" fmla="*/ 764251 h 3041025"/>
+              <a:gd name="connsiteX2" fmla="*/ 1974011 w 3601952"/>
+              <a:gd name="connsiteY2" fmla="*/ 2251 h 3041025"/>
+              <a:gd name="connsiteX3" fmla="*/ 3558047 w 3601952"/>
+              <a:gd name="connsiteY3" fmla="*/ 1011901 h 3041025"/>
+              <a:gd name="connsiteX4" fmla="*/ 3069098 w 3601952"/>
+              <a:gd name="connsiteY4" fmla="*/ 2826269 h 3041025"/>
+              <a:gd name="connsiteX5" fmla="*/ 2221661 w 3601952"/>
+              <a:gd name="connsiteY5" fmla="*/ 2777201 h 3041025"/>
+              <a:gd name="connsiteX6" fmla="*/ 1535861 w 3601952"/>
+              <a:gd name="connsiteY6" fmla="*/ 1735801 h 3041025"/>
+              <a:gd name="connsiteX7" fmla="*/ 43611 w 3601952"/>
+              <a:gd name="connsiteY7" fmla="*/ 1602451 h 3041025"/>
+              <a:gd name="connsiteX0" fmla="*/ 87685 w 3646026"/>
+              <a:gd name="connsiteY0" fmla="*/ 1602451 h 3041025"/>
+              <a:gd name="connsiteX1" fmla="*/ 582985 w 3646026"/>
+              <a:gd name="connsiteY1" fmla="*/ 764251 h 3041025"/>
+              <a:gd name="connsiteX2" fmla="*/ 2018085 w 3646026"/>
+              <a:gd name="connsiteY2" fmla="*/ 2251 h 3041025"/>
+              <a:gd name="connsiteX3" fmla="*/ 3602121 w 3646026"/>
+              <a:gd name="connsiteY3" fmla="*/ 1011901 h 3041025"/>
+              <a:gd name="connsiteX4" fmla="*/ 3113172 w 3646026"/>
+              <a:gd name="connsiteY4" fmla="*/ 2826269 h 3041025"/>
+              <a:gd name="connsiteX5" fmla="*/ 2265735 w 3646026"/>
+              <a:gd name="connsiteY5" fmla="*/ 2777201 h 3041025"/>
+              <a:gd name="connsiteX6" fmla="*/ 87685 w 3646026"/>
+              <a:gd name="connsiteY6" fmla="*/ 1602451 h 3041025"/>
+              <a:gd name="connsiteX0" fmla="*/ 145797 w 3704138"/>
+              <a:gd name="connsiteY0" fmla="*/ 1602451 h 2833188"/>
+              <a:gd name="connsiteX1" fmla="*/ 641097 w 3704138"/>
+              <a:gd name="connsiteY1" fmla="*/ 764251 h 2833188"/>
+              <a:gd name="connsiteX2" fmla="*/ 2076197 w 3704138"/>
+              <a:gd name="connsiteY2" fmla="*/ 2251 h 2833188"/>
+              <a:gd name="connsiteX3" fmla="*/ 3660233 w 3704138"/>
+              <a:gd name="connsiteY3" fmla="*/ 1011901 h 2833188"/>
+              <a:gd name="connsiteX4" fmla="*/ 3171284 w 3704138"/>
+              <a:gd name="connsiteY4" fmla="*/ 2826269 h 2833188"/>
+              <a:gd name="connsiteX5" fmla="*/ 145797 w 3704138"/>
+              <a:gd name="connsiteY5" fmla="*/ 1602451 h 2833188"/>
+              <a:gd name="connsiteX0" fmla="*/ 2530187 w 3063041"/>
+              <a:gd name="connsiteY0" fmla="*/ 2826269 h 2826268"/>
+              <a:gd name="connsiteX1" fmla="*/ 0 w 3063041"/>
+              <a:gd name="connsiteY1" fmla="*/ 764251 h 2826268"/>
+              <a:gd name="connsiteX2" fmla="*/ 1435100 w 3063041"/>
+              <a:gd name="connsiteY2" fmla="*/ 2251 h 2826268"/>
+              <a:gd name="connsiteX3" fmla="*/ 3019136 w 3063041"/>
+              <a:gd name="connsiteY3" fmla="*/ 1011901 h 2826268"/>
+              <a:gd name="connsiteX4" fmla="*/ 2530187 w 3063041"/>
+              <a:gd name="connsiteY4" fmla="*/ 2826269 h 2826268"/>
+              <a:gd name="connsiteX0" fmla="*/ 2531490 w 3064344"/>
+              <a:gd name="connsiteY0" fmla="*/ 2850345 h 2850345"/>
+              <a:gd name="connsiteX1" fmla="*/ 1303 w 3064344"/>
+              <a:gd name="connsiteY1" fmla="*/ 788327 h 2850345"/>
+              <a:gd name="connsiteX2" fmla="*/ 1436403 w 3064344"/>
+              <a:gd name="connsiteY2" fmla="*/ 26327 h 2850345"/>
+              <a:gd name="connsiteX3" fmla="*/ 3020439 w 3064344"/>
+              <a:gd name="connsiteY3" fmla="*/ 1035977 h 2850345"/>
+              <a:gd name="connsiteX4" fmla="*/ 2531490 w 3064344"/>
+              <a:gd name="connsiteY4" fmla="*/ 2850345 h 2850345"/>
+              <a:gd name="connsiteX0" fmla="*/ 1995608 w 2544142"/>
+              <a:gd name="connsiteY0" fmla="*/ 2834025 h 2847907"/>
+              <a:gd name="connsiteX1" fmla="*/ 1650 w 2544142"/>
+              <a:gd name="connsiteY1" fmla="*/ 1605038 h 2847907"/>
+              <a:gd name="connsiteX2" fmla="*/ 900521 w 2544142"/>
+              <a:gd name="connsiteY2" fmla="*/ 10007 h 2847907"/>
+              <a:gd name="connsiteX3" fmla="*/ 2484557 w 2544142"/>
+              <a:gd name="connsiteY3" fmla="*/ 1019657 h 2847907"/>
+              <a:gd name="connsiteX4" fmla="*/ 1995608 w 2544142"/>
+              <a:gd name="connsiteY4" fmla="*/ 2834025 h 2847907"/>
+              <a:gd name="connsiteX0" fmla="*/ 1995607 w 2537685"/>
+              <a:gd name="connsiteY0" fmla="*/ 2838699 h 2856285"/>
+              <a:gd name="connsiteX1" fmla="*/ 1649 w 2537685"/>
+              <a:gd name="connsiteY1" fmla="*/ 1609712 h 2856285"/>
+              <a:gd name="connsiteX2" fmla="*/ 900520 w 2537685"/>
+              <a:gd name="connsiteY2" fmla="*/ 14681 h 2856285"/>
+              <a:gd name="connsiteX3" fmla="*/ 2477309 w 2537685"/>
+              <a:gd name="connsiteY3" fmla="*/ 932556 h 2856285"/>
+              <a:gd name="connsiteX4" fmla="*/ 1995607 w 2537685"/>
+              <a:gd name="connsiteY4" fmla="*/ 2838699 h 2856285"/>
+              <a:gd name="connsiteX0" fmla="*/ 1995607 w 2537686"/>
+              <a:gd name="connsiteY0" fmla="*/ 2850780 h 2868366"/>
+              <a:gd name="connsiteX1" fmla="*/ 1649 w 2537686"/>
+              <a:gd name="connsiteY1" fmla="*/ 1621793 h 2868366"/>
+              <a:gd name="connsiteX2" fmla="*/ 900520 w 2537686"/>
+              <a:gd name="connsiteY2" fmla="*/ 26762 h 2868366"/>
+              <a:gd name="connsiteX3" fmla="*/ 2477309 w 2537686"/>
+              <a:gd name="connsiteY3" fmla="*/ 944637 h 2868366"/>
+              <a:gd name="connsiteX4" fmla="*/ 1995607 w 2537686"/>
+              <a:gd name="connsiteY4" fmla="*/ 2850780 h 2868366"/>
+              <a:gd name="connsiteX0" fmla="*/ 2018953 w 2547450"/>
+              <a:gd name="connsiteY0" fmla="*/ 2782443 h 2792311"/>
+              <a:gd name="connsiteX1" fmla="*/ 24995 w 2547450"/>
+              <a:gd name="connsiteY1" fmla="*/ 1553456 h 2792311"/>
+              <a:gd name="connsiteX2" fmla="*/ 1126763 w 2547450"/>
+              <a:gd name="connsiteY2" fmla="*/ 29021 h 2792311"/>
+              <a:gd name="connsiteX3" fmla="*/ 2500655 w 2547450"/>
+              <a:gd name="connsiteY3" fmla="*/ 876300 h 2792311"/>
+              <a:gd name="connsiteX4" fmla="*/ 2018953 w 2547450"/>
+              <a:gd name="connsiteY4" fmla="*/ 2782443 h 2792311"/>
+              <a:gd name="connsiteX0" fmla="*/ 1263305 w 2477517"/>
+              <a:gd name="connsiteY0" fmla="*/ 2235653 h 2253997"/>
+              <a:gd name="connsiteX1" fmla="*/ 1226 w 2477517"/>
+              <a:gd name="connsiteY1" fmla="*/ 1550254 h 2253997"/>
+              <a:gd name="connsiteX2" fmla="*/ 1102994 w 2477517"/>
+              <a:gd name="connsiteY2" fmla="*/ 25819 h 2253997"/>
+              <a:gd name="connsiteX3" fmla="*/ 2476886 w 2477517"/>
+              <a:gd name="connsiteY3" fmla="*/ 873098 h 2253997"/>
+              <a:gd name="connsiteX4" fmla="*/ 1263305 w 2477517"/>
+              <a:gd name="connsiteY4" fmla="*/ 2235653 h 2253997"/>
+              <a:gd name="connsiteX0" fmla="*/ 1263305 w 2478444"/>
+              <a:gd name="connsiteY0" fmla="*/ 2235653 h 2239010"/>
+              <a:gd name="connsiteX1" fmla="*/ 1226 w 2478444"/>
+              <a:gd name="connsiteY1" fmla="*/ 1550254 h 2239010"/>
+              <a:gd name="connsiteX2" fmla="*/ 1102994 w 2478444"/>
+              <a:gd name="connsiteY2" fmla="*/ 25819 h 2239010"/>
+              <a:gd name="connsiteX3" fmla="*/ 2476886 w 2478444"/>
+              <a:gd name="connsiteY3" fmla="*/ 873098 h 2239010"/>
+              <a:gd name="connsiteX4" fmla="*/ 1263305 w 2478444"/>
+              <a:gd name="connsiteY4" fmla="*/ 2235653 h 2239010"/>
+              <a:gd name="connsiteX0" fmla="*/ 1263305 w 2479291"/>
+              <a:gd name="connsiteY0" fmla="*/ 2235653 h 2235982"/>
+              <a:gd name="connsiteX1" fmla="*/ 1226 w 2479291"/>
+              <a:gd name="connsiteY1" fmla="*/ 1550254 h 2235982"/>
+              <a:gd name="connsiteX2" fmla="*/ 1102994 w 2479291"/>
+              <a:gd name="connsiteY2" fmla="*/ 25819 h 2235982"/>
+              <a:gd name="connsiteX3" fmla="*/ 2476886 w 2479291"/>
+              <a:gd name="connsiteY3" fmla="*/ 873098 h 2235982"/>
+              <a:gd name="connsiteX4" fmla="*/ 1263305 w 2479291"/>
+              <a:gd name="connsiteY4" fmla="*/ 2235653 h 2235982"/>
+              <a:gd name="connsiteX0" fmla="*/ 973307 w 2187485"/>
+              <a:gd name="connsiteY0" fmla="*/ 2212438 h 2213270"/>
+              <a:gd name="connsiteX1" fmla="*/ 1081 w 2187485"/>
+              <a:gd name="connsiteY1" fmla="*/ 644590 h 2213270"/>
+              <a:gd name="connsiteX2" fmla="*/ 812996 w 2187485"/>
+              <a:gd name="connsiteY2" fmla="*/ 2604 h 2213270"/>
+              <a:gd name="connsiteX3" fmla="*/ 2186888 w 2187485"/>
+              <a:gd name="connsiteY3" fmla="*/ 849883 h 2213270"/>
+              <a:gd name="connsiteX4" fmla="*/ 973307 w 2187485"/>
+              <a:gd name="connsiteY4" fmla="*/ 2212438 h 2213270"/>
+              <a:gd name="connsiteX0" fmla="*/ 1100474 w 2314652"/>
+              <a:gd name="connsiteY0" fmla="*/ 2298667 h 2299500"/>
+              <a:gd name="connsiteX1" fmla="*/ 128248 w 2314652"/>
+              <a:gd name="connsiteY1" fmla="*/ 730819 h 2299500"/>
+              <a:gd name="connsiteX2" fmla="*/ 940163 w 2314652"/>
+              <a:gd name="connsiteY2" fmla="*/ 88833 h 2299500"/>
+              <a:gd name="connsiteX3" fmla="*/ 2314055 w 2314652"/>
+              <a:gd name="connsiteY3" fmla="*/ 936112 h 2299500"/>
+              <a:gd name="connsiteX4" fmla="*/ 1100474 w 2314652"/>
+              <a:gd name="connsiteY4" fmla="*/ 2298667 h 2299500"/>
+              <a:gd name="connsiteX0" fmla="*/ 1004168 w 2235185"/>
+              <a:gd name="connsiteY0" fmla="*/ 1673666 h 1674423"/>
+              <a:gd name="connsiteX1" fmla="*/ 31942 w 2235185"/>
+              <a:gd name="connsiteY1" fmla="*/ 105818 h 1674423"/>
+              <a:gd name="connsiteX2" fmla="*/ 2217749 w 2235185"/>
+              <a:gd name="connsiteY2" fmla="*/ 311111 h 1674423"/>
+              <a:gd name="connsiteX3" fmla="*/ 1004168 w 2235185"/>
+              <a:gd name="connsiteY3" fmla="*/ 1673666 h 1674423"/>
+              <a:gd name="connsiteX0" fmla="*/ 1004168 w 2396518"/>
+              <a:gd name="connsiteY0" fmla="*/ 2055530 h 2060470"/>
+              <a:gd name="connsiteX1" fmla="*/ 31942 w 2396518"/>
+              <a:gd name="connsiteY1" fmla="*/ 487682 h 2060470"/>
+              <a:gd name="connsiteX2" fmla="*/ 2217749 w 2396518"/>
+              <a:gd name="connsiteY2" fmla="*/ 692975 h 2060470"/>
+              <a:gd name="connsiteX3" fmla="*/ 1004168 w 2396518"/>
+              <a:gd name="connsiteY3" fmla="*/ 2055530 h 2060470"/>
+              <a:gd name="connsiteX0" fmla="*/ 1150727 w 2543077"/>
+              <a:gd name="connsiteY0" fmla="*/ 2286401 h 2291342"/>
+              <a:gd name="connsiteX1" fmla="*/ 178501 w 2543077"/>
+              <a:gd name="connsiteY1" fmla="*/ 718553 h 2291342"/>
+              <a:gd name="connsiteX2" fmla="*/ 2364308 w 2543077"/>
+              <a:gd name="connsiteY2" fmla="*/ 923846 h 2291342"/>
+              <a:gd name="connsiteX3" fmla="*/ 1150727 w 2543077"/>
+              <a:gd name="connsiteY3" fmla="*/ 2286401 h 2291342"/>
+              <a:gd name="connsiteX0" fmla="*/ 1305182 w 2821161"/>
+              <a:gd name="connsiteY0" fmla="*/ 2286401 h 2286928"/>
+              <a:gd name="connsiteX1" fmla="*/ 332956 w 2821161"/>
+              <a:gd name="connsiteY1" fmla="*/ 718553 h 2286928"/>
+              <a:gd name="connsiteX2" fmla="*/ 2518763 w 2821161"/>
+              <a:gd name="connsiteY2" fmla="*/ 923846 h 2286928"/>
+              <a:gd name="connsiteX3" fmla="*/ 1305182 w 2821161"/>
+              <a:gd name="connsiteY3" fmla="*/ 2286401 h 2286928"/>
+              <a:gd name="connsiteX0" fmla="*/ 1121558 w 2393546"/>
+              <a:gd name="connsiteY0" fmla="*/ 1595353 h 1595634"/>
+              <a:gd name="connsiteX1" fmla="*/ 134839 w 2393546"/>
+              <a:gd name="connsiteY1" fmla="*/ 98101 h 1595634"/>
+              <a:gd name="connsiteX2" fmla="*/ 2320646 w 2393546"/>
+              <a:gd name="connsiteY2" fmla="*/ 303394 h 1595634"/>
+              <a:gd name="connsiteX3" fmla="*/ 1121558 w 2393546"/>
+              <a:gd name="connsiteY3" fmla="*/ 1595353 h 1595634"/>
+              <a:gd name="connsiteX0" fmla="*/ 1501424 w 2773412"/>
+              <a:gd name="connsiteY0" fmla="*/ 2128605 h 2131022"/>
+              <a:gd name="connsiteX1" fmla="*/ 514705 w 2773412"/>
+              <a:gd name="connsiteY1" fmla="*/ 631353 h 2131022"/>
+              <a:gd name="connsiteX2" fmla="*/ 2700512 w 2773412"/>
+              <a:gd name="connsiteY2" fmla="*/ 836646 h 2131022"/>
+              <a:gd name="connsiteX3" fmla="*/ 1501424 w 2773412"/>
+              <a:gd name="connsiteY3" fmla="*/ 2128605 h 2131022"/>
+              <a:gd name="connsiteX0" fmla="*/ 1501424 w 2914709"/>
+              <a:gd name="connsiteY0" fmla="*/ 2285254 h 2287671"/>
+              <a:gd name="connsiteX1" fmla="*/ 514705 w 2914709"/>
+              <a:gd name="connsiteY1" fmla="*/ 788002 h 2287671"/>
+              <a:gd name="connsiteX2" fmla="*/ 2700512 w 2914709"/>
+              <a:gd name="connsiteY2" fmla="*/ 993295 h 2287671"/>
+              <a:gd name="connsiteX3" fmla="*/ 1501424 w 2914709"/>
+              <a:gd name="connsiteY3" fmla="*/ 2285254 h 2287671"/>
+              <a:gd name="connsiteX0" fmla="*/ 1005173 w 2039933"/>
+              <a:gd name="connsiteY0" fmla="*/ 1748047 h 1752261"/>
+              <a:gd name="connsiteX1" fmla="*/ 18454 w 2039933"/>
+              <a:gd name="connsiteY1" fmla="*/ 250795 h 1752261"/>
+              <a:gd name="connsiteX2" fmla="*/ 1914407 w 2039933"/>
+              <a:gd name="connsiteY2" fmla="*/ 547862 h 1752261"/>
+              <a:gd name="connsiteX3" fmla="*/ 1005173 w 2039933"/>
+              <a:gd name="connsiteY3" fmla="*/ 1748047 h 1752261"/>
+              <a:gd name="connsiteX0" fmla="*/ 1252150 w 2286910"/>
+              <a:gd name="connsiteY0" fmla="*/ 2385953 h 2390167"/>
+              <a:gd name="connsiteX1" fmla="*/ 265431 w 2286910"/>
+              <a:gd name="connsiteY1" fmla="*/ 888701 h 2390167"/>
+              <a:gd name="connsiteX2" fmla="*/ 2161384 w 2286910"/>
+              <a:gd name="connsiteY2" fmla="*/ 1185768 h 2390167"/>
+              <a:gd name="connsiteX3" fmla="*/ 1252150 w 2286910"/>
+              <a:gd name="connsiteY3" fmla="*/ 2385953 h 2390167"/>
+              <a:gd name="connsiteX0" fmla="*/ 1142081 w 2069310"/>
+              <a:gd name="connsiteY0" fmla="*/ 2123900 h 2146255"/>
+              <a:gd name="connsiteX1" fmla="*/ 278549 w 2069310"/>
+              <a:gd name="connsiteY1" fmla="*/ 774900 h 2146255"/>
+              <a:gd name="connsiteX2" fmla="*/ 2051315 w 2069310"/>
+              <a:gd name="connsiteY2" fmla="*/ 923715 h 2146255"/>
+              <a:gd name="connsiteX3" fmla="*/ 1142081 w 2069310"/>
+              <a:gd name="connsiteY3" fmla="*/ 2123900 h 2146255"/>
+              <a:gd name="connsiteX0" fmla="*/ 1165325 w 2097018"/>
+              <a:gd name="connsiteY0" fmla="*/ 2123900 h 2164933"/>
+              <a:gd name="connsiteX1" fmla="*/ 301793 w 2097018"/>
+              <a:gd name="connsiteY1" fmla="*/ 774900 h 2164933"/>
+              <a:gd name="connsiteX2" fmla="*/ 2074559 w 2097018"/>
+              <a:gd name="connsiteY2" fmla="*/ 923715 h 2164933"/>
+              <a:gd name="connsiteX3" fmla="*/ 1165325 w 2097018"/>
+              <a:gd name="connsiteY3" fmla="*/ 2123900 h 2164933"/>
+              <a:gd name="connsiteX0" fmla="*/ 881857 w 1752174"/>
+              <a:gd name="connsiteY0" fmla="*/ 1447028 h 1447527"/>
+              <a:gd name="connsiteX1" fmla="*/ 18325 w 1752174"/>
+              <a:gd name="connsiteY1" fmla="*/ 98028 h 1447527"/>
+              <a:gd name="connsiteX2" fmla="*/ 1733120 w 1752174"/>
+              <a:gd name="connsiteY2" fmla="*/ 253902 h 1447527"/>
+              <a:gd name="connsiteX3" fmla="*/ 881857 w 1752174"/>
+              <a:gd name="connsiteY3" fmla="*/ 1447028 h 1447527"/>
+              <a:gd name="connsiteX0" fmla="*/ 881857 w 2006074"/>
+              <a:gd name="connsiteY0" fmla="*/ 2138307 h 2283892"/>
+              <a:gd name="connsiteX1" fmla="*/ 18325 w 2006074"/>
+              <a:gd name="connsiteY1" fmla="*/ 789307 h 2283892"/>
+              <a:gd name="connsiteX2" fmla="*/ 1733120 w 2006074"/>
+              <a:gd name="connsiteY2" fmla="*/ 945181 h 2283892"/>
+              <a:gd name="connsiteX3" fmla="*/ 881857 w 2006074"/>
+              <a:gd name="connsiteY3" fmla="*/ 2138307 h 2283892"/>
+              <a:gd name="connsiteX0" fmla="*/ 124151 w 2143381"/>
+              <a:gd name="connsiteY0" fmla="*/ 1376349 h 1376877"/>
+              <a:gd name="connsiteX1" fmla="*/ 427280 w 2143381"/>
+              <a:gd name="connsiteY1" fmla="*/ 90886 h 1376877"/>
+              <a:gd name="connsiteX2" fmla="*/ 2142075 w 2143381"/>
+              <a:gd name="connsiteY2" fmla="*/ 246760 h 1376877"/>
+              <a:gd name="connsiteX3" fmla="*/ 124151 w 2143381"/>
+              <a:gd name="connsiteY3" fmla="*/ 1376349 h 1376877"/>
+              <a:gd name="connsiteX0" fmla="*/ 16363 w 2063351"/>
+              <a:gd name="connsiteY0" fmla="*/ 2146086 h 2165274"/>
+              <a:gd name="connsiteX1" fmla="*/ 1131082 w 2063351"/>
+              <a:gd name="connsiteY1" fmla="*/ 27592 h 2165274"/>
+              <a:gd name="connsiteX2" fmla="*/ 2034287 w 2063351"/>
+              <a:gd name="connsiteY2" fmla="*/ 1016497 h 2165274"/>
+              <a:gd name="connsiteX3" fmla="*/ 16363 w 2063351"/>
+              <a:gd name="connsiteY3" fmla="*/ 2146086 h 2165274"/>
+              <a:gd name="connsiteX0" fmla="*/ 26033 w 2321104"/>
+              <a:gd name="connsiteY0" fmla="*/ 2118673 h 2322476"/>
+              <a:gd name="connsiteX1" fmla="*/ 1140752 w 2321104"/>
+              <a:gd name="connsiteY1" fmla="*/ 179 h 2322476"/>
+              <a:gd name="connsiteX2" fmla="*/ 2297579 w 2321104"/>
+              <a:gd name="connsiteY2" fmla="*/ 1998605 h 2322476"/>
+              <a:gd name="connsiteX3" fmla="*/ 26033 w 2321104"/>
+              <a:gd name="connsiteY3" fmla="*/ 2118673 h 2322476"/>
+              <a:gd name="connsiteX0" fmla="*/ 25051 w 2372885"/>
+              <a:gd name="connsiteY0" fmla="*/ 2026729 h 2264528"/>
+              <a:gd name="connsiteX1" fmla="*/ 1190494 w 2372885"/>
+              <a:gd name="connsiteY1" fmla="*/ 10 h 2264528"/>
+              <a:gd name="connsiteX2" fmla="*/ 2347321 w 2372885"/>
+              <a:gd name="connsiteY2" fmla="*/ 1998436 h 2264528"/>
+              <a:gd name="connsiteX3" fmla="*/ 25051 w 2372885"/>
+              <a:gd name="connsiteY3" fmla="*/ 2026729 h 2264528"/>
+              <a:gd name="connsiteX0" fmla="*/ 25051 w 2372885"/>
+              <a:gd name="connsiteY0" fmla="*/ 2132622 h 2383639"/>
+              <a:gd name="connsiteX1" fmla="*/ 1190494 w 2372885"/>
+              <a:gd name="connsiteY1" fmla="*/ 9 h 2383639"/>
+              <a:gd name="connsiteX2" fmla="*/ 2347321 w 2372885"/>
+              <a:gd name="connsiteY2" fmla="*/ 2104329 h 2383639"/>
+              <a:gd name="connsiteX3" fmla="*/ 25051 w 2372885"/>
+              <a:gd name="connsiteY3" fmla="*/ 2132622 h 2383639"/>
+              <a:gd name="connsiteX0" fmla="*/ 29294 w 2476772"/>
+              <a:gd name="connsiteY0" fmla="*/ 2132616 h 2407191"/>
+              <a:gd name="connsiteX1" fmla="*/ 1194737 w 2476772"/>
+              <a:gd name="connsiteY1" fmla="*/ 3 h 2407191"/>
+              <a:gd name="connsiteX2" fmla="*/ 2453013 w 2476772"/>
+              <a:gd name="connsiteY2" fmla="*/ 2146681 h 2407191"/>
+              <a:gd name="connsiteX3" fmla="*/ 29294 w 2476772"/>
+              <a:gd name="connsiteY3" fmla="*/ 2132616 h 2407191"/>
+              <a:gd name="connsiteX0" fmla="*/ 27127 w 2587615"/>
+              <a:gd name="connsiteY0" fmla="*/ 2167917 h 2427159"/>
+              <a:gd name="connsiteX1" fmla="*/ 1301266 w 2587615"/>
+              <a:gd name="connsiteY1" fmla="*/ 5 h 2427159"/>
+              <a:gd name="connsiteX2" fmla="*/ 2559542 w 2587615"/>
+              <a:gd name="connsiteY2" fmla="*/ 2146683 h 2427159"/>
+              <a:gd name="connsiteX3" fmla="*/ 27127 w 2587615"/>
+              <a:gd name="connsiteY3" fmla="*/ 2167917 h 2427159"/>
+            </a:gdLst>
+            <a:ahLst/>
+            <a:cxnLst>
+              <a:cxn ang="0">
+                <a:pos x="connsiteX0" y="connsiteY0"/>
+              </a:cxn>
+              <a:cxn ang="0">
+                <a:pos x="connsiteX1" y="connsiteY1"/>
+              </a:cxn>
+              <a:cxn ang="0">
+                <a:pos x="connsiteX2" y="connsiteY2"/>
+              </a:cxn>
+              <a:cxn ang="0">
+                <a:pos x="connsiteX3" y="connsiteY3"/>
+              </a:cxn>
+            </a:cxnLst>
+            <a:rect l="l" t="t" r="r" b="b"/>
+            <a:pathLst>
+              <a:path w="2587615" h="2427159">
+                <a:moveTo>
+                  <a:pt x="27127" y="2167917"/>
+                </a:moveTo>
+                <a:cubicBezTo>
+                  <a:pt x="-182586" y="1810137"/>
+                  <a:pt x="879197" y="3544"/>
+                  <a:pt x="1301266" y="5"/>
+                </a:cubicBezTo>
+                <a:cubicBezTo>
+                  <a:pt x="1723335" y="-3534"/>
+                  <a:pt x="2771898" y="1785364"/>
+                  <a:pt x="2559542" y="2146683"/>
+                </a:cubicBezTo>
+                <a:cubicBezTo>
+                  <a:pt x="2347186" y="2508002"/>
+                  <a:pt x="236840" y="2525697"/>
+                  <a:pt x="27127" y="2167917"/>
+                </a:cubicBezTo>
+                <a:close/>
+              </a:path>
+            </a:pathLst>
+          </a:custGeom>
+          <a:solidFill>
+            <a:schemeClr val="bg1">
+              <a:lumMod val="95000"/>
+              <a:alpha val="60000"/>
+            </a:schemeClr>
+          </a:solidFill>
+          <a:ln w="9525">
+            <a:solidFill>
+              <a:schemeClr val="tx1">
+                <a:alpha val="60000"/>
+              </a:schemeClr>
+            </a:solidFill>
+          </a:ln>
+        </p:spPr>
+        <p:style>
+          <a:lnRef idx="2">
+            <a:schemeClr val="accent1">
+              <a:shade val="50000"/>
+            </a:schemeClr>
+          </a:lnRef>
+          <a:fillRef idx="1">
+            <a:schemeClr val="accent1"/>
+          </a:fillRef>
+          <a:effectRef idx="0">
+            <a:schemeClr val="accent1"/>
+          </a:effectRef>
+          <a:fontRef idx="minor">
+            <a:schemeClr val="lt1"/>
+          </a:fontRef>
+        </p:style>
+        <p:txBody>
+          <a:bodyPr rot="0" spcFirstLastPara="0" vertOverflow="overflow" horzOverflow="overflow" vert="horz" wrap="square" lIns="91440" tIns="45720" rIns="91440" bIns="45720" numCol="1" spcCol="0" rtlCol="0" fromWordArt="0" anchor="ctr" anchorCtr="0" forceAA="0" compatLnSpc="1">
+            <a:prstTxWarp prst="textNoShape">
+              <a:avLst/>
+            </a:prstTxWarp>
+            <a:noAutofit/>
+          </a:bodyPr>
+          <a:lstStyle/>
+          <a:p>
+            <a:pPr algn="ctr"/>
+            <a:endParaRPr lang="fr-FR"/>
+          </a:p>
+        </p:txBody>
+      </p:sp>
+      <p:cxnSp>
+        <p:nvCxnSpPr>
+          <p:cNvPr id="13" name="Connecteur droit 12">
+            <a:extLst>
+              <a:ext uri="{FF2B5EF4-FFF2-40B4-BE49-F238E27FC236}">
+                <a16:creationId xmlns:a16="http://schemas.microsoft.com/office/drawing/2014/main" id="{72AD44D8-127E-4921-99FE-5D89133262C8}"/>
+              </a:ext>
+            </a:extLst>
+          </p:cNvPr>
+          <p:cNvCxnSpPr>
+            <a:cxnSpLocks/>
+          </p:cNvCxnSpPr>
+          <p:nvPr/>
+        </p:nvCxnSpPr>
+        <p:spPr>
+          <a:xfrm flipV="1">
+            <a:off x="2952638" y="1645444"/>
+            <a:ext cx="0" cy="939874"/>
+          </a:xfrm>
+          <a:prstGeom prst="line">
+            <a:avLst/>
+          </a:prstGeom>
+          <a:ln w="12700">
+            <a:solidFill>
+              <a:schemeClr val="tx1"/>
+            </a:solidFill>
+            <a:headEnd type="oval" w="lg" len="lg"/>
+            <a:tailEnd type="triangle" w="lg" len="lg"/>
+          </a:ln>
+        </p:spPr>
+        <p:style>
+          <a:lnRef idx="1">
+            <a:schemeClr val="accent1"/>
+          </a:lnRef>
+          <a:fillRef idx="0">
+            <a:schemeClr val="accent1"/>
+          </a:fillRef>
+          <a:effectRef idx="0">
+            <a:schemeClr val="accent1"/>
+          </a:effectRef>
+          <a:fontRef idx="minor">
+            <a:schemeClr val="tx1"/>
+          </a:fontRef>
+        </p:style>
+      </p:cxnSp>
+      <p:cxnSp>
+        <p:nvCxnSpPr>
+          <p:cNvPr id="28" name="Connecteur droit 27">
+            <a:extLst>
+              <a:ext uri="{FF2B5EF4-FFF2-40B4-BE49-F238E27FC236}">
+                <a16:creationId xmlns:a16="http://schemas.microsoft.com/office/drawing/2014/main" id="{E015D396-DB2B-493E-8246-97B883EF32C7}"/>
+              </a:ext>
+            </a:extLst>
+          </p:cNvPr>
+          <p:cNvCxnSpPr>
+            <a:cxnSpLocks/>
+          </p:cNvCxnSpPr>
+          <p:nvPr/>
+        </p:nvCxnSpPr>
+        <p:spPr>
+          <a:xfrm>
+            <a:off x="2138685" y="3082022"/>
+            <a:ext cx="1688097" cy="0"/>
+          </a:xfrm>
+          <a:prstGeom prst="line">
+            <a:avLst/>
+          </a:prstGeom>
+          <a:ln w="12700">
+            <a:solidFill>
+              <a:schemeClr val="tx1"/>
+            </a:solidFill>
+            <a:headEnd type="triangle" w="lg" len="lg"/>
+            <a:tailEnd type="oval" w="lg" len="lg"/>
+          </a:ln>
+        </p:spPr>
+        <p:style>
+          <a:lnRef idx="1">
+            <a:schemeClr val="accent1"/>
+          </a:lnRef>
+          <a:fillRef idx="0">
+            <a:schemeClr val="accent1"/>
+          </a:fillRef>
+          <a:effectRef idx="0">
+            <a:schemeClr val="accent1"/>
+          </a:effectRef>
+          <a:fontRef idx="minor">
+            <a:schemeClr val="tx1"/>
+          </a:fontRef>
+        </p:style>
+      </p:cxnSp>
+      <mc:AlternateContent xmlns:mc="http://schemas.openxmlformats.org/markup-compatibility/2006" xmlns:a14="http://schemas.microsoft.com/office/drawing/2010/main">
+        <mc:Choice Requires="a14">
+          <p:sp>
+            <p:nvSpPr>
+              <p:cNvPr id="41" name="ZoneTexte 40">
+                <a:extLst>
+                  <a:ext uri="{FF2B5EF4-FFF2-40B4-BE49-F238E27FC236}">
+                    <a16:creationId xmlns:a16="http://schemas.microsoft.com/office/drawing/2014/main" id="{C80DEA8D-55F0-4F3B-8B2A-04A2B81E1A47}"/>
+                  </a:ext>
+                </a:extLst>
+              </p:cNvPr>
+              <p:cNvSpPr txBox="1"/>
+              <p:nvPr/>
+            </p:nvSpPr>
+            <p:spPr>
+              <a:xfrm>
+                <a:off x="3190093" y="2115381"/>
+                <a:ext cx="461537" cy="430887"/>
+              </a:xfrm>
+              <a:prstGeom prst="rect">
+                <a:avLst/>
+              </a:prstGeom>
+              <a:noFill/>
+              <a:ln>
+                <a:noFill/>
+              </a:ln>
+            </p:spPr>
+            <p:txBody>
+              <a:bodyPr wrap="none" lIns="0" tIns="0" rIns="0" bIns="0" rtlCol="0">
+                <a:spAutoFit/>
+              </a:bodyPr>
+              <a:lstStyle/>
+              <a:p>
+                <a:pPr/>
+                <a14:m>
+                  <m:oMathPara xmlns:m="http://schemas.openxmlformats.org/officeDocument/2006/math">
+                    <m:oMathParaPr>
+                      <m:jc m:val="centerGroup"/>
+                    </m:oMathParaPr>
+                    <m:oMath xmlns:m="http://schemas.openxmlformats.org/officeDocument/2006/math">
+                      <m:sSub>
+                        <m:sSubPr>
+                          <m:ctrlPr>
+                            <a:rPr lang="fr-FR" sz="2800" b="0" i="1" smtClean="0">
+                              <a:latin typeface="Cambria Math" panose="02040503050406030204" pitchFamily="18" charset="0"/>
+                            </a:rPr>
+                          </m:ctrlPr>
+                        </m:sSubPr>
+                        <m:e>
+                          <m:r>
+                            <a:rPr lang="fr-FR" sz="2800" i="1" smtClean="0">
+                              <a:latin typeface="Cambria Math" panose="02040503050406030204" pitchFamily="18" charset="0"/>
+                            </a:rPr>
+                            <m:t>𝒢</m:t>
+                          </m:r>
+                        </m:e>
+                        <m:sub>
+                          <m:r>
+                            <m:rPr>
+                              <m:sty m:val="p"/>
+                            </m:rPr>
+                            <a:rPr lang="fr-FR" sz="2800" b="0" i="0" smtClean="0">
+                              <a:latin typeface="Cambria Math" panose="02040503050406030204" pitchFamily="18" charset="0"/>
+                            </a:rPr>
+                            <m:t>n</m:t>
+                          </m:r>
+                        </m:sub>
+                      </m:sSub>
+                    </m:oMath>
+                  </m:oMathPara>
+                </a14:m>
+                <a:endParaRPr lang="fr-FR" sz="2800" dirty="0"/>
+              </a:p>
+            </p:txBody>
+          </p:sp>
+        </mc:Choice>
+        <mc:Fallback xmlns="">
+          <p:sp>
+            <p:nvSpPr>
+              <p:cNvPr id="41" name="ZoneTexte 40">
+                <a:extLst>
+                  <a:ext uri="{FF2B5EF4-FFF2-40B4-BE49-F238E27FC236}">
+                    <a16:creationId xmlns:a16="http://schemas.microsoft.com/office/drawing/2014/main" id="{C80DEA8D-55F0-4F3B-8B2A-04A2B81E1A47}"/>
+                  </a:ext>
+                </a:extLst>
+              </p:cNvPr>
+              <p:cNvSpPr txBox="1">
+                <a:spLocks noRot="1" noChangeAspect="1" noMove="1" noResize="1" noEditPoints="1" noAdjustHandles="1" noChangeArrowheads="1" noChangeShapeType="1" noTextEdit="1"/>
+              </p:cNvSpPr>
+              <p:nvPr/>
+            </p:nvSpPr>
+            <p:spPr>
+              <a:xfrm>
+                <a:off x="3190093" y="2115381"/>
+                <a:ext cx="461537" cy="430887"/>
+              </a:xfrm>
+              <a:prstGeom prst="rect">
+                <a:avLst/>
+              </a:prstGeom>
+              <a:blipFill>
+                <a:blip r:embed="rId2"/>
+                <a:stretch>
+                  <a:fillRect/>
+                </a:stretch>
+              </a:blipFill>
+              <a:ln>
+                <a:noFill/>
+              </a:ln>
+            </p:spPr>
+            <p:txBody>
+              <a:bodyPr/>
+              <a:lstStyle/>
+              <a:p>
+                <a:r>
+                  <a:rPr lang="fr-FR">
+                    <a:noFill/>
+                  </a:rPr>
+                  <a:t> </a:t>
+                </a:r>
+              </a:p>
+            </p:txBody>
+          </p:sp>
+        </mc:Fallback>
+      </mc:AlternateContent>
+      <mc:AlternateContent xmlns:mc="http://schemas.openxmlformats.org/markup-compatibility/2006" xmlns:a14="http://schemas.microsoft.com/office/drawing/2010/main">
+        <mc:Choice Requires="a14">
+          <p:sp>
+            <p:nvSpPr>
+              <p:cNvPr id="42" name="ZoneTexte 41">
+                <a:extLst>
+                  <a:ext uri="{FF2B5EF4-FFF2-40B4-BE49-F238E27FC236}">
+                    <a16:creationId xmlns:a16="http://schemas.microsoft.com/office/drawing/2014/main" id="{09444BD3-FF3B-4A39-8578-1A517544DF9C}"/>
+                  </a:ext>
+                </a:extLst>
+              </p:cNvPr>
+              <p:cNvSpPr txBox="1"/>
+              <p:nvPr/>
+            </p:nvSpPr>
+            <p:spPr>
+              <a:xfrm>
+                <a:off x="1852146" y="3619500"/>
+                <a:ext cx="671209" cy="430887"/>
+              </a:xfrm>
+              <a:prstGeom prst="rect">
+                <a:avLst/>
+              </a:prstGeom>
+              <a:noFill/>
+              <a:ln>
+                <a:noFill/>
+              </a:ln>
+            </p:spPr>
+            <p:txBody>
+              <a:bodyPr wrap="none" lIns="0" tIns="0" rIns="0" bIns="0" rtlCol="0">
+                <a:spAutoFit/>
+              </a:bodyPr>
+              <a:lstStyle/>
+              <a:p>
+                <a:pPr/>
+                <a14:m>
+                  <m:oMathPara xmlns:m="http://schemas.openxmlformats.org/officeDocument/2006/math">
+                    <m:oMathParaPr>
+                      <m:jc m:val="centerGroup"/>
+                    </m:oMathParaPr>
+                    <m:oMath xmlns:m="http://schemas.openxmlformats.org/officeDocument/2006/math">
+                      <m:sSub>
+                        <m:sSubPr>
+                          <m:ctrlPr>
+                            <a:rPr lang="fr-FR" sz="2800" b="0" i="1" smtClean="0">
+                              <a:latin typeface="Cambria Math" panose="02040503050406030204" pitchFamily="18" charset="0"/>
+                            </a:rPr>
+                          </m:ctrlPr>
+                        </m:sSubPr>
+                        <m:e>
+                          <m:r>
+                            <a:rPr lang="fr-FR" sz="2800" b="0" i="1" smtClean="0">
+                              <a:latin typeface="Cambria Math" panose="02040503050406030204" pitchFamily="18" charset="0"/>
+                            </a:rPr>
+                            <m:t>𝜕</m:t>
+                          </m:r>
+                          <m:r>
+                            <a:rPr lang="fr-FR" sz="2800" b="0" i="1" smtClean="0">
+                              <a:latin typeface="Cambria Math" panose="02040503050406030204" pitchFamily="18" charset="0"/>
+                            </a:rPr>
+                            <m:t>𝒢</m:t>
+                          </m:r>
+                        </m:e>
+                        <m:sub>
+                          <m:r>
+                            <a:rPr lang="fr-FR" sz="2800" b="0" i="1" smtClean="0">
+                              <a:latin typeface="Cambria Math" panose="02040503050406030204" pitchFamily="18" charset="0"/>
+                            </a:rPr>
+                            <m:t>𝑛</m:t>
+                          </m:r>
+                        </m:sub>
+                      </m:sSub>
+                    </m:oMath>
+                  </m:oMathPara>
+                </a14:m>
+                <a:endParaRPr lang="fr-FR" sz="2800" dirty="0"/>
+              </a:p>
+            </p:txBody>
+          </p:sp>
+        </mc:Choice>
+        <mc:Fallback xmlns="">
+          <p:sp>
+            <p:nvSpPr>
+              <p:cNvPr id="42" name="ZoneTexte 41">
+                <a:extLst>
+                  <a:ext uri="{FF2B5EF4-FFF2-40B4-BE49-F238E27FC236}">
+                    <a16:creationId xmlns:a16="http://schemas.microsoft.com/office/drawing/2014/main" id="{09444BD3-FF3B-4A39-8578-1A517544DF9C}"/>
+                  </a:ext>
+                </a:extLst>
+              </p:cNvPr>
+              <p:cNvSpPr txBox="1">
+                <a:spLocks noRot="1" noChangeAspect="1" noMove="1" noResize="1" noEditPoints="1" noAdjustHandles="1" noChangeArrowheads="1" noChangeShapeType="1" noTextEdit="1"/>
+              </p:cNvSpPr>
+              <p:nvPr/>
+            </p:nvSpPr>
+            <p:spPr>
+              <a:xfrm>
+                <a:off x="1852146" y="3619500"/>
+                <a:ext cx="671209" cy="430887"/>
+              </a:xfrm>
+              <a:prstGeom prst="rect">
+                <a:avLst/>
+              </a:prstGeom>
+              <a:blipFill>
+                <a:blip r:embed="rId3"/>
+                <a:stretch>
+                  <a:fillRect/>
+                </a:stretch>
+              </a:blipFill>
+              <a:ln>
+                <a:noFill/>
+              </a:ln>
+            </p:spPr>
+            <p:txBody>
+              <a:bodyPr/>
+              <a:lstStyle/>
+              <a:p>
+                <a:r>
+                  <a:rPr lang="fr-FR">
+                    <a:noFill/>
+                  </a:rPr>
+                  <a:t> </a:t>
+                </a:r>
+              </a:p>
+            </p:txBody>
+          </p:sp>
+        </mc:Fallback>
+      </mc:AlternateContent>
+      <p:cxnSp>
+        <p:nvCxnSpPr>
+          <p:cNvPr id="45" name="Connecteur droit 44">
+            <a:extLst>
+              <a:ext uri="{FF2B5EF4-FFF2-40B4-BE49-F238E27FC236}">
+                <a16:creationId xmlns:a16="http://schemas.microsoft.com/office/drawing/2014/main" id="{382F260F-B8D6-4347-8C3E-63BC13DB5D9E}"/>
+              </a:ext>
+            </a:extLst>
+          </p:cNvPr>
+          <p:cNvCxnSpPr>
+            <a:cxnSpLocks/>
+          </p:cNvCxnSpPr>
+          <p:nvPr/>
+        </p:nvCxnSpPr>
+        <p:spPr>
+          <a:xfrm rot="7200000" flipV="1">
+            <a:off x="3359613" y="2353300"/>
+            <a:ext cx="0" cy="939874"/>
+          </a:xfrm>
+          <a:prstGeom prst="line">
+            <a:avLst/>
+          </a:prstGeom>
+          <a:ln>
+            <a:solidFill>
+              <a:schemeClr val="tx1"/>
+            </a:solidFill>
+            <a:headEnd type="none" w="lg" len="lg"/>
+            <a:tailEnd type="triangle" w="lg" len="lg"/>
+          </a:ln>
+        </p:spPr>
+        <p:style>
+          <a:lnRef idx="1">
+            <a:schemeClr val="accent1"/>
+          </a:lnRef>
+          <a:fillRef idx="0">
+            <a:schemeClr val="accent1"/>
+          </a:fillRef>
+          <a:effectRef idx="0">
+            <a:schemeClr val="accent1"/>
+          </a:effectRef>
+          <a:fontRef idx="minor">
+            <a:schemeClr val="tx1"/>
+          </a:fontRef>
+        </p:style>
+      </p:cxnSp>
+      <p:cxnSp>
+        <p:nvCxnSpPr>
+          <p:cNvPr id="48" name="Connecteur droit 47">
+            <a:extLst>
+              <a:ext uri="{FF2B5EF4-FFF2-40B4-BE49-F238E27FC236}">
+                <a16:creationId xmlns:a16="http://schemas.microsoft.com/office/drawing/2014/main" id="{DC16EE6E-8FC7-4888-965A-1C933320D663}"/>
+              </a:ext>
+            </a:extLst>
+          </p:cNvPr>
+          <p:cNvCxnSpPr>
+            <a:cxnSpLocks/>
+          </p:cNvCxnSpPr>
+          <p:nvPr/>
+        </p:nvCxnSpPr>
+        <p:spPr>
+          <a:xfrm flipV="1">
+            <a:off x="2087563" y="1621631"/>
+            <a:ext cx="785812" cy="1460391"/>
+          </a:xfrm>
+          <a:prstGeom prst="line">
+            <a:avLst/>
+          </a:prstGeom>
+          <a:ln w="12700">
+            <a:solidFill>
+              <a:schemeClr val="tx1"/>
+            </a:solidFill>
+            <a:headEnd type="oval" w="lg" len="lg"/>
+            <a:tailEnd type="triangle" w="lg" len="lg"/>
+          </a:ln>
+        </p:spPr>
+        <p:style>
+          <a:lnRef idx="1">
+            <a:schemeClr val="accent1"/>
+          </a:lnRef>
+          <a:fillRef idx="0">
+            <a:schemeClr val="accent1"/>
+          </a:fillRef>
+          <a:effectRef idx="0">
+            <a:schemeClr val="accent1"/>
+          </a:effectRef>
+          <a:fontRef idx="minor">
+            <a:schemeClr val="tx1"/>
+          </a:fontRef>
+        </p:style>
+      </p:cxnSp>
+      <p:cxnSp>
+        <p:nvCxnSpPr>
+          <p:cNvPr id="68" name="Connecteur droit 67">
+            <a:extLst>
+              <a:ext uri="{FF2B5EF4-FFF2-40B4-BE49-F238E27FC236}">
+                <a16:creationId xmlns:a16="http://schemas.microsoft.com/office/drawing/2014/main" id="{95137731-FD73-4C63-A46B-91701366D94F}"/>
+              </a:ext>
+            </a:extLst>
+          </p:cNvPr>
+          <p:cNvCxnSpPr>
+            <a:cxnSpLocks/>
+          </p:cNvCxnSpPr>
+          <p:nvPr/>
+        </p:nvCxnSpPr>
+        <p:spPr>
+          <a:xfrm flipV="1">
+            <a:off x="2951956" y="543158"/>
+            <a:ext cx="0" cy="1"/>
+          </a:xfrm>
+          <a:prstGeom prst="line">
+            <a:avLst/>
+          </a:prstGeom>
+          <a:ln w="6350">
+            <a:solidFill>
+              <a:schemeClr val="tx1"/>
+            </a:solidFill>
+            <a:headEnd type="oval" w="lg" len="lg"/>
+            <a:tailEnd type="oval" w="sm" len="sm"/>
+          </a:ln>
+        </p:spPr>
+        <p:style>
+          <a:lnRef idx="1">
+            <a:schemeClr val="accent1"/>
+          </a:lnRef>
+          <a:fillRef idx="0">
+            <a:schemeClr val="accent1"/>
+          </a:fillRef>
+          <a:effectRef idx="0">
+            <a:schemeClr val="accent1"/>
+          </a:effectRef>
+          <a:fontRef idx="minor">
+            <a:schemeClr val="tx1"/>
+          </a:fontRef>
+        </p:style>
+      </p:cxnSp>
+      <p:cxnSp>
+        <p:nvCxnSpPr>
+          <p:cNvPr id="89" name="Connecteur droit 88">
+            <a:extLst>
+              <a:ext uri="{FF2B5EF4-FFF2-40B4-BE49-F238E27FC236}">
+                <a16:creationId xmlns:a16="http://schemas.microsoft.com/office/drawing/2014/main" id="{AC4CA023-24CA-48D5-A2E8-5CF010B1369E}"/>
+              </a:ext>
+            </a:extLst>
+          </p:cNvPr>
+          <p:cNvCxnSpPr>
+            <a:cxnSpLocks/>
+          </p:cNvCxnSpPr>
+          <p:nvPr/>
+        </p:nvCxnSpPr>
+        <p:spPr>
+          <a:xfrm flipV="1">
+            <a:off x="2951956" y="624365"/>
+            <a:ext cx="0" cy="866298"/>
+          </a:xfrm>
+          <a:prstGeom prst="line">
+            <a:avLst/>
+          </a:prstGeom>
+          <a:ln w="12700">
+            <a:solidFill>
+              <a:schemeClr val="tx1"/>
+            </a:solidFill>
+            <a:headEnd type="none" w="lg" len="lg"/>
+            <a:tailEnd type="triangle" w="lg" len="lg"/>
+          </a:ln>
+        </p:spPr>
+        <p:style>
+          <a:lnRef idx="1">
+            <a:schemeClr val="accent1"/>
+          </a:lnRef>
+          <a:fillRef idx="0">
+            <a:schemeClr val="accent1"/>
+          </a:fillRef>
+          <a:effectRef idx="0">
+            <a:schemeClr val="accent1"/>
+          </a:effectRef>
+          <a:fontRef idx="minor">
+            <a:schemeClr val="tx1"/>
+          </a:fontRef>
+        </p:style>
+      </p:cxnSp>
+      <p:cxnSp>
+        <p:nvCxnSpPr>
+          <p:cNvPr id="95" name="Connecteur droit 94">
+            <a:extLst>
+              <a:ext uri="{FF2B5EF4-FFF2-40B4-BE49-F238E27FC236}">
+                <a16:creationId xmlns:a16="http://schemas.microsoft.com/office/drawing/2014/main" id="{E196C5BF-B6D7-46CB-9256-637BF115F2A2}"/>
+              </a:ext>
+            </a:extLst>
+          </p:cNvPr>
+          <p:cNvCxnSpPr>
+            <a:cxnSpLocks/>
+          </p:cNvCxnSpPr>
+          <p:nvPr/>
+        </p:nvCxnSpPr>
+        <p:spPr>
+          <a:xfrm rot="7200000" flipV="1">
+            <a:off x="4233759" y="2842474"/>
+            <a:ext cx="0" cy="939874"/>
+          </a:xfrm>
+          <a:prstGeom prst="line">
+            <a:avLst/>
+          </a:prstGeom>
+          <a:ln w="12700">
+            <a:solidFill>
+              <a:schemeClr val="tx1"/>
+            </a:solidFill>
+            <a:headEnd type="none" w="lg" len="lg"/>
+            <a:tailEnd type="triangle" w="lg" len="lg"/>
+          </a:ln>
+        </p:spPr>
+        <p:style>
+          <a:lnRef idx="1">
+            <a:schemeClr val="accent1"/>
+          </a:lnRef>
+          <a:fillRef idx="0">
+            <a:schemeClr val="accent1"/>
+          </a:fillRef>
+          <a:effectRef idx="0">
+            <a:schemeClr val="accent1"/>
+          </a:effectRef>
+          <a:fontRef idx="minor">
+            <a:schemeClr val="tx1"/>
+          </a:fontRef>
+        </p:style>
+      </p:cxnSp>
+      <p:cxnSp>
+        <p:nvCxnSpPr>
+          <p:cNvPr id="99" name="Connecteur droit 98">
+            <a:extLst>
+              <a:ext uri="{FF2B5EF4-FFF2-40B4-BE49-F238E27FC236}">
+                <a16:creationId xmlns:a16="http://schemas.microsoft.com/office/drawing/2014/main" id="{C1FE824A-CF3F-4153-8FB3-FB2605F1B652}"/>
+              </a:ext>
+            </a:extLst>
+          </p:cNvPr>
+          <p:cNvCxnSpPr>
+            <a:cxnSpLocks/>
+          </p:cNvCxnSpPr>
+          <p:nvPr/>
+        </p:nvCxnSpPr>
+        <p:spPr>
+          <a:xfrm rot="14400000" flipV="1">
+            <a:off x="1680587" y="2854192"/>
+            <a:ext cx="0" cy="939874"/>
+          </a:xfrm>
+          <a:prstGeom prst="line">
+            <a:avLst/>
+          </a:prstGeom>
+          <a:ln w="12700">
+            <a:solidFill>
+              <a:schemeClr val="tx1"/>
+            </a:solidFill>
+            <a:headEnd type="none" w="lg" len="lg"/>
+            <a:tailEnd type="triangle" w="lg" len="lg"/>
+          </a:ln>
+        </p:spPr>
+        <p:style>
+          <a:lnRef idx="1">
+            <a:schemeClr val="accent1"/>
+          </a:lnRef>
+          <a:fillRef idx="0">
+            <a:schemeClr val="accent1"/>
+          </a:fillRef>
+          <a:effectRef idx="0">
+            <a:schemeClr val="accent1"/>
+          </a:effectRef>
+          <a:fontRef idx="minor">
+            <a:schemeClr val="tx1"/>
+          </a:fontRef>
+        </p:style>
+      </p:cxnSp>
+      <p:cxnSp>
+        <p:nvCxnSpPr>
+          <p:cNvPr id="100" name="Connecteur droit 99">
+            <a:extLst>
+              <a:ext uri="{FF2B5EF4-FFF2-40B4-BE49-F238E27FC236}">
+                <a16:creationId xmlns:a16="http://schemas.microsoft.com/office/drawing/2014/main" id="{23440B1E-B0C5-439D-B055-5A7C66AAE730}"/>
+              </a:ext>
+            </a:extLst>
+          </p:cNvPr>
+          <p:cNvCxnSpPr>
+            <a:cxnSpLocks/>
+          </p:cNvCxnSpPr>
+          <p:nvPr/>
+        </p:nvCxnSpPr>
+        <p:spPr>
+          <a:xfrm>
+            <a:off x="1213143" y="3593306"/>
+            <a:ext cx="7143" cy="26194"/>
+          </a:xfrm>
+          <a:prstGeom prst="line">
+            <a:avLst/>
+          </a:prstGeom>
+          <a:ln w="6350">
+            <a:solidFill>
+              <a:schemeClr val="tx1"/>
+            </a:solidFill>
+            <a:headEnd type="oval" w="lg" len="lg"/>
+            <a:tailEnd type="oval" w="sm" len="sm"/>
+          </a:ln>
+        </p:spPr>
+        <p:style>
+          <a:lnRef idx="1">
+            <a:schemeClr val="accent1"/>
+          </a:lnRef>
+          <a:fillRef idx="0">
+            <a:schemeClr val="accent1"/>
+          </a:fillRef>
+          <a:effectRef idx="0">
+            <a:schemeClr val="accent1"/>
+          </a:effectRef>
+          <a:fontRef idx="minor">
+            <a:schemeClr val="tx1"/>
+          </a:fontRef>
+        </p:style>
+      </p:cxnSp>
+      <p:sp>
+        <p:nvSpPr>
+          <p:cNvPr id="109" name="Forme libre : forme 108">
+            <a:extLst>
+              <a:ext uri="{FF2B5EF4-FFF2-40B4-BE49-F238E27FC236}">
+                <a16:creationId xmlns:a16="http://schemas.microsoft.com/office/drawing/2014/main" id="{38BF95D1-8ACF-4662-8EB3-979B8A6819D2}"/>
+              </a:ext>
+            </a:extLst>
+          </p:cNvPr>
+          <p:cNvSpPr/>
+          <p:nvPr/>
+        </p:nvSpPr>
+        <p:spPr>
+          <a:xfrm>
+            <a:off x="3043714" y="1605915"/>
+            <a:ext cx="1634966" cy="1906905"/>
+          </a:xfrm>
+          <a:custGeom>
+            <a:avLst/>
+            <a:gdLst>
+              <a:gd name="connsiteX0" fmla="*/ 0 w 1737360"/>
+              <a:gd name="connsiteY0" fmla="*/ 0 h 1935480"/>
+              <a:gd name="connsiteX1" fmla="*/ 1249680 w 1737360"/>
+              <a:gd name="connsiteY1" fmla="*/ 731520 h 1935480"/>
+              <a:gd name="connsiteX2" fmla="*/ 1737360 w 1737360"/>
+              <a:gd name="connsiteY2" fmla="*/ 1935480 h 1935480"/>
+              <a:gd name="connsiteX0" fmla="*/ 0 w 1737360"/>
+              <a:gd name="connsiteY0" fmla="*/ 0 h 1935480"/>
+              <a:gd name="connsiteX1" fmla="*/ 1112520 w 1737360"/>
+              <a:gd name="connsiteY1" fmla="*/ 678180 h 1935480"/>
+              <a:gd name="connsiteX2" fmla="*/ 1737360 w 1737360"/>
+              <a:gd name="connsiteY2" fmla="*/ 1935480 h 1935480"/>
+              <a:gd name="connsiteX0" fmla="*/ 0 w 1737360"/>
+              <a:gd name="connsiteY0" fmla="*/ 0 h 1935480"/>
+              <a:gd name="connsiteX1" fmla="*/ 1120140 w 1737360"/>
+              <a:gd name="connsiteY1" fmla="*/ 708660 h 1935480"/>
+              <a:gd name="connsiteX2" fmla="*/ 1737360 w 1737360"/>
+              <a:gd name="connsiteY2" fmla="*/ 1935480 h 1935480"/>
+              <a:gd name="connsiteX0" fmla="*/ 0 w 1627822"/>
+              <a:gd name="connsiteY0" fmla="*/ 0 h 1880711"/>
+              <a:gd name="connsiteX1" fmla="*/ 1010602 w 1627822"/>
+              <a:gd name="connsiteY1" fmla="*/ 653891 h 1880711"/>
+              <a:gd name="connsiteX2" fmla="*/ 1627822 w 1627822"/>
+              <a:gd name="connsiteY2" fmla="*/ 1880711 h 1880711"/>
+              <a:gd name="connsiteX0" fmla="*/ 0 w 1634966"/>
+              <a:gd name="connsiteY0" fmla="*/ 0 h 1906905"/>
+              <a:gd name="connsiteX1" fmla="*/ 1017746 w 1634966"/>
+              <a:gd name="connsiteY1" fmla="*/ 680085 h 1906905"/>
+              <a:gd name="connsiteX2" fmla="*/ 1634966 w 1634966"/>
+              <a:gd name="connsiteY2" fmla="*/ 1906905 h 1906905"/>
+            </a:gdLst>
+            <a:ahLst/>
+            <a:cxnLst>
+              <a:cxn ang="0">
+                <a:pos x="connsiteX0" y="connsiteY0"/>
+              </a:cxn>
+              <a:cxn ang="0">
+                <a:pos x="connsiteX1" y="connsiteY1"/>
+              </a:cxn>
+              <a:cxn ang="0">
+                <a:pos x="connsiteX2" y="connsiteY2"/>
+              </a:cxn>
+            </a:cxnLst>
+            <a:rect l="l" t="t" r="r" b="b"/>
+            <a:pathLst>
+              <a:path w="1634966" h="1906905">
+                <a:moveTo>
+                  <a:pt x="0" y="0"/>
+                </a:moveTo>
+                <a:cubicBezTo>
+                  <a:pt x="480060" y="204470"/>
+                  <a:pt x="728186" y="357505"/>
+                  <a:pt x="1017746" y="680085"/>
+                </a:cubicBezTo>
+                <a:cubicBezTo>
+                  <a:pt x="1307306" y="1002665"/>
+                  <a:pt x="1535906" y="1466215"/>
+                  <a:pt x="1634966" y="1906905"/>
+                </a:cubicBezTo>
+              </a:path>
+            </a:pathLst>
+          </a:custGeom>
+          <a:noFill/>
+          <a:ln w="12700">
+            <a:solidFill>
+              <a:schemeClr val="tx1"/>
+            </a:solidFill>
+            <a:tailEnd type="triangle" w="lg" len="lg"/>
+          </a:ln>
+        </p:spPr>
+        <p:style>
+          <a:lnRef idx="2">
+            <a:schemeClr val="accent1">
+              <a:shade val="50000"/>
+            </a:schemeClr>
+          </a:lnRef>
+          <a:fillRef idx="1">
+            <a:schemeClr val="accent1"/>
+          </a:fillRef>
+          <a:effectRef idx="0">
+            <a:schemeClr val="accent1"/>
+          </a:effectRef>
+          <a:fontRef idx="minor">
+            <a:schemeClr val="lt1"/>
+          </a:fontRef>
+        </p:style>
+        <p:txBody>
+          <a:bodyPr rtlCol="0" anchor="ctr"/>
+          <a:lstStyle/>
+          <a:p>
+            <a:pPr algn="ctr"/>
+            <a:endParaRPr lang="fr-FR"/>
+          </a:p>
+        </p:txBody>
+      </p:sp>
+      <p:sp>
+        <p:nvSpPr>
+          <p:cNvPr id="18" name="Triangle isocèle 17">
+            <a:extLst>
+              <a:ext uri="{FF2B5EF4-FFF2-40B4-BE49-F238E27FC236}">
+                <a16:creationId xmlns:a16="http://schemas.microsoft.com/office/drawing/2014/main" id="{DAE85F25-A940-494E-A4C7-426F1839A1EC}"/>
+              </a:ext>
+            </a:extLst>
+          </p:cNvPr>
+          <p:cNvSpPr/>
+          <p:nvPr/>
+        </p:nvSpPr>
+        <p:spPr>
+          <a:xfrm>
+            <a:off x="4633594" y="3518701"/>
+            <a:ext cx="146100" cy="125949"/>
+          </a:xfrm>
+          <a:prstGeom prst="triangle">
+            <a:avLst/>
+          </a:prstGeom>
+          <a:solidFill>
+            <a:schemeClr val="accent2"/>
+          </a:solidFill>
+          <a:ln>
+            <a:solidFill>
+              <a:schemeClr val="accent2"/>
+            </a:solidFill>
+          </a:ln>
+        </p:spPr>
+        <p:style>
+          <a:lnRef idx="2">
+            <a:schemeClr val="accent1">
+              <a:shade val="50000"/>
+            </a:schemeClr>
+          </a:lnRef>
+          <a:fillRef idx="1">
+            <a:schemeClr val="accent1"/>
+          </a:fillRef>
+          <a:effectRef idx="0">
+            <a:schemeClr val="accent1"/>
+          </a:effectRef>
+          <a:fontRef idx="minor">
+            <a:schemeClr val="lt1"/>
+          </a:fontRef>
+        </p:style>
+        <p:txBody>
+          <a:bodyPr rtlCol="0" anchor="ctr"/>
+          <a:lstStyle/>
+          <a:p>
+            <a:pPr algn="ctr"/>
+            <a:endParaRPr lang="fr-FR"/>
+          </a:p>
+        </p:txBody>
+      </p:sp>
+      <p:sp>
+        <p:nvSpPr>
+          <p:cNvPr id="19" name="Rectangle 18">
+            <a:extLst>
+              <a:ext uri="{FF2B5EF4-FFF2-40B4-BE49-F238E27FC236}">
+                <a16:creationId xmlns:a16="http://schemas.microsoft.com/office/drawing/2014/main" id="{909921D6-7A76-4076-8178-B4E319DA7530}"/>
+              </a:ext>
+            </a:extLst>
+          </p:cNvPr>
+          <p:cNvSpPr/>
+          <p:nvPr/>
+        </p:nvSpPr>
+        <p:spPr>
+          <a:xfrm flipH="1">
+            <a:off x="2890766" y="1508484"/>
+            <a:ext cx="124614" cy="124614"/>
+          </a:xfrm>
+          <a:prstGeom prst="rect">
+            <a:avLst/>
+          </a:prstGeom>
+          <a:solidFill>
+            <a:schemeClr val="accent1"/>
+          </a:solidFill>
+          <a:ln>
+            <a:solidFill>
+              <a:schemeClr val="accent1"/>
+            </a:solidFill>
+          </a:ln>
+        </p:spPr>
+        <p:style>
+          <a:lnRef idx="2">
+            <a:schemeClr val="accent1">
+              <a:shade val="50000"/>
+            </a:schemeClr>
+          </a:lnRef>
+          <a:fillRef idx="1">
+            <a:schemeClr val="accent1"/>
+          </a:fillRef>
+          <a:effectRef idx="0">
+            <a:schemeClr val="accent1"/>
+          </a:effectRef>
+          <a:fontRef idx="minor">
+            <a:schemeClr val="lt1"/>
+          </a:fontRef>
+        </p:style>
+        <p:txBody>
+          <a:bodyPr rtlCol="0" anchor="ctr"/>
+          <a:lstStyle/>
+          <a:p>
+            <a:pPr algn="ctr"/>
+            <a:endParaRPr lang="fr-FR"/>
+          </a:p>
+        </p:txBody>
+      </p:sp>
+      <mc:AlternateContent xmlns:mc="http://schemas.openxmlformats.org/markup-compatibility/2006" xmlns:a14="http://schemas.microsoft.com/office/drawing/2010/main">
+        <mc:Choice Requires="a14">
+          <p:sp>
+            <p:nvSpPr>
+              <p:cNvPr id="2" name="ZoneTexte 1">
+                <a:extLst>
+                  <a:ext uri="{FF2B5EF4-FFF2-40B4-BE49-F238E27FC236}">
+                    <a16:creationId xmlns:a16="http://schemas.microsoft.com/office/drawing/2014/main" id="{4DE3BE4A-1B33-4A17-B2F7-0DC3E00F2154}"/>
+                  </a:ext>
+                </a:extLst>
+              </p:cNvPr>
+              <p:cNvSpPr txBox="1"/>
+              <p:nvPr/>
+            </p:nvSpPr>
+            <p:spPr>
+              <a:xfrm>
+                <a:off x="3297907" y="2006299"/>
+                <a:ext cx="155492" cy="276999"/>
+              </a:xfrm>
+              <a:prstGeom prst="rect">
+                <a:avLst/>
+              </a:prstGeom>
+              <a:noFill/>
+              <a:ln>
+                <a:noFill/>
+              </a:ln>
+            </p:spPr>
+            <p:txBody>
+              <a:bodyPr wrap="none" lIns="0" tIns="0" rIns="0" bIns="0" rtlCol="0">
+                <a:spAutoFit/>
+              </a:bodyPr>
+              <a:lstStyle/>
+              <a:p>
+                <a:pPr/>
+                <a14:m>
+                  <m:oMathPara xmlns:m="http://schemas.openxmlformats.org/officeDocument/2006/math">
+                    <m:oMathParaPr>
+                      <m:jc m:val="centerGroup"/>
+                    </m:oMathParaPr>
+                    <m:oMath xmlns:m="http://schemas.openxmlformats.org/officeDocument/2006/math">
+                      <m:r>
+                        <a:rPr lang="fr-FR" b="0" i="1" smtClean="0">
+                          <a:latin typeface="Cambria Math" panose="02040503050406030204" pitchFamily="18" charset="0"/>
+                        </a:rPr>
+                        <m:t>∘</m:t>
+                      </m:r>
+                    </m:oMath>
+                  </m:oMathPara>
+                </a14:m>
+                <a:endParaRPr lang="fr-FR" sz="2800" dirty="0"/>
+              </a:p>
+            </p:txBody>
+          </p:sp>
+        </mc:Choice>
+        <mc:Fallback xmlns="">
+          <p:sp>
+            <p:nvSpPr>
+              <p:cNvPr id="2" name="ZoneTexte 1">
+                <a:extLst>
+                  <a:ext uri="{FF2B5EF4-FFF2-40B4-BE49-F238E27FC236}">
+                    <a16:creationId xmlns:a16="http://schemas.microsoft.com/office/drawing/2014/main" id="{4DE3BE4A-1B33-4A17-B2F7-0DC3E00F2154}"/>
+                  </a:ext>
+                </a:extLst>
+              </p:cNvPr>
+              <p:cNvSpPr txBox="1">
+                <a:spLocks noRot="1" noChangeAspect="1" noMove="1" noResize="1" noEditPoints="1" noAdjustHandles="1" noChangeArrowheads="1" noChangeShapeType="1" noTextEdit="1"/>
+              </p:cNvSpPr>
+              <p:nvPr/>
+            </p:nvSpPr>
+            <p:spPr>
+              <a:xfrm>
+                <a:off x="3297907" y="2006299"/>
+                <a:ext cx="155492" cy="276999"/>
+              </a:xfrm>
+              <a:prstGeom prst="rect">
+                <a:avLst/>
+              </a:prstGeom>
+              <a:blipFill>
+                <a:blip r:embed="rId4"/>
+                <a:stretch>
+                  <a:fillRect l="-19231" r="-15385"/>
+                </a:stretch>
+              </a:blipFill>
+              <a:ln>
+                <a:noFill/>
+              </a:ln>
+            </p:spPr>
+            <p:txBody>
+              <a:bodyPr/>
+              <a:lstStyle/>
+              <a:p>
+                <a:r>
+                  <a:rPr lang="fr-FR">
+                    <a:noFill/>
+                  </a:rPr>
+                  <a:t> </a:t>
+                </a:r>
+              </a:p>
+            </p:txBody>
+          </p:sp>
+        </mc:Fallback>
+      </mc:AlternateContent>
+      <p:sp>
+        <p:nvSpPr>
+          <p:cNvPr id="3" name="Forme libre : forme 2">
+            <a:extLst>
+              <a:ext uri="{FF2B5EF4-FFF2-40B4-BE49-F238E27FC236}">
+                <a16:creationId xmlns:a16="http://schemas.microsoft.com/office/drawing/2014/main" id="{CBEC6036-67A8-4135-BE5F-BBC5511C2324}"/>
+              </a:ext>
+            </a:extLst>
+          </p:cNvPr>
+          <p:cNvSpPr/>
+          <p:nvPr/>
+        </p:nvSpPr>
+        <p:spPr>
+          <a:xfrm>
+            <a:off x="1365813" y="2615877"/>
+            <a:ext cx="2589414" cy="978061"/>
+          </a:xfrm>
+          <a:custGeom>
+            <a:avLst/>
+            <a:gdLst>
+              <a:gd name="connsiteX0" fmla="*/ 1603093 w 2589454"/>
+              <a:gd name="connsiteY0" fmla="*/ 0 h 914400"/>
+              <a:gd name="connsiteX1" fmla="*/ 2193402 w 2589454"/>
+              <a:gd name="connsiteY1" fmla="*/ 150471 h 914400"/>
+              <a:gd name="connsiteX2" fmla="*/ 2586941 w 2589454"/>
+              <a:gd name="connsiteY2" fmla="*/ 480350 h 914400"/>
+              <a:gd name="connsiteX3" fmla="*/ 2008207 w 2589454"/>
+              <a:gd name="connsiteY3" fmla="*/ 364603 h 914400"/>
+              <a:gd name="connsiteX4" fmla="*/ 1163255 w 2589454"/>
+              <a:gd name="connsiteY4" fmla="*/ 480350 h 914400"/>
+              <a:gd name="connsiteX5" fmla="*/ 671331 w 2589454"/>
+              <a:gd name="connsiteY5" fmla="*/ 300942 h 914400"/>
+              <a:gd name="connsiteX6" fmla="*/ 399326 w 2589454"/>
+              <a:gd name="connsiteY6" fmla="*/ 688694 h 914400"/>
+              <a:gd name="connsiteX7" fmla="*/ 0 w 2589454"/>
+              <a:gd name="connsiteY7" fmla="*/ 914400 h 914400"/>
+              <a:gd name="connsiteX0" fmla="*/ 1632030 w 2589414"/>
+              <a:gd name="connsiteY0" fmla="*/ 0 h 978061"/>
+              <a:gd name="connsiteX1" fmla="*/ 2193402 w 2589414"/>
+              <a:gd name="connsiteY1" fmla="*/ 214132 h 978061"/>
+              <a:gd name="connsiteX2" fmla="*/ 2586941 w 2589414"/>
+              <a:gd name="connsiteY2" fmla="*/ 544011 h 978061"/>
+              <a:gd name="connsiteX3" fmla="*/ 2008207 w 2589414"/>
+              <a:gd name="connsiteY3" fmla="*/ 428264 h 978061"/>
+              <a:gd name="connsiteX4" fmla="*/ 1163255 w 2589414"/>
+              <a:gd name="connsiteY4" fmla="*/ 544011 h 978061"/>
+              <a:gd name="connsiteX5" fmla="*/ 671331 w 2589414"/>
+              <a:gd name="connsiteY5" fmla="*/ 364603 h 978061"/>
+              <a:gd name="connsiteX6" fmla="*/ 399326 w 2589414"/>
+              <a:gd name="connsiteY6" fmla="*/ 752355 h 978061"/>
+              <a:gd name="connsiteX7" fmla="*/ 0 w 2589414"/>
+              <a:gd name="connsiteY7" fmla="*/ 978061 h 978061"/>
+            </a:gdLst>
+            <a:ahLst/>
+            <a:cxnLst>
+              <a:cxn ang="0">
+                <a:pos x="connsiteX0" y="connsiteY0"/>
+              </a:cxn>
+              <a:cxn ang="0">
+                <a:pos x="connsiteX1" y="connsiteY1"/>
+              </a:cxn>
+              <a:cxn ang="0">
+                <a:pos x="connsiteX2" y="connsiteY2"/>
+              </a:cxn>
+              <a:cxn ang="0">
+                <a:pos x="connsiteX3" y="connsiteY3"/>
+              </a:cxn>
+              <a:cxn ang="0">
+                <a:pos x="connsiteX4" y="connsiteY4"/>
+              </a:cxn>
+              <a:cxn ang="0">
+                <a:pos x="connsiteX5" y="connsiteY5"/>
+              </a:cxn>
+              <a:cxn ang="0">
+                <a:pos x="connsiteX6" y="connsiteY6"/>
+              </a:cxn>
+              <a:cxn ang="0">
+                <a:pos x="connsiteX7" y="connsiteY7"/>
+              </a:cxn>
+            </a:cxnLst>
+            <a:rect l="l" t="t" r="r" b="b"/>
+            <a:pathLst>
+              <a:path w="2589414" h="978061">
+                <a:moveTo>
+                  <a:pt x="1632030" y="0"/>
+                </a:moveTo>
+                <a:cubicBezTo>
+                  <a:pt x="1845197" y="35206"/>
+                  <a:pt x="2034250" y="123464"/>
+                  <a:pt x="2193402" y="214132"/>
+                </a:cubicBezTo>
+                <a:cubicBezTo>
+                  <a:pt x="2352554" y="304800"/>
+                  <a:pt x="2617807" y="508322"/>
+                  <a:pt x="2586941" y="544011"/>
+                </a:cubicBezTo>
+                <a:cubicBezTo>
+                  <a:pt x="2556075" y="579700"/>
+                  <a:pt x="2245488" y="428264"/>
+                  <a:pt x="2008207" y="428264"/>
+                </a:cubicBezTo>
+                <a:cubicBezTo>
+                  <a:pt x="1770926" y="428264"/>
+                  <a:pt x="1386068" y="554621"/>
+                  <a:pt x="1163255" y="544011"/>
+                </a:cubicBezTo>
+                <a:cubicBezTo>
+                  <a:pt x="940442" y="533401"/>
+                  <a:pt x="798653" y="329879"/>
+                  <a:pt x="671331" y="364603"/>
+                </a:cubicBezTo>
+                <a:cubicBezTo>
+                  <a:pt x="544009" y="399327"/>
+                  <a:pt x="511214" y="650112"/>
+                  <a:pt x="399326" y="752355"/>
+                </a:cubicBezTo>
+                <a:cubicBezTo>
+                  <a:pt x="287438" y="854598"/>
+                  <a:pt x="143719" y="916329"/>
+                  <a:pt x="0" y="978061"/>
+                </a:cubicBezTo>
+              </a:path>
+            </a:pathLst>
+          </a:custGeom>
+          <a:noFill/>
+          <a:ln w="28575">
+            <a:solidFill>
+              <a:srgbClr val="FF0000"/>
+            </a:solidFill>
+            <a:headEnd type="none" w="med" len="med"/>
+            <a:tailEnd type="arrow" w="med" len="med"/>
+          </a:ln>
+        </p:spPr>
+        <p:style>
+          <a:lnRef idx="2">
+            <a:schemeClr val="accent1">
+              <a:shade val="50000"/>
+            </a:schemeClr>
+          </a:lnRef>
+          <a:fillRef idx="1">
+            <a:schemeClr val="accent1"/>
+          </a:fillRef>
+          <a:effectRef idx="0">
+            <a:schemeClr val="accent1"/>
+          </a:effectRef>
+          <a:fontRef idx="minor">
+            <a:schemeClr val="lt1"/>
+          </a:fontRef>
+        </p:style>
+        <p:txBody>
+          <a:bodyPr rtlCol="0" anchor="ctr"/>
+          <a:lstStyle/>
+          <a:p>
+            <a:pPr algn="ctr"/>
+            <a:endParaRPr lang="en-GB"/>
+          </a:p>
+        </p:txBody>
+      </p:sp>
+    </p:spTree>
+    <p:extLst>
+      <p:ext uri="{BB962C8B-B14F-4D97-AF65-F5344CB8AC3E}">
+        <p14:creationId xmlns:p14="http://schemas.microsoft.com/office/powerpoint/2010/main" val="1683266494"/>
+      </p:ext>
+    </p:extLst>
+  </p:cSld>
+  <p:clrMapOvr>
+    <a:masterClrMapping/>
+  </p:clrMapOvr>
+</p:sld>
+</file>
+
+<file path=ppt/slides/slide3.xml><?xml version="1.0" encoding="utf-8"?>
+<p:sld xmlns:a="http://schemas.openxmlformats.org/drawingml/2006/main" xmlns:r="http://schemas.openxmlformats.org/officeDocument/2006/relationships" xmlns:p="http://schemas.openxmlformats.org/presentationml/2006/main">
+  <p:cSld>
+    <p:spTree>
+      <p:nvGrpSpPr>
+        <p:cNvPr id="1" name=""/>
+        <p:cNvGrpSpPr/>
+        <p:nvPr/>
+      </p:nvGrpSpPr>
+      <p:grpSpPr>
+        <a:xfrm>
+          <a:off x="0" y="0"/>
+          <a:ext cx="0" cy="0"/>
+          <a:chOff x="0" y="0"/>
+          <a:chExt cx="0" cy="0"/>
+        </a:xfrm>
+      </p:grpSpPr>
+      <p:sp>
+        <p:nvSpPr>
+          <p:cNvPr id="105" name="Cercle : creux 104">
+            <a:extLst>
+              <a:ext uri="{FF2B5EF4-FFF2-40B4-BE49-F238E27FC236}">
+                <a16:creationId xmlns:a16="http://schemas.microsoft.com/office/drawing/2014/main" id="{36F30033-DC5C-4CC3-BEBE-8D124C5F53F5}"/>
+              </a:ext>
+            </a:extLst>
+          </p:cNvPr>
+          <p:cNvSpPr/>
+          <p:nvPr/>
+        </p:nvSpPr>
+        <p:spPr>
+          <a:xfrm>
+            <a:off x="295356" y="316967"/>
+            <a:ext cx="4693769" cy="3987023"/>
+          </a:xfrm>
+          <a:custGeom>
+            <a:avLst/>
+            <a:gdLst>
+              <a:gd name="connsiteX0" fmla="*/ 0 w 4813288"/>
+              <a:gd name="connsiteY0" fmla="*/ 2085975 h 4171950"/>
+              <a:gd name="connsiteX1" fmla="*/ 2406644 w 4813288"/>
+              <a:gd name="connsiteY1" fmla="*/ 0 h 4171950"/>
+              <a:gd name="connsiteX2" fmla="*/ 4813288 w 4813288"/>
+              <a:gd name="connsiteY2" fmla="*/ 2085975 h 4171950"/>
+              <a:gd name="connsiteX3" fmla="*/ 2406644 w 4813288"/>
+              <a:gd name="connsiteY3" fmla="*/ 4171950 h 4171950"/>
+              <a:gd name="connsiteX4" fmla="*/ 0 w 4813288"/>
+              <a:gd name="connsiteY4" fmla="*/ 2085975 h 4171950"/>
+              <a:gd name="connsiteX5" fmla="*/ 687287 w 4813288"/>
+              <a:gd name="connsiteY5" fmla="*/ 2085975 h 4171950"/>
+              <a:gd name="connsiteX6" fmla="*/ 2406644 w 4813288"/>
+              <a:gd name="connsiteY6" fmla="*/ 3484663 h 4171950"/>
+              <a:gd name="connsiteX7" fmla="*/ 4126001 w 4813288"/>
+              <a:gd name="connsiteY7" fmla="*/ 2085975 h 4171950"/>
+              <a:gd name="connsiteX8" fmla="*/ 2406644 w 4813288"/>
+              <a:gd name="connsiteY8" fmla="*/ 687287 h 4171950"/>
+              <a:gd name="connsiteX9" fmla="*/ 687287 w 4813288"/>
+              <a:gd name="connsiteY9" fmla="*/ 2085975 h 4171950"/>
+              <a:gd name="connsiteX0" fmla="*/ 0 w 4813288"/>
+              <a:gd name="connsiteY0" fmla="*/ 2085975 h 4171950"/>
+              <a:gd name="connsiteX1" fmla="*/ 2406644 w 4813288"/>
+              <a:gd name="connsiteY1" fmla="*/ 0 h 4171950"/>
+              <a:gd name="connsiteX2" fmla="*/ 4813288 w 4813288"/>
+              <a:gd name="connsiteY2" fmla="*/ 2085975 h 4171950"/>
+              <a:gd name="connsiteX3" fmla="*/ 2406644 w 4813288"/>
+              <a:gd name="connsiteY3" fmla="*/ 4171950 h 4171950"/>
+              <a:gd name="connsiteX4" fmla="*/ 0 w 4813288"/>
+              <a:gd name="connsiteY4" fmla="*/ 2085975 h 4171950"/>
+              <a:gd name="connsiteX5" fmla="*/ 687287 w 4813288"/>
+              <a:gd name="connsiteY5" fmla="*/ 2085975 h 4171950"/>
+              <a:gd name="connsiteX6" fmla="*/ 2406644 w 4813288"/>
+              <a:gd name="connsiteY6" fmla="*/ 3484663 h 4171950"/>
+              <a:gd name="connsiteX7" fmla="*/ 4126001 w 4813288"/>
+              <a:gd name="connsiteY7" fmla="*/ 2085975 h 4171950"/>
+              <a:gd name="connsiteX8" fmla="*/ 2406644 w 4813288"/>
+              <a:gd name="connsiteY8" fmla="*/ 687287 h 4171950"/>
+              <a:gd name="connsiteX9" fmla="*/ 687287 w 4813288"/>
+              <a:gd name="connsiteY9" fmla="*/ 2085975 h 4171950"/>
+              <a:gd name="connsiteX0" fmla="*/ 0 w 4813288"/>
+              <a:gd name="connsiteY0" fmla="*/ 2085975 h 4171950"/>
+              <a:gd name="connsiteX1" fmla="*/ 2406644 w 4813288"/>
+              <a:gd name="connsiteY1" fmla="*/ 0 h 4171950"/>
+              <a:gd name="connsiteX2" fmla="*/ 4813288 w 4813288"/>
+              <a:gd name="connsiteY2" fmla="*/ 2085975 h 4171950"/>
+              <a:gd name="connsiteX3" fmla="*/ 2406644 w 4813288"/>
+              <a:gd name="connsiteY3" fmla="*/ 4171950 h 4171950"/>
+              <a:gd name="connsiteX4" fmla="*/ 0 w 4813288"/>
+              <a:gd name="connsiteY4" fmla="*/ 2085975 h 4171950"/>
+              <a:gd name="connsiteX5" fmla="*/ 1207987 w 4813288"/>
+              <a:gd name="connsiteY5" fmla="*/ 2867025 h 4171950"/>
+              <a:gd name="connsiteX6" fmla="*/ 2406644 w 4813288"/>
+              <a:gd name="connsiteY6" fmla="*/ 3484663 h 4171950"/>
+              <a:gd name="connsiteX7" fmla="*/ 4126001 w 4813288"/>
+              <a:gd name="connsiteY7" fmla="*/ 2085975 h 4171950"/>
+              <a:gd name="connsiteX8" fmla="*/ 2406644 w 4813288"/>
+              <a:gd name="connsiteY8" fmla="*/ 687287 h 4171950"/>
+              <a:gd name="connsiteX9" fmla="*/ 1207987 w 4813288"/>
+              <a:gd name="connsiteY9" fmla="*/ 2867025 h 4171950"/>
+              <a:gd name="connsiteX0" fmla="*/ 0 w 4813288"/>
+              <a:gd name="connsiteY0" fmla="*/ 2085975 h 4171950"/>
+              <a:gd name="connsiteX1" fmla="*/ 2406644 w 4813288"/>
+              <a:gd name="connsiteY1" fmla="*/ 0 h 4171950"/>
+              <a:gd name="connsiteX2" fmla="*/ 4813288 w 4813288"/>
+              <a:gd name="connsiteY2" fmla="*/ 2085975 h 4171950"/>
+              <a:gd name="connsiteX3" fmla="*/ 2406644 w 4813288"/>
+              <a:gd name="connsiteY3" fmla="*/ 4171950 h 4171950"/>
+              <a:gd name="connsiteX4" fmla="*/ 0 w 4813288"/>
+              <a:gd name="connsiteY4" fmla="*/ 2085975 h 4171950"/>
+              <a:gd name="connsiteX5" fmla="*/ 1207987 w 4813288"/>
+              <a:gd name="connsiteY5" fmla="*/ 2867025 h 4171950"/>
+              <a:gd name="connsiteX6" fmla="*/ 3511544 w 4813288"/>
+              <a:gd name="connsiteY6" fmla="*/ 3002063 h 4171950"/>
+              <a:gd name="connsiteX7" fmla="*/ 4126001 w 4813288"/>
+              <a:gd name="connsiteY7" fmla="*/ 2085975 h 4171950"/>
+              <a:gd name="connsiteX8" fmla="*/ 2406644 w 4813288"/>
+              <a:gd name="connsiteY8" fmla="*/ 687287 h 4171950"/>
+              <a:gd name="connsiteX9" fmla="*/ 1207987 w 4813288"/>
+              <a:gd name="connsiteY9" fmla="*/ 2867025 h 4171950"/>
+              <a:gd name="connsiteX0" fmla="*/ 0 w 4813288"/>
+              <a:gd name="connsiteY0" fmla="*/ 2085975 h 4171950"/>
+              <a:gd name="connsiteX1" fmla="*/ 2406644 w 4813288"/>
+              <a:gd name="connsiteY1" fmla="*/ 0 h 4171950"/>
+              <a:gd name="connsiteX2" fmla="*/ 4813288 w 4813288"/>
+              <a:gd name="connsiteY2" fmla="*/ 2085975 h 4171950"/>
+              <a:gd name="connsiteX3" fmla="*/ 2406644 w 4813288"/>
+              <a:gd name="connsiteY3" fmla="*/ 4171950 h 4171950"/>
+              <a:gd name="connsiteX4" fmla="*/ 0 w 4813288"/>
+              <a:gd name="connsiteY4" fmla="*/ 2085975 h 4171950"/>
+              <a:gd name="connsiteX5" fmla="*/ 1207987 w 4813288"/>
+              <a:gd name="connsiteY5" fmla="*/ 2867025 h 4171950"/>
+              <a:gd name="connsiteX6" fmla="*/ 3511544 w 4813288"/>
+              <a:gd name="connsiteY6" fmla="*/ 3002063 h 4171950"/>
+              <a:gd name="connsiteX7" fmla="*/ 2406644 w 4813288"/>
+              <a:gd name="connsiteY7" fmla="*/ 687287 h 4171950"/>
+              <a:gd name="connsiteX8" fmla="*/ 1207987 w 4813288"/>
+              <a:gd name="connsiteY8" fmla="*/ 2867025 h 4171950"/>
+              <a:gd name="connsiteX0" fmla="*/ 0 w 4813288"/>
+              <a:gd name="connsiteY0" fmla="*/ 2085975 h 4171950"/>
+              <a:gd name="connsiteX1" fmla="*/ 2406644 w 4813288"/>
+              <a:gd name="connsiteY1" fmla="*/ 0 h 4171950"/>
+              <a:gd name="connsiteX2" fmla="*/ 4813288 w 4813288"/>
+              <a:gd name="connsiteY2" fmla="*/ 2085975 h 4171950"/>
+              <a:gd name="connsiteX3" fmla="*/ 2406644 w 4813288"/>
+              <a:gd name="connsiteY3" fmla="*/ 4171950 h 4171950"/>
+              <a:gd name="connsiteX4" fmla="*/ 0 w 4813288"/>
+              <a:gd name="connsiteY4" fmla="*/ 2085975 h 4171950"/>
+              <a:gd name="connsiteX5" fmla="*/ 1207987 w 4813288"/>
+              <a:gd name="connsiteY5" fmla="*/ 2867025 h 4171950"/>
+              <a:gd name="connsiteX6" fmla="*/ 3511544 w 4813288"/>
+              <a:gd name="connsiteY6" fmla="*/ 3002063 h 4171950"/>
+              <a:gd name="connsiteX7" fmla="*/ 2444744 w 4813288"/>
+              <a:gd name="connsiteY7" fmla="*/ 852387 h 4171950"/>
+              <a:gd name="connsiteX8" fmla="*/ 1207987 w 4813288"/>
+              <a:gd name="connsiteY8" fmla="*/ 2867025 h 4171950"/>
+              <a:gd name="connsiteX0" fmla="*/ 0 w 4794238"/>
+              <a:gd name="connsiteY0" fmla="*/ 2085975 h 4171950"/>
+              <a:gd name="connsiteX1" fmla="*/ 2406644 w 4794238"/>
+              <a:gd name="connsiteY1" fmla="*/ 0 h 4171950"/>
+              <a:gd name="connsiteX2" fmla="*/ 4794238 w 4794238"/>
+              <a:gd name="connsiteY2" fmla="*/ 2092325 h 4171950"/>
+              <a:gd name="connsiteX3" fmla="*/ 2406644 w 4794238"/>
+              <a:gd name="connsiteY3" fmla="*/ 4171950 h 4171950"/>
+              <a:gd name="connsiteX4" fmla="*/ 0 w 4794238"/>
+              <a:gd name="connsiteY4" fmla="*/ 2085975 h 4171950"/>
+              <a:gd name="connsiteX5" fmla="*/ 1207987 w 4794238"/>
+              <a:gd name="connsiteY5" fmla="*/ 2867025 h 4171950"/>
+              <a:gd name="connsiteX6" fmla="*/ 3511544 w 4794238"/>
+              <a:gd name="connsiteY6" fmla="*/ 3002063 h 4171950"/>
+              <a:gd name="connsiteX7" fmla="*/ 2444744 w 4794238"/>
+              <a:gd name="connsiteY7" fmla="*/ 852387 h 4171950"/>
+              <a:gd name="connsiteX8" fmla="*/ 1207987 w 4794238"/>
+              <a:gd name="connsiteY8" fmla="*/ 2867025 h 4171950"/>
+              <a:gd name="connsiteX0" fmla="*/ 0 w 3542135"/>
+              <a:gd name="connsiteY0" fmla="*/ 2143960 h 4287920"/>
+              <a:gd name="connsiteX1" fmla="*/ 2406644 w 3542135"/>
+              <a:gd name="connsiteY1" fmla="*/ 57985 h 4287920"/>
+              <a:gd name="connsiteX2" fmla="*/ 2406644 w 3542135"/>
+              <a:gd name="connsiteY2" fmla="*/ 4229935 h 4287920"/>
+              <a:gd name="connsiteX3" fmla="*/ 0 w 3542135"/>
+              <a:gd name="connsiteY3" fmla="*/ 2143960 h 4287920"/>
+              <a:gd name="connsiteX4" fmla="*/ 1207987 w 3542135"/>
+              <a:gd name="connsiteY4" fmla="*/ 2925010 h 4287920"/>
+              <a:gd name="connsiteX5" fmla="*/ 3511544 w 3542135"/>
+              <a:gd name="connsiteY5" fmla="*/ 3060048 h 4287920"/>
+              <a:gd name="connsiteX6" fmla="*/ 2444744 w 3542135"/>
+              <a:gd name="connsiteY6" fmla="*/ 910372 h 4287920"/>
+              <a:gd name="connsiteX7" fmla="*/ 1207987 w 3542135"/>
+              <a:gd name="connsiteY7" fmla="*/ 2925010 h 4287920"/>
+              <a:gd name="connsiteX0" fmla="*/ 41391 w 4627393"/>
+              <a:gd name="connsiteY0" fmla="*/ 2108137 h 3596283"/>
+              <a:gd name="connsiteX1" fmla="*/ 2448035 w 4627393"/>
+              <a:gd name="connsiteY1" fmla="*/ 22162 h 3596283"/>
+              <a:gd name="connsiteX2" fmla="*/ 4568935 w 4627393"/>
+              <a:gd name="connsiteY2" fmla="*/ 3533712 h 3596283"/>
+              <a:gd name="connsiteX3" fmla="*/ 41391 w 4627393"/>
+              <a:gd name="connsiteY3" fmla="*/ 2108137 h 3596283"/>
+              <a:gd name="connsiteX4" fmla="*/ 1249378 w 4627393"/>
+              <a:gd name="connsiteY4" fmla="*/ 2889187 h 3596283"/>
+              <a:gd name="connsiteX5" fmla="*/ 3552935 w 4627393"/>
+              <a:gd name="connsiteY5" fmla="*/ 3024225 h 3596283"/>
+              <a:gd name="connsiteX6" fmla="*/ 2486135 w 4627393"/>
+              <a:gd name="connsiteY6" fmla="*/ 874549 h 3596283"/>
+              <a:gd name="connsiteX7" fmla="*/ 1249378 w 4627393"/>
+              <a:gd name="connsiteY7" fmla="*/ 2889187 h 3596283"/>
+              <a:gd name="connsiteX0" fmla="*/ 52020 w 4056464"/>
+              <a:gd name="connsiteY0" fmla="*/ 3349820 h 3866765"/>
+              <a:gd name="connsiteX1" fmla="*/ 1899864 w 4056464"/>
+              <a:gd name="connsiteY1" fmla="*/ 195 h 3866765"/>
+              <a:gd name="connsiteX2" fmla="*/ 4020764 w 4056464"/>
+              <a:gd name="connsiteY2" fmla="*/ 3511745 h 3866765"/>
+              <a:gd name="connsiteX3" fmla="*/ 52020 w 4056464"/>
+              <a:gd name="connsiteY3" fmla="*/ 3349820 h 3866765"/>
+              <a:gd name="connsiteX4" fmla="*/ 701207 w 4056464"/>
+              <a:gd name="connsiteY4" fmla="*/ 2867220 h 3866765"/>
+              <a:gd name="connsiteX5" fmla="*/ 3004764 w 4056464"/>
+              <a:gd name="connsiteY5" fmla="*/ 3002258 h 3866765"/>
+              <a:gd name="connsiteX6" fmla="*/ 1937964 w 4056464"/>
+              <a:gd name="connsiteY6" fmla="*/ 852582 h 3866765"/>
+              <a:gd name="connsiteX7" fmla="*/ 701207 w 4056464"/>
+              <a:gd name="connsiteY7" fmla="*/ 2867220 h 3866765"/>
+              <a:gd name="connsiteX0" fmla="*/ 45764 w 4055353"/>
+              <a:gd name="connsiteY0" fmla="*/ 2994243 h 3467549"/>
+              <a:gd name="connsiteX1" fmla="*/ 1988858 w 4055353"/>
+              <a:gd name="connsiteY1" fmla="*/ 218 h 3467549"/>
+              <a:gd name="connsiteX2" fmla="*/ 4014508 w 4055353"/>
+              <a:gd name="connsiteY2" fmla="*/ 3156168 h 3467549"/>
+              <a:gd name="connsiteX3" fmla="*/ 45764 w 4055353"/>
+              <a:gd name="connsiteY3" fmla="*/ 2994243 h 3467549"/>
+              <a:gd name="connsiteX4" fmla="*/ 694951 w 4055353"/>
+              <a:gd name="connsiteY4" fmla="*/ 2511643 h 3467549"/>
+              <a:gd name="connsiteX5" fmla="*/ 2998508 w 4055353"/>
+              <a:gd name="connsiteY5" fmla="*/ 2646681 h 3467549"/>
+              <a:gd name="connsiteX6" fmla="*/ 1931708 w 4055353"/>
+              <a:gd name="connsiteY6" fmla="*/ 497005 h 3467549"/>
+              <a:gd name="connsiteX7" fmla="*/ 694951 w 4055353"/>
+              <a:gd name="connsiteY7" fmla="*/ 2511643 h 3467549"/>
+              <a:gd name="connsiteX0" fmla="*/ 41067 w 3938467"/>
+              <a:gd name="connsiteY0" fmla="*/ 2994036 h 3388317"/>
+              <a:gd name="connsiteX1" fmla="*/ 1984161 w 3938467"/>
+              <a:gd name="connsiteY1" fmla="*/ 11 h 3388317"/>
+              <a:gd name="connsiteX2" fmla="*/ 3895511 w 3938467"/>
+              <a:gd name="connsiteY2" fmla="*/ 3028961 h 3388317"/>
+              <a:gd name="connsiteX3" fmla="*/ 41067 w 3938467"/>
+              <a:gd name="connsiteY3" fmla="*/ 2994036 h 3388317"/>
+              <a:gd name="connsiteX4" fmla="*/ 690254 w 3938467"/>
+              <a:gd name="connsiteY4" fmla="*/ 2511436 h 3388317"/>
+              <a:gd name="connsiteX5" fmla="*/ 2993811 w 3938467"/>
+              <a:gd name="connsiteY5" fmla="*/ 2646474 h 3388317"/>
+              <a:gd name="connsiteX6" fmla="*/ 1927011 w 3938467"/>
+              <a:gd name="connsiteY6" fmla="*/ 496798 h 3388317"/>
+              <a:gd name="connsiteX7" fmla="*/ 690254 w 3938467"/>
+              <a:gd name="connsiteY7" fmla="*/ 2511436 h 3388317"/>
+              <a:gd name="connsiteX0" fmla="*/ 41067 w 3938467"/>
+              <a:gd name="connsiteY0" fmla="*/ 2994036 h 3388317"/>
+              <a:gd name="connsiteX1" fmla="*/ 1984161 w 3938467"/>
+              <a:gd name="connsiteY1" fmla="*/ 11 h 3388317"/>
+              <a:gd name="connsiteX2" fmla="*/ 3895511 w 3938467"/>
+              <a:gd name="connsiteY2" fmla="*/ 3028961 h 3388317"/>
+              <a:gd name="connsiteX3" fmla="*/ 41067 w 3938467"/>
+              <a:gd name="connsiteY3" fmla="*/ 2994036 h 3388317"/>
+              <a:gd name="connsiteX4" fmla="*/ 690254 w 3938467"/>
+              <a:gd name="connsiteY4" fmla="*/ 2511436 h 3388317"/>
+              <a:gd name="connsiteX5" fmla="*/ 3076361 w 3938467"/>
+              <a:gd name="connsiteY5" fmla="*/ 2570274 h 3388317"/>
+              <a:gd name="connsiteX6" fmla="*/ 1927011 w 3938467"/>
+              <a:gd name="connsiteY6" fmla="*/ 496798 h 3388317"/>
+              <a:gd name="connsiteX7" fmla="*/ 690254 w 3938467"/>
+              <a:gd name="connsiteY7" fmla="*/ 2511436 h 3388317"/>
+              <a:gd name="connsiteX0" fmla="*/ 45720 w 3938694"/>
+              <a:gd name="connsiteY0" fmla="*/ 3279784 h 3709750"/>
+              <a:gd name="connsiteX1" fmla="*/ 1912614 w 3938694"/>
+              <a:gd name="connsiteY1" fmla="*/ 9 h 3709750"/>
+              <a:gd name="connsiteX2" fmla="*/ 3900164 w 3938694"/>
+              <a:gd name="connsiteY2" fmla="*/ 3314709 h 3709750"/>
+              <a:gd name="connsiteX3" fmla="*/ 45720 w 3938694"/>
+              <a:gd name="connsiteY3" fmla="*/ 3279784 h 3709750"/>
+              <a:gd name="connsiteX4" fmla="*/ 694907 w 3938694"/>
+              <a:gd name="connsiteY4" fmla="*/ 2797184 h 3709750"/>
+              <a:gd name="connsiteX5" fmla="*/ 3081014 w 3938694"/>
+              <a:gd name="connsiteY5" fmla="*/ 2856022 h 3709750"/>
+              <a:gd name="connsiteX6" fmla="*/ 1931664 w 3938694"/>
+              <a:gd name="connsiteY6" fmla="*/ 782546 h 3709750"/>
+              <a:gd name="connsiteX7" fmla="*/ 694907 w 3938694"/>
+              <a:gd name="connsiteY7" fmla="*/ 2797184 h 3709750"/>
+              <a:gd name="connsiteX0" fmla="*/ 45720 w 3938694"/>
+              <a:gd name="connsiteY0" fmla="*/ 3279784 h 3709750"/>
+              <a:gd name="connsiteX1" fmla="*/ 1912614 w 3938694"/>
+              <a:gd name="connsiteY1" fmla="*/ 9 h 3709750"/>
+              <a:gd name="connsiteX2" fmla="*/ 3900164 w 3938694"/>
+              <a:gd name="connsiteY2" fmla="*/ 3314709 h 3709750"/>
+              <a:gd name="connsiteX3" fmla="*/ 45720 w 3938694"/>
+              <a:gd name="connsiteY3" fmla="*/ 3279784 h 3709750"/>
+              <a:gd name="connsiteX4" fmla="*/ 694907 w 3938694"/>
+              <a:gd name="connsiteY4" fmla="*/ 2797184 h 3709750"/>
+              <a:gd name="connsiteX5" fmla="*/ 3081014 w 3938694"/>
+              <a:gd name="connsiteY5" fmla="*/ 2856022 h 3709750"/>
+              <a:gd name="connsiteX6" fmla="*/ 1931664 w 3938694"/>
+              <a:gd name="connsiteY6" fmla="*/ 674596 h 3709750"/>
+              <a:gd name="connsiteX7" fmla="*/ 694907 w 3938694"/>
+              <a:gd name="connsiteY7" fmla="*/ 2797184 h 3709750"/>
+              <a:gd name="connsiteX0" fmla="*/ 44520 w 3938565"/>
+              <a:gd name="connsiteY0" fmla="*/ 3355984 h 3795467"/>
+              <a:gd name="connsiteX1" fmla="*/ 1930464 w 3938565"/>
+              <a:gd name="connsiteY1" fmla="*/ 9 h 3795467"/>
+              <a:gd name="connsiteX2" fmla="*/ 3898964 w 3938565"/>
+              <a:gd name="connsiteY2" fmla="*/ 3390909 h 3795467"/>
+              <a:gd name="connsiteX3" fmla="*/ 44520 w 3938565"/>
+              <a:gd name="connsiteY3" fmla="*/ 3355984 h 3795467"/>
+              <a:gd name="connsiteX4" fmla="*/ 693707 w 3938565"/>
+              <a:gd name="connsiteY4" fmla="*/ 2873384 h 3795467"/>
+              <a:gd name="connsiteX5" fmla="*/ 3079814 w 3938565"/>
+              <a:gd name="connsiteY5" fmla="*/ 2932222 h 3795467"/>
+              <a:gd name="connsiteX6" fmla="*/ 1930464 w 3938565"/>
+              <a:gd name="connsiteY6" fmla="*/ 750796 h 3795467"/>
+              <a:gd name="connsiteX7" fmla="*/ 693707 w 3938565"/>
+              <a:gd name="connsiteY7" fmla="*/ 2873384 h 3795467"/>
+              <a:gd name="connsiteX0" fmla="*/ 43758 w 3977413"/>
+              <a:gd name="connsiteY0" fmla="*/ 3451251 h 3849725"/>
+              <a:gd name="connsiteX1" fmla="*/ 1967802 w 3977413"/>
+              <a:gd name="connsiteY1" fmla="*/ 26 h 3849725"/>
+              <a:gd name="connsiteX2" fmla="*/ 3936302 w 3977413"/>
+              <a:gd name="connsiteY2" fmla="*/ 3390926 h 3849725"/>
+              <a:gd name="connsiteX3" fmla="*/ 43758 w 3977413"/>
+              <a:gd name="connsiteY3" fmla="*/ 3451251 h 3849725"/>
+              <a:gd name="connsiteX4" fmla="*/ 731045 w 3977413"/>
+              <a:gd name="connsiteY4" fmla="*/ 2873401 h 3849725"/>
+              <a:gd name="connsiteX5" fmla="*/ 3117152 w 3977413"/>
+              <a:gd name="connsiteY5" fmla="*/ 2932239 h 3849725"/>
+              <a:gd name="connsiteX6" fmla="*/ 1967802 w 3977413"/>
+              <a:gd name="connsiteY6" fmla="*/ 750813 h 3849725"/>
+              <a:gd name="connsiteX7" fmla="*/ 731045 w 3977413"/>
+              <a:gd name="connsiteY7" fmla="*/ 2873401 h 3849725"/>
+              <a:gd name="connsiteX0" fmla="*/ 43758 w 3977413"/>
+              <a:gd name="connsiteY0" fmla="*/ 3451251 h 3849725"/>
+              <a:gd name="connsiteX1" fmla="*/ 1967802 w 3977413"/>
+              <a:gd name="connsiteY1" fmla="*/ 26 h 3849725"/>
+              <a:gd name="connsiteX2" fmla="*/ 3936302 w 3977413"/>
+              <a:gd name="connsiteY2" fmla="*/ 3390926 h 3849725"/>
+              <a:gd name="connsiteX3" fmla="*/ 43758 w 3977413"/>
+              <a:gd name="connsiteY3" fmla="*/ 3451251 h 3849725"/>
+              <a:gd name="connsiteX4" fmla="*/ 648495 w 3977413"/>
+              <a:gd name="connsiteY4" fmla="*/ 3019451 h 3849725"/>
+              <a:gd name="connsiteX5" fmla="*/ 3117152 w 3977413"/>
+              <a:gd name="connsiteY5" fmla="*/ 2932239 h 3849725"/>
+              <a:gd name="connsiteX6" fmla="*/ 1967802 w 3977413"/>
+              <a:gd name="connsiteY6" fmla="*/ 750813 h 3849725"/>
+              <a:gd name="connsiteX7" fmla="*/ 648495 w 3977413"/>
+              <a:gd name="connsiteY7" fmla="*/ 3019451 h 3849725"/>
+              <a:gd name="connsiteX0" fmla="*/ 43758 w 3977413"/>
+              <a:gd name="connsiteY0" fmla="*/ 3451251 h 3849725"/>
+              <a:gd name="connsiteX1" fmla="*/ 1967802 w 3977413"/>
+              <a:gd name="connsiteY1" fmla="*/ 26 h 3849725"/>
+              <a:gd name="connsiteX2" fmla="*/ 3936302 w 3977413"/>
+              <a:gd name="connsiteY2" fmla="*/ 3390926 h 3849725"/>
+              <a:gd name="connsiteX3" fmla="*/ 43758 w 3977413"/>
+              <a:gd name="connsiteY3" fmla="*/ 3451251 h 3849725"/>
+              <a:gd name="connsiteX4" fmla="*/ 648495 w 3977413"/>
+              <a:gd name="connsiteY4" fmla="*/ 3019451 h 3849725"/>
+              <a:gd name="connsiteX5" fmla="*/ 3314002 w 3977413"/>
+              <a:gd name="connsiteY5" fmla="*/ 3027489 h 3849725"/>
+              <a:gd name="connsiteX6" fmla="*/ 1967802 w 3977413"/>
+              <a:gd name="connsiteY6" fmla="*/ 750813 h 3849725"/>
+              <a:gd name="connsiteX7" fmla="*/ 648495 w 3977413"/>
+              <a:gd name="connsiteY7" fmla="*/ 3019451 h 3849725"/>
+              <a:gd name="connsiteX0" fmla="*/ 43758 w 3977413"/>
+              <a:gd name="connsiteY0" fmla="*/ 3451251 h 3849725"/>
+              <a:gd name="connsiteX1" fmla="*/ 1967802 w 3977413"/>
+              <a:gd name="connsiteY1" fmla="*/ 26 h 3849725"/>
+              <a:gd name="connsiteX2" fmla="*/ 3936302 w 3977413"/>
+              <a:gd name="connsiteY2" fmla="*/ 3390926 h 3849725"/>
+              <a:gd name="connsiteX3" fmla="*/ 43758 w 3977413"/>
+              <a:gd name="connsiteY3" fmla="*/ 3451251 h 3849725"/>
+              <a:gd name="connsiteX4" fmla="*/ 648495 w 3977413"/>
+              <a:gd name="connsiteY4" fmla="*/ 3019451 h 3849725"/>
+              <a:gd name="connsiteX5" fmla="*/ 3314002 w 3977413"/>
+              <a:gd name="connsiteY5" fmla="*/ 3027489 h 3849725"/>
+              <a:gd name="connsiteX6" fmla="*/ 1942402 w 3977413"/>
+              <a:gd name="connsiteY6" fmla="*/ 712713 h 3849725"/>
+              <a:gd name="connsiteX7" fmla="*/ 648495 w 3977413"/>
+              <a:gd name="connsiteY7" fmla="*/ 3019451 h 3849725"/>
+              <a:gd name="connsiteX0" fmla="*/ 42973 w 3957926"/>
+              <a:gd name="connsiteY0" fmla="*/ 3451251 h 3849725"/>
+              <a:gd name="connsiteX1" fmla="*/ 1967017 w 3957926"/>
+              <a:gd name="connsiteY1" fmla="*/ 26 h 3849725"/>
+              <a:gd name="connsiteX2" fmla="*/ 3916467 w 3957926"/>
+              <a:gd name="connsiteY2" fmla="*/ 3390926 h 3849725"/>
+              <a:gd name="connsiteX3" fmla="*/ 42973 w 3957926"/>
+              <a:gd name="connsiteY3" fmla="*/ 3451251 h 3849725"/>
+              <a:gd name="connsiteX4" fmla="*/ 647710 w 3957926"/>
+              <a:gd name="connsiteY4" fmla="*/ 3019451 h 3849725"/>
+              <a:gd name="connsiteX5" fmla="*/ 3313217 w 3957926"/>
+              <a:gd name="connsiteY5" fmla="*/ 3027489 h 3849725"/>
+              <a:gd name="connsiteX6" fmla="*/ 1941617 w 3957926"/>
+              <a:gd name="connsiteY6" fmla="*/ 712713 h 3849725"/>
+              <a:gd name="connsiteX7" fmla="*/ 647710 w 3957926"/>
+              <a:gd name="connsiteY7" fmla="*/ 3019451 h 3849725"/>
+              <a:gd name="connsiteX0" fmla="*/ 42607 w 3977380"/>
+              <a:gd name="connsiteY0" fmla="*/ 3413129 h 3827405"/>
+              <a:gd name="connsiteX1" fmla="*/ 1985701 w 3977380"/>
+              <a:gd name="connsiteY1" fmla="*/ 4 h 3827405"/>
+              <a:gd name="connsiteX2" fmla="*/ 3935151 w 3977380"/>
+              <a:gd name="connsiteY2" fmla="*/ 3390904 h 3827405"/>
+              <a:gd name="connsiteX3" fmla="*/ 42607 w 3977380"/>
+              <a:gd name="connsiteY3" fmla="*/ 3413129 h 3827405"/>
+              <a:gd name="connsiteX4" fmla="*/ 666394 w 3977380"/>
+              <a:gd name="connsiteY4" fmla="*/ 3019429 h 3827405"/>
+              <a:gd name="connsiteX5" fmla="*/ 3331901 w 3977380"/>
+              <a:gd name="connsiteY5" fmla="*/ 3027467 h 3827405"/>
+              <a:gd name="connsiteX6" fmla="*/ 1960301 w 3977380"/>
+              <a:gd name="connsiteY6" fmla="*/ 712691 h 3827405"/>
+              <a:gd name="connsiteX7" fmla="*/ 666394 w 3977380"/>
+              <a:gd name="connsiteY7" fmla="*/ 3019429 h 3827405"/>
+              <a:gd name="connsiteX0" fmla="*/ 42607 w 3977380"/>
+              <a:gd name="connsiteY0" fmla="*/ 3413129 h 3827405"/>
+              <a:gd name="connsiteX1" fmla="*/ 1985701 w 3977380"/>
+              <a:gd name="connsiteY1" fmla="*/ 4 h 3827405"/>
+              <a:gd name="connsiteX2" fmla="*/ 3935151 w 3977380"/>
+              <a:gd name="connsiteY2" fmla="*/ 3390904 h 3827405"/>
+              <a:gd name="connsiteX3" fmla="*/ 42607 w 3977380"/>
+              <a:gd name="connsiteY3" fmla="*/ 3413129 h 3827405"/>
+              <a:gd name="connsiteX4" fmla="*/ 666394 w 3977380"/>
+              <a:gd name="connsiteY4" fmla="*/ 3019429 h 3827405"/>
+              <a:gd name="connsiteX5" fmla="*/ 3331901 w 3977380"/>
+              <a:gd name="connsiteY5" fmla="*/ 3027467 h 3827405"/>
+              <a:gd name="connsiteX6" fmla="*/ 1979351 w 3977380"/>
+              <a:gd name="connsiteY6" fmla="*/ 712691 h 3827405"/>
+              <a:gd name="connsiteX7" fmla="*/ 666394 w 3977380"/>
+              <a:gd name="connsiteY7" fmla="*/ 3019429 h 3827405"/>
+              <a:gd name="connsiteX0" fmla="*/ 33182 w 4633607"/>
+              <a:gd name="connsiteY0" fmla="*/ 3743903 h 4045362"/>
+              <a:gd name="connsiteX1" fmla="*/ 2612883 w 4633607"/>
+              <a:gd name="connsiteY1" fmla="*/ 900 h 4045362"/>
+              <a:gd name="connsiteX2" fmla="*/ 4562333 w 4633607"/>
+              <a:gd name="connsiteY2" fmla="*/ 3391800 h 4045362"/>
+              <a:gd name="connsiteX3" fmla="*/ 33182 w 4633607"/>
+              <a:gd name="connsiteY3" fmla="*/ 3743903 h 4045362"/>
+              <a:gd name="connsiteX4" fmla="*/ 1293576 w 4633607"/>
+              <a:gd name="connsiteY4" fmla="*/ 3020325 h 4045362"/>
+              <a:gd name="connsiteX5" fmla="*/ 3959083 w 4633607"/>
+              <a:gd name="connsiteY5" fmla="*/ 3028363 h 4045362"/>
+              <a:gd name="connsiteX6" fmla="*/ 2606533 w 4633607"/>
+              <a:gd name="connsiteY6" fmla="*/ 713587 h 4045362"/>
+              <a:gd name="connsiteX7" fmla="*/ 1293576 w 4633607"/>
+              <a:gd name="connsiteY7" fmla="*/ 3020325 h 4045362"/>
+              <a:gd name="connsiteX0" fmla="*/ 33182 w 4633607"/>
+              <a:gd name="connsiteY0" fmla="*/ 3743903 h 4045362"/>
+              <a:gd name="connsiteX1" fmla="*/ 2612883 w 4633607"/>
+              <a:gd name="connsiteY1" fmla="*/ 900 h 4045362"/>
+              <a:gd name="connsiteX2" fmla="*/ 4562333 w 4633607"/>
+              <a:gd name="connsiteY2" fmla="*/ 3391800 h 4045362"/>
+              <a:gd name="connsiteX3" fmla="*/ 33182 w 4633607"/>
+              <a:gd name="connsiteY3" fmla="*/ 3743903 h 4045362"/>
+              <a:gd name="connsiteX4" fmla="*/ 570158 w 4633607"/>
+              <a:gd name="connsiteY4" fmla="*/ 3454376 h 4045362"/>
+              <a:gd name="connsiteX5" fmla="*/ 3959083 w 4633607"/>
+              <a:gd name="connsiteY5" fmla="*/ 3028363 h 4045362"/>
+              <a:gd name="connsiteX6" fmla="*/ 2606533 w 4633607"/>
+              <a:gd name="connsiteY6" fmla="*/ 713587 h 4045362"/>
+              <a:gd name="connsiteX7" fmla="*/ 570158 w 4633607"/>
+              <a:gd name="connsiteY7" fmla="*/ 3454376 h 4045362"/>
+              <a:gd name="connsiteX0" fmla="*/ 32527 w 4693769"/>
+              <a:gd name="connsiteY0" fmla="*/ 3662516 h 3987023"/>
+              <a:gd name="connsiteX1" fmla="*/ 2670101 w 4693769"/>
+              <a:gd name="connsiteY1" fmla="*/ 536 h 3987023"/>
+              <a:gd name="connsiteX2" fmla="*/ 4619551 w 4693769"/>
+              <a:gd name="connsiteY2" fmla="*/ 3391436 h 3987023"/>
+              <a:gd name="connsiteX3" fmla="*/ 32527 w 4693769"/>
+              <a:gd name="connsiteY3" fmla="*/ 3662516 h 3987023"/>
+              <a:gd name="connsiteX4" fmla="*/ 627376 w 4693769"/>
+              <a:gd name="connsiteY4" fmla="*/ 3454012 h 3987023"/>
+              <a:gd name="connsiteX5" fmla="*/ 4016301 w 4693769"/>
+              <a:gd name="connsiteY5" fmla="*/ 3027999 h 3987023"/>
+              <a:gd name="connsiteX6" fmla="*/ 2663751 w 4693769"/>
+              <a:gd name="connsiteY6" fmla="*/ 713223 h 3987023"/>
+              <a:gd name="connsiteX7" fmla="*/ 627376 w 4693769"/>
+              <a:gd name="connsiteY7" fmla="*/ 3454012 h 3987023"/>
+              <a:gd name="connsiteX0" fmla="*/ 32527 w 4693769"/>
+              <a:gd name="connsiteY0" fmla="*/ 3662516 h 3987023"/>
+              <a:gd name="connsiteX1" fmla="*/ 2670101 w 4693769"/>
+              <a:gd name="connsiteY1" fmla="*/ 536 h 3987023"/>
+              <a:gd name="connsiteX2" fmla="*/ 4619551 w 4693769"/>
+              <a:gd name="connsiteY2" fmla="*/ 3391436 h 3987023"/>
+              <a:gd name="connsiteX3" fmla="*/ 32527 w 4693769"/>
+              <a:gd name="connsiteY3" fmla="*/ 3662516 h 3987023"/>
+              <a:gd name="connsiteX4" fmla="*/ 615801 w 4693769"/>
+              <a:gd name="connsiteY4" fmla="*/ 3413500 h 3987023"/>
+              <a:gd name="connsiteX5" fmla="*/ 4016301 w 4693769"/>
+              <a:gd name="connsiteY5" fmla="*/ 3027999 h 3987023"/>
+              <a:gd name="connsiteX6" fmla="*/ 2663751 w 4693769"/>
+              <a:gd name="connsiteY6" fmla="*/ 713223 h 3987023"/>
+              <a:gd name="connsiteX7" fmla="*/ 615801 w 4693769"/>
+              <a:gd name="connsiteY7" fmla="*/ 3413500 h 3987023"/>
+            </a:gdLst>
+            <a:ahLst/>
+            <a:cxnLst>
+              <a:cxn ang="0">
+                <a:pos x="connsiteX0" y="connsiteY0"/>
+              </a:cxn>
+              <a:cxn ang="0">
+                <a:pos x="connsiteX1" y="connsiteY1"/>
+              </a:cxn>
+              <a:cxn ang="0">
+                <a:pos x="connsiteX2" y="connsiteY2"/>
+              </a:cxn>
+              <a:cxn ang="0">
+                <a:pos x="connsiteX3" y="connsiteY3"/>
+              </a:cxn>
+              <a:cxn ang="0">
+                <a:pos x="connsiteX4" y="connsiteY4"/>
+              </a:cxn>
+              <a:cxn ang="0">
+                <a:pos x="connsiteX5" y="connsiteY5"/>
+              </a:cxn>
+              <a:cxn ang="0">
+                <a:pos x="connsiteX6" y="connsiteY6"/>
+              </a:cxn>
+              <a:cxn ang="0">
+                <a:pos x="connsiteX7" y="connsiteY7"/>
+              </a:cxn>
+            </a:cxnLst>
+            <a:rect l="l" t="t" r="r" b="b"/>
+            <a:pathLst>
+              <a:path w="4693769" h="3987023">
+                <a:moveTo>
+                  <a:pt x="32527" y="3662516"/>
+                </a:moveTo>
+                <a:cubicBezTo>
+                  <a:pt x="-292381" y="3097366"/>
+                  <a:pt x="1905597" y="45716"/>
+                  <a:pt x="2670101" y="536"/>
+                </a:cubicBezTo>
+                <a:cubicBezTo>
+                  <a:pt x="3434605" y="-44644"/>
+                  <a:pt x="5059147" y="2781106"/>
+                  <a:pt x="4619551" y="3391436"/>
+                </a:cubicBezTo>
+                <a:cubicBezTo>
+                  <a:pt x="4179955" y="4001766"/>
+                  <a:pt x="357435" y="4227666"/>
+                  <a:pt x="32527" y="3662516"/>
+                </a:cubicBezTo>
+                <a:close/>
+                <a:moveTo>
+                  <a:pt x="615801" y="3413500"/>
+                </a:moveTo>
+                <a:cubicBezTo>
+                  <a:pt x="841226" y="3799296"/>
+                  <a:pt x="3797475" y="3412455"/>
+                  <a:pt x="4016301" y="3027999"/>
+                </a:cubicBezTo>
+                <a:cubicBezTo>
+                  <a:pt x="4235127" y="2643543"/>
+                  <a:pt x="3230501" y="648973"/>
+                  <a:pt x="2663751" y="713223"/>
+                </a:cubicBezTo>
+                <a:cubicBezTo>
+                  <a:pt x="2097001" y="777473"/>
+                  <a:pt x="390376" y="3027704"/>
+                  <a:pt x="615801" y="3413500"/>
+                </a:cubicBezTo>
+                <a:close/>
+              </a:path>
+            </a:pathLst>
+          </a:custGeom>
+          <a:solidFill>
+            <a:schemeClr val="bg1">
+              <a:lumMod val="95000"/>
+              <a:alpha val="60000"/>
+            </a:schemeClr>
+          </a:solidFill>
+          <a:ln w="9525">
+            <a:solidFill>
+              <a:schemeClr val="tx1">
+                <a:alpha val="60000"/>
+              </a:schemeClr>
+            </a:solidFill>
+          </a:ln>
+        </p:spPr>
+        <p:style>
+          <a:lnRef idx="2">
+            <a:schemeClr val="accent1">
+              <a:shade val="50000"/>
+            </a:schemeClr>
+          </a:lnRef>
+          <a:fillRef idx="1">
+            <a:schemeClr val="accent1"/>
+          </a:fillRef>
+          <a:effectRef idx="0">
+            <a:schemeClr val="accent1"/>
+          </a:effectRef>
+          <a:fontRef idx="minor">
+            <a:schemeClr val="lt1"/>
+          </a:fontRef>
+        </p:style>
+        <p:txBody>
+          <a:bodyPr rtlCol="0" anchor="ctr"/>
+          <a:lstStyle/>
+          <a:p>
+            <a:pPr algn="ctr"/>
+            <a:endParaRPr lang="fr-FR">
+              <a:solidFill>
+                <a:schemeClr val="tx1"/>
+              </a:solidFill>
+            </a:endParaRPr>
+          </a:p>
+        </p:txBody>
+      </p:sp>
+      <p:sp>
+        <p:nvSpPr>
+          <p:cNvPr id="39" name="Forme libre : forme 38">
+            <a:extLst>
+              <a:ext uri="{FF2B5EF4-FFF2-40B4-BE49-F238E27FC236}">
+                <a16:creationId xmlns:a16="http://schemas.microsoft.com/office/drawing/2014/main" id="{CFFEA26C-F742-4F23-9464-E30D3BEC6AD4}"/>
+              </a:ext>
+            </a:extLst>
+          </p:cNvPr>
+          <p:cNvSpPr/>
+          <p:nvPr/>
+        </p:nvSpPr>
+        <p:spPr>
+          <a:xfrm>
+            <a:off x="1071175" y="1292175"/>
+            <a:ext cx="3036705" cy="2520070"/>
+          </a:xfrm>
+          <a:custGeom>
+            <a:avLst/>
+            <a:gdLst>
+              <a:gd name="connsiteX0" fmla="*/ 37330 w 3556398"/>
+              <a:gd name="connsiteY0" fmla="*/ 1582092 h 3090801"/>
+              <a:gd name="connsiteX1" fmla="*/ 443730 w 3556398"/>
+              <a:gd name="connsiteY1" fmla="*/ 693092 h 3090801"/>
+              <a:gd name="connsiteX2" fmla="*/ 1935980 w 3556398"/>
+              <a:gd name="connsiteY2" fmla="*/ 942 h 3090801"/>
+              <a:gd name="connsiteX3" fmla="*/ 3517130 w 3556398"/>
+              <a:gd name="connsiteY3" fmla="*/ 839142 h 3090801"/>
+              <a:gd name="connsiteX4" fmla="*/ 3002780 w 3556398"/>
+              <a:gd name="connsiteY4" fmla="*/ 2909242 h 3090801"/>
+              <a:gd name="connsiteX5" fmla="*/ 2189980 w 3556398"/>
+              <a:gd name="connsiteY5" fmla="*/ 2852092 h 3090801"/>
+              <a:gd name="connsiteX6" fmla="*/ 1656580 w 3556398"/>
+              <a:gd name="connsiteY6" fmla="*/ 1728142 h 3090801"/>
+              <a:gd name="connsiteX7" fmla="*/ 202430 w 3556398"/>
+              <a:gd name="connsiteY7" fmla="*/ 1785292 h 3090801"/>
+              <a:gd name="connsiteX8" fmla="*/ 37330 w 3556398"/>
+              <a:gd name="connsiteY8" fmla="*/ 1582092 h 3090801"/>
+              <a:gd name="connsiteX0" fmla="*/ 9825 w 3528893"/>
+              <a:gd name="connsiteY0" fmla="*/ 1582092 h 3090801"/>
+              <a:gd name="connsiteX1" fmla="*/ 416225 w 3528893"/>
+              <a:gd name="connsiteY1" fmla="*/ 693092 h 3090801"/>
+              <a:gd name="connsiteX2" fmla="*/ 1908475 w 3528893"/>
+              <a:gd name="connsiteY2" fmla="*/ 942 h 3090801"/>
+              <a:gd name="connsiteX3" fmla="*/ 3489625 w 3528893"/>
+              <a:gd name="connsiteY3" fmla="*/ 839142 h 3090801"/>
+              <a:gd name="connsiteX4" fmla="*/ 2975275 w 3528893"/>
+              <a:gd name="connsiteY4" fmla="*/ 2909242 h 3090801"/>
+              <a:gd name="connsiteX5" fmla="*/ 2162475 w 3528893"/>
+              <a:gd name="connsiteY5" fmla="*/ 2852092 h 3090801"/>
+              <a:gd name="connsiteX6" fmla="*/ 1629075 w 3528893"/>
+              <a:gd name="connsiteY6" fmla="*/ 1728142 h 3090801"/>
+              <a:gd name="connsiteX7" fmla="*/ 714675 w 3528893"/>
+              <a:gd name="connsiteY7" fmla="*/ 1651942 h 3090801"/>
+              <a:gd name="connsiteX8" fmla="*/ 9825 w 3528893"/>
+              <a:gd name="connsiteY8" fmla="*/ 1582092 h 3090801"/>
+              <a:gd name="connsiteX0" fmla="*/ 11759 w 3530827"/>
+              <a:gd name="connsiteY0" fmla="*/ 1582092 h 3090801"/>
+              <a:gd name="connsiteX1" fmla="*/ 418159 w 3530827"/>
+              <a:gd name="connsiteY1" fmla="*/ 693092 h 3090801"/>
+              <a:gd name="connsiteX2" fmla="*/ 1910409 w 3530827"/>
+              <a:gd name="connsiteY2" fmla="*/ 942 h 3090801"/>
+              <a:gd name="connsiteX3" fmla="*/ 3491559 w 3530827"/>
+              <a:gd name="connsiteY3" fmla="*/ 839142 h 3090801"/>
+              <a:gd name="connsiteX4" fmla="*/ 2977209 w 3530827"/>
+              <a:gd name="connsiteY4" fmla="*/ 2909242 h 3090801"/>
+              <a:gd name="connsiteX5" fmla="*/ 2164409 w 3530827"/>
+              <a:gd name="connsiteY5" fmla="*/ 2852092 h 3090801"/>
+              <a:gd name="connsiteX6" fmla="*/ 1631009 w 3530827"/>
+              <a:gd name="connsiteY6" fmla="*/ 1728142 h 3090801"/>
+              <a:gd name="connsiteX7" fmla="*/ 754709 w 3530827"/>
+              <a:gd name="connsiteY7" fmla="*/ 1683692 h 3090801"/>
+              <a:gd name="connsiteX8" fmla="*/ 11759 w 3530827"/>
+              <a:gd name="connsiteY8" fmla="*/ 1582092 h 3090801"/>
+              <a:gd name="connsiteX0" fmla="*/ 11759 w 3530827"/>
+              <a:gd name="connsiteY0" fmla="*/ 1582092 h 3090801"/>
+              <a:gd name="connsiteX1" fmla="*/ 418159 w 3530827"/>
+              <a:gd name="connsiteY1" fmla="*/ 693092 h 3090801"/>
+              <a:gd name="connsiteX2" fmla="*/ 1910409 w 3530827"/>
+              <a:gd name="connsiteY2" fmla="*/ 942 h 3090801"/>
+              <a:gd name="connsiteX3" fmla="*/ 3491559 w 3530827"/>
+              <a:gd name="connsiteY3" fmla="*/ 839142 h 3090801"/>
+              <a:gd name="connsiteX4" fmla="*/ 2977209 w 3530827"/>
+              <a:gd name="connsiteY4" fmla="*/ 2909242 h 3090801"/>
+              <a:gd name="connsiteX5" fmla="*/ 2164409 w 3530827"/>
+              <a:gd name="connsiteY5" fmla="*/ 2852092 h 3090801"/>
+              <a:gd name="connsiteX6" fmla="*/ 1631009 w 3530827"/>
+              <a:gd name="connsiteY6" fmla="*/ 1728142 h 3090801"/>
+              <a:gd name="connsiteX7" fmla="*/ 754709 w 3530827"/>
+              <a:gd name="connsiteY7" fmla="*/ 1683692 h 3090801"/>
+              <a:gd name="connsiteX8" fmla="*/ 11759 w 3530827"/>
+              <a:gd name="connsiteY8" fmla="*/ 1582092 h 3090801"/>
+              <a:gd name="connsiteX0" fmla="*/ 11759 w 3530827"/>
+              <a:gd name="connsiteY0" fmla="*/ 1582092 h 3084963"/>
+              <a:gd name="connsiteX1" fmla="*/ 418159 w 3530827"/>
+              <a:gd name="connsiteY1" fmla="*/ 693092 h 3084963"/>
+              <a:gd name="connsiteX2" fmla="*/ 1910409 w 3530827"/>
+              <a:gd name="connsiteY2" fmla="*/ 942 h 3084963"/>
+              <a:gd name="connsiteX3" fmla="*/ 3491559 w 3530827"/>
+              <a:gd name="connsiteY3" fmla="*/ 839142 h 3084963"/>
+              <a:gd name="connsiteX4" fmla="*/ 2977209 w 3530827"/>
+              <a:gd name="connsiteY4" fmla="*/ 2909242 h 3084963"/>
+              <a:gd name="connsiteX5" fmla="*/ 2164409 w 3530827"/>
+              <a:gd name="connsiteY5" fmla="*/ 2852092 h 3084963"/>
+              <a:gd name="connsiteX6" fmla="*/ 1548459 w 3530827"/>
+              <a:gd name="connsiteY6" fmla="*/ 1855142 h 3084963"/>
+              <a:gd name="connsiteX7" fmla="*/ 754709 w 3530827"/>
+              <a:gd name="connsiteY7" fmla="*/ 1683692 h 3084963"/>
+              <a:gd name="connsiteX8" fmla="*/ 11759 w 3530827"/>
+              <a:gd name="connsiteY8" fmla="*/ 1582092 h 3084963"/>
+              <a:gd name="connsiteX0" fmla="*/ 61157 w 3580225"/>
+              <a:gd name="connsiteY0" fmla="*/ 1582092 h 3084963"/>
+              <a:gd name="connsiteX1" fmla="*/ 467557 w 3580225"/>
+              <a:gd name="connsiteY1" fmla="*/ 693092 h 3084963"/>
+              <a:gd name="connsiteX2" fmla="*/ 1959807 w 3580225"/>
+              <a:gd name="connsiteY2" fmla="*/ 942 h 3084963"/>
+              <a:gd name="connsiteX3" fmla="*/ 3540957 w 3580225"/>
+              <a:gd name="connsiteY3" fmla="*/ 839142 h 3084963"/>
+              <a:gd name="connsiteX4" fmla="*/ 3026607 w 3580225"/>
+              <a:gd name="connsiteY4" fmla="*/ 2909242 h 3084963"/>
+              <a:gd name="connsiteX5" fmla="*/ 2213807 w 3580225"/>
+              <a:gd name="connsiteY5" fmla="*/ 2852092 h 3084963"/>
+              <a:gd name="connsiteX6" fmla="*/ 1597857 w 3580225"/>
+              <a:gd name="connsiteY6" fmla="*/ 1855142 h 3084963"/>
+              <a:gd name="connsiteX7" fmla="*/ 61157 w 3580225"/>
+              <a:gd name="connsiteY7" fmla="*/ 1582092 h 3084963"/>
+              <a:gd name="connsiteX0" fmla="*/ 56026 w 3625894"/>
+              <a:gd name="connsiteY0" fmla="*/ 1740897 h 3085018"/>
+              <a:gd name="connsiteX1" fmla="*/ 513226 w 3625894"/>
+              <a:gd name="connsiteY1" fmla="*/ 693147 h 3085018"/>
+              <a:gd name="connsiteX2" fmla="*/ 2005476 w 3625894"/>
+              <a:gd name="connsiteY2" fmla="*/ 997 h 3085018"/>
+              <a:gd name="connsiteX3" fmla="*/ 3586626 w 3625894"/>
+              <a:gd name="connsiteY3" fmla="*/ 839197 h 3085018"/>
+              <a:gd name="connsiteX4" fmla="*/ 3072276 w 3625894"/>
+              <a:gd name="connsiteY4" fmla="*/ 2909297 h 3085018"/>
+              <a:gd name="connsiteX5" fmla="*/ 2259476 w 3625894"/>
+              <a:gd name="connsiteY5" fmla="*/ 2852147 h 3085018"/>
+              <a:gd name="connsiteX6" fmla="*/ 1643526 w 3625894"/>
+              <a:gd name="connsiteY6" fmla="*/ 1855197 h 3085018"/>
+              <a:gd name="connsiteX7" fmla="*/ 56026 w 3625894"/>
+              <a:gd name="connsiteY7" fmla="*/ 1740897 h 3085018"/>
+              <a:gd name="connsiteX0" fmla="*/ 49733 w 3619601"/>
+              <a:gd name="connsiteY0" fmla="*/ 1740125 h 3084246"/>
+              <a:gd name="connsiteX1" fmla="*/ 545033 w 3619601"/>
+              <a:gd name="connsiteY1" fmla="*/ 901925 h 3084246"/>
+              <a:gd name="connsiteX2" fmla="*/ 1999183 w 3619601"/>
+              <a:gd name="connsiteY2" fmla="*/ 225 h 3084246"/>
+              <a:gd name="connsiteX3" fmla="*/ 3580333 w 3619601"/>
+              <a:gd name="connsiteY3" fmla="*/ 838425 h 3084246"/>
+              <a:gd name="connsiteX4" fmla="*/ 3065983 w 3619601"/>
+              <a:gd name="connsiteY4" fmla="*/ 2908525 h 3084246"/>
+              <a:gd name="connsiteX5" fmla="*/ 2253183 w 3619601"/>
+              <a:gd name="connsiteY5" fmla="*/ 2851375 h 3084246"/>
+              <a:gd name="connsiteX6" fmla="*/ 1637233 w 3619601"/>
+              <a:gd name="connsiteY6" fmla="*/ 1854425 h 3084246"/>
+              <a:gd name="connsiteX7" fmla="*/ 49733 w 3619601"/>
+              <a:gd name="connsiteY7" fmla="*/ 1740125 h 3084246"/>
+              <a:gd name="connsiteX0" fmla="*/ 49458 w 3620376"/>
+              <a:gd name="connsiteY0" fmla="*/ 1600526 h 2944647"/>
+              <a:gd name="connsiteX1" fmla="*/ 544758 w 3620376"/>
+              <a:gd name="connsiteY1" fmla="*/ 762326 h 2944647"/>
+              <a:gd name="connsiteX2" fmla="*/ 1979858 w 3620376"/>
+              <a:gd name="connsiteY2" fmla="*/ 326 h 2944647"/>
+              <a:gd name="connsiteX3" fmla="*/ 3580058 w 3620376"/>
+              <a:gd name="connsiteY3" fmla="*/ 698826 h 2944647"/>
+              <a:gd name="connsiteX4" fmla="*/ 3065708 w 3620376"/>
+              <a:gd name="connsiteY4" fmla="*/ 2768926 h 2944647"/>
+              <a:gd name="connsiteX5" fmla="*/ 2252908 w 3620376"/>
+              <a:gd name="connsiteY5" fmla="*/ 2711776 h 2944647"/>
+              <a:gd name="connsiteX6" fmla="*/ 1636958 w 3620376"/>
+              <a:gd name="connsiteY6" fmla="*/ 1714826 h 2944647"/>
+              <a:gd name="connsiteX7" fmla="*/ 49458 w 3620376"/>
+              <a:gd name="connsiteY7" fmla="*/ 1600526 h 2944647"/>
+              <a:gd name="connsiteX0" fmla="*/ 49458 w 3501655"/>
+              <a:gd name="connsiteY0" fmla="*/ 1601026 h 2929888"/>
+              <a:gd name="connsiteX1" fmla="*/ 544758 w 3501655"/>
+              <a:gd name="connsiteY1" fmla="*/ 762826 h 2929888"/>
+              <a:gd name="connsiteX2" fmla="*/ 1979858 w 3501655"/>
+              <a:gd name="connsiteY2" fmla="*/ 826 h 2929888"/>
+              <a:gd name="connsiteX3" fmla="*/ 3453058 w 3501655"/>
+              <a:gd name="connsiteY3" fmla="*/ 908876 h 2929888"/>
+              <a:gd name="connsiteX4" fmla="*/ 3065708 w 3501655"/>
+              <a:gd name="connsiteY4" fmla="*/ 2769426 h 2929888"/>
+              <a:gd name="connsiteX5" fmla="*/ 2252908 w 3501655"/>
+              <a:gd name="connsiteY5" fmla="*/ 2712276 h 2929888"/>
+              <a:gd name="connsiteX6" fmla="*/ 1636958 w 3501655"/>
+              <a:gd name="connsiteY6" fmla="*/ 1715326 h 2929888"/>
+              <a:gd name="connsiteX7" fmla="*/ 49458 w 3501655"/>
+              <a:gd name="connsiteY7" fmla="*/ 1601026 h 2929888"/>
+              <a:gd name="connsiteX0" fmla="*/ 49458 w 3501655"/>
+              <a:gd name="connsiteY0" fmla="*/ 1601026 h 2982159"/>
+              <a:gd name="connsiteX1" fmla="*/ 544758 w 3501655"/>
+              <a:gd name="connsiteY1" fmla="*/ 762826 h 2982159"/>
+              <a:gd name="connsiteX2" fmla="*/ 1979858 w 3501655"/>
+              <a:gd name="connsiteY2" fmla="*/ 826 h 2982159"/>
+              <a:gd name="connsiteX3" fmla="*/ 3453058 w 3501655"/>
+              <a:gd name="connsiteY3" fmla="*/ 908876 h 2982159"/>
+              <a:gd name="connsiteX4" fmla="*/ 3065708 w 3501655"/>
+              <a:gd name="connsiteY4" fmla="*/ 2769426 h 2982159"/>
+              <a:gd name="connsiteX5" fmla="*/ 2252908 w 3501655"/>
+              <a:gd name="connsiteY5" fmla="*/ 2712276 h 2982159"/>
+              <a:gd name="connsiteX6" fmla="*/ 1636958 w 3501655"/>
+              <a:gd name="connsiteY6" fmla="*/ 1715326 h 2982159"/>
+              <a:gd name="connsiteX7" fmla="*/ 49458 w 3501655"/>
+              <a:gd name="connsiteY7" fmla="*/ 1601026 h 2982159"/>
+              <a:gd name="connsiteX0" fmla="*/ 49458 w 3502021"/>
+              <a:gd name="connsiteY0" fmla="*/ 1601026 h 3017333"/>
+              <a:gd name="connsiteX1" fmla="*/ 544758 w 3502021"/>
+              <a:gd name="connsiteY1" fmla="*/ 762826 h 3017333"/>
+              <a:gd name="connsiteX2" fmla="*/ 1979858 w 3502021"/>
+              <a:gd name="connsiteY2" fmla="*/ 826 h 3017333"/>
+              <a:gd name="connsiteX3" fmla="*/ 3453058 w 3502021"/>
+              <a:gd name="connsiteY3" fmla="*/ 908876 h 3017333"/>
+              <a:gd name="connsiteX4" fmla="*/ 3065708 w 3502021"/>
+              <a:gd name="connsiteY4" fmla="*/ 2769426 h 3017333"/>
+              <a:gd name="connsiteX5" fmla="*/ 2227508 w 3502021"/>
+              <a:gd name="connsiteY5" fmla="*/ 2775776 h 3017333"/>
+              <a:gd name="connsiteX6" fmla="*/ 1636958 w 3502021"/>
+              <a:gd name="connsiteY6" fmla="*/ 1715326 h 3017333"/>
+              <a:gd name="connsiteX7" fmla="*/ 49458 w 3502021"/>
+              <a:gd name="connsiteY7" fmla="*/ 1601026 h 3017333"/>
+              <a:gd name="connsiteX0" fmla="*/ 43611 w 3496174"/>
+              <a:gd name="connsiteY0" fmla="*/ 1601026 h 2956944"/>
+              <a:gd name="connsiteX1" fmla="*/ 538911 w 3496174"/>
+              <a:gd name="connsiteY1" fmla="*/ 762826 h 2956944"/>
+              <a:gd name="connsiteX2" fmla="*/ 1974011 w 3496174"/>
+              <a:gd name="connsiteY2" fmla="*/ 826 h 2956944"/>
+              <a:gd name="connsiteX3" fmla="*/ 3447211 w 3496174"/>
+              <a:gd name="connsiteY3" fmla="*/ 908876 h 2956944"/>
+              <a:gd name="connsiteX4" fmla="*/ 3059861 w 3496174"/>
+              <a:gd name="connsiteY4" fmla="*/ 2769426 h 2956944"/>
+              <a:gd name="connsiteX5" fmla="*/ 2221661 w 3496174"/>
+              <a:gd name="connsiteY5" fmla="*/ 2775776 h 2956944"/>
+              <a:gd name="connsiteX6" fmla="*/ 1535861 w 3496174"/>
+              <a:gd name="connsiteY6" fmla="*/ 1734376 h 2956944"/>
+              <a:gd name="connsiteX7" fmla="*/ 43611 w 3496174"/>
+              <a:gd name="connsiteY7" fmla="*/ 1601026 h 2956944"/>
+              <a:gd name="connsiteX0" fmla="*/ 43611 w 3496174"/>
+              <a:gd name="connsiteY0" fmla="*/ 1601026 h 2956944"/>
+              <a:gd name="connsiteX1" fmla="*/ 538911 w 3496174"/>
+              <a:gd name="connsiteY1" fmla="*/ 762826 h 2956944"/>
+              <a:gd name="connsiteX2" fmla="*/ 1974011 w 3496174"/>
+              <a:gd name="connsiteY2" fmla="*/ 826 h 2956944"/>
+              <a:gd name="connsiteX3" fmla="*/ 3447211 w 3496174"/>
+              <a:gd name="connsiteY3" fmla="*/ 908876 h 2956944"/>
+              <a:gd name="connsiteX4" fmla="*/ 3059861 w 3496174"/>
+              <a:gd name="connsiteY4" fmla="*/ 2769426 h 2956944"/>
+              <a:gd name="connsiteX5" fmla="*/ 2221661 w 3496174"/>
+              <a:gd name="connsiteY5" fmla="*/ 2775776 h 2956944"/>
+              <a:gd name="connsiteX6" fmla="*/ 1535861 w 3496174"/>
+              <a:gd name="connsiteY6" fmla="*/ 1734376 h 2956944"/>
+              <a:gd name="connsiteX7" fmla="*/ 43611 w 3496174"/>
+              <a:gd name="connsiteY7" fmla="*/ 1601026 h 2956944"/>
+              <a:gd name="connsiteX0" fmla="*/ 43611 w 3496174"/>
+              <a:gd name="connsiteY0" fmla="*/ 1601026 h 2971805"/>
+              <a:gd name="connsiteX1" fmla="*/ 538911 w 3496174"/>
+              <a:gd name="connsiteY1" fmla="*/ 762826 h 2971805"/>
+              <a:gd name="connsiteX2" fmla="*/ 1974011 w 3496174"/>
+              <a:gd name="connsiteY2" fmla="*/ 826 h 2971805"/>
+              <a:gd name="connsiteX3" fmla="*/ 3447211 w 3496174"/>
+              <a:gd name="connsiteY3" fmla="*/ 908876 h 2971805"/>
+              <a:gd name="connsiteX4" fmla="*/ 3059861 w 3496174"/>
+              <a:gd name="connsiteY4" fmla="*/ 2769426 h 2971805"/>
+              <a:gd name="connsiteX5" fmla="*/ 2221661 w 3496174"/>
+              <a:gd name="connsiteY5" fmla="*/ 2775776 h 2971805"/>
+              <a:gd name="connsiteX6" fmla="*/ 1535861 w 3496174"/>
+              <a:gd name="connsiteY6" fmla="*/ 1734376 h 2971805"/>
+              <a:gd name="connsiteX7" fmla="*/ 43611 w 3496174"/>
+              <a:gd name="connsiteY7" fmla="*/ 1601026 h 2971805"/>
+              <a:gd name="connsiteX0" fmla="*/ 43611 w 3573474"/>
+              <a:gd name="connsiteY0" fmla="*/ 1601596 h 2969295"/>
+              <a:gd name="connsiteX1" fmla="*/ 538911 w 3573474"/>
+              <a:gd name="connsiteY1" fmla="*/ 763396 h 2969295"/>
+              <a:gd name="connsiteX2" fmla="*/ 1974011 w 3573474"/>
+              <a:gd name="connsiteY2" fmla="*/ 1396 h 2969295"/>
+              <a:gd name="connsiteX3" fmla="*/ 3530338 w 3573474"/>
+              <a:gd name="connsiteY3" fmla="*/ 955628 h 2969295"/>
+              <a:gd name="connsiteX4" fmla="*/ 3059861 w 3573474"/>
+              <a:gd name="connsiteY4" fmla="*/ 2769996 h 2969295"/>
+              <a:gd name="connsiteX5" fmla="*/ 2221661 w 3573474"/>
+              <a:gd name="connsiteY5" fmla="*/ 2776346 h 2969295"/>
+              <a:gd name="connsiteX6" fmla="*/ 1535861 w 3573474"/>
+              <a:gd name="connsiteY6" fmla="*/ 1734946 h 2969295"/>
+              <a:gd name="connsiteX7" fmla="*/ 43611 w 3573474"/>
+              <a:gd name="connsiteY7" fmla="*/ 1601596 h 2969295"/>
+              <a:gd name="connsiteX0" fmla="*/ 43611 w 3599531"/>
+              <a:gd name="connsiteY0" fmla="*/ 1602451 h 2966474"/>
+              <a:gd name="connsiteX1" fmla="*/ 538911 w 3599531"/>
+              <a:gd name="connsiteY1" fmla="*/ 764251 h 2966474"/>
+              <a:gd name="connsiteX2" fmla="*/ 1974011 w 3599531"/>
+              <a:gd name="connsiteY2" fmla="*/ 2251 h 2966474"/>
+              <a:gd name="connsiteX3" fmla="*/ 3558047 w 3599531"/>
+              <a:gd name="connsiteY3" fmla="*/ 1011901 h 2966474"/>
+              <a:gd name="connsiteX4" fmla="*/ 3059861 w 3599531"/>
+              <a:gd name="connsiteY4" fmla="*/ 2770851 h 2966474"/>
+              <a:gd name="connsiteX5" fmla="*/ 2221661 w 3599531"/>
+              <a:gd name="connsiteY5" fmla="*/ 2777201 h 2966474"/>
+              <a:gd name="connsiteX6" fmla="*/ 1535861 w 3599531"/>
+              <a:gd name="connsiteY6" fmla="*/ 1735801 h 2966474"/>
+              <a:gd name="connsiteX7" fmla="*/ 43611 w 3599531"/>
+              <a:gd name="connsiteY7" fmla="*/ 1602451 h 2966474"/>
+              <a:gd name="connsiteX0" fmla="*/ 43611 w 3600744"/>
+              <a:gd name="connsiteY0" fmla="*/ 1602451 h 2992611"/>
+              <a:gd name="connsiteX1" fmla="*/ 538911 w 3600744"/>
+              <a:gd name="connsiteY1" fmla="*/ 764251 h 2992611"/>
+              <a:gd name="connsiteX2" fmla="*/ 1974011 w 3600744"/>
+              <a:gd name="connsiteY2" fmla="*/ 2251 h 2992611"/>
+              <a:gd name="connsiteX3" fmla="*/ 3558047 w 3600744"/>
+              <a:gd name="connsiteY3" fmla="*/ 1011901 h 2992611"/>
+              <a:gd name="connsiteX4" fmla="*/ 3059861 w 3600744"/>
+              <a:gd name="connsiteY4" fmla="*/ 2770851 h 2992611"/>
+              <a:gd name="connsiteX5" fmla="*/ 2221661 w 3600744"/>
+              <a:gd name="connsiteY5" fmla="*/ 2777201 h 2992611"/>
+              <a:gd name="connsiteX6" fmla="*/ 1535861 w 3600744"/>
+              <a:gd name="connsiteY6" fmla="*/ 1735801 h 2992611"/>
+              <a:gd name="connsiteX7" fmla="*/ 43611 w 3600744"/>
+              <a:gd name="connsiteY7" fmla="*/ 1602451 h 2992611"/>
+              <a:gd name="connsiteX0" fmla="*/ 43611 w 3601952"/>
+              <a:gd name="connsiteY0" fmla="*/ 1602451 h 3016531"/>
+              <a:gd name="connsiteX1" fmla="*/ 538911 w 3601952"/>
+              <a:gd name="connsiteY1" fmla="*/ 764251 h 3016531"/>
+              <a:gd name="connsiteX2" fmla="*/ 1974011 w 3601952"/>
+              <a:gd name="connsiteY2" fmla="*/ 2251 h 3016531"/>
+              <a:gd name="connsiteX3" fmla="*/ 3558047 w 3601952"/>
+              <a:gd name="connsiteY3" fmla="*/ 1011901 h 3016531"/>
+              <a:gd name="connsiteX4" fmla="*/ 3069098 w 3601952"/>
+              <a:gd name="connsiteY4" fmla="*/ 2826269 h 3016531"/>
+              <a:gd name="connsiteX5" fmla="*/ 2221661 w 3601952"/>
+              <a:gd name="connsiteY5" fmla="*/ 2777201 h 3016531"/>
+              <a:gd name="connsiteX6" fmla="*/ 1535861 w 3601952"/>
+              <a:gd name="connsiteY6" fmla="*/ 1735801 h 3016531"/>
+              <a:gd name="connsiteX7" fmla="*/ 43611 w 3601952"/>
+              <a:gd name="connsiteY7" fmla="*/ 1602451 h 3016531"/>
+              <a:gd name="connsiteX0" fmla="*/ 43611 w 3601952"/>
+              <a:gd name="connsiteY0" fmla="*/ 1602451 h 3041025"/>
+              <a:gd name="connsiteX1" fmla="*/ 538911 w 3601952"/>
+              <a:gd name="connsiteY1" fmla="*/ 764251 h 3041025"/>
+              <a:gd name="connsiteX2" fmla="*/ 1974011 w 3601952"/>
+              <a:gd name="connsiteY2" fmla="*/ 2251 h 3041025"/>
+              <a:gd name="connsiteX3" fmla="*/ 3558047 w 3601952"/>
+              <a:gd name="connsiteY3" fmla="*/ 1011901 h 3041025"/>
+              <a:gd name="connsiteX4" fmla="*/ 3069098 w 3601952"/>
+              <a:gd name="connsiteY4" fmla="*/ 2826269 h 3041025"/>
+              <a:gd name="connsiteX5" fmla="*/ 2221661 w 3601952"/>
+              <a:gd name="connsiteY5" fmla="*/ 2777201 h 3041025"/>
+              <a:gd name="connsiteX6" fmla="*/ 1535861 w 3601952"/>
+              <a:gd name="connsiteY6" fmla="*/ 1735801 h 3041025"/>
+              <a:gd name="connsiteX7" fmla="*/ 43611 w 3601952"/>
+              <a:gd name="connsiteY7" fmla="*/ 1602451 h 3041025"/>
+              <a:gd name="connsiteX0" fmla="*/ 87685 w 3646026"/>
+              <a:gd name="connsiteY0" fmla="*/ 1602451 h 3041025"/>
+              <a:gd name="connsiteX1" fmla="*/ 582985 w 3646026"/>
+              <a:gd name="connsiteY1" fmla="*/ 764251 h 3041025"/>
+              <a:gd name="connsiteX2" fmla="*/ 2018085 w 3646026"/>
+              <a:gd name="connsiteY2" fmla="*/ 2251 h 3041025"/>
+              <a:gd name="connsiteX3" fmla="*/ 3602121 w 3646026"/>
+              <a:gd name="connsiteY3" fmla="*/ 1011901 h 3041025"/>
+              <a:gd name="connsiteX4" fmla="*/ 3113172 w 3646026"/>
+              <a:gd name="connsiteY4" fmla="*/ 2826269 h 3041025"/>
+              <a:gd name="connsiteX5" fmla="*/ 2265735 w 3646026"/>
+              <a:gd name="connsiteY5" fmla="*/ 2777201 h 3041025"/>
+              <a:gd name="connsiteX6" fmla="*/ 87685 w 3646026"/>
+              <a:gd name="connsiteY6" fmla="*/ 1602451 h 3041025"/>
+              <a:gd name="connsiteX0" fmla="*/ 145797 w 3704138"/>
+              <a:gd name="connsiteY0" fmla="*/ 1602451 h 2833188"/>
+              <a:gd name="connsiteX1" fmla="*/ 641097 w 3704138"/>
+              <a:gd name="connsiteY1" fmla="*/ 764251 h 2833188"/>
+              <a:gd name="connsiteX2" fmla="*/ 2076197 w 3704138"/>
+              <a:gd name="connsiteY2" fmla="*/ 2251 h 2833188"/>
+              <a:gd name="connsiteX3" fmla="*/ 3660233 w 3704138"/>
+              <a:gd name="connsiteY3" fmla="*/ 1011901 h 2833188"/>
+              <a:gd name="connsiteX4" fmla="*/ 3171284 w 3704138"/>
+              <a:gd name="connsiteY4" fmla="*/ 2826269 h 2833188"/>
+              <a:gd name="connsiteX5" fmla="*/ 145797 w 3704138"/>
+              <a:gd name="connsiteY5" fmla="*/ 1602451 h 2833188"/>
+              <a:gd name="connsiteX0" fmla="*/ 2530187 w 3063041"/>
+              <a:gd name="connsiteY0" fmla="*/ 2826269 h 2826268"/>
+              <a:gd name="connsiteX1" fmla="*/ 0 w 3063041"/>
+              <a:gd name="connsiteY1" fmla="*/ 764251 h 2826268"/>
+              <a:gd name="connsiteX2" fmla="*/ 1435100 w 3063041"/>
+              <a:gd name="connsiteY2" fmla="*/ 2251 h 2826268"/>
+              <a:gd name="connsiteX3" fmla="*/ 3019136 w 3063041"/>
+              <a:gd name="connsiteY3" fmla="*/ 1011901 h 2826268"/>
+              <a:gd name="connsiteX4" fmla="*/ 2530187 w 3063041"/>
+              <a:gd name="connsiteY4" fmla="*/ 2826269 h 2826268"/>
+              <a:gd name="connsiteX0" fmla="*/ 2531490 w 3064344"/>
+              <a:gd name="connsiteY0" fmla="*/ 2850345 h 2850345"/>
+              <a:gd name="connsiteX1" fmla="*/ 1303 w 3064344"/>
+              <a:gd name="connsiteY1" fmla="*/ 788327 h 2850345"/>
+              <a:gd name="connsiteX2" fmla="*/ 1436403 w 3064344"/>
+              <a:gd name="connsiteY2" fmla="*/ 26327 h 2850345"/>
+              <a:gd name="connsiteX3" fmla="*/ 3020439 w 3064344"/>
+              <a:gd name="connsiteY3" fmla="*/ 1035977 h 2850345"/>
+              <a:gd name="connsiteX4" fmla="*/ 2531490 w 3064344"/>
+              <a:gd name="connsiteY4" fmla="*/ 2850345 h 2850345"/>
+              <a:gd name="connsiteX0" fmla="*/ 1995608 w 2544142"/>
+              <a:gd name="connsiteY0" fmla="*/ 2834025 h 2847907"/>
+              <a:gd name="connsiteX1" fmla="*/ 1650 w 2544142"/>
+              <a:gd name="connsiteY1" fmla="*/ 1605038 h 2847907"/>
+              <a:gd name="connsiteX2" fmla="*/ 900521 w 2544142"/>
+              <a:gd name="connsiteY2" fmla="*/ 10007 h 2847907"/>
+              <a:gd name="connsiteX3" fmla="*/ 2484557 w 2544142"/>
+              <a:gd name="connsiteY3" fmla="*/ 1019657 h 2847907"/>
+              <a:gd name="connsiteX4" fmla="*/ 1995608 w 2544142"/>
+              <a:gd name="connsiteY4" fmla="*/ 2834025 h 2847907"/>
+              <a:gd name="connsiteX0" fmla="*/ 1995607 w 2537685"/>
+              <a:gd name="connsiteY0" fmla="*/ 2838699 h 2856285"/>
+              <a:gd name="connsiteX1" fmla="*/ 1649 w 2537685"/>
+              <a:gd name="connsiteY1" fmla="*/ 1609712 h 2856285"/>
+              <a:gd name="connsiteX2" fmla="*/ 900520 w 2537685"/>
+              <a:gd name="connsiteY2" fmla="*/ 14681 h 2856285"/>
+              <a:gd name="connsiteX3" fmla="*/ 2477309 w 2537685"/>
+              <a:gd name="connsiteY3" fmla="*/ 932556 h 2856285"/>
+              <a:gd name="connsiteX4" fmla="*/ 1995607 w 2537685"/>
+              <a:gd name="connsiteY4" fmla="*/ 2838699 h 2856285"/>
+              <a:gd name="connsiteX0" fmla="*/ 1995607 w 2537686"/>
+              <a:gd name="connsiteY0" fmla="*/ 2850780 h 2868366"/>
+              <a:gd name="connsiteX1" fmla="*/ 1649 w 2537686"/>
+              <a:gd name="connsiteY1" fmla="*/ 1621793 h 2868366"/>
+              <a:gd name="connsiteX2" fmla="*/ 900520 w 2537686"/>
+              <a:gd name="connsiteY2" fmla="*/ 26762 h 2868366"/>
+              <a:gd name="connsiteX3" fmla="*/ 2477309 w 2537686"/>
+              <a:gd name="connsiteY3" fmla="*/ 944637 h 2868366"/>
+              <a:gd name="connsiteX4" fmla="*/ 1995607 w 2537686"/>
+              <a:gd name="connsiteY4" fmla="*/ 2850780 h 2868366"/>
+              <a:gd name="connsiteX0" fmla="*/ 2018953 w 2547450"/>
+              <a:gd name="connsiteY0" fmla="*/ 2782443 h 2792311"/>
+              <a:gd name="connsiteX1" fmla="*/ 24995 w 2547450"/>
+              <a:gd name="connsiteY1" fmla="*/ 1553456 h 2792311"/>
+              <a:gd name="connsiteX2" fmla="*/ 1126763 w 2547450"/>
+              <a:gd name="connsiteY2" fmla="*/ 29021 h 2792311"/>
+              <a:gd name="connsiteX3" fmla="*/ 2500655 w 2547450"/>
+              <a:gd name="connsiteY3" fmla="*/ 876300 h 2792311"/>
+              <a:gd name="connsiteX4" fmla="*/ 2018953 w 2547450"/>
+              <a:gd name="connsiteY4" fmla="*/ 2782443 h 2792311"/>
+              <a:gd name="connsiteX0" fmla="*/ 1263305 w 2477517"/>
+              <a:gd name="connsiteY0" fmla="*/ 2235653 h 2253997"/>
+              <a:gd name="connsiteX1" fmla="*/ 1226 w 2477517"/>
+              <a:gd name="connsiteY1" fmla="*/ 1550254 h 2253997"/>
+              <a:gd name="connsiteX2" fmla="*/ 1102994 w 2477517"/>
+              <a:gd name="connsiteY2" fmla="*/ 25819 h 2253997"/>
+              <a:gd name="connsiteX3" fmla="*/ 2476886 w 2477517"/>
+              <a:gd name="connsiteY3" fmla="*/ 873098 h 2253997"/>
+              <a:gd name="connsiteX4" fmla="*/ 1263305 w 2477517"/>
+              <a:gd name="connsiteY4" fmla="*/ 2235653 h 2253997"/>
+              <a:gd name="connsiteX0" fmla="*/ 1263305 w 2478444"/>
+              <a:gd name="connsiteY0" fmla="*/ 2235653 h 2239010"/>
+              <a:gd name="connsiteX1" fmla="*/ 1226 w 2478444"/>
+              <a:gd name="connsiteY1" fmla="*/ 1550254 h 2239010"/>
+              <a:gd name="connsiteX2" fmla="*/ 1102994 w 2478444"/>
+              <a:gd name="connsiteY2" fmla="*/ 25819 h 2239010"/>
+              <a:gd name="connsiteX3" fmla="*/ 2476886 w 2478444"/>
+              <a:gd name="connsiteY3" fmla="*/ 873098 h 2239010"/>
+              <a:gd name="connsiteX4" fmla="*/ 1263305 w 2478444"/>
+              <a:gd name="connsiteY4" fmla="*/ 2235653 h 2239010"/>
+              <a:gd name="connsiteX0" fmla="*/ 1263305 w 2479291"/>
+              <a:gd name="connsiteY0" fmla="*/ 2235653 h 2235982"/>
+              <a:gd name="connsiteX1" fmla="*/ 1226 w 2479291"/>
+              <a:gd name="connsiteY1" fmla="*/ 1550254 h 2235982"/>
+              <a:gd name="connsiteX2" fmla="*/ 1102994 w 2479291"/>
+              <a:gd name="connsiteY2" fmla="*/ 25819 h 2235982"/>
+              <a:gd name="connsiteX3" fmla="*/ 2476886 w 2479291"/>
+              <a:gd name="connsiteY3" fmla="*/ 873098 h 2235982"/>
+              <a:gd name="connsiteX4" fmla="*/ 1263305 w 2479291"/>
+              <a:gd name="connsiteY4" fmla="*/ 2235653 h 2235982"/>
+              <a:gd name="connsiteX0" fmla="*/ 973307 w 2187485"/>
+              <a:gd name="connsiteY0" fmla="*/ 2212438 h 2213270"/>
+              <a:gd name="connsiteX1" fmla="*/ 1081 w 2187485"/>
+              <a:gd name="connsiteY1" fmla="*/ 644590 h 2213270"/>
+              <a:gd name="connsiteX2" fmla="*/ 812996 w 2187485"/>
+              <a:gd name="connsiteY2" fmla="*/ 2604 h 2213270"/>
+              <a:gd name="connsiteX3" fmla="*/ 2186888 w 2187485"/>
+              <a:gd name="connsiteY3" fmla="*/ 849883 h 2213270"/>
+              <a:gd name="connsiteX4" fmla="*/ 973307 w 2187485"/>
+              <a:gd name="connsiteY4" fmla="*/ 2212438 h 2213270"/>
+              <a:gd name="connsiteX0" fmla="*/ 1100474 w 2314652"/>
+              <a:gd name="connsiteY0" fmla="*/ 2298667 h 2299500"/>
+              <a:gd name="connsiteX1" fmla="*/ 128248 w 2314652"/>
+              <a:gd name="connsiteY1" fmla="*/ 730819 h 2299500"/>
+              <a:gd name="connsiteX2" fmla="*/ 940163 w 2314652"/>
+              <a:gd name="connsiteY2" fmla="*/ 88833 h 2299500"/>
+              <a:gd name="connsiteX3" fmla="*/ 2314055 w 2314652"/>
+              <a:gd name="connsiteY3" fmla="*/ 936112 h 2299500"/>
+              <a:gd name="connsiteX4" fmla="*/ 1100474 w 2314652"/>
+              <a:gd name="connsiteY4" fmla="*/ 2298667 h 2299500"/>
+              <a:gd name="connsiteX0" fmla="*/ 1004168 w 2235185"/>
+              <a:gd name="connsiteY0" fmla="*/ 1673666 h 1674423"/>
+              <a:gd name="connsiteX1" fmla="*/ 31942 w 2235185"/>
+              <a:gd name="connsiteY1" fmla="*/ 105818 h 1674423"/>
+              <a:gd name="connsiteX2" fmla="*/ 2217749 w 2235185"/>
+              <a:gd name="connsiteY2" fmla="*/ 311111 h 1674423"/>
+              <a:gd name="connsiteX3" fmla="*/ 1004168 w 2235185"/>
+              <a:gd name="connsiteY3" fmla="*/ 1673666 h 1674423"/>
+              <a:gd name="connsiteX0" fmla="*/ 1004168 w 2396518"/>
+              <a:gd name="connsiteY0" fmla="*/ 2055530 h 2060470"/>
+              <a:gd name="connsiteX1" fmla="*/ 31942 w 2396518"/>
+              <a:gd name="connsiteY1" fmla="*/ 487682 h 2060470"/>
+              <a:gd name="connsiteX2" fmla="*/ 2217749 w 2396518"/>
+              <a:gd name="connsiteY2" fmla="*/ 692975 h 2060470"/>
+              <a:gd name="connsiteX3" fmla="*/ 1004168 w 2396518"/>
+              <a:gd name="connsiteY3" fmla="*/ 2055530 h 2060470"/>
+              <a:gd name="connsiteX0" fmla="*/ 1150727 w 2543077"/>
+              <a:gd name="connsiteY0" fmla="*/ 2286401 h 2291342"/>
+              <a:gd name="connsiteX1" fmla="*/ 178501 w 2543077"/>
+              <a:gd name="connsiteY1" fmla="*/ 718553 h 2291342"/>
+              <a:gd name="connsiteX2" fmla="*/ 2364308 w 2543077"/>
+              <a:gd name="connsiteY2" fmla="*/ 923846 h 2291342"/>
+              <a:gd name="connsiteX3" fmla="*/ 1150727 w 2543077"/>
+              <a:gd name="connsiteY3" fmla="*/ 2286401 h 2291342"/>
+              <a:gd name="connsiteX0" fmla="*/ 1305182 w 2821161"/>
+              <a:gd name="connsiteY0" fmla="*/ 2286401 h 2286928"/>
+              <a:gd name="connsiteX1" fmla="*/ 332956 w 2821161"/>
+              <a:gd name="connsiteY1" fmla="*/ 718553 h 2286928"/>
+              <a:gd name="connsiteX2" fmla="*/ 2518763 w 2821161"/>
+              <a:gd name="connsiteY2" fmla="*/ 923846 h 2286928"/>
+              <a:gd name="connsiteX3" fmla="*/ 1305182 w 2821161"/>
+              <a:gd name="connsiteY3" fmla="*/ 2286401 h 2286928"/>
+              <a:gd name="connsiteX0" fmla="*/ 1121558 w 2393546"/>
+              <a:gd name="connsiteY0" fmla="*/ 1595353 h 1595634"/>
+              <a:gd name="connsiteX1" fmla="*/ 134839 w 2393546"/>
+              <a:gd name="connsiteY1" fmla="*/ 98101 h 1595634"/>
+              <a:gd name="connsiteX2" fmla="*/ 2320646 w 2393546"/>
+              <a:gd name="connsiteY2" fmla="*/ 303394 h 1595634"/>
+              <a:gd name="connsiteX3" fmla="*/ 1121558 w 2393546"/>
+              <a:gd name="connsiteY3" fmla="*/ 1595353 h 1595634"/>
+              <a:gd name="connsiteX0" fmla="*/ 1501424 w 2773412"/>
+              <a:gd name="connsiteY0" fmla="*/ 2128605 h 2131022"/>
+              <a:gd name="connsiteX1" fmla="*/ 514705 w 2773412"/>
+              <a:gd name="connsiteY1" fmla="*/ 631353 h 2131022"/>
+              <a:gd name="connsiteX2" fmla="*/ 2700512 w 2773412"/>
+              <a:gd name="connsiteY2" fmla="*/ 836646 h 2131022"/>
+              <a:gd name="connsiteX3" fmla="*/ 1501424 w 2773412"/>
+              <a:gd name="connsiteY3" fmla="*/ 2128605 h 2131022"/>
+              <a:gd name="connsiteX0" fmla="*/ 1501424 w 2914709"/>
+              <a:gd name="connsiteY0" fmla="*/ 2285254 h 2287671"/>
+              <a:gd name="connsiteX1" fmla="*/ 514705 w 2914709"/>
+              <a:gd name="connsiteY1" fmla="*/ 788002 h 2287671"/>
+              <a:gd name="connsiteX2" fmla="*/ 2700512 w 2914709"/>
+              <a:gd name="connsiteY2" fmla="*/ 993295 h 2287671"/>
+              <a:gd name="connsiteX3" fmla="*/ 1501424 w 2914709"/>
+              <a:gd name="connsiteY3" fmla="*/ 2285254 h 2287671"/>
+              <a:gd name="connsiteX0" fmla="*/ 1005173 w 2039933"/>
+              <a:gd name="connsiteY0" fmla="*/ 1748047 h 1752261"/>
+              <a:gd name="connsiteX1" fmla="*/ 18454 w 2039933"/>
+              <a:gd name="connsiteY1" fmla="*/ 250795 h 1752261"/>
+              <a:gd name="connsiteX2" fmla="*/ 1914407 w 2039933"/>
+              <a:gd name="connsiteY2" fmla="*/ 547862 h 1752261"/>
+              <a:gd name="connsiteX3" fmla="*/ 1005173 w 2039933"/>
+              <a:gd name="connsiteY3" fmla="*/ 1748047 h 1752261"/>
+              <a:gd name="connsiteX0" fmla="*/ 1252150 w 2286910"/>
+              <a:gd name="connsiteY0" fmla="*/ 2385953 h 2390167"/>
+              <a:gd name="connsiteX1" fmla="*/ 265431 w 2286910"/>
+              <a:gd name="connsiteY1" fmla="*/ 888701 h 2390167"/>
+              <a:gd name="connsiteX2" fmla="*/ 2161384 w 2286910"/>
+              <a:gd name="connsiteY2" fmla="*/ 1185768 h 2390167"/>
+              <a:gd name="connsiteX3" fmla="*/ 1252150 w 2286910"/>
+              <a:gd name="connsiteY3" fmla="*/ 2385953 h 2390167"/>
+              <a:gd name="connsiteX0" fmla="*/ 1142081 w 2069310"/>
+              <a:gd name="connsiteY0" fmla="*/ 2123900 h 2146255"/>
+              <a:gd name="connsiteX1" fmla="*/ 278549 w 2069310"/>
+              <a:gd name="connsiteY1" fmla="*/ 774900 h 2146255"/>
+              <a:gd name="connsiteX2" fmla="*/ 2051315 w 2069310"/>
+              <a:gd name="connsiteY2" fmla="*/ 923715 h 2146255"/>
+              <a:gd name="connsiteX3" fmla="*/ 1142081 w 2069310"/>
+              <a:gd name="connsiteY3" fmla="*/ 2123900 h 2146255"/>
+              <a:gd name="connsiteX0" fmla="*/ 1165325 w 2097018"/>
+              <a:gd name="connsiteY0" fmla="*/ 2123900 h 2164933"/>
+              <a:gd name="connsiteX1" fmla="*/ 301793 w 2097018"/>
+              <a:gd name="connsiteY1" fmla="*/ 774900 h 2164933"/>
+              <a:gd name="connsiteX2" fmla="*/ 2074559 w 2097018"/>
+              <a:gd name="connsiteY2" fmla="*/ 923715 h 2164933"/>
+              <a:gd name="connsiteX3" fmla="*/ 1165325 w 2097018"/>
+              <a:gd name="connsiteY3" fmla="*/ 2123900 h 2164933"/>
+              <a:gd name="connsiteX0" fmla="*/ 881857 w 1752174"/>
+              <a:gd name="connsiteY0" fmla="*/ 1447028 h 1447527"/>
+              <a:gd name="connsiteX1" fmla="*/ 18325 w 1752174"/>
+              <a:gd name="connsiteY1" fmla="*/ 98028 h 1447527"/>
+              <a:gd name="connsiteX2" fmla="*/ 1733120 w 1752174"/>
+              <a:gd name="connsiteY2" fmla="*/ 253902 h 1447527"/>
+              <a:gd name="connsiteX3" fmla="*/ 881857 w 1752174"/>
+              <a:gd name="connsiteY3" fmla="*/ 1447028 h 1447527"/>
+              <a:gd name="connsiteX0" fmla="*/ 881857 w 2006074"/>
+              <a:gd name="connsiteY0" fmla="*/ 2138307 h 2283892"/>
+              <a:gd name="connsiteX1" fmla="*/ 18325 w 2006074"/>
+              <a:gd name="connsiteY1" fmla="*/ 789307 h 2283892"/>
+              <a:gd name="connsiteX2" fmla="*/ 1733120 w 2006074"/>
+              <a:gd name="connsiteY2" fmla="*/ 945181 h 2283892"/>
+              <a:gd name="connsiteX3" fmla="*/ 881857 w 2006074"/>
+              <a:gd name="connsiteY3" fmla="*/ 2138307 h 2283892"/>
+              <a:gd name="connsiteX0" fmla="*/ 124151 w 2143381"/>
+              <a:gd name="connsiteY0" fmla="*/ 1376349 h 1376877"/>
+              <a:gd name="connsiteX1" fmla="*/ 427280 w 2143381"/>
+              <a:gd name="connsiteY1" fmla="*/ 90886 h 1376877"/>
+              <a:gd name="connsiteX2" fmla="*/ 2142075 w 2143381"/>
+              <a:gd name="connsiteY2" fmla="*/ 246760 h 1376877"/>
+              <a:gd name="connsiteX3" fmla="*/ 124151 w 2143381"/>
+              <a:gd name="connsiteY3" fmla="*/ 1376349 h 1376877"/>
+              <a:gd name="connsiteX0" fmla="*/ 16363 w 2063351"/>
+              <a:gd name="connsiteY0" fmla="*/ 2146086 h 2165274"/>
+              <a:gd name="connsiteX1" fmla="*/ 1131082 w 2063351"/>
+              <a:gd name="connsiteY1" fmla="*/ 27592 h 2165274"/>
+              <a:gd name="connsiteX2" fmla="*/ 2034287 w 2063351"/>
+              <a:gd name="connsiteY2" fmla="*/ 1016497 h 2165274"/>
+              <a:gd name="connsiteX3" fmla="*/ 16363 w 2063351"/>
+              <a:gd name="connsiteY3" fmla="*/ 2146086 h 2165274"/>
+              <a:gd name="connsiteX0" fmla="*/ 26033 w 2321104"/>
+              <a:gd name="connsiteY0" fmla="*/ 2118673 h 2322476"/>
+              <a:gd name="connsiteX1" fmla="*/ 1140752 w 2321104"/>
+              <a:gd name="connsiteY1" fmla="*/ 179 h 2322476"/>
+              <a:gd name="connsiteX2" fmla="*/ 2297579 w 2321104"/>
+              <a:gd name="connsiteY2" fmla="*/ 1998605 h 2322476"/>
+              <a:gd name="connsiteX3" fmla="*/ 26033 w 2321104"/>
+              <a:gd name="connsiteY3" fmla="*/ 2118673 h 2322476"/>
+              <a:gd name="connsiteX0" fmla="*/ 25051 w 2372885"/>
+              <a:gd name="connsiteY0" fmla="*/ 2026729 h 2264528"/>
+              <a:gd name="connsiteX1" fmla="*/ 1190494 w 2372885"/>
+              <a:gd name="connsiteY1" fmla="*/ 10 h 2264528"/>
+              <a:gd name="connsiteX2" fmla="*/ 2347321 w 2372885"/>
+              <a:gd name="connsiteY2" fmla="*/ 1998436 h 2264528"/>
+              <a:gd name="connsiteX3" fmla="*/ 25051 w 2372885"/>
+              <a:gd name="connsiteY3" fmla="*/ 2026729 h 2264528"/>
+              <a:gd name="connsiteX0" fmla="*/ 25051 w 2372885"/>
+              <a:gd name="connsiteY0" fmla="*/ 2132622 h 2383639"/>
+              <a:gd name="connsiteX1" fmla="*/ 1190494 w 2372885"/>
+              <a:gd name="connsiteY1" fmla="*/ 9 h 2383639"/>
+              <a:gd name="connsiteX2" fmla="*/ 2347321 w 2372885"/>
+              <a:gd name="connsiteY2" fmla="*/ 2104329 h 2383639"/>
+              <a:gd name="connsiteX3" fmla="*/ 25051 w 2372885"/>
+              <a:gd name="connsiteY3" fmla="*/ 2132622 h 2383639"/>
+              <a:gd name="connsiteX0" fmla="*/ 29294 w 2476772"/>
+              <a:gd name="connsiteY0" fmla="*/ 2132616 h 2407191"/>
+              <a:gd name="connsiteX1" fmla="*/ 1194737 w 2476772"/>
+              <a:gd name="connsiteY1" fmla="*/ 3 h 2407191"/>
+              <a:gd name="connsiteX2" fmla="*/ 2453013 w 2476772"/>
+              <a:gd name="connsiteY2" fmla="*/ 2146681 h 2407191"/>
+              <a:gd name="connsiteX3" fmla="*/ 29294 w 2476772"/>
+              <a:gd name="connsiteY3" fmla="*/ 2132616 h 2407191"/>
+              <a:gd name="connsiteX0" fmla="*/ 27127 w 2587615"/>
+              <a:gd name="connsiteY0" fmla="*/ 2167917 h 2427159"/>
+              <a:gd name="connsiteX1" fmla="*/ 1301266 w 2587615"/>
+              <a:gd name="connsiteY1" fmla="*/ 5 h 2427159"/>
+              <a:gd name="connsiteX2" fmla="*/ 2559542 w 2587615"/>
+              <a:gd name="connsiteY2" fmla="*/ 2146683 h 2427159"/>
+              <a:gd name="connsiteX3" fmla="*/ 27127 w 2587615"/>
+              <a:gd name="connsiteY3" fmla="*/ 2167917 h 2427159"/>
+              <a:gd name="connsiteX0" fmla="*/ 15997 w 3465353"/>
+              <a:gd name="connsiteY0" fmla="*/ 2669773 h 2801676"/>
+              <a:gd name="connsiteX1" fmla="*/ 2142085 w 3465353"/>
+              <a:gd name="connsiteY1" fmla="*/ 5 h 2801676"/>
+              <a:gd name="connsiteX2" fmla="*/ 3400361 w 3465353"/>
+              <a:gd name="connsiteY2" fmla="*/ 2146683 h 2801676"/>
+              <a:gd name="connsiteX3" fmla="*/ 15997 w 3465353"/>
+              <a:gd name="connsiteY3" fmla="*/ 2669773 h 2801676"/>
+            </a:gdLst>
+            <a:ahLst/>
+            <a:cxnLst>
+              <a:cxn ang="0">
+                <a:pos x="connsiteX0" y="connsiteY0"/>
+              </a:cxn>
+              <a:cxn ang="0">
+                <a:pos x="connsiteX1" y="connsiteY1"/>
+              </a:cxn>
+              <a:cxn ang="0">
+                <a:pos x="connsiteX2" y="connsiteY2"/>
+              </a:cxn>
+              <a:cxn ang="0">
+                <a:pos x="connsiteX3" y="connsiteY3"/>
+              </a:cxn>
+            </a:cxnLst>
+            <a:rect l="l" t="t" r="r" b="b"/>
+            <a:pathLst>
+              <a:path w="3465353" h="2801676">
+                <a:moveTo>
+                  <a:pt x="15997" y="2669773"/>
+                </a:moveTo>
+                <a:cubicBezTo>
+                  <a:pt x="-193716" y="2311993"/>
+                  <a:pt x="1720016" y="3544"/>
+                  <a:pt x="2142085" y="5"/>
+                </a:cubicBezTo>
+                <a:cubicBezTo>
+                  <a:pt x="2564154" y="-3534"/>
+                  <a:pt x="3754709" y="1701722"/>
+                  <a:pt x="3400361" y="2146683"/>
+                </a:cubicBezTo>
+                <a:cubicBezTo>
+                  <a:pt x="3046013" y="2591644"/>
+                  <a:pt x="225710" y="3027553"/>
+                  <a:pt x="15997" y="2669773"/>
+                </a:cubicBezTo>
+                <a:close/>
+              </a:path>
+            </a:pathLst>
+          </a:custGeom>
+          <a:solidFill>
+            <a:schemeClr val="bg1">
+              <a:lumMod val="95000"/>
+              <a:alpha val="60000"/>
+            </a:schemeClr>
+          </a:solidFill>
+          <a:ln w="9525">
+            <a:solidFill>
+              <a:schemeClr val="tx1">
+                <a:alpha val="60000"/>
+              </a:schemeClr>
+            </a:solidFill>
+          </a:ln>
+        </p:spPr>
+        <p:style>
+          <a:lnRef idx="2">
+            <a:schemeClr val="accent1">
+              <a:shade val="50000"/>
+            </a:schemeClr>
+          </a:lnRef>
+          <a:fillRef idx="1">
+            <a:schemeClr val="accent1"/>
+          </a:fillRef>
+          <a:effectRef idx="0">
+            <a:schemeClr val="accent1"/>
+          </a:effectRef>
+          <a:fontRef idx="minor">
+            <a:schemeClr val="lt1"/>
+          </a:fontRef>
+        </p:style>
+        <p:txBody>
+          <a:bodyPr rot="0" spcFirstLastPara="0" vertOverflow="overflow" horzOverflow="overflow" vert="horz" wrap="square" lIns="91440" tIns="45720" rIns="91440" bIns="45720" numCol="1" spcCol="0" rtlCol="0" fromWordArt="0" anchor="ctr" anchorCtr="0" forceAA="0" compatLnSpc="1">
+            <a:prstTxWarp prst="textNoShape">
+              <a:avLst/>
+            </a:prstTxWarp>
+            <a:noAutofit/>
+          </a:bodyPr>
+          <a:lstStyle/>
+          <a:p>
+            <a:pPr algn="ctr"/>
+            <a:endParaRPr lang="fr-FR"/>
+          </a:p>
+        </p:txBody>
+      </p:sp>
+      <p:cxnSp>
+        <p:nvCxnSpPr>
+          <p:cNvPr id="13" name="Connecteur droit 12">
+            <a:extLst>
+              <a:ext uri="{FF2B5EF4-FFF2-40B4-BE49-F238E27FC236}">
+                <a16:creationId xmlns:a16="http://schemas.microsoft.com/office/drawing/2014/main" id="{72AD44D8-127E-4921-99FE-5D89133262C8}"/>
+              </a:ext>
+            </a:extLst>
+          </p:cNvPr>
+          <p:cNvCxnSpPr>
+            <a:cxnSpLocks/>
+          </p:cNvCxnSpPr>
+          <p:nvPr/>
+        </p:nvCxnSpPr>
+        <p:spPr>
+          <a:xfrm flipV="1">
+            <a:off x="2952638" y="1645444"/>
+            <a:ext cx="0" cy="939874"/>
+          </a:xfrm>
+          <a:prstGeom prst="line">
+            <a:avLst/>
+          </a:prstGeom>
+          <a:ln w="12700">
+            <a:solidFill>
+              <a:schemeClr val="tx1"/>
+            </a:solidFill>
+            <a:headEnd type="oval" w="lg" len="lg"/>
+            <a:tailEnd type="triangle" w="lg" len="lg"/>
+          </a:ln>
+        </p:spPr>
+        <p:style>
+          <a:lnRef idx="1">
+            <a:schemeClr val="accent1"/>
+          </a:lnRef>
+          <a:fillRef idx="0">
+            <a:schemeClr val="accent1"/>
+          </a:fillRef>
+          <a:effectRef idx="0">
+            <a:schemeClr val="accent1"/>
+          </a:effectRef>
+          <a:fontRef idx="minor">
+            <a:schemeClr val="tx1"/>
+          </a:fontRef>
+        </p:style>
+      </p:cxnSp>
+      <p:cxnSp>
+        <p:nvCxnSpPr>
+          <p:cNvPr id="28" name="Connecteur droit 27">
+            <a:extLst>
+              <a:ext uri="{FF2B5EF4-FFF2-40B4-BE49-F238E27FC236}">
+                <a16:creationId xmlns:a16="http://schemas.microsoft.com/office/drawing/2014/main" id="{E015D396-DB2B-493E-8246-97B883EF32C7}"/>
+              </a:ext>
+            </a:extLst>
+          </p:cNvPr>
+          <p:cNvCxnSpPr>
+            <a:cxnSpLocks/>
+          </p:cNvCxnSpPr>
+          <p:nvPr/>
+        </p:nvCxnSpPr>
+        <p:spPr>
+          <a:xfrm>
+            <a:off x="2138685" y="3082022"/>
+            <a:ext cx="1688097" cy="0"/>
+          </a:xfrm>
+          <a:prstGeom prst="line">
+            <a:avLst/>
+          </a:prstGeom>
+          <a:ln w="12700">
+            <a:solidFill>
+              <a:schemeClr val="tx1"/>
+            </a:solidFill>
+            <a:headEnd type="triangle" w="lg" len="lg"/>
+            <a:tailEnd type="oval" w="lg" len="lg"/>
+          </a:ln>
+        </p:spPr>
+        <p:style>
+          <a:lnRef idx="1">
+            <a:schemeClr val="accent1"/>
+          </a:lnRef>
+          <a:fillRef idx="0">
+            <a:schemeClr val="accent1"/>
+          </a:fillRef>
+          <a:effectRef idx="0">
+            <a:schemeClr val="accent1"/>
+          </a:effectRef>
+          <a:fontRef idx="minor">
+            <a:schemeClr val="tx1"/>
+          </a:fontRef>
+        </p:style>
+      </p:cxnSp>
+      <mc:AlternateContent xmlns:mc="http://schemas.openxmlformats.org/markup-compatibility/2006">
+        <mc:Choice xmlns:a14="http://schemas.microsoft.com/office/drawing/2010/main" Requires="a14">
+          <p:sp>
+            <p:nvSpPr>
+              <p:cNvPr id="41" name="ZoneTexte 40">
+                <a:extLst>
+                  <a:ext uri="{FF2B5EF4-FFF2-40B4-BE49-F238E27FC236}">
+                    <a16:creationId xmlns:a16="http://schemas.microsoft.com/office/drawing/2014/main" id="{C80DEA8D-55F0-4F3B-8B2A-04A2B81E1A47}"/>
+                  </a:ext>
+                </a:extLst>
+              </p:cNvPr>
+              <p:cNvSpPr txBox="1"/>
+              <p:nvPr/>
+            </p:nvSpPr>
+            <p:spPr>
+              <a:xfrm>
+                <a:off x="3190093" y="2115381"/>
+                <a:ext cx="804579" cy="430887"/>
+              </a:xfrm>
+              <a:prstGeom prst="rect">
+                <a:avLst/>
+              </a:prstGeom>
+              <a:noFill/>
+              <a:ln>
+                <a:noFill/>
+              </a:ln>
+            </p:spPr>
+            <p:txBody>
+              <a:bodyPr wrap="none" lIns="0" tIns="0" rIns="0" bIns="0" rtlCol="0">
+                <a:spAutoFit/>
+              </a:bodyPr>
+              <a:lstStyle/>
+              <a:p>
+                <a:pPr/>
+                <a14:m>
+                  <m:oMathPara xmlns:m="http://schemas.openxmlformats.org/officeDocument/2006/math">
+                    <m:oMathParaPr>
+                      <m:jc m:val="centerGroup"/>
+                    </m:oMathParaPr>
+                    <m:oMath xmlns:m="http://schemas.openxmlformats.org/officeDocument/2006/math">
+                      <m:sSub>
+                        <m:sSubPr>
+                          <m:ctrlPr>
+                            <a:rPr lang="fr-FR" sz="2800" b="0" i="1" smtClean="0">
+                              <a:latin typeface="Cambria Math" panose="02040503050406030204" pitchFamily="18" charset="0"/>
+                            </a:rPr>
+                          </m:ctrlPr>
+                        </m:sSubPr>
+                        <m:e>
+                          <m:r>
+                            <a:rPr lang="fr-FR" sz="2800" i="1" smtClean="0">
+                              <a:latin typeface="Cambria Math" panose="02040503050406030204" pitchFamily="18" charset="0"/>
+                            </a:rPr>
+                            <m:t>𝒢</m:t>
+                          </m:r>
+                        </m:e>
+                        <m:sub>
+                          <m:r>
+                            <m:rPr>
+                              <m:sty m:val="p"/>
+                            </m:rPr>
+                            <a:rPr lang="fr-FR" sz="2800" b="0" i="0" smtClean="0">
+                              <a:latin typeface="Cambria Math" panose="02040503050406030204" pitchFamily="18" charset="0"/>
+                            </a:rPr>
+                            <m:t>n</m:t>
+                          </m:r>
+                          <m:r>
+                            <a:rPr lang="fr-FR" sz="2800" b="0" i="1" smtClean="0">
+                              <a:latin typeface="Cambria Math" panose="02040503050406030204" pitchFamily="18" charset="0"/>
+                            </a:rPr>
+                            <m:t>+1</m:t>
+                          </m:r>
+                        </m:sub>
+                      </m:sSub>
+                    </m:oMath>
+                  </m:oMathPara>
+                </a14:m>
+                <a:endParaRPr lang="fr-FR" sz="2800" dirty="0"/>
+              </a:p>
+            </p:txBody>
+          </p:sp>
+        </mc:Choice>
+        <mc:Fallback>
+          <p:sp>
+            <p:nvSpPr>
+              <p:cNvPr id="41" name="ZoneTexte 40">
+                <a:extLst>
+                  <a:ext uri="{FF2B5EF4-FFF2-40B4-BE49-F238E27FC236}">
+                    <a16:creationId xmlns:a16="http://schemas.microsoft.com/office/drawing/2014/main" id="{C80DEA8D-55F0-4F3B-8B2A-04A2B81E1A47}"/>
+                  </a:ext>
+                </a:extLst>
+              </p:cNvPr>
+              <p:cNvSpPr txBox="1">
+                <a:spLocks noRot="1" noChangeAspect="1" noMove="1" noResize="1" noEditPoints="1" noAdjustHandles="1" noChangeArrowheads="1" noChangeShapeType="1" noTextEdit="1"/>
+              </p:cNvSpPr>
+              <p:nvPr/>
+            </p:nvSpPr>
+            <p:spPr>
+              <a:xfrm>
+                <a:off x="3190093" y="2115381"/>
+                <a:ext cx="804579" cy="430887"/>
+              </a:xfrm>
+              <a:prstGeom prst="rect">
+                <a:avLst/>
+              </a:prstGeom>
+              <a:blipFill>
+                <a:blip r:embed="rId2"/>
+                <a:stretch>
+                  <a:fillRect/>
+                </a:stretch>
+              </a:blipFill>
+              <a:ln>
+                <a:noFill/>
+              </a:ln>
+            </p:spPr>
+            <p:txBody>
+              <a:bodyPr/>
+              <a:lstStyle/>
+              <a:p>
+                <a:r>
+                  <a:rPr lang="en-GB">
+                    <a:noFill/>
+                  </a:rPr>
+                  <a:t> </a:t>
+                </a:r>
+              </a:p>
+            </p:txBody>
+          </p:sp>
+        </mc:Fallback>
+      </mc:AlternateContent>
+      <mc:AlternateContent xmlns:mc="http://schemas.openxmlformats.org/markup-compatibility/2006">
+        <mc:Choice xmlns:a14="http://schemas.microsoft.com/office/drawing/2010/main" Requires="a14">
+          <p:sp>
+            <p:nvSpPr>
+              <p:cNvPr id="42" name="ZoneTexte 41">
+                <a:extLst>
+                  <a:ext uri="{FF2B5EF4-FFF2-40B4-BE49-F238E27FC236}">
+                    <a16:creationId xmlns:a16="http://schemas.microsoft.com/office/drawing/2014/main" id="{09444BD3-FF3B-4A39-8578-1A517544DF9C}"/>
+                  </a:ext>
+                </a:extLst>
+              </p:cNvPr>
+              <p:cNvSpPr txBox="1"/>
+              <p:nvPr/>
+            </p:nvSpPr>
+            <p:spPr>
+              <a:xfrm>
+                <a:off x="1751958" y="3834943"/>
+                <a:ext cx="1014252" cy="430887"/>
+              </a:xfrm>
+              <a:prstGeom prst="rect">
+                <a:avLst/>
+              </a:prstGeom>
+              <a:noFill/>
+              <a:ln>
+                <a:noFill/>
+              </a:ln>
+            </p:spPr>
+            <p:txBody>
+              <a:bodyPr wrap="none" lIns="0" tIns="0" rIns="0" bIns="0" rtlCol="0">
+                <a:spAutoFit/>
+              </a:bodyPr>
+              <a:lstStyle/>
+              <a:p>
+                <a:pPr/>
+                <a14:m>
+                  <m:oMathPara xmlns:m="http://schemas.openxmlformats.org/officeDocument/2006/math">
+                    <m:oMathParaPr>
+                      <m:jc m:val="centerGroup"/>
+                    </m:oMathParaPr>
+                    <m:oMath xmlns:m="http://schemas.openxmlformats.org/officeDocument/2006/math">
+                      <m:sSub>
+                        <m:sSubPr>
+                          <m:ctrlPr>
+                            <a:rPr lang="fr-FR" sz="2800" b="0" i="1" smtClean="0">
+                              <a:latin typeface="Cambria Math" panose="02040503050406030204" pitchFamily="18" charset="0"/>
+                            </a:rPr>
+                          </m:ctrlPr>
+                        </m:sSubPr>
+                        <m:e>
+                          <m:r>
+                            <a:rPr lang="fr-FR" sz="2800" b="0" i="1" smtClean="0">
+                              <a:latin typeface="Cambria Math" panose="02040503050406030204" pitchFamily="18" charset="0"/>
+                            </a:rPr>
+                            <m:t>𝜕</m:t>
+                          </m:r>
+                          <m:r>
+                            <a:rPr lang="fr-FR" sz="2800" b="0" i="1" smtClean="0">
+                              <a:latin typeface="Cambria Math" panose="02040503050406030204" pitchFamily="18" charset="0"/>
+                            </a:rPr>
+                            <m:t>𝒢</m:t>
+                          </m:r>
+                        </m:e>
+                        <m:sub>
+                          <m:r>
+                            <a:rPr lang="fr-FR" sz="2800" b="0" i="1" smtClean="0">
+                              <a:latin typeface="Cambria Math" panose="02040503050406030204" pitchFamily="18" charset="0"/>
+                            </a:rPr>
+                            <m:t>𝑛</m:t>
+                          </m:r>
+                          <m:r>
+                            <a:rPr lang="fr-FR" sz="2800" b="0" i="1" smtClean="0">
+                              <a:latin typeface="Cambria Math" panose="02040503050406030204" pitchFamily="18" charset="0"/>
+                            </a:rPr>
+                            <m:t>+1</m:t>
+                          </m:r>
+                        </m:sub>
+                      </m:sSub>
+                    </m:oMath>
+                  </m:oMathPara>
+                </a14:m>
+                <a:endParaRPr lang="fr-FR" sz="2800" dirty="0"/>
+              </a:p>
+            </p:txBody>
+          </p:sp>
+        </mc:Choice>
+        <mc:Fallback>
+          <p:sp>
+            <p:nvSpPr>
+              <p:cNvPr id="42" name="ZoneTexte 41">
+                <a:extLst>
+                  <a:ext uri="{FF2B5EF4-FFF2-40B4-BE49-F238E27FC236}">
+                    <a16:creationId xmlns:a16="http://schemas.microsoft.com/office/drawing/2014/main" id="{09444BD3-FF3B-4A39-8578-1A517544DF9C}"/>
+                  </a:ext>
+                </a:extLst>
+              </p:cNvPr>
+              <p:cNvSpPr txBox="1">
+                <a:spLocks noRot="1" noChangeAspect="1" noMove="1" noResize="1" noEditPoints="1" noAdjustHandles="1" noChangeArrowheads="1" noChangeShapeType="1" noTextEdit="1"/>
+              </p:cNvSpPr>
+              <p:nvPr/>
+            </p:nvSpPr>
+            <p:spPr>
+              <a:xfrm>
+                <a:off x="1751958" y="3834943"/>
+                <a:ext cx="1014252" cy="430887"/>
+              </a:xfrm>
+              <a:prstGeom prst="rect">
+                <a:avLst/>
+              </a:prstGeom>
+              <a:blipFill>
+                <a:blip r:embed="rId3"/>
+                <a:stretch>
+                  <a:fillRect/>
+                </a:stretch>
+              </a:blipFill>
+              <a:ln>
+                <a:noFill/>
+              </a:ln>
+            </p:spPr>
+            <p:txBody>
+              <a:bodyPr/>
+              <a:lstStyle/>
+              <a:p>
+                <a:r>
+                  <a:rPr lang="en-GB">
+                    <a:noFill/>
+                  </a:rPr>
+                  <a:t> </a:t>
+                </a:r>
+              </a:p>
+            </p:txBody>
+          </p:sp>
+        </mc:Fallback>
+      </mc:AlternateContent>
+      <p:cxnSp>
+        <p:nvCxnSpPr>
+          <p:cNvPr id="45" name="Connecteur droit 44">
+            <a:extLst>
+              <a:ext uri="{FF2B5EF4-FFF2-40B4-BE49-F238E27FC236}">
+                <a16:creationId xmlns:a16="http://schemas.microsoft.com/office/drawing/2014/main" id="{382F260F-B8D6-4347-8C3E-63BC13DB5D9E}"/>
+              </a:ext>
+            </a:extLst>
+          </p:cNvPr>
+          <p:cNvCxnSpPr>
+            <a:cxnSpLocks/>
+          </p:cNvCxnSpPr>
+          <p:nvPr/>
+        </p:nvCxnSpPr>
+        <p:spPr>
+          <a:xfrm rot="7200000" flipV="1">
+            <a:off x="3359613" y="2353300"/>
+            <a:ext cx="0" cy="939874"/>
+          </a:xfrm>
+          <a:prstGeom prst="line">
+            <a:avLst/>
+          </a:prstGeom>
+          <a:ln>
+            <a:solidFill>
+              <a:schemeClr val="tx1"/>
+            </a:solidFill>
+            <a:headEnd type="none" w="lg" len="lg"/>
+            <a:tailEnd type="triangle" w="lg" len="lg"/>
+          </a:ln>
+        </p:spPr>
+        <p:style>
+          <a:lnRef idx="1">
+            <a:schemeClr val="accent1"/>
+          </a:lnRef>
+          <a:fillRef idx="0">
+            <a:schemeClr val="accent1"/>
+          </a:fillRef>
+          <a:effectRef idx="0">
+            <a:schemeClr val="accent1"/>
+          </a:effectRef>
+          <a:fontRef idx="minor">
+            <a:schemeClr val="tx1"/>
+          </a:fontRef>
+        </p:style>
+      </p:cxnSp>
+      <p:cxnSp>
+        <p:nvCxnSpPr>
+          <p:cNvPr id="48" name="Connecteur droit 47">
+            <a:extLst>
+              <a:ext uri="{FF2B5EF4-FFF2-40B4-BE49-F238E27FC236}">
+                <a16:creationId xmlns:a16="http://schemas.microsoft.com/office/drawing/2014/main" id="{DC16EE6E-8FC7-4888-965A-1C933320D663}"/>
+              </a:ext>
+            </a:extLst>
+          </p:cNvPr>
+          <p:cNvCxnSpPr>
+            <a:cxnSpLocks/>
+          </p:cNvCxnSpPr>
+          <p:nvPr/>
+        </p:nvCxnSpPr>
+        <p:spPr>
+          <a:xfrm flipV="1">
+            <a:off x="2087563" y="1621631"/>
+            <a:ext cx="785812" cy="1460391"/>
+          </a:xfrm>
+          <a:prstGeom prst="line">
+            <a:avLst/>
+          </a:prstGeom>
+          <a:ln w="12700">
+            <a:solidFill>
+              <a:schemeClr val="tx1"/>
+            </a:solidFill>
+            <a:headEnd type="oval" w="lg" len="lg"/>
+            <a:tailEnd type="triangle" w="lg" len="lg"/>
+          </a:ln>
+        </p:spPr>
+        <p:style>
+          <a:lnRef idx="1">
+            <a:schemeClr val="accent1"/>
+          </a:lnRef>
+          <a:fillRef idx="0">
+            <a:schemeClr val="accent1"/>
+          </a:fillRef>
+          <a:effectRef idx="0">
+            <a:schemeClr val="accent1"/>
+          </a:effectRef>
+          <a:fontRef idx="minor">
+            <a:schemeClr val="tx1"/>
+          </a:fontRef>
+        </p:style>
+      </p:cxnSp>
+      <p:cxnSp>
+        <p:nvCxnSpPr>
+          <p:cNvPr id="68" name="Connecteur droit 67">
+            <a:extLst>
+              <a:ext uri="{FF2B5EF4-FFF2-40B4-BE49-F238E27FC236}">
+                <a16:creationId xmlns:a16="http://schemas.microsoft.com/office/drawing/2014/main" id="{95137731-FD73-4C63-A46B-91701366D94F}"/>
+              </a:ext>
+            </a:extLst>
+          </p:cNvPr>
+          <p:cNvCxnSpPr>
+            <a:cxnSpLocks/>
+          </p:cNvCxnSpPr>
+          <p:nvPr/>
+        </p:nvCxnSpPr>
+        <p:spPr>
+          <a:xfrm flipV="1">
+            <a:off x="2951956" y="543158"/>
+            <a:ext cx="0" cy="1"/>
+          </a:xfrm>
+          <a:prstGeom prst="line">
+            <a:avLst/>
+          </a:prstGeom>
+          <a:ln w="6350">
+            <a:solidFill>
+              <a:schemeClr val="tx1"/>
+            </a:solidFill>
+            <a:headEnd type="oval" w="lg" len="lg"/>
+            <a:tailEnd type="oval" w="sm" len="sm"/>
+          </a:ln>
+        </p:spPr>
+        <p:style>
+          <a:lnRef idx="1">
+            <a:schemeClr val="accent1"/>
+          </a:lnRef>
+          <a:fillRef idx="0">
+            <a:schemeClr val="accent1"/>
+          </a:fillRef>
+          <a:effectRef idx="0">
+            <a:schemeClr val="accent1"/>
+          </a:effectRef>
+          <a:fontRef idx="minor">
+            <a:schemeClr val="tx1"/>
+          </a:fontRef>
+        </p:style>
+      </p:cxnSp>
+      <p:cxnSp>
+        <p:nvCxnSpPr>
+          <p:cNvPr id="89" name="Connecteur droit 88">
+            <a:extLst>
+              <a:ext uri="{FF2B5EF4-FFF2-40B4-BE49-F238E27FC236}">
+                <a16:creationId xmlns:a16="http://schemas.microsoft.com/office/drawing/2014/main" id="{AC4CA023-24CA-48D5-A2E8-5CF010B1369E}"/>
+              </a:ext>
+            </a:extLst>
+          </p:cNvPr>
+          <p:cNvCxnSpPr>
+            <a:cxnSpLocks/>
+          </p:cNvCxnSpPr>
+          <p:nvPr/>
+        </p:nvCxnSpPr>
+        <p:spPr>
+          <a:xfrm flipV="1">
+            <a:off x="2951956" y="624365"/>
+            <a:ext cx="0" cy="866298"/>
+          </a:xfrm>
+          <a:prstGeom prst="line">
+            <a:avLst/>
+          </a:prstGeom>
+          <a:ln w="12700">
+            <a:solidFill>
+              <a:schemeClr val="tx1"/>
+            </a:solidFill>
+            <a:headEnd type="none" w="lg" len="lg"/>
+            <a:tailEnd type="triangle" w="lg" len="lg"/>
+          </a:ln>
+        </p:spPr>
+        <p:style>
+          <a:lnRef idx="1">
+            <a:schemeClr val="accent1"/>
+          </a:lnRef>
+          <a:fillRef idx="0">
+            <a:schemeClr val="accent1"/>
+          </a:fillRef>
+          <a:effectRef idx="0">
+            <a:schemeClr val="accent1"/>
+          </a:effectRef>
+          <a:fontRef idx="minor">
+            <a:schemeClr val="tx1"/>
+          </a:fontRef>
+        </p:style>
+      </p:cxnSp>
+      <p:cxnSp>
+        <p:nvCxnSpPr>
+          <p:cNvPr id="95" name="Connecteur droit 94">
+            <a:extLst>
+              <a:ext uri="{FF2B5EF4-FFF2-40B4-BE49-F238E27FC236}">
+                <a16:creationId xmlns:a16="http://schemas.microsoft.com/office/drawing/2014/main" id="{E196C5BF-B6D7-46CB-9256-637BF115F2A2}"/>
+              </a:ext>
+            </a:extLst>
+          </p:cNvPr>
+          <p:cNvCxnSpPr>
+            <a:cxnSpLocks/>
+          </p:cNvCxnSpPr>
+          <p:nvPr/>
+        </p:nvCxnSpPr>
+        <p:spPr>
+          <a:xfrm rot="7200000" flipV="1">
+            <a:off x="4233759" y="2842474"/>
+            <a:ext cx="0" cy="939874"/>
+          </a:xfrm>
+          <a:prstGeom prst="line">
+            <a:avLst/>
+          </a:prstGeom>
+          <a:ln w="12700">
+            <a:solidFill>
+              <a:schemeClr val="tx1"/>
+            </a:solidFill>
+            <a:headEnd type="none" w="lg" len="lg"/>
+            <a:tailEnd type="triangle" w="lg" len="lg"/>
+          </a:ln>
+        </p:spPr>
+        <p:style>
+          <a:lnRef idx="1">
+            <a:schemeClr val="accent1"/>
+          </a:lnRef>
+          <a:fillRef idx="0">
+            <a:schemeClr val="accent1"/>
+          </a:fillRef>
+          <a:effectRef idx="0">
+            <a:schemeClr val="accent1"/>
+          </a:effectRef>
+          <a:fontRef idx="minor">
+            <a:schemeClr val="tx1"/>
+          </a:fontRef>
+        </p:style>
+      </p:cxnSp>
+      <p:cxnSp>
+        <p:nvCxnSpPr>
+          <p:cNvPr id="99" name="Connecteur droit 98">
+            <a:extLst>
+              <a:ext uri="{FF2B5EF4-FFF2-40B4-BE49-F238E27FC236}">
+                <a16:creationId xmlns:a16="http://schemas.microsoft.com/office/drawing/2014/main" id="{C1FE824A-CF3F-4153-8FB3-FB2605F1B652}"/>
+              </a:ext>
+            </a:extLst>
+          </p:cNvPr>
+          <p:cNvCxnSpPr>
+            <a:cxnSpLocks/>
+          </p:cNvCxnSpPr>
+          <p:nvPr/>
+        </p:nvCxnSpPr>
+        <p:spPr>
+          <a:xfrm rot="14400000" flipV="1">
+            <a:off x="1680587" y="2854192"/>
+            <a:ext cx="0" cy="939874"/>
+          </a:xfrm>
+          <a:prstGeom prst="line">
+            <a:avLst/>
+          </a:prstGeom>
+          <a:ln w="12700">
+            <a:solidFill>
+              <a:schemeClr val="tx1"/>
+            </a:solidFill>
+            <a:headEnd type="none" w="lg" len="lg"/>
+            <a:tailEnd type="triangle" w="lg" len="lg"/>
+          </a:ln>
+        </p:spPr>
+        <p:style>
+          <a:lnRef idx="1">
+            <a:schemeClr val="accent1"/>
+          </a:lnRef>
+          <a:fillRef idx="0">
+            <a:schemeClr val="accent1"/>
+          </a:fillRef>
+          <a:effectRef idx="0">
+            <a:schemeClr val="accent1"/>
+          </a:effectRef>
+          <a:fontRef idx="minor">
+            <a:schemeClr val="tx1"/>
+          </a:fontRef>
+        </p:style>
+      </p:cxnSp>
+      <p:cxnSp>
+        <p:nvCxnSpPr>
+          <p:cNvPr id="100" name="Connecteur droit 99">
+            <a:extLst>
+              <a:ext uri="{FF2B5EF4-FFF2-40B4-BE49-F238E27FC236}">
+                <a16:creationId xmlns:a16="http://schemas.microsoft.com/office/drawing/2014/main" id="{23440B1E-B0C5-439D-B055-5A7C66AAE730}"/>
+              </a:ext>
+            </a:extLst>
+          </p:cNvPr>
+          <p:cNvCxnSpPr>
+            <a:cxnSpLocks/>
+          </p:cNvCxnSpPr>
+          <p:nvPr/>
+        </p:nvCxnSpPr>
+        <p:spPr>
+          <a:xfrm>
+            <a:off x="1213143" y="3593306"/>
+            <a:ext cx="7143" cy="26194"/>
+          </a:xfrm>
+          <a:prstGeom prst="line">
+            <a:avLst/>
+          </a:prstGeom>
+          <a:ln w="6350">
+            <a:solidFill>
+              <a:schemeClr val="tx1"/>
+            </a:solidFill>
+            <a:headEnd type="oval" w="lg" len="lg"/>
+            <a:tailEnd type="oval" w="sm" len="sm"/>
+          </a:ln>
+        </p:spPr>
+        <p:style>
+          <a:lnRef idx="1">
+            <a:schemeClr val="accent1"/>
+          </a:lnRef>
+          <a:fillRef idx="0">
+            <a:schemeClr val="accent1"/>
+          </a:fillRef>
+          <a:effectRef idx="0">
+            <a:schemeClr val="accent1"/>
+          </a:effectRef>
+          <a:fontRef idx="minor">
+            <a:schemeClr val="tx1"/>
+          </a:fontRef>
+        </p:style>
+      </p:cxnSp>
+      <p:sp>
+        <p:nvSpPr>
+          <p:cNvPr id="109" name="Forme libre : forme 108">
+            <a:extLst>
+              <a:ext uri="{FF2B5EF4-FFF2-40B4-BE49-F238E27FC236}">
+                <a16:creationId xmlns:a16="http://schemas.microsoft.com/office/drawing/2014/main" id="{38BF95D1-8ACF-4662-8EB3-979B8A6819D2}"/>
+              </a:ext>
+            </a:extLst>
+          </p:cNvPr>
+          <p:cNvSpPr/>
+          <p:nvPr/>
+        </p:nvSpPr>
+        <p:spPr>
+          <a:xfrm>
+            <a:off x="3043714" y="1605915"/>
+            <a:ext cx="1634966" cy="1906905"/>
+          </a:xfrm>
+          <a:custGeom>
+            <a:avLst/>
+            <a:gdLst>
+              <a:gd name="connsiteX0" fmla="*/ 0 w 1737360"/>
+              <a:gd name="connsiteY0" fmla="*/ 0 h 1935480"/>
+              <a:gd name="connsiteX1" fmla="*/ 1249680 w 1737360"/>
+              <a:gd name="connsiteY1" fmla="*/ 731520 h 1935480"/>
+              <a:gd name="connsiteX2" fmla="*/ 1737360 w 1737360"/>
+              <a:gd name="connsiteY2" fmla="*/ 1935480 h 1935480"/>
+              <a:gd name="connsiteX0" fmla="*/ 0 w 1737360"/>
+              <a:gd name="connsiteY0" fmla="*/ 0 h 1935480"/>
+              <a:gd name="connsiteX1" fmla="*/ 1112520 w 1737360"/>
+              <a:gd name="connsiteY1" fmla="*/ 678180 h 1935480"/>
+              <a:gd name="connsiteX2" fmla="*/ 1737360 w 1737360"/>
+              <a:gd name="connsiteY2" fmla="*/ 1935480 h 1935480"/>
+              <a:gd name="connsiteX0" fmla="*/ 0 w 1737360"/>
+              <a:gd name="connsiteY0" fmla="*/ 0 h 1935480"/>
+              <a:gd name="connsiteX1" fmla="*/ 1120140 w 1737360"/>
+              <a:gd name="connsiteY1" fmla="*/ 708660 h 1935480"/>
+              <a:gd name="connsiteX2" fmla="*/ 1737360 w 1737360"/>
+              <a:gd name="connsiteY2" fmla="*/ 1935480 h 1935480"/>
+              <a:gd name="connsiteX0" fmla="*/ 0 w 1627822"/>
+              <a:gd name="connsiteY0" fmla="*/ 0 h 1880711"/>
+              <a:gd name="connsiteX1" fmla="*/ 1010602 w 1627822"/>
+              <a:gd name="connsiteY1" fmla="*/ 653891 h 1880711"/>
+              <a:gd name="connsiteX2" fmla="*/ 1627822 w 1627822"/>
+              <a:gd name="connsiteY2" fmla="*/ 1880711 h 1880711"/>
+              <a:gd name="connsiteX0" fmla="*/ 0 w 1634966"/>
+              <a:gd name="connsiteY0" fmla="*/ 0 h 1906905"/>
+              <a:gd name="connsiteX1" fmla="*/ 1017746 w 1634966"/>
+              <a:gd name="connsiteY1" fmla="*/ 680085 h 1906905"/>
+              <a:gd name="connsiteX2" fmla="*/ 1634966 w 1634966"/>
+              <a:gd name="connsiteY2" fmla="*/ 1906905 h 1906905"/>
+            </a:gdLst>
+            <a:ahLst/>
+            <a:cxnLst>
+              <a:cxn ang="0">
+                <a:pos x="connsiteX0" y="connsiteY0"/>
+              </a:cxn>
+              <a:cxn ang="0">
+                <a:pos x="connsiteX1" y="connsiteY1"/>
+              </a:cxn>
+              <a:cxn ang="0">
+                <a:pos x="connsiteX2" y="connsiteY2"/>
+              </a:cxn>
+            </a:cxnLst>
+            <a:rect l="l" t="t" r="r" b="b"/>
+            <a:pathLst>
+              <a:path w="1634966" h="1906905">
+                <a:moveTo>
+                  <a:pt x="0" y="0"/>
+                </a:moveTo>
+                <a:cubicBezTo>
+                  <a:pt x="480060" y="204470"/>
+                  <a:pt x="728186" y="357505"/>
+                  <a:pt x="1017746" y="680085"/>
+                </a:cubicBezTo>
+                <a:cubicBezTo>
+                  <a:pt x="1307306" y="1002665"/>
+                  <a:pt x="1535906" y="1466215"/>
+                  <a:pt x="1634966" y="1906905"/>
+                </a:cubicBezTo>
+              </a:path>
+            </a:pathLst>
+          </a:custGeom>
+          <a:noFill/>
+          <a:ln w="12700">
+            <a:solidFill>
+              <a:schemeClr val="tx1"/>
+            </a:solidFill>
+            <a:tailEnd type="triangle" w="lg" len="lg"/>
+          </a:ln>
+        </p:spPr>
+        <p:style>
+          <a:lnRef idx="2">
+            <a:schemeClr val="accent1">
+              <a:shade val="50000"/>
+            </a:schemeClr>
+          </a:lnRef>
+          <a:fillRef idx="1">
+            <a:schemeClr val="accent1"/>
+          </a:fillRef>
+          <a:effectRef idx="0">
+            <a:schemeClr val="accent1"/>
+          </a:effectRef>
+          <a:fontRef idx="minor">
+            <a:schemeClr val="lt1"/>
+          </a:fontRef>
+        </p:style>
+        <p:txBody>
+          <a:bodyPr rtlCol="0" anchor="ctr"/>
+          <a:lstStyle/>
+          <a:p>
+            <a:pPr algn="ctr"/>
+            <a:endParaRPr lang="fr-FR"/>
+          </a:p>
+        </p:txBody>
+      </p:sp>
+      <p:sp>
+        <p:nvSpPr>
+          <p:cNvPr id="18" name="Triangle isocèle 17">
+            <a:extLst>
+              <a:ext uri="{FF2B5EF4-FFF2-40B4-BE49-F238E27FC236}">
+                <a16:creationId xmlns:a16="http://schemas.microsoft.com/office/drawing/2014/main" id="{DAE85F25-A940-494E-A4C7-426F1839A1EC}"/>
+              </a:ext>
+            </a:extLst>
+          </p:cNvPr>
+          <p:cNvSpPr/>
+          <p:nvPr/>
+        </p:nvSpPr>
+        <p:spPr>
+          <a:xfrm>
+            <a:off x="4633594" y="3518701"/>
+            <a:ext cx="146100" cy="125949"/>
+          </a:xfrm>
+          <a:prstGeom prst="triangle">
+            <a:avLst/>
+          </a:prstGeom>
+          <a:solidFill>
+            <a:schemeClr val="accent2"/>
+          </a:solidFill>
+          <a:ln>
+            <a:solidFill>
+              <a:schemeClr val="accent2"/>
+            </a:solidFill>
+          </a:ln>
+        </p:spPr>
+        <p:style>
+          <a:lnRef idx="2">
+            <a:schemeClr val="accent1">
+              <a:shade val="50000"/>
+            </a:schemeClr>
+          </a:lnRef>
+          <a:fillRef idx="1">
+            <a:schemeClr val="accent1"/>
+          </a:fillRef>
+          <a:effectRef idx="0">
+            <a:schemeClr val="accent1"/>
+          </a:effectRef>
+          <a:fontRef idx="minor">
+            <a:schemeClr val="lt1"/>
+          </a:fontRef>
+        </p:style>
+        <p:txBody>
+          <a:bodyPr rtlCol="0" anchor="ctr"/>
+          <a:lstStyle/>
+          <a:p>
+            <a:pPr algn="ctr"/>
+            <a:endParaRPr lang="fr-FR"/>
+          </a:p>
+        </p:txBody>
+      </p:sp>
+      <p:sp>
+        <p:nvSpPr>
+          <p:cNvPr id="19" name="Rectangle 18">
+            <a:extLst>
+              <a:ext uri="{FF2B5EF4-FFF2-40B4-BE49-F238E27FC236}">
+                <a16:creationId xmlns:a16="http://schemas.microsoft.com/office/drawing/2014/main" id="{909921D6-7A76-4076-8178-B4E319DA7530}"/>
+              </a:ext>
+            </a:extLst>
+          </p:cNvPr>
+          <p:cNvSpPr/>
+          <p:nvPr/>
+        </p:nvSpPr>
+        <p:spPr>
+          <a:xfrm flipH="1">
+            <a:off x="2890766" y="1508484"/>
+            <a:ext cx="124614" cy="124614"/>
+          </a:xfrm>
+          <a:prstGeom prst="rect">
+            <a:avLst/>
+          </a:prstGeom>
+          <a:solidFill>
+            <a:schemeClr val="accent1"/>
+          </a:solidFill>
+          <a:ln>
+            <a:solidFill>
+              <a:schemeClr val="accent1"/>
+            </a:solidFill>
+          </a:ln>
+        </p:spPr>
+        <p:style>
+          <a:lnRef idx="2">
+            <a:schemeClr val="accent1">
+              <a:shade val="50000"/>
+            </a:schemeClr>
+          </a:lnRef>
+          <a:fillRef idx="1">
+            <a:schemeClr val="accent1"/>
+          </a:fillRef>
+          <a:effectRef idx="0">
+            <a:schemeClr val="accent1"/>
+          </a:effectRef>
+          <a:fontRef idx="minor">
+            <a:schemeClr val="lt1"/>
+          </a:fontRef>
+        </p:style>
+        <p:txBody>
+          <a:bodyPr rtlCol="0" anchor="ctr"/>
+          <a:lstStyle/>
+          <a:p>
+            <a:pPr algn="ctr"/>
+            <a:endParaRPr lang="fr-FR"/>
+          </a:p>
+        </p:txBody>
+      </p:sp>
+      <mc:AlternateContent xmlns:mc="http://schemas.openxmlformats.org/markup-compatibility/2006" xmlns:a14="http://schemas.microsoft.com/office/drawing/2010/main">
+        <mc:Choice Requires="a14">
+          <p:sp>
+            <p:nvSpPr>
+              <p:cNvPr id="2" name="ZoneTexte 1">
+                <a:extLst>
+                  <a:ext uri="{FF2B5EF4-FFF2-40B4-BE49-F238E27FC236}">
+                    <a16:creationId xmlns:a16="http://schemas.microsoft.com/office/drawing/2014/main" id="{4DE3BE4A-1B33-4A17-B2F7-0DC3E00F2154}"/>
+                  </a:ext>
+                </a:extLst>
+              </p:cNvPr>
+              <p:cNvSpPr txBox="1"/>
+              <p:nvPr/>
+            </p:nvSpPr>
+            <p:spPr>
+              <a:xfrm>
+                <a:off x="3297907" y="2006299"/>
+                <a:ext cx="155492" cy="276999"/>
+              </a:xfrm>
+              <a:prstGeom prst="rect">
+                <a:avLst/>
+              </a:prstGeom>
+              <a:noFill/>
+              <a:ln>
+                <a:noFill/>
+              </a:ln>
+            </p:spPr>
+            <p:txBody>
+              <a:bodyPr wrap="none" lIns="0" tIns="0" rIns="0" bIns="0" rtlCol="0">
+                <a:spAutoFit/>
+              </a:bodyPr>
+              <a:lstStyle/>
+              <a:p>
+                <a:pPr/>
+                <a14:m>
+                  <m:oMathPara xmlns:m="http://schemas.openxmlformats.org/officeDocument/2006/math">
+                    <m:oMathParaPr>
+                      <m:jc m:val="centerGroup"/>
+                    </m:oMathParaPr>
+                    <m:oMath xmlns:m="http://schemas.openxmlformats.org/officeDocument/2006/math">
+                      <m:r>
+                        <a:rPr lang="fr-FR" b="0" i="1" smtClean="0">
+                          <a:latin typeface="Cambria Math" panose="02040503050406030204" pitchFamily="18" charset="0"/>
+                        </a:rPr>
+                        <m:t>∘</m:t>
+                      </m:r>
+                    </m:oMath>
+                  </m:oMathPara>
+                </a14:m>
+                <a:endParaRPr lang="fr-FR" sz="2800" dirty="0"/>
+              </a:p>
+            </p:txBody>
+          </p:sp>
+        </mc:Choice>
+        <mc:Fallback xmlns="">
+          <p:sp>
+            <p:nvSpPr>
+              <p:cNvPr id="2" name="ZoneTexte 1">
+                <a:extLst>
+                  <a:ext uri="{FF2B5EF4-FFF2-40B4-BE49-F238E27FC236}">
+                    <a16:creationId xmlns:a16="http://schemas.microsoft.com/office/drawing/2014/main" id="{4DE3BE4A-1B33-4A17-B2F7-0DC3E00F2154}"/>
+                  </a:ext>
+                </a:extLst>
+              </p:cNvPr>
+              <p:cNvSpPr txBox="1">
+                <a:spLocks noRot="1" noChangeAspect="1" noMove="1" noResize="1" noEditPoints="1" noAdjustHandles="1" noChangeArrowheads="1" noChangeShapeType="1" noTextEdit="1"/>
+              </p:cNvSpPr>
+              <p:nvPr/>
+            </p:nvSpPr>
+            <p:spPr>
+              <a:xfrm>
+                <a:off x="3297907" y="2006299"/>
+                <a:ext cx="155492" cy="276999"/>
+              </a:xfrm>
+              <a:prstGeom prst="rect">
+                <a:avLst/>
+              </a:prstGeom>
+              <a:blipFill>
+                <a:blip r:embed="rId4"/>
+                <a:stretch>
+                  <a:fillRect l="-19231" r="-15385"/>
+                </a:stretch>
+              </a:blipFill>
+              <a:ln>
+                <a:noFill/>
+              </a:ln>
+            </p:spPr>
+            <p:txBody>
+              <a:bodyPr/>
+              <a:lstStyle/>
+              <a:p>
+                <a:r>
+                  <a:rPr lang="fr-FR">
+                    <a:noFill/>
+                  </a:rPr>
+                  <a:t> </a:t>
+                </a:r>
+              </a:p>
+            </p:txBody>
+          </p:sp>
+        </mc:Fallback>
+      </mc:AlternateContent>
+      <p:sp>
+        <p:nvSpPr>
+          <p:cNvPr id="3" name="Forme libre : forme 2">
+            <a:extLst>
+              <a:ext uri="{FF2B5EF4-FFF2-40B4-BE49-F238E27FC236}">
+                <a16:creationId xmlns:a16="http://schemas.microsoft.com/office/drawing/2014/main" id="{CBEC6036-67A8-4135-BE5F-BBC5511C2324}"/>
+              </a:ext>
+            </a:extLst>
+          </p:cNvPr>
+          <p:cNvSpPr/>
+          <p:nvPr/>
+        </p:nvSpPr>
+        <p:spPr>
+          <a:xfrm>
+            <a:off x="1365813" y="2615877"/>
+            <a:ext cx="2589414" cy="978061"/>
+          </a:xfrm>
+          <a:custGeom>
+            <a:avLst/>
+            <a:gdLst>
+              <a:gd name="connsiteX0" fmla="*/ 1603093 w 2589454"/>
+              <a:gd name="connsiteY0" fmla="*/ 0 h 914400"/>
+              <a:gd name="connsiteX1" fmla="*/ 2193402 w 2589454"/>
+              <a:gd name="connsiteY1" fmla="*/ 150471 h 914400"/>
+              <a:gd name="connsiteX2" fmla="*/ 2586941 w 2589454"/>
+              <a:gd name="connsiteY2" fmla="*/ 480350 h 914400"/>
+              <a:gd name="connsiteX3" fmla="*/ 2008207 w 2589454"/>
+              <a:gd name="connsiteY3" fmla="*/ 364603 h 914400"/>
+              <a:gd name="connsiteX4" fmla="*/ 1163255 w 2589454"/>
+              <a:gd name="connsiteY4" fmla="*/ 480350 h 914400"/>
+              <a:gd name="connsiteX5" fmla="*/ 671331 w 2589454"/>
+              <a:gd name="connsiteY5" fmla="*/ 300942 h 914400"/>
+              <a:gd name="connsiteX6" fmla="*/ 399326 w 2589454"/>
+              <a:gd name="connsiteY6" fmla="*/ 688694 h 914400"/>
+              <a:gd name="connsiteX7" fmla="*/ 0 w 2589454"/>
+              <a:gd name="connsiteY7" fmla="*/ 914400 h 914400"/>
+              <a:gd name="connsiteX0" fmla="*/ 1632030 w 2589414"/>
+              <a:gd name="connsiteY0" fmla="*/ 0 h 978061"/>
+              <a:gd name="connsiteX1" fmla="*/ 2193402 w 2589414"/>
+              <a:gd name="connsiteY1" fmla="*/ 214132 h 978061"/>
+              <a:gd name="connsiteX2" fmla="*/ 2586941 w 2589414"/>
+              <a:gd name="connsiteY2" fmla="*/ 544011 h 978061"/>
+              <a:gd name="connsiteX3" fmla="*/ 2008207 w 2589414"/>
+              <a:gd name="connsiteY3" fmla="*/ 428264 h 978061"/>
+              <a:gd name="connsiteX4" fmla="*/ 1163255 w 2589414"/>
+              <a:gd name="connsiteY4" fmla="*/ 544011 h 978061"/>
+              <a:gd name="connsiteX5" fmla="*/ 671331 w 2589414"/>
+              <a:gd name="connsiteY5" fmla="*/ 364603 h 978061"/>
+              <a:gd name="connsiteX6" fmla="*/ 399326 w 2589414"/>
+              <a:gd name="connsiteY6" fmla="*/ 752355 h 978061"/>
+              <a:gd name="connsiteX7" fmla="*/ 0 w 2589414"/>
+              <a:gd name="connsiteY7" fmla="*/ 978061 h 978061"/>
+            </a:gdLst>
+            <a:ahLst/>
+            <a:cxnLst>
+              <a:cxn ang="0">
+                <a:pos x="connsiteX0" y="connsiteY0"/>
+              </a:cxn>
+              <a:cxn ang="0">
+                <a:pos x="connsiteX1" y="connsiteY1"/>
+              </a:cxn>
+              <a:cxn ang="0">
+                <a:pos x="connsiteX2" y="connsiteY2"/>
+              </a:cxn>
+              <a:cxn ang="0">
+                <a:pos x="connsiteX3" y="connsiteY3"/>
+              </a:cxn>
+              <a:cxn ang="0">
+                <a:pos x="connsiteX4" y="connsiteY4"/>
+              </a:cxn>
+              <a:cxn ang="0">
+                <a:pos x="connsiteX5" y="connsiteY5"/>
+              </a:cxn>
+              <a:cxn ang="0">
+                <a:pos x="connsiteX6" y="connsiteY6"/>
+              </a:cxn>
+              <a:cxn ang="0">
+                <a:pos x="connsiteX7" y="connsiteY7"/>
+              </a:cxn>
+            </a:cxnLst>
+            <a:rect l="l" t="t" r="r" b="b"/>
+            <a:pathLst>
+              <a:path w="2589414" h="978061">
+                <a:moveTo>
+                  <a:pt x="1632030" y="0"/>
+                </a:moveTo>
+                <a:cubicBezTo>
+                  <a:pt x="1845197" y="35206"/>
+                  <a:pt x="2034250" y="123464"/>
+                  <a:pt x="2193402" y="214132"/>
+                </a:cubicBezTo>
+                <a:cubicBezTo>
+                  <a:pt x="2352554" y="304800"/>
+                  <a:pt x="2617807" y="508322"/>
+                  <a:pt x="2586941" y="544011"/>
+                </a:cubicBezTo>
+                <a:cubicBezTo>
+                  <a:pt x="2556075" y="579700"/>
+                  <a:pt x="2245488" y="428264"/>
+                  <a:pt x="2008207" y="428264"/>
+                </a:cubicBezTo>
+                <a:cubicBezTo>
+                  <a:pt x="1770926" y="428264"/>
+                  <a:pt x="1386068" y="554621"/>
+                  <a:pt x="1163255" y="544011"/>
+                </a:cubicBezTo>
+                <a:cubicBezTo>
+                  <a:pt x="940442" y="533401"/>
+                  <a:pt x="798653" y="329879"/>
+                  <a:pt x="671331" y="364603"/>
+                </a:cubicBezTo>
+                <a:cubicBezTo>
+                  <a:pt x="544009" y="399327"/>
+                  <a:pt x="511214" y="650112"/>
+                  <a:pt x="399326" y="752355"/>
+                </a:cubicBezTo>
+                <a:cubicBezTo>
+                  <a:pt x="287438" y="854598"/>
+                  <a:pt x="143719" y="916329"/>
+                  <a:pt x="0" y="978061"/>
+                </a:cubicBezTo>
+              </a:path>
+            </a:pathLst>
+          </a:custGeom>
+          <a:noFill/>
+          <a:ln w="28575">
+            <a:solidFill>
+              <a:srgbClr val="FF0000"/>
+            </a:solidFill>
+            <a:headEnd type="none" w="med" len="med"/>
+            <a:tailEnd type="arrow" w="med" len="med"/>
+          </a:ln>
+        </p:spPr>
+        <p:style>
+          <a:lnRef idx="2">
+            <a:schemeClr val="accent1">
+              <a:shade val="50000"/>
+            </a:schemeClr>
+          </a:lnRef>
+          <a:fillRef idx="1">
+            <a:schemeClr val="accent1"/>
+          </a:fillRef>
+          <a:effectRef idx="0">
+            <a:schemeClr val="accent1"/>
+          </a:effectRef>
+          <a:fontRef idx="minor">
+            <a:schemeClr val="lt1"/>
+          </a:fontRef>
+        </p:style>
+        <p:txBody>
+          <a:bodyPr rtlCol="0" anchor="ctr"/>
+          <a:lstStyle/>
+          <a:p>
+            <a:pPr algn="ctr"/>
+            <a:endParaRPr lang="en-GB"/>
+          </a:p>
+        </p:txBody>
+      </p:sp>
+      <p:cxnSp>
+        <p:nvCxnSpPr>
+          <p:cNvPr id="20" name="Connecteur droit 19">
+            <a:extLst>
+              <a:ext uri="{FF2B5EF4-FFF2-40B4-BE49-F238E27FC236}">
+                <a16:creationId xmlns:a16="http://schemas.microsoft.com/office/drawing/2014/main" id="{A9708CE6-6F69-4C13-ACBE-9CC1788F70BE}"/>
+              </a:ext>
+            </a:extLst>
+          </p:cNvPr>
+          <p:cNvCxnSpPr>
+            <a:cxnSpLocks/>
+          </p:cNvCxnSpPr>
+          <p:nvPr/>
+        </p:nvCxnSpPr>
+        <p:spPr>
+          <a:xfrm flipH="1" flipV="1">
+            <a:off x="522640" y="3512820"/>
+            <a:ext cx="697646" cy="67631"/>
+          </a:xfrm>
+          <a:prstGeom prst="line">
+            <a:avLst/>
+          </a:prstGeom>
+          <a:ln w="12700">
+            <a:solidFill>
+              <a:schemeClr val="tx1"/>
+            </a:solidFill>
+            <a:headEnd type="none" w="lg" len="lg"/>
+            <a:tailEnd type="triangle" w="lg" len="lg"/>
+          </a:ln>
+        </p:spPr>
+        <p:style>
+          <a:lnRef idx="1">
+            <a:schemeClr val="accent1"/>
+          </a:lnRef>
+          <a:fillRef idx="0">
+            <a:schemeClr val="accent1"/>
+          </a:fillRef>
+          <a:effectRef idx="0">
+            <a:schemeClr val="accent1"/>
+          </a:effectRef>
+          <a:fontRef idx="minor">
+            <a:schemeClr val="tx1"/>
+          </a:fontRef>
+        </p:style>
+      </p:cxnSp>
+      <p:cxnSp>
+        <p:nvCxnSpPr>
+          <p:cNvPr id="22" name="Connecteur droit 21">
+            <a:extLst>
+              <a:ext uri="{FF2B5EF4-FFF2-40B4-BE49-F238E27FC236}">
+                <a16:creationId xmlns:a16="http://schemas.microsoft.com/office/drawing/2014/main" id="{87F8544D-68B1-4C16-AFCC-3783A3C9BDDA}"/>
+              </a:ext>
+            </a:extLst>
+          </p:cNvPr>
+          <p:cNvCxnSpPr>
+            <a:cxnSpLocks/>
+          </p:cNvCxnSpPr>
+          <p:nvPr/>
+        </p:nvCxnSpPr>
+        <p:spPr>
+          <a:xfrm flipH="1">
+            <a:off x="718305" y="3644650"/>
+            <a:ext cx="469088" cy="371922"/>
+          </a:xfrm>
+          <a:prstGeom prst="line">
+            <a:avLst/>
+          </a:prstGeom>
+          <a:ln w="12700">
+            <a:solidFill>
+              <a:schemeClr val="tx1"/>
+            </a:solidFill>
+            <a:headEnd type="none" w="lg" len="lg"/>
+            <a:tailEnd type="triangle" w="lg" len="lg"/>
+          </a:ln>
+        </p:spPr>
+        <p:style>
+          <a:lnRef idx="1">
+            <a:schemeClr val="accent1"/>
+          </a:lnRef>
+          <a:fillRef idx="0">
+            <a:schemeClr val="accent1"/>
+          </a:fillRef>
+          <a:effectRef idx="0">
+            <a:schemeClr val="accent1"/>
+          </a:effectRef>
+          <a:fontRef idx="minor">
+            <a:schemeClr val="tx1"/>
+          </a:fontRef>
+        </p:style>
+      </p:cxnSp>
+      <p:cxnSp>
+        <p:nvCxnSpPr>
+          <p:cNvPr id="24" name="Connecteur droit 23">
+            <a:extLst>
+              <a:ext uri="{FF2B5EF4-FFF2-40B4-BE49-F238E27FC236}">
+                <a16:creationId xmlns:a16="http://schemas.microsoft.com/office/drawing/2014/main" id="{3EF3512F-1BB0-4748-9222-21C808274C0D}"/>
+              </a:ext>
+            </a:extLst>
+          </p:cNvPr>
+          <p:cNvCxnSpPr>
+            <a:cxnSpLocks/>
+          </p:cNvCxnSpPr>
+          <p:nvPr/>
+        </p:nvCxnSpPr>
+        <p:spPr>
+          <a:xfrm flipH="1">
+            <a:off x="486177" y="3512820"/>
+            <a:ext cx="3758" cy="0"/>
+          </a:xfrm>
+          <a:prstGeom prst="line">
+            <a:avLst/>
+          </a:prstGeom>
+          <a:ln w="6350">
+            <a:solidFill>
+              <a:schemeClr val="tx1"/>
+            </a:solidFill>
+            <a:headEnd type="oval" w="lg" len="lg"/>
+            <a:tailEnd type="oval" w="sm" len="sm"/>
+          </a:ln>
+        </p:spPr>
+        <p:style>
+          <a:lnRef idx="1">
+            <a:schemeClr val="accent1"/>
+          </a:lnRef>
+          <a:fillRef idx="0">
+            <a:schemeClr val="accent1"/>
+          </a:fillRef>
+          <a:effectRef idx="0">
+            <a:schemeClr val="accent1"/>
+          </a:effectRef>
+          <a:fontRef idx="minor">
+            <a:schemeClr val="tx1"/>
+          </a:fontRef>
+        </p:style>
+      </p:cxnSp>
+      <p:cxnSp>
+        <p:nvCxnSpPr>
+          <p:cNvPr id="27" name="Connecteur droit 26">
+            <a:extLst>
+              <a:ext uri="{FF2B5EF4-FFF2-40B4-BE49-F238E27FC236}">
+                <a16:creationId xmlns:a16="http://schemas.microsoft.com/office/drawing/2014/main" id="{57AD91D1-6594-47C3-8B86-F969637DF657}"/>
+              </a:ext>
+            </a:extLst>
+          </p:cNvPr>
+          <p:cNvCxnSpPr>
+            <a:cxnSpLocks/>
+          </p:cNvCxnSpPr>
+          <p:nvPr/>
+        </p:nvCxnSpPr>
+        <p:spPr>
+          <a:xfrm flipV="1">
+            <a:off x="677119" y="4016572"/>
+            <a:ext cx="41186" cy="33815"/>
+          </a:xfrm>
+          <a:prstGeom prst="line">
+            <a:avLst/>
+          </a:prstGeom>
+          <a:ln w="6350">
+            <a:solidFill>
+              <a:schemeClr val="tx1"/>
+            </a:solidFill>
+            <a:headEnd type="oval" w="lg" len="lg"/>
+            <a:tailEnd type="oval" w="sm" len="sm"/>
+          </a:ln>
+        </p:spPr>
+        <p:style>
+          <a:lnRef idx="1">
+            <a:schemeClr val="accent1"/>
+          </a:lnRef>
+          <a:fillRef idx="0">
+            <a:schemeClr val="accent1"/>
+          </a:fillRef>
+          <a:effectRef idx="0">
+            <a:schemeClr val="accent1"/>
+          </a:effectRef>
+          <a:fontRef idx="minor">
+            <a:schemeClr val="tx1"/>
+          </a:fontRef>
+        </p:style>
+      </p:cxnSp>
+    </p:spTree>
+    <p:extLst>
+      <p:ext uri="{BB962C8B-B14F-4D97-AF65-F5344CB8AC3E}">
+        <p14:creationId xmlns:p14="http://schemas.microsoft.com/office/powerpoint/2010/main" val="597693770"/>
+      </p:ext>
+    </p:extLst>
+  </p:cSld>
+  <p:clrMapOvr>
+    <a:masterClrMapping/>
+  </p:clrMapOvr>
+</p:sld>
+</file>
+
+<file path=ppt/slides/slide4.xml><?xml version="1.0" encoding="utf-8"?>
+<p:sld xmlns:a="http://schemas.openxmlformats.org/drawingml/2006/main" xmlns:r="http://schemas.openxmlformats.org/officeDocument/2006/relationships" xmlns:p="http://schemas.openxmlformats.org/presentationml/2006/main">
+  <p:cSld>
+    <p:spTree>
+      <p:nvGrpSpPr>
+        <p:cNvPr id="1" name=""/>
+        <p:cNvGrpSpPr/>
+        <p:nvPr/>
+      </p:nvGrpSpPr>
+      <p:grpSpPr>
+        <a:xfrm>
+          <a:off x="0" y="0"/>
+          <a:ext cx="0" cy="0"/>
+          <a:chOff x="0" y="0"/>
+          <a:chExt cx="0" cy="0"/>
+        </a:xfrm>
+      </p:grpSpPr>
+      <p:cxnSp>
+        <p:nvCxnSpPr>
+          <p:cNvPr id="13" name="Connecteur droit 12">
+            <a:extLst>
+              <a:ext uri="{FF2B5EF4-FFF2-40B4-BE49-F238E27FC236}">
+                <a16:creationId xmlns:a16="http://schemas.microsoft.com/office/drawing/2014/main" id="{72AD44D8-127E-4921-99FE-5D89133262C8}"/>
+              </a:ext>
+            </a:extLst>
+          </p:cNvPr>
+          <p:cNvCxnSpPr>
+            <a:cxnSpLocks/>
+          </p:cNvCxnSpPr>
+          <p:nvPr/>
+        </p:nvCxnSpPr>
+        <p:spPr>
+          <a:xfrm flipV="1">
+            <a:off x="2952638" y="1645444"/>
+            <a:ext cx="0" cy="939874"/>
+          </a:xfrm>
+          <a:prstGeom prst="line">
+            <a:avLst/>
+          </a:prstGeom>
+          <a:ln w="12700">
+            <a:solidFill>
+              <a:schemeClr val="tx1"/>
+            </a:solidFill>
+            <a:headEnd type="oval" w="lg" len="lg"/>
+            <a:tailEnd type="triangle" w="lg" len="lg"/>
+          </a:ln>
+        </p:spPr>
+        <p:style>
+          <a:lnRef idx="1">
+            <a:schemeClr val="accent1"/>
+          </a:lnRef>
+          <a:fillRef idx="0">
+            <a:schemeClr val="accent1"/>
+          </a:fillRef>
+          <a:effectRef idx="0">
+            <a:schemeClr val="accent1"/>
+          </a:effectRef>
+          <a:fontRef idx="minor">
+            <a:schemeClr val="tx1"/>
+          </a:fontRef>
+        </p:style>
+      </p:cxnSp>
+      <p:cxnSp>
+        <p:nvCxnSpPr>
+          <p:cNvPr id="28" name="Connecteur droit 27">
+            <a:extLst>
+              <a:ext uri="{FF2B5EF4-FFF2-40B4-BE49-F238E27FC236}">
+                <a16:creationId xmlns:a16="http://schemas.microsoft.com/office/drawing/2014/main" id="{E015D396-DB2B-493E-8246-97B883EF32C7}"/>
+              </a:ext>
+            </a:extLst>
+          </p:cNvPr>
+          <p:cNvCxnSpPr>
+            <a:cxnSpLocks/>
+          </p:cNvCxnSpPr>
+          <p:nvPr/>
+        </p:nvCxnSpPr>
+        <p:spPr>
+          <a:xfrm>
+            <a:off x="2138685" y="3082022"/>
+            <a:ext cx="1688097" cy="0"/>
+          </a:xfrm>
+          <a:prstGeom prst="line">
+            <a:avLst/>
+          </a:prstGeom>
+          <a:ln w="12700">
+            <a:solidFill>
+              <a:schemeClr val="tx1"/>
+            </a:solidFill>
+            <a:headEnd type="triangle" w="lg" len="lg"/>
+            <a:tailEnd type="oval" w="lg" len="lg"/>
+          </a:ln>
+        </p:spPr>
+        <p:style>
+          <a:lnRef idx="1">
+            <a:schemeClr val="accent1"/>
+          </a:lnRef>
+          <a:fillRef idx="0">
+            <a:schemeClr val="accent1"/>
+          </a:fillRef>
+          <a:effectRef idx="0">
+            <a:schemeClr val="accent1"/>
+          </a:effectRef>
+          <a:fontRef idx="minor">
+            <a:schemeClr val="tx1"/>
+          </a:fontRef>
+        </p:style>
+      </p:cxnSp>
+      <p:cxnSp>
+        <p:nvCxnSpPr>
+          <p:cNvPr id="45" name="Connecteur droit 44">
+            <a:extLst>
+              <a:ext uri="{FF2B5EF4-FFF2-40B4-BE49-F238E27FC236}">
+                <a16:creationId xmlns:a16="http://schemas.microsoft.com/office/drawing/2014/main" id="{382F260F-B8D6-4347-8C3E-63BC13DB5D9E}"/>
+              </a:ext>
+            </a:extLst>
+          </p:cNvPr>
+          <p:cNvCxnSpPr>
+            <a:cxnSpLocks/>
+          </p:cNvCxnSpPr>
+          <p:nvPr/>
+        </p:nvCxnSpPr>
+        <p:spPr>
+          <a:xfrm rot="7200000" flipV="1">
+            <a:off x="3359613" y="2353300"/>
+            <a:ext cx="0" cy="939874"/>
+          </a:xfrm>
+          <a:prstGeom prst="line">
+            <a:avLst/>
+          </a:prstGeom>
+          <a:ln>
+            <a:solidFill>
+              <a:schemeClr val="tx1"/>
+            </a:solidFill>
+            <a:headEnd type="none" w="lg" len="lg"/>
+            <a:tailEnd type="triangle" w="lg" len="lg"/>
+          </a:ln>
+        </p:spPr>
+        <p:style>
+          <a:lnRef idx="1">
+            <a:schemeClr val="accent1"/>
+          </a:lnRef>
+          <a:fillRef idx="0">
+            <a:schemeClr val="accent1"/>
+          </a:fillRef>
+          <a:effectRef idx="0">
+            <a:schemeClr val="accent1"/>
+          </a:effectRef>
+          <a:fontRef idx="minor">
+            <a:schemeClr val="tx1"/>
+          </a:fontRef>
+        </p:style>
+      </p:cxnSp>
+      <p:cxnSp>
+        <p:nvCxnSpPr>
+          <p:cNvPr id="48" name="Connecteur droit 47">
+            <a:extLst>
+              <a:ext uri="{FF2B5EF4-FFF2-40B4-BE49-F238E27FC236}">
+                <a16:creationId xmlns:a16="http://schemas.microsoft.com/office/drawing/2014/main" id="{DC16EE6E-8FC7-4888-965A-1C933320D663}"/>
+              </a:ext>
+            </a:extLst>
+          </p:cNvPr>
+          <p:cNvCxnSpPr>
+            <a:cxnSpLocks/>
+          </p:cNvCxnSpPr>
+          <p:nvPr/>
+        </p:nvCxnSpPr>
+        <p:spPr>
+          <a:xfrm flipV="1">
+            <a:off x="2087563" y="1621631"/>
+            <a:ext cx="785812" cy="1460391"/>
+          </a:xfrm>
+          <a:prstGeom prst="line">
+            <a:avLst/>
+          </a:prstGeom>
+          <a:ln w="12700">
+            <a:solidFill>
+              <a:schemeClr val="tx1"/>
+            </a:solidFill>
+            <a:headEnd type="oval" w="lg" len="lg"/>
+            <a:tailEnd type="triangle" w="lg" len="lg"/>
+          </a:ln>
+        </p:spPr>
+        <p:style>
+          <a:lnRef idx="1">
+            <a:schemeClr val="accent1"/>
+          </a:lnRef>
+          <a:fillRef idx="0">
+            <a:schemeClr val="accent1"/>
+          </a:fillRef>
+          <a:effectRef idx="0">
+            <a:schemeClr val="accent1"/>
+          </a:effectRef>
+          <a:fontRef idx="minor">
+            <a:schemeClr val="tx1"/>
+          </a:fontRef>
+        </p:style>
+      </p:cxnSp>
+      <p:cxnSp>
+        <p:nvCxnSpPr>
+          <p:cNvPr id="68" name="Connecteur droit 67">
+            <a:extLst>
+              <a:ext uri="{FF2B5EF4-FFF2-40B4-BE49-F238E27FC236}">
+                <a16:creationId xmlns:a16="http://schemas.microsoft.com/office/drawing/2014/main" id="{95137731-FD73-4C63-A46B-91701366D94F}"/>
+              </a:ext>
+            </a:extLst>
+          </p:cNvPr>
+          <p:cNvCxnSpPr>
+            <a:cxnSpLocks/>
+          </p:cNvCxnSpPr>
+          <p:nvPr/>
+        </p:nvCxnSpPr>
+        <p:spPr>
+          <a:xfrm flipV="1">
+            <a:off x="2951956" y="543158"/>
+            <a:ext cx="0" cy="1"/>
+          </a:xfrm>
+          <a:prstGeom prst="line">
+            <a:avLst/>
+          </a:prstGeom>
+          <a:ln w="6350">
+            <a:solidFill>
+              <a:schemeClr val="tx1"/>
+            </a:solidFill>
+            <a:headEnd type="oval" w="lg" len="lg"/>
+            <a:tailEnd type="oval" w="sm" len="sm"/>
+          </a:ln>
+        </p:spPr>
+        <p:style>
+          <a:lnRef idx="1">
+            <a:schemeClr val="accent1"/>
+          </a:lnRef>
+          <a:fillRef idx="0">
+            <a:schemeClr val="accent1"/>
+          </a:fillRef>
+          <a:effectRef idx="0">
+            <a:schemeClr val="accent1"/>
+          </a:effectRef>
+          <a:fontRef idx="minor">
+            <a:schemeClr val="tx1"/>
+          </a:fontRef>
+        </p:style>
+      </p:cxnSp>
+      <p:cxnSp>
+        <p:nvCxnSpPr>
+          <p:cNvPr id="89" name="Connecteur droit 88">
+            <a:extLst>
+              <a:ext uri="{FF2B5EF4-FFF2-40B4-BE49-F238E27FC236}">
+                <a16:creationId xmlns:a16="http://schemas.microsoft.com/office/drawing/2014/main" id="{AC4CA023-24CA-48D5-A2E8-5CF010B1369E}"/>
+              </a:ext>
+            </a:extLst>
+          </p:cNvPr>
+          <p:cNvCxnSpPr>
+            <a:cxnSpLocks/>
+          </p:cNvCxnSpPr>
+          <p:nvPr/>
+        </p:nvCxnSpPr>
+        <p:spPr>
+          <a:xfrm flipV="1">
+            <a:off x="2951956" y="624365"/>
+            <a:ext cx="0" cy="866298"/>
+          </a:xfrm>
+          <a:prstGeom prst="line">
+            <a:avLst/>
+          </a:prstGeom>
+          <a:ln w="12700">
+            <a:solidFill>
+              <a:schemeClr val="tx1"/>
+            </a:solidFill>
+            <a:headEnd type="none" w="lg" len="lg"/>
+            <a:tailEnd type="triangle" w="lg" len="lg"/>
+          </a:ln>
+        </p:spPr>
+        <p:style>
+          <a:lnRef idx="1">
+            <a:schemeClr val="accent1"/>
+          </a:lnRef>
+          <a:fillRef idx="0">
+            <a:schemeClr val="accent1"/>
+          </a:fillRef>
+          <a:effectRef idx="0">
+            <a:schemeClr val="accent1"/>
+          </a:effectRef>
+          <a:fontRef idx="minor">
+            <a:schemeClr val="tx1"/>
+          </a:fontRef>
+        </p:style>
+      </p:cxnSp>
+      <p:cxnSp>
+        <p:nvCxnSpPr>
+          <p:cNvPr id="95" name="Connecteur droit 94">
+            <a:extLst>
+              <a:ext uri="{FF2B5EF4-FFF2-40B4-BE49-F238E27FC236}">
+                <a16:creationId xmlns:a16="http://schemas.microsoft.com/office/drawing/2014/main" id="{E196C5BF-B6D7-46CB-9256-637BF115F2A2}"/>
+              </a:ext>
+            </a:extLst>
+          </p:cNvPr>
+          <p:cNvCxnSpPr>
+            <a:cxnSpLocks/>
+          </p:cNvCxnSpPr>
+          <p:nvPr/>
+        </p:nvCxnSpPr>
+        <p:spPr>
+          <a:xfrm rot="7200000" flipV="1">
+            <a:off x="4233759" y="2842474"/>
+            <a:ext cx="0" cy="939874"/>
+          </a:xfrm>
+          <a:prstGeom prst="line">
+            <a:avLst/>
+          </a:prstGeom>
+          <a:ln w="12700">
+            <a:solidFill>
+              <a:schemeClr val="tx1"/>
+            </a:solidFill>
+            <a:headEnd type="none" w="lg" len="lg"/>
+            <a:tailEnd type="triangle" w="lg" len="lg"/>
+          </a:ln>
+        </p:spPr>
+        <p:style>
+          <a:lnRef idx="1">
+            <a:schemeClr val="accent1"/>
+          </a:lnRef>
+          <a:fillRef idx="0">
+            <a:schemeClr val="accent1"/>
+          </a:fillRef>
+          <a:effectRef idx="0">
+            <a:schemeClr val="accent1"/>
+          </a:effectRef>
+          <a:fontRef idx="minor">
+            <a:schemeClr val="tx1"/>
+          </a:fontRef>
+        </p:style>
+      </p:cxnSp>
+      <p:cxnSp>
+        <p:nvCxnSpPr>
+          <p:cNvPr id="99" name="Connecteur droit 98">
+            <a:extLst>
+              <a:ext uri="{FF2B5EF4-FFF2-40B4-BE49-F238E27FC236}">
+                <a16:creationId xmlns:a16="http://schemas.microsoft.com/office/drawing/2014/main" id="{C1FE824A-CF3F-4153-8FB3-FB2605F1B652}"/>
+              </a:ext>
+            </a:extLst>
+          </p:cNvPr>
+          <p:cNvCxnSpPr>
+            <a:cxnSpLocks/>
+          </p:cNvCxnSpPr>
+          <p:nvPr/>
+        </p:nvCxnSpPr>
+        <p:spPr>
+          <a:xfrm rot="14400000" flipV="1">
+            <a:off x="1680587" y="2854192"/>
+            <a:ext cx="0" cy="939874"/>
+          </a:xfrm>
+          <a:prstGeom prst="line">
+            <a:avLst/>
+          </a:prstGeom>
+          <a:ln w="12700">
+            <a:solidFill>
+              <a:schemeClr val="tx1"/>
+            </a:solidFill>
+            <a:headEnd type="none" w="lg" len="lg"/>
+            <a:tailEnd type="triangle" w="lg" len="lg"/>
+          </a:ln>
+        </p:spPr>
+        <p:style>
+          <a:lnRef idx="1">
+            <a:schemeClr val="accent1"/>
+          </a:lnRef>
+          <a:fillRef idx="0">
+            <a:schemeClr val="accent1"/>
+          </a:fillRef>
+          <a:effectRef idx="0">
+            <a:schemeClr val="accent1"/>
+          </a:effectRef>
+          <a:fontRef idx="minor">
+            <a:schemeClr val="tx1"/>
+          </a:fontRef>
+        </p:style>
+      </p:cxnSp>
+      <p:cxnSp>
+        <p:nvCxnSpPr>
+          <p:cNvPr id="100" name="Connecteur droit 99">
+            <a:extLst>
+              <a:ext uri="{FF2B5EF4-FFF2-40B4-BE49-F238E27FC236}">
+                <a16:creationId xmlns:a16="http://schemas.microsoft.com/office/drawing/2014/main" id="{23440B1E-B0C5-439D-B055-5A7C66AAE730}"/>
+              </a:ext>
+            </a:extLst>
+          </p:cNvPr>
+          <p:cNvCxnSpPr>
+            <a:cxnSpLocks/>
+          </p:cNvCxnSpPr>
+          <p:nvPr/>
+        </p:nvCxnSpPr>
+        <p:spPr>
+          <a:xfrm>
+            <a:off x="1213143" y="3593306"/>
+            <a:ext cx="7143" cy="26194"/>
+          </a:xfrm>
+          <a:prstGeom prst="line">
+            <a:avLst/>
+          </a:prstGeom>
+          <a:ln w="6350">
+            <a:solidFill>
+              <a:schemeClr val="tx1"/>
+            </a:solidFill>
+            <a:headEnd type="oval" w="lg" len="lg"/>
+            <a:tailEnd type="oval" w="sm" len="sm"/>
+          </a:ln>
+        </p:spPr>
+        <p:style>
+          <a:lnRef idx="1">
+            <a:schemeClr val="accent1"/>
+          </a:lnRef>
+          <a:fillRef idx="0">
+            <a:schemeClr val="accent1"/>
+          </a:fillRef>
+          <a:effectRef idx="0">
+            <a:schemeClr val="accent1"/>
+          </a:effectRef>
+          <a:fontRef idx="minor">
+            <a:schemeClr val="tx1"/>
+          </a:fontRef>
+        </p:style>
+      </p:cxnSp>
+      <p:sp>
+        <p:nvSpPr>
+          <p:cNvPr id="109" name="Forme libre : forme 108">
+            <a:extLst>
+              <a:ext uri="{FF2B5EF4-FFF2-40B4-BE49-F238E27FC236}">
+                <a16:creationId xmlns:a16="http://schemas.microsoft.com/office/drawing/2014/main" id="{38BF95D1-8ACF-4662-8EB3-979B8A6819D2}"/>
+              </a:ext>
+            </a:extLst>
+          </p:cNvPr>
+          <p:cNvSpPr/>
+          <p:nvPr/>
+        </p:nvSpPr>
+        <p:spPr>
+          <a:xfrm>
+            <a:off x="3043714" y="1605915"/>
+            <a:ext cx="1634966" cy="1906905"/>
+          </a:xfrm>
+          <a:custGeom>
+            <a:avLst/>
+            <a:gdLst>
+              <a:gd name="connsiteX0" fmla="*/ 0 w 1737360"/>
+              <a:gd name="connsiteY0" fmla="*/ 0 h 1935480"/>
+              <a:gd name="connsiteX1" fmla="*/ 1249680 w 1737360"/>
+              <a:gd name="connsiteY1" fmla="*/ 731520 h 1935480"/>
+              <a:gd name="connsiteX2" fmla="*/ 1737360 w 1737360"/>
+              <a:gd name="connsiteY2" fmla="*/ 1935480 h 1935480"/>
+              <a:gd name="connsiteX0" fmla="*/ 0 w 1737360"/>
+              <a:gd name="connsiteY0" fmla="*/ 0 h 1935480"/>
+              <a:gd name="connsiteX1" fmla="*/ 1112520 w 1737360"/>
+              <a:gd name="connsiteY1" fmla="*/ 678180 h 1935480"/>
+              <a:gd name="connsiteX2" fmla="*/ 1737360 w 1737360"/>
+              <a:gd name="connsiteY2" fmla="*/ 1935480 h 1935480"/>
+              <a:gd name="connsiteX0" fmla="*/ 0 w 1737360"/>
+              <a:gd name="connsiteY0" fmla="*/ 0 h 1935480"/>
+              <a:gd name="connsiteX1" fmla="*/ 1120140 w 1737360"/>
+              <a:gd name="connsiteY1" fmla="*/ 708660 h 1935480"/>
+              <a:gd name="connsiteX2" fmla="*/ 1737360 w 1737360"/>
+              <a:gd name="connsiteY2" fmla="*/ 1935480 h 1935480"/>
+              <a:gd name="connsiteX0" fmla="*/ 0 w 1627822"/>
+              <a:gd name="connsiteY0" fmla="*/ 0 h 1880711"/>
+              <a:gd name="connsiteX1" fmla="*/ 1010602 w 1627822"/>
+              <a:gd name="connsiteY1" fmla="*/ 653891 h 1880711"/>
+              <a:gd name="connsiteX2" fmla="*/ 1627822 w 1627822"/>
+              <a:gd name="connsiteY2" fmla="*/ 1880711 h 1880711"/>
+              <a:gd name="connsiteX0" fmla="*/ 0 w 1634966"/>
+              <a:gd name="connsiteY0" fmla="*/ 0 h 1906905"/>
+              <a:gd name="connsiteX1" fmla="*/ 1017746 w 1634966"/>
+              <a:gd name="connsiteY1" fmla="*/ 680085 h 1906905"/>
+              <a:gd name="connsiteX2" fmla="*/ 1634966 w 1634966"/>
+              <a:gd name="connsiteY2" fmla="*/ 1906905 h 1906905"/>
+            </a:gdLst>
+            <a:ahLst/>
+            <a:cxnLst>
+              <a:cxn ang="0">
+                <a:pos x="connsiteX0" y="connsiteY0"/>
+              </a:cxn>
+              <a:cxn ang="0">
+                <a:pos x="connsiteX1" y="connsiteY1"/>
+              </a:cxn>
+              <a:cxn ang="0">
+                <a:pos x="connsiteX2" y="connsiteY2"/>
+              </a:cxn>
+            </a:cxnLst>
+            <a:rect l="l" t="t" r="r" b="b"/>
+            <a:pathLst>
+              <a:path w="1634966" h="1906905">
+                <a:moveTo>
+                  <a:pt x="0" y="0"/>
+                </a:moveTo>
+                <a:cubicBezTo>
+                  <a:pt x="480060" y="204470"/>
+                  <a:pt x="728186" y="357505"/>
+                  <a:pt x="1017746" y="680085"/>
+                </a:cubicBezTo>
+                <a:cubicBezTo>
+                  <a:pt x="1307306" y="1002665"/>
+                  <a:pt x="1535906" y="1466215"/>
+                  <a:pt x="1634966" y="1906905"/>
+                </a:cubicBezTo>
+              </a:path>
+            </a:pathLst>
+          </a:custGeom>
+          <a:noFill/>
+          <a:ln w="12700">
+            <a:solidFill>
+              <a:schemeClr val="tx1"/>
+            </a:solidFill>
+            <a:tailEnd type="triangle" w="lg" len="lg"/>
+          </a:ln>
+        </p:spPr>
+        <p:style>
+          <a:lnRef idx="2">
+            <a:schemeClr val="accent1">
+              <a:shade val="50000"/>
+            </a:schemeClr>
+          </a:lnRef>
+          <a:fillRef idx="1">
+            <a:schemeClr val="accent1"/>
+          </a:fillRef>
+          <a:effectRef idx="0">
+            <a:schemeClr val="accent1"/>
+          </a:effectRef>
+          <a:fontRef idx="minor">
+            <a:schemeClr val="lt1"/>
+          </a:fontRef>
+        </p:style>
+        <p:txBody>
+          <a:bodyPr rtlCol="0" anchor="ctr"/>
+          <a:lstStyle/>
+          <a:p>
+            <a:pPr algn="ctr"/>
+            <a:endParaRPr lang="fr-FR"/>
+          </a:p>
+        </p:txBody>
+      </p:sp>
+      <p:sp>
+        <p:nvSpPr>
+          <p:cNvPr id="18" name="Triangle isocèle 17">
+            <a:extLst>
+              <a:ext uri="{FF2B5EF4-FFF2-40B4-BE49-F238E27FC236}">
+                <a16:creationId xmlns:a16="http://schemas.microsoft.com/office/drawing/2014/main" id="{DAE85F25-A940-494E-A4C7-426F1839A1EC}"/>
+              </a:ext>
+            </a:extLst>
+          </p:cNvPr>
+          <p:cNvSpPr/>
+          <p:nvPr/>
+        </p:nvSpPr>
+        <p:spPr>
+          <a:xfrm>
+            <a:off x="4633594" y="3518701"/>
+            <a:ext cx="146100" cy="125949"/>
+          </a:xfrm>
+          <a:prstGeom prst="triangle">
+            <a:avLst/>
+          </a:prstGeom>
+          <a:solidFill>
+            <a:schemeClr val="accent2"/>
+          </a:solidFill>
+          <a:ln>
+            <a:solidFill>
+              <a:schemeClr val="accent2"/>
+            </a:solidFill>
+          </a:ln>
+        </p:spPr>
+        <p:style>
+          <a:lnRef idx="2">
+            <a:schemeClr val="accent1">
+              <a:shade val="50000"/>
+            </a:schemeClr>
+          </a:lnRef>
+          <a:fillRef idx="1">
+            <a:schemeClr val="accent1"/>
+          </a:fillRef>
+          <a:effectRef idx="0">
+            <a:schemeClr val="accent1"/>
+          </a:effectRef>
+          <a:fontRef idx="minor">
+            <a:schemeClr val="lt1"/>
+          </a:fontRef>
+        </p:style>
+        <p:txBody>
+          <a:bodyPr rtlCol="0" anchor="ctr"/>
+          <a:lstStyle/>
+          <a:p>
+            <a:pPr algn="ctr"/>
+            <a:endParaRPr lang="fr-FR"/>
+          </a:p>
+        </p:txBody>
+      </p:sp>
+      <p:sp>
+        <p:nvSpPr>
+          <p:cNvPr id="19" name="Rectangle 18">
+            <a:extLst>
+              <a:ext uri="{FF2B5EF4-FFF2-40B4-BE49-F238E27FC236}">
+                <a16:creationId xmlns:a16="http://schemas.microsoft.com/office/drawing/2014/main" id="{909921D6-7A76-4076-8178-B4E319DA7530}"/>
+              </a:ext>
+            </a:extLst>
+          </p:cNvPr>
+          <p:cNvSpPr/>
+          <p:nvPr/>
+        </p:nvSpPr>
+        <p:spPr>
+          <a:xfrm flipH="1">
+            <a:off x="2890766" y="1508484"/>
+            <a:ext cx="124614" cy="124614"/>
+          </a:xfrm>
+          <a:prstGeom prst="rect">
+            <a:avLst/>
+          </a:prstGeom>
+          <a:solidFill>
+            <a:schemeClr val="accent1"/>
+          </a:solidFill>
+          <a:ln>
+            <a:solidFill>
+              <a:schemeClr val="accent1"/>
+            </a:solidFill>
+          </a:ln>
+        </p:spPr>
+        <p:style>
+          <a:lnRef idx="2">
+            <a:schemeClr val="accent1">
+              <a:shade val="50000"/>
+            </a:schemeClr>
+          </a:lnRef>
+          <a:fillRef idx="1">
+            <a:schemeClr val="accent1"/>
+          </a:fillRef>
+          <a:effectRef idx="0">
+            <a:schemeClr val="accent1"/>
+          </a:effectRef>
+          <a:fontRef idx="minor">
+            <a:schemeClr val="lt1"/>
+          </a:fontRef>
+        </p:style>
+        <p:txBody>
+          <a:bodyPr rtlCol="0" anchor="ctr"/>
+          <a:lstStyle/>
+          <a:p>
+            <a:pPr algn="ctr"/>
+            <a:endParaRPr lang="fr-FR"/>
+          </a:p>
+        </p:txBody>
+      </p:sp>
+    </p:spTree>
+    <p:extLst>
+      <p:ext uri="{BB962C8B-B14F-4D97-AF65-F5344CB8AC3E}">
+        <p14:creationId xmlns:p14="http://schemas.microsoft.com/office/powerpoint/2010/main" val="3545321047"/>
+      </p:ext>
+    </p:extLst>
+  </p:cSld>
+  <p:clrMapOvr>
+    <a:masterClrMapping/>
+  </p:clrMapOvr>
+</p:sld>
+</file>
+
+<file path=ppt/slides/slide5.xml><?xml version="1.0" encoding="utf-8"?>
 <p:sld xmlns:a="http://schemas.openxmlformats.org/drawingml/2006/main" xmlns:r="http://schemas.openxmlformats.org/officeDocument/2006/relationships" xmlns:p="http://schemas.openxmlformats.org/presentationml/2006/main">
   <p:cSld>
     <p:spTree>
